--- a/submission_version/ProjectPresentation.pptx
+++ b/submission_version/ProjectPresentation.pptx
@@ -5,7 +5,7 @@
     <p:sldMasterId id="2147483648" r:id="rId1"/>
   </p:sldMasterIdLst>
   <p:notesMasterIdLst>
-    <p:notesMasterId r:id="rId12"/>
+    <p:notesMasterId r:id="rId15"/>
   </p:notesMasterIdLst>
   <p:sldIdLst>
     <p:sldId id="257" r:id="rId2"/>
@@ -17,7 +17,10 @@
     <p:sldId id="287" r:id="rId8"/>
     <p:sldId id="288" r:id="rId9"/>
     <p:sldId id="285" r:id="rId10"/>
-    <p:sldId id="277" r:id="rId11"/>
+    <p:sldId id="289" r:id="rId11"/>
+    <p:sldId id="290" r:id="rId12"/>
+    <p:sldId id="291" r:id="rId13"/>
+    <p:sldId id="277" r:id="rId14"/>
   </p:sldIdLst>
   <p:sldSz cx="12192000" cy="6858000"/>
   <p:notesSz cx="6858000" cy="9144000"/>
@@ -495,7 +498,7 @@
           <p:cNvPr id="4" name="Rectangle 2">
             <a:extLst>
               <a:ext uri="{FF2B5EF4-FFF2-40B4-BE49-F238E27FC236}">
-                <a16:creationId xmlns:a16="http://schemas.microsoft.com/office/drawing/2014/main" xmlns="" id="{792E852A-87DE-4937-BF06-98C61ACE5009}"/>
+                <a16:creationId xmlns:a16="http://schemas.microsoft.com/office/drawing/2014/main" id="{792E852A-87DE-4937-BF06-98C61ACE5009}"/>
               </a:ext>
             </a:extLst>
           </p:cNvPr>
@@ -629,7 +632,7 @@
           <p:cNvPr id="5" name="Rectangle 3">
             <a:extLst>
               <a:ext uri="{FF2B5EF4-FFF2-40B4-BE49-F238E27FC236}">
-                <a16:creationId xmlns:a16="http://schemas.microsoft.com/office/drawing/2014/main" xmlns="" id="{B3A8FD38-FC98-444B-873E-8186AFDD1DD6}"/>
+                <a16:creationId xmlns:a16="http://schemas.microsoft.com/office/drawing/2014/main" id="{B3A8FD38-FC98-444B-873E-8186AFDD1DD6}"/>
               </a:ext>
             </a:extLst>
           </p:cNvPr>
@@ -763,7 +766,7 @@
           <p:cNvPr id="6" name="Rectangle 6">
             <a:extLst>
               <a:ext uri="{FF2B5EF4-FFF2-40B4-BE49-F238E27FC236}">
-                <a16:creationId xmlns:a16="http://schemas.microsoft.com/office/drawing/2014/main" xmlns="" id="{85D34026-543F-46DF-88BD-5C10BDF9E7A4}"/>
+                <a16:creationId xmlns:a16="http://schemas.microsoft.com/office/drawing/2014/main" id="{85D34026-543F-46DF-88BD-5C10BDF9E7A4}"/>
               </a:ext>
             </a:extLst>
           </p:cNvPr>
@@ -897,7 +900,7 @@
           <p:cNvPr id="7" name="Rectangle 7">
             <a:extLst>
               <a:ext uri="{FF2B5EF4-FFF2-40B4-BE49-F238E27FC236}">
-                <a16:creationId xmlns:a16="http://schemas.microsoft.com/office/drawing/2014/main" xmlns="" id="{F058D2D1-D04C-4405-A121-F5378185D6FE}"/>
+                <a16:creationId xmlns:a16="http://schemas.microsoft.com/office/drawing/2014/main" id="{F058D2D1-D04C-4405-A121-F5378185D6FE}"/>
               </a:ext>
             </a:extLst>
           </p:cNvPr>
@@ -1036,7 +1039,7 @@
           <p:cNvPr id="66562" name="Rectangle 2">
             <a:extLst>
               <a:ext uri="{FF2B5EF4-FFF2-40B4-BE49-F238E27FC236}">
-                <a16:creationId xmlns:a16="http://schemas.microsoft.com/office/drawing/2014/main" xmlns="" id="{450581E9-608E-47B0-8AD8-AE2D15D4A015}"/>
+                <a16:creationId xmlns:a16="http://schemas.microsoft.com/office/drawing/2014/main" id="{450581E9-608E-47B0-8AD8-AE2D15D4A015}"/>
               </a:ext>
             </a:extLst>
           </p:cNvPr>
@@ -1051,7 +1054,7 @@
           <a:ln/>
           <a:extLst>
             <a:ext uri="{FAA26D3D-D897-4be2-8F04-BA451C77F1D7}">
-              <ma14:placeholderFlag xmlns:ma14="http://schemas.microsoft.com/office/mac/drawingml/2011/main" val="1"/>
+              <ma14:placeholderFlag xmlns:ma14="http://schemas.microsoft.com/office/mac/drawingml/2011/main" xmlns="" val="1"/>
             </a:ext>
           </a:extLst>
         </p:spPr>
@@ -1061,7 +1064,7 @@
           <p:cNvPr id="66563" name="Rectangle 3">
             <a:extLst>
               <a:ext uri="{FF2B5EF4-FFF2-40B4-BE49-F238E27FC236}">
-                <a16:creationId xmlns:a16="http://schemas.microsoft.com/office/drawing/2014/main" xmlns="" id="{910BD270-E368-4C26-8856-0A3E0D43A7D4}"/>
+                <a16:creationId xmlns:a16="http://schemas.microsoft.com/office/drawing/2014/main" id="{910BD270-E368-4C26-8856-0A3E0D43A7D4}"/>
               </a:ext>
             </a:extLst>
           </p:cNvPr>
@@ -1126,7 +1129,7 @@
           <p:cNvPr id="2" name="标题 1">
             <a:extLst>
               <a:ext uri="{FF2B5EF4-FFF2-40B4-BE49-F238E27FC236}">
-                <a16:creationId xmlns:a16="http://schemas.microsoft.com/office/drawing/2014/main" xmlns="" id="{7375BD95-7D58-4204-96CF-98B300DE59DA}"/>
+                <a16:creationId xmlns:a16="http://schemas.microsoft.com/office/drawing/2014/main" id="{7375BD95-7D58-4204-96CF-98B300DE59DA}"/>
               </a:ext>
             </a:extLst>
           </p:cNvPr>
@@ -1163,7 +1166,7 @@
           <p:cNvPr id="3" name="副标题 2">
             <a:extLst>
               <a:ext uri="{FF2B5EF4-FFF2-40B4-BE49-F238E27FC236}">
-                <a16:creationId xmlns:a16="http://schemas.microsoft.com/office/drawing/2014/main" xmlns="" id="{0E263646-5761-4254-AA2C-0A8A3FD1F8E1}"/>
+                <a16:creationId xmlns:a16="http://schemas.microsoft.com/office/drawing/2014/main" id="{0E263646-5761-4254-AA2C-0A8A3FD1F8E1}"/>
               </a:ext>
             </a:extLst>
           </p:cNvPr>
@@ -1233,7 +1236,7 @@
           <p:cNvPr id="4" name="日期占位符 3">
             <a:extLst>
               <a:ext uri="{FF2B5EF4-FFF2-40B4-BE49-F238E27FC236}">
-                <a16:creationId xmlns:a16="http://schemas.microsoft.com/office/drawing/2014/main" xmlns="" id="{83D4FD9D-6038-4EF7-9B27-F10523B38447}"/>
+                <a16:creationId xmlns:a16="http://schemas.microsoft.com/office/drawing/2014/main" id="{83D4FD9D-6038-4EF7-9B27-F10523B38447}"/>
               </a:ext>
             </a:extLst>
           </p:cNvPr>
@@ -1262,7 +1265,7 @@
           <p:cNvPr id="5" name="页脚占位符 4">
             <a:extLst>
               <a:ext uri="{FF2B5EF4-FFF2-40B4-BE49-F238E27FC236}">
-                <a16:creationId xmlns:a16="http://schemas.microsoft.com/office/drawing/2014/main" xmlns="" id="{368E3FBB-0FB8-413F-8E09-0500AF9192C0}"/>
+                <a16:creationId xmlns:a16="http://schemas.microsoft.com/office/drawing/2014/main" id="{368E3FBB-0FB8-413F-8E09-0500AF9192C0}"/>
               </a:ext>
             </a:extLst>
           </p:cNvPr>
@@ -1287,7 +1290,7 @@
           <p:cNvPr id="6" name="灯片编号占位符 5">
             <a:extLst>
               <a:ext uri="{FF2B5EF4-FFF2-40B4-BE49-F238E27FC236}">
-                <a16:creationId xmlns:a16="http://schemas.microsoft.com/office/drawing/2014/main" xmlns="" id="{2CEB6475-F83A-4573-B902-C4104EF59F99}"/>
+                <a16:creationId xmlns:a16="http://schemas.microsoft.com/office/drawing/2014/main" id="{2CEB6475-F83A-4573-B902-C4104EF59F99}"/>
               </a:ext>
             </a:extLst>
           </p:cNvPr>
@@ -1346,7 +1349,7 @@
           <p:cNvPr id="2" name="标题 1">
             <a:extLst>
               <a:ext uri="{FF2B5EF4-FFF2-40B4-BE49-F238E27FC236}">
-                <a16:creationId xmlns:a16="http://schemas.microsoft.com/office/drawing/2014/main" xmlns="" id="{D835C055-2CDE-4DCC-9844-CD5A4DAADCFB}"/>
+                <a16:creationId xmlns:a16="http://schemas.microsoft.com/office/drawing/2014/main" id="{D835C055-2CDE-4DCC-9844-CD5A4DAADCFB}"/>
               </a:ext>
             </a:extLst>
           </p:cNvPr>
@@ -1374,7 +1377,7 @@
           <p:cNvPr id="3" name="竖排文字占位符 2">
             <a:extLst>
               <a:ext uri="{FF2B5EF4-FFF2-40B4-BE49-F238E27FC236}">
-                <a16:creationId xmlns:a16="http://schemas.microsoft.com/office/drawing/2014/main" xmlns="" id="{5267BC54-D4DD-48E3-A0A8-707573C5B1BF}"/>
+                <a16:creationId xmlns:a16="http://schemas.microsoft.com/office/drawing/2014/main" id="{5267BC54-D4DD-48E3-A0A8-707573C5B1BF}"/>
               </a:ext>
             </a:extLst>
           </p:cNvPr>
@@ -1431,7 +1434,7 @@
           <p:cNvPr id="4" name="日期占位符 3">
             <a:extLst>
               <a:ext uri="{FF2B5EF4-FFF2-40B4-BE49-F238E27FC236}">
-                <a16:creationId xmlns:a16="http://schemas.microsoft.com/office/drawing/2014/main" xmlns="" id="{98E629EE-7BE4-44CE-844E-C7F086DEEAAA}"/>
+                <a16:creationId xmlns:a16="http://schemas.microsoft.com/office/drawing/2014/main" id="{98E629EE-7BE4-44CE-844E-C7F086DEEAAA}"/>
               </a:ext>
             </a:extLst>
           </p:cNvPr>
@@ -1460,7 +1463,7 @@
           <p:cNvPr id="5" name="页脚占位符 4">
             <a:extLst>
               <a:ext uri="{FF2B5EF4-FFF2-40B4-BE49-F238E27FC236}">
-                <a16:creationId xmlns:a16="http://schemas.microsoft.com/office/drawing/2014/main" xmlns="" id="{F460D7CF-1771-453A-987B-35594ABFF88A}"/>
+                <a16:creationId xmlns:a16="http://schemas.microsoft.com/office/drawing/2014/main" id="{F460D7CF-1771-453A-987B-35594ABFF88A}"/>
               </a:ext>
             </a:extLst>
           </p:cNvPr>
@@ -1485,7 +1488,7 @@
           <p:cNvPr id="6" name="灯片编号占位符 5">
             <a:extLst>
               <a:ext uri="{FF2B5EF4-FFF2-40B4-BE49-F238E27FC236}">
-                <a16:creationId xmlns:a16="http://schemas.microsoft.com/office/drawing/2014/main" xmlns="" id="{FE90705C-A2EE-49C0-B9E2-DAEE727E7991}"/>
+                <a16:creationId xmlns:a16="http://schemas.microsoft.com/office/drawing/2014/main" id="{FE90705C-A2EE-49C0-B9E2-DAEE727E7991}"/>
               </a:ext>
             </a:extLst>
           </p:cNvPr>
@@ -1544,7 +1547,7 @@
           <p:cNvPr id="2" name="竖排标题 1">
             <a:extLst>
               <a:ext uri="{FF2B5EF4-FFF2-40B4-BE49-F238E27FC236}">
-                <a16:creationId xmlns:a16="http://schemas.microsoft.com/office/drawing/2014/main" xmlns="" id="{A675053A-4FFB-4C1D-9149-9C588F917536}"/>
+                <a16:creationId xmlns:a16="http://schemas.microsoft.com/office/drawing/2014/main" id="{A675053A-4FFB-4C1D-9149-9C588F917536}"/>
               </a:ext>
             </a:extLst>
           </p:cNvPr>
@@ -1577,7 +1580,7 @@
           <p:cNvPr id="3" name="竖排文字占位符 2">
             <a:extLst>
               <a:ext uri="{FF2B5EF4-FFF2-40B4-BE49-F238E27FC236}">
-                <a16:creationId xmlns:a16="http://schemas.microsoft.com/office/drawing/2014/main" xmlns="" id="{8F7D7A39-F92C-4237-B5B8-F2EBD3B1625D}"/>
+                <a16:creationId xmlns:a16="http://schemas.microsoft.com/office/drawing/2014/main" id="{8F7D7A39-F92C-4237-B5B8-F2EBD3B1625D}"/>
               </a:ext>
             </a:extLst>
           </p:cNvPr>
@@ -1639,7 +1642,7 @@
           <p:cNvPr id="4" name="日期占位符 3">
             <a:extLst>
               <a:ext uri="{FF2B5EF4-FFF2-40B4-BE49-F238E27FC236}">
-                <a16:creationId xmlns:a16="http://schemas.microsoft.com/office/drawing/2014/main" xmlns="" id="{C974A543-C93D-4948-B2F1-B2DDE9875329}"/>
+                <a16:creationId xmlns:a16="http://schemas.microsoft.com/office/drawing/2014/main" id="{C974A543-C93D-4948-B2F1-B2DDE9875329}"/>
               </a:ext>
             </a:extLst>
           </p:cNvPr>
@@ -1668,7 +1671,7 @@
           <p:cNvPr id="5" name="页脚占位符 4">
             <a:extLst>
               <a:ext uri="{FF2B5EF4-FFF2-40B4-BE49-F238E27FC236}">
-                <a16:creationId xmlns:a16="http://schemas.microsoft.com/office/drawing/2014/main" xmlns="" id="{A54F9740-D157-480F-BA21-92F655073BCB}"/>
+                <a16:creationId xmlns:a16="http://schemas.microsoft.com/office/drawing/2014/main" id="{A54F9740-D157-480F-BA21-92F655073BCB}"/>
               </a:ext>
             </a:extLst>
           </p:cNvPr>
@@ -1693,7 +1696,7 @@
           <p:cNvPr id="6" name="灯片编号占位符 5">
             <a:extLst>
               <a:ext uri="{FF2B5EF4-FFF2-40B4-BE49-F238E27FC236}">
-                <a16:creationId xmlns:a16="http://schemas.microsoft.com/office/drawing/2014/main" xmlns="" id="{3C151BA2-01D1-42C3-A0F2-2025433CA0EC}"/>
+                <a16:creationId xmlns:a16="http://schemas.microsoft.com/office/drawing/2014/main" id="{3C151BA2-01D1-42C3-A0F2-2025433CA0EC}"/>
               </a:ext>
             </a:extLst>
           </p:cNvPr>
@@ -1752,7 +1755,7 @@
           <p:cNvPr id="2" name="Picture 2">
             <a:extLst>
               <a:ext uri="{FF2B5EF4-FFF2-40B4-BE49-F238E27FC236}">
-                <a16:creationId xmlns:a16="http://schemas.microsoft.com/office/drawing/2014/main" xmlns="" id="{6BA3F12E-7BFE-4854-A0B0-86609CC76A8A}"/>
+                <a16:creationId xmlns:a16="http://schemas.microsoft.com/office/drawing/2014/main" id="{6BA3F12E-7BFE-4854-A0B0-86609CC76A8A}"/>
               </a:ext>
             </a:extLst>
           </p:cNvPr>
@@ -1789,14 +1792,14 @@
           <a:effectLst/>
           <a:extLst>
             <a:ext uri="{909E8E84-426E-40dd-AFC4-6F175D3DCCD1}">
-              <a14:hiddenFill xmlns:a14="http://schemas.microsoft.com/office/drawing/2010/main" xmlns="">
+              <a14:hiddenFill xmlns="" xmlns:a14="http://schemas.microsoft.com/office/drawing/2010/main">
                 <a:solidFill>
                   <a:schemeClr val="accent1"/>
                 </a:solidFill>
               </a14:hiddenFill>
             </a:ext>
             <a:ext uri="{91240B29-F687-4f45-9708-019B960494DF}">
-              <a14:hiddenLine xmlns:a14="http://schemas.microsoft.com/office/drawing/2010/main" xmlns="" w="12700">
+              <a14:hiddenLine xmlns="" xmlns:a14="http://schemas.microsoft.com/office/drawing/2010/main" w="12700">
                 <a:solidFill>
                   <a:schemeClr val="tx1"/>
                 </a:solidFill>
@@ -1806,7 +1809,7 @@
               </a14:hiddenLine>
             </a:ext>
             <a:ext uri="{AF507438-7753-43e0-B8FC-AC1667EBCBE1}">
-              <a14:hiddenEffects xmlns:a14="http://schemas.microsoft.com/office/drawing/2010/main" xmlns="">
+              <a14:hiddenEffects xmlns="" xmlns:a14="http://schemas.microsoft.com/office/drawing/2010/main">
                 <a:effectLst>
                   <a:outerShdw blurRad="63500" dist="38099" dir="2700000" algn="ctr" rotWithShape="0">
                     <a:schemeClr val="bg2">
@@ -1824,7 +1827,7 @@
           <p:cNvPr id="3" name="Picture 3" descr="bottomlogo">
             <a:extLst>
               <a:ext uri="{FF2B5EF4-FFF2-40B4-BE49-F238E27FC236}">
-                <a16:creationId xmlns:a16="http://schemas.microsoft.com/office/drawing/2014/main" xmlns="" id="{7AB87CA5-7E77-4FB2-AB72-58D2F077BE6F}"/>
+                <a16:creationId xmlns:a16="http://schemas.microsoft.com/office/drawing/2014/main" id="{7AB87CA5-7E77-4FB2-AB72-58D2F077BE6F}"/>
               </a:ext>
             </a:extLst>
           </p:cNvPr>
@@ -1884,7 +1887,7 @@
           <p:cNvPr id="4" name="Line 4">
             <a:extLst>
               <a:ext uri="{FF2B5EF4-FFF2-40B4-BE49-F238E27FC236}">
-                <a16:creationId xmlns:a16="http://schemas.microsoft.com/office/drawing/2014/main" xmlns="" id="{8AD224C9-405F-45A4-B11A-71EED66F46D2}"/>
+                <a16:creationId xmlns:a16="http://schemas.microsoft.com/office/drawing/2014/main" id="{8AD224C9-405F-45A4-B11A-71EED66F46D2}"/>
               </a:ext>
             </a:extLst>
           </p:cNvPr>
@@ -1913,12 +1916,12 @@
           <a:effectLst/>
           <a:extLst>
             <a:ext uri="{909E8E84-426E-40dd-AFC4-6F175D3DCCD1}">
-              <a14:hiddenFill xmlns:a14="http://schemas.microsoft.com/office/drawing/2010/main" xmlns="">
+              <a14:hiddenFill xmlns="" xmlns:a14="http://schemas.microsoft.com/office/drawing/2010/main">
                 <a:noFill/>
               </a14:hiddenFill>
             </a:ext>
             <a:ext uri="{AF507438-7753-43e0-B8FC-AC1667EBCBE1}">
-              <a14:hiddenEffects xmlns:a14="http://schemas.microsoft.com/office/drawing/2010/main" xmlns="">
+              <a14:hiddenEffects xmlns="" xmlns:a14="http://schemas.microsoft.com/office/drawing/2010/main">
                 <a:effectLst>
                   <a:outerShdw blurRad="63500" dist="38099" dir="2700000" algn="ctr" rotWithShape="0">
                     <a:schemeClr val="bg2">
@@ -1980,7 +1983,7 @@
           <p:cNvPr id="2" name="标题 1">
             <a:extLst>
               <a:ext uri="{FF2B5EF4-FFF2-40B4-BE49-F238E27FC236}">
-                <a16:creationId xmlns:a16="http://schemas.microsoft.com/office/drawing/2014/main" xmlns="" id="{5F556B78-9C59-473B-8227-197BF04C0A3B}"/>
+                <a16:creationId xmlns:a16="http://schemas.microsoft.com/office/drawing/2014/main" id="{5F556B78-9C59-473B-8227-197BF04C0A3B}"/>
               </a:ext>
             </a:extLst>
           </p:cNvPr>
@@ -2008,7 +2011,7 @@
           <p:cNvPr id="3" name="内容占位符 2">
             <a:extLst>
               <a:ext uri="{FF2B5EF4-FFF2-40B4-BE49-F238E27FC236}">
-                <a16:creationId xmlns:a16="http://schemas.microsoft.com/office/drawing/2014/main" xmlns="" id="{B63D64D5-CE34-4D5B-800E-C3AADECB6032}"/>
+                <a16:creationId xmlns:a16="http://schemas.microsoft.com/office/drawing/2014/main" id="{B63D64D5-CE34-4D5B-800E-C3AADECB6032}"/>
               </a:ext>
             </a:extLst>
           </p:cNvPr>
@@ -2065,7 +2068,7 @@
           <p:cNvPr id="4" name="日期占位符 3">
             <a:extLst>
               <a:ext uri="{FF2B5EF4-FFF2-40B4-BE49-F238E27FC236}">
-                <a16:creationId xmlns:a16="http://schemas.microsoft.com/office/drawing/2014/main" xmlns="" id="{D8DA8FD1-2A82-4236-96BD-6E49DAB778A5}"/>
+                <a16:creationId xmlns:a16="http://schemas.microsoft.com/office/drawing/2014/main" id="{D8DA8FD1-2A82-4236-96BD-6E49DAB778A5}"/>
               </a:ext>
             </a:extLst>
           </p:cNvPr>
@@ -2094,7 +2097,7 @@
           <p:cNvPr id="5" name="页脚占位符 4">
             <a:extLst>
               <a:ext uri="{FF2B5EF4-FFF2-40B4-BE49-F238E27FC236}">
-                <a16:creationId xmlns:a16="http://schemas.microsoft.com/office/drawing/2014/main" xmlns="" id="{87AD26D5-4183-48B0-95C6-DFD8C3B0A4F4}"/>
+                <a16:creationId xmlns:a16="http://schemas.microsoft.com/office/drawing/2014/main" id="{87AD26D5-4183-48B0-95C6-DFD8C3B0A4F4}"/>
               </a:ext>
             </a:extLst>
           </p:cNvPr>
@@ -2119,7 +2122,7 @@
           <p:cNvPr id="6" name="灯片编号占位符 5">
             <a:extLst>
               <a:ext uri="{FF2B5EF4-FFF2-40B4-BE49-F238E27FC236}">
-                <a16:creationId xmlns:a16="http://schemas.microsoft.com/office/drawing/2014/main" xmlns="" id="{9EF4F6AB-ECC3-4570-A255-AC05D94F239F}"/>
+                <a16:creationId xmlns:a16="http://schemas.microsoft.com/office/drawing/2014/main" id="{9EF4F6AB-ECC3-4570-A255-AC05D94F239F}"/>
               </a:ext>
             </a:extLst>
           </p:cNvPr>
@@ -2178,7 +2181,7 @@
           <p:cNvPr id="2" name="标题 1">
             <a:extLst>
               <a:ext uri="{FF2B5EF4-FFF2-40B4-BE49-F238E27FC236}">
-                <a16:creationId xmlns:a16="http://schemas.microsoft.com/office/drawing/2014/main" xmlns="" id="{C9BAB4FF-8D1C-41E4-A438-D1699123DD42}"/>
+                <a16:creationId xmlns:a16="http://schemas.microsoft.com/office/drawing/2014/main" id="{C9BAB4FF-8D1C-41E4-A438-D1699123DD42}"/>
               </a:ext>
             </a:extLst>
           </p:cNvPr>
@@ -2215,7 +2218,7 @@
           <p:cNvPr id="3" name="文本占位符 2">
             <a:extLst>
               <a:ext uri="{FF2B5EF4-FFF2-40B4-BE49-F238E27FC236}">
-                <a16:creationId xmlns:a16="http://schemas.microsoft.com/office/drawing/2014/main" xmlns="" id="{52A26BE5-C88B-4C4E-91B4-78B07B9878C9}"/>
+                <a16:creationId xmlns:a16="http://schemas.microsoft.com/office/drawing/2014/main" id="{52A26BE5-C88B-4C4E-91B4-78B07B9878C9}"/>
               </a:ext>
             </a:extLst>
           </p:cNvPr>
@@ -2340,7 +2343,7 @@
           <p:cNvPr id="4" name="日期占位符 3">
             <a:extLst>
               <a:ext uri="{FF2B5EF4-FFF2-40B4-BE49-F238E27FC236}">
-                <a16:creationId xmlns:a16="http://schemas.microsoft.com/office/drawing/2014/main" xmlns="" id="{1EB32B8A-E1F8-486C-824D-2493FA533B0C}"/>
+                <a16:creationId xmlns:a16="http://schemas.microsoft.com/office/drawing/2014/main" id="{1EB32B8A-E1F8-486C-824D-2493FA533B0C}"/>
               </a:ext>
             </a:extLst>
           </p:cNvPr>
@@ -2369,7 +2372,7 @@
           <p:cNvPr id="5" name="页脚占位符 4">
             <a:extLst>
               <a:ext uri="{FF2B5EF4-FFF2-40B4-BE49-F238E27FC236}">
-                <a16:creationId xmlns:a16="http://schemas.microsoft.com/office/drawing/2014/main" xmlns="" id="{D8283070-4ACA-4742-9164-BA35C76530D7}"/>
+                <a16:creationId xmlns:a16="http://schemas.microsoft.com/office/drawing/2014/main" id="{D8283070-4ACA-4742-9164-BA35C76530D7}"/>
               </a:ext>
             </a:extLst>
           </p:cNvPr>
@@ -2394,7 +2397,7 @@
           <p:cNvPr id="6" name="灯片编号占位符 5">
             <a:extLst>
               <a:ext uri="{FF2B5EF4-FFF2-40B4-BE49-F238E27FC236}">
-                <a16:creationId xmlns:a16="http://schemas.microsoft.com/office/drawing/2014/main" xmlns="" id="{22866480-86A5-490B-9E88-806EC7F74CDA}"/>
+                <a16:creationId xmlns:a16="http://schemas.microsoft.com/office/drawing/2014/main" id="{22866480-86A5-490B-9E88-806EC7F74CDA}"/>
               </a:ext>
             </a:extLst>
           </p:cNvPr>
@@ -2453,7 +2456,7 @@
           <p:cNvPr id="2" name="标题 1">
             <a:extLst>
               <a:ext uri="{FF2B5EF4-FFF2-40B4-BE49-F238E27FC236}">
-                <a16:creationId xmlns:a16="http://schemas.microsoft.com/office/drawing/2014/main" xmlns="" id="{75EC86BD-C379-4549-AE5F-40A9C5344972}"/>
+                <a16:creationId xmlns:a16="http://schemas.microsoft.com/office/drawing/2014/main" id="{75EC86BD-C379-4549-AE5F-40A9C5344972}"/>
               </a:ext>
             </a:extLst>
           </p:cNvPr>
@@ -2481,7 +2484,7 @@
           <p:cNvPr id="3" name="内容占位符 2">
             <a:extLst>
               <a:ext uri="{FF2B5EF4-FFF2-40B4-BE49-F238E27FC236}">
-                <a16:creationId xmlns:a16="http://schemas.microsoft.com/office/drawing/2014/main" xmlns="" id="{B669C1AE-3AB1-4C91-8863-BEF2C4B6A99E}"/>
+                <a16:creationId xmlns:a16="http://schemas.microsoft.com/office/drawing/2014/main" id="{B669C1AE-3AB1-4C91-8863-BEF2C4B6A99E}"/>
               </a:ext>
             </a:extLst>
           </p:cNvPr>
@@ -2543,7 +2546,7 @@
           <p:cNvPr id="4" name="内容占位符 3">
             <a:extLst>
               <a:ext uri="{FF2B5EF4-FFF2-40B4-BE49-F238E27FC236}">
-                <a16:creationId xmlns:a16="http://schemas.microsoft.com/office/drawing/2014/main" xmlns="" id="{9DF9B1CB-FA0C-4F08-A8F6-2F3DE30B7B2D}"/>
+                <a16:creationId xmlns:a16="http://schemas.microsoft.com/office/drawing/2014/main" id="{9DF9B1CB-FA0C-4F08-A8F6-2F3DE30B7B2D}"/>
               </a:ext>
             </a:extLst>
           </p:cNvPr>
@@ -2605,7 +2608,7 @@
           <p:cNvPr id="5" name="日期占位符 4">
             <a:extLst>
               <a:ext uri="{FF2B5EF4-FFF2-40B4-BE49-F238E27FC236}">
-                <a16:creationId xmlns:a16="http://schemas.microsoft.com/office/drawing/2014/main" xmlns="" id="{AC197C08-BF90-4310-928D-CF0DEA98DC7F}"/>
+                <a16:creationId xmlns:a16="http://schemas.microsoft.com/office/drawing/2014/main" id="{AC197C08-BF90-4310-928D-CF0DEA98DC7F}"/>
               </a:ext>
             </a:extLst>
           </p:cNvPr>
@@ -2634,7 +2637,7 @@
           <p:cNvPr id="6" name="页脚占位符 5">
             <a:extLst>
               <a:ext uri="{FF2B5EF4-FFF2-40B4-BE49-F238E27FC236}">
-                <a16:creationId xmlns:a16="http://schemas.microsoft.com/office/drawing/2014/main" xmlns="" id="{FC9B8D20-F745-40D5-891C-73B5842966E9}"/>
+                <a16:creationId xmlns:a16="http://schemas.microsoft.com/office/drawing/2014/main" id="{FC9B8D20-F745-40D5-891C-73B5842966E9}"/>
               </a:ext>
             </a:extLst>
           </p:cNvPr>
@@ -2659,7 +2662,7 @@
           <p:cNvPr id="7" name="灯片编号占位符 6">
             <a:extLst>
               <a:ext uri="{FF2B5EF4-FFF2-40B4-BE49-F238E27FC236}">
-                <a16:creationId xmlns:a16="http://schemas.microsoft.com/office/drawing/2014/main" xmlns="" id="{67931044-4189-4EAE-A91F-A52BE9779BA0}"/>
+                <a16:creationId xmlns:a16="http://schemas.microsoft.com/office/drawing/2014/main" id="{67931044-4189-4EAE-A91F-A52BE9779BA0}"/>
               </a:ext>
             </a:extLst>
           </p:cNvPr>
@@ -2718,7 +2721,7 @@
           <p:cNvPr id="2" name="标题 1">
             <a:extLst>
               <a:ext uri="{FF2B5EF4-FFF2-40B4-BE49-F238E27FC236}">
-                <a16:creationId xmlns:a16="http://schemas.microsoft.com/office/drawing/2014/main" xmlns="" id="{1AD19420-E37B-45E8-8655-3EB1C1E19FAD}"/>
+                <a16:creationId xmlns:a16="http://schemas.microsoft.com/office/drawing/2014/main" id="{1AD19420-E37B-45E8-8655-3EB1C1E19FAD}"/>
               </a:ext>
             </a:extLst>
           </p:cNvPr>
@@ -2751,7 +2754,7 @@
           <p:cNvPr id="3" name="文本占位符 2">
             <a:extLst>
               <a:ext uri="{FF2B5EF4-FFF2-40B4-BE49-F238E27FC236}">
-                <a16:creationId xmlns:a16="http://schemas.microsoft.com/office/drawing/2014/main" xmlns="" id="{7F6321A3-2557-40DF-92FE-3F1B7E0AD09C}"/>
+                <a16:creationId xmlns:a16="http://schemas.microsoft.com/office/drawing/2014/main" id="{7F6321A3-2557-40DF-92FE-3F1B7E0AD09C}"/>
               </a:ext>
             </a:extLst>
           </p:cNvPr>
@@ -2822,7 +2825,7 @@
           <p:cNvPr id="4" name="内容占位符 3">
             <a:extLst>
               <a:ext uri="{FF2B5EF4-FFF2-40B4-BE49-F238E27FC236}">
-                <a16:creationId xmlns:a16="http://schemas.microsoft.com/office/drawing/2014/main" xmlns="" id="{4A8A70DB-9619-4EA2-849D-71F353B19719}"/>
+                <a16:creationId xmlns:a16="http://schemas.microsoft.com/office/drawing/2014/main" id="{4A8A70DB-9619-4EA2-849D-71F353B19719}"/>
               </a:ext>
             </a:extLst>
           </p:cNvPr>
@@ -2884,7 +2887,7 @@
           <p:cNvPr id="5" name="文本占位符 4">
             <a:extLst>
               <a:ext uri="{FF2B5EF4-FFF2-40B4-BE49-F238E27FC236}">
-                <a16:creationId xmlns:a16="http://schemas.microsoft.com/office/drawing/2014/main" xmlns="" id="{34001321-4164-4450-A107-53BA4A85C5E8}"/>
+                <a16:creationId xmlns:a16="http://schemas.microsoft.com/office/drawing/2014/main" id="{34001321-4164-4450-A107-53BA4A85C5E8}"/>
               </a:ext>
             </a:extLst>
           </p:cNvPr>
@@ -2955,7 +2958,7 @@
           <p:cNvPr id="6" name="内容占位符 5">
             <a:extLst>
               <a:ext uri="{FF2B5EF4-FFF2-40B4-BE49-F238E27FC236}">
-                <a16:creationId xmlns:a16="http://schemas.microsoft.com/office/drawing/2014/main" xmlns="" id="{4B34B2D3-6BE0-439F-90CA-476E23787C6D}"/>
+                <a16:creationId xmlns:a16="http://schemas.microsoft.com/office/drawing/2014/main" id="{4B34B2D3-6BE0-439F-90CA-476E23787C6D}"/>
               </a:ext>
             </a:extLst>
           </p:cNvPr>
@@ -3017,7 +3020,7 @@
           <p:cNvPr id="7" name="日期占位符 6">
             <a:extLst>
               <a:ext uri="{FF2B5EF4-FFF2-40B4-BE49-F238E27FC236}">
-                <a16:creationId xmlns:a16="http://schemas.microsoft.com/office/drawing/2014/main" xmlns="" id="{2B1B1AD1-50F7-47ED-A586-7F5BF87DD582}"/>
+                <a16:creationId xmlns:a16="http://schemas.microsoft.com/office/drawing/2014/main" id="{2B1B1AD1-50F7-47ED-A586-7F5BF87DD582}"/>
               </a:ext>
             </a:extLst>
           </p:cNvPr>
@@ -3046,7 +3049,7 @@
           <p:cNvPr id="8" name="页脚占位符 7">
             <a:extLst>
               <a:ext uri="{FF2B5EF4-FFF2-40B4-BE49-F238E27FC236}">
-                <a16:creationId xmlns:a16="http://schemas.microsoft.com/office/drawing/2014/main" xmlns="" id="{D4E08A3E-516F-4CE9-9D4F-A8721C45DA0B}"/>
+                <a16:creationId xmlns:a16="http://schemas.microsoft.com/office/drawing/2014/main" id="{D4E08A3E-516F-4CE9-9D4F-A8721C45DA0B}"/>
               </a:ext>
             </a:extLst>
           </p:cNvPr>
@@ -3071,7 +3074,7 @@
           <p:cNvPr id="9" name="灯片编号占位符 8">
             <a:extLst>
               <a:ext uri="{FF2B5EF4-FFF2-40B4-BE49-F238E27FC236}">
-                <a16:creationId xmlns:a16="http://schemas.microsoft.com/office/drawing/2014/main" xmlns="" id="{21FF94C5-FFE6-42FB-BA99-0866344D1324}"/>
+                <a16:creationId xmlns:a16="http://schemas.microsoft.com/office/drawing/2014/main" id="{21FF94C5-FFE6-42FB-BA99-0866344D1324}"/>
               </a:ext>
             </a:extLst>
           </p:cNvPr>
@@ -3130,7 +3133,7 @@
           <p:cNvPr id="2" name="标题 1">
             <a:extLst>
               <a:ext uri="{FF2B5EF4-FFF2-40B4-BE49-F238E27FC236}">
-                <a16:creationId xmlns:a16="http://schemas.microsoft.com/office/drawing/2014/main" xmlns="" id="{ED97BF8C-511D-4CD3-A44E-6527B0469715}"/>
+                <a16:creationId xmlns:a16="http://schemas.microsoft.com/office/drawing/2014/main" id="{ED97BF8C-511D-4CD3-A44E-6527B0469715}"/>
               </a:ext>
             </a:extLst>
           </p:cNvPr>
@@ -3158,7 +3161,7 @@
           <p:cNvPr id="3" name="日期占位符 2">
             <a:extLst>
               <a:ext uri="{FF2B5EF4-FFF2-40B4-BE49-F238E27FC236}">
-                <a16:creationId xmlns:a16="http://schemas.microsoft.com/office/drawing/2014/main" xmlns="" id="{55CA14BD-1736-40AC-BD7A-36E34DAD4C89}"/>
+                <a16:creationId xmlns:a16="http://schemas.microsoft.com/office/drawing/2014/main" id="{55CA14BD-1736-40AC-BD7A-36E34DAD4C89}"/>
               </a:ext>
             </a:extLst>
           </p:cNvPr>
@@ -3187,7 +3190,7 @@
           <p:cNvPr id="4" name="页脚占位符 3">
             <a:extLst>
               <a:ext uri="{FF2B5EF4-FFF2-40B4-BE49-F238E27FC236}">
-                <a16:creationId xmlns:a16="http://schemas.microsoft.com/office/drawing/2014/main" xmlns="" id="{5CC0CD10-9174-47D5-812A-656971803782}"/>
+                <a16:creationId xmlns:a16="http://schemas.microsoft.com/office/drawing/2014/main" id="{5CC0CD10-9174-47D5-812A-656971803782}"/>
               </a:ext>
             </a:extLst>
           </p:cNvPr>
@@ -3212,7 +3215,7 @@
           <p:cNvPr id="5" name="灯片编号占位符 4">
             <a:extLst>
               <a:ext uri="{FF2B5EF4-FFF2-40B4-BE49-F238E27FC236}">
-                <a16:creationId xmlns:a16="http://schemas.microsoft.com/office/drawing/2014/main" xmlns="" id="{0EC7A1CF-3818-4F32-AEA0-3A5259CDB796}"/>
+                <a16:creationId xmlns:a16="http://schemas.microsoft.com/office/drawing/2014/main" id="{0EC7A1CF-3818-4F32-AEA0-3A5259CDB796}"/>
               </a:ext>
             </a:extLst>
           </p:cNvPr>
@@ -3271,7 +3274,7 @@
           <p:cNvPr id="2" name="日期占位符 1">
             <a:extLst>
               <a:ext uri="{FF2B5EF4-FFF2-40B4-BE49-F238E27FC236}">
-                <a16:creationId xmlns:a16="http://schemas.microsoft.com/office/drawing/2014/main" xmlns="" id="{40CAB408-618A-49F2-8B1A-AE2633758799}"/>
+                <a16:creationId xmlns:a16="http://schemas.microsoft.com/office/drawing/2014/main" id="{40CAB408-618A-49F2-8B1A-AE2633758799}"/>
               </a:ext>
             </a:extLst>
           </p:cNvPr>
@@ -3300,7 +3303,7 @@
           <p:cNvPr id="3" name="页脚占位符 2">
             <a:extLst>
               <a:ext uri="{FF2B5EF4-FFF2-40B4-BE49-F238E27FC236}">
-                <a16:creationId xmlns:a16="http://schemas.microsoft.com/office/drawing/2014/main" xmlns="" id="{BBB02F42-8E7C-4FA8-A02E-1242BBC2F698}"/>
+                <a16:creationId xmlns:a16="http://schemas.microsoft.com/office/drawing/2014/main" id="{BBB02F42-8E7C-4FA8-A02E-1242BBC2F698}"/>
               </a:ext>
             </a:extLst>
           </p:cNvPr>
@@ -3325,7 +3328,7 @@
           <p:cNvPr id="4" name="灯片编号占位符 3">
             <a:extLst>
               <a:ext uri="{FF2B5EF4-FFF2-40B4-BE49-F238E27FC236}">
-                <a16:creationId xmlns:a16="http://schemas.microsoft.com/office/drawing/2014/main" xmlns="" id="{CD4F8D18-DD7C-4479-8416-2DE942FE7B0B}"/>
+                <a16:creationId xmlns:a16="http://schemas.microsoft.com/office/drawing/2014/main" id="{CD4F8D18-DD7C-4479-8416-2DE942FE7B0B}"/>
               </a:ext>
             </a:extLst>
           </p:cNvPr>
@@ -3384,7 +3387,7 @@
           <p:cNvPr id="2" name="标题 1">
             <a:extLst>
               <a:ext uri="{FF2B5EF4-FFF2-40B4-BE49-F238E27FC236}">
-                <a16:creationId xmlns:a16="http://schemas.microsoft.com/office/drawing/2014/main" xmlns="" id="{A1A76C50-3659-4F5B-99CD-CE919689E862}"/>
+                <a16:creationId xmlns:a16="http://schemas.microsoft.com/office/drawing/2014/main" id="{A1A76C50-3659-4F5B-99CD-CE919689E862}"/>
               </a:ext>
             </a:extLst>
           </p:cNvPr>
@@ -3421,7 +3424,7 @@
           <p:cNvPr id="3" name="内容占位符 2">
             <a:extLst>
               <a:ext uri="{FF2B5EF4-FFF2-40B4-BE49-F238E27FC236}">
-                <a16:creationId xmlns:a16="http://schemas.microsoft.com/office/drawing/2014/main" xmlns="" id="{9CF7E66F-E3DE-43CC-A0C4-042B1641A50A}"/>
+                <a16:creationId xmlns:a16="http://schemas.microsoft.com/office/drawing/2014/main" id="{9CF7E66F-E3DE-43CC-A0C4-042B1641A50A}"/>
               </a:ext>
             </a:extLst>
           </p:cNvPr>
@@ -3511,7 +3514,7 @@
           <p:cNvPr id="4" name="文本占位符 3">
             <a:extLst>
               <a:ext uri="{FF2B5EF4-FFF2-40B4-BE49-F238E27FC236}">
-                <a16:creationId xmlns:a16="http://schemas.microsoft.com/office/drawing/2014/main" xmlns="" id="{5FEBDE19-1D52-4B47-A293-8C7EC7761050}"/>
+                <a16:creationId xmlns:a16="http://schemas.microsoft.com/office/drawing/2014/main" id="{5FEBDE19-1D52-4B47-A293-8C7EC7761050}"/>
               </a:ext>
             </a:extLst>
           </p:cNvPr>
@@ -3582,7 +3585,7 @@
           <p:cNvPr id="5" name="日期占位符 4">
             <a:extLst>
               <a:ext uri="{FF2B5EF4-FFF2-40B4-BE49-F238E27FC236}">
-                <a16:creationId xmlns:a16="http://schemas.microsoft.com/office/drawing/2014/main" xmlns="" id="{4ED5375D-A6F7-4DFF-98A6-2147E9387709}"/>
+                <a16:creationId xmlns:a16="http://schemas.microsoft.com/office/drawing/2014/main" id="{4ED5375D-A6F7-4DFF-98A6-2147E9387709}"/>
               </a:ext>
             </a:extLst>
           </p:cNvPr>
@@ -3611,7 +3614,7 @@
           <p:cNvPr id="6" name="页脚占位符 5">
             <a:extLst>
               <a:ext uri="{FF2B5EF4-FFF2-40B4-BE49-F238E27FC236}">
-                <a16:creationId xmlns:a16="http://schemas.microsoft.com/office/drawing/2014/main" xmlns="" id="{D7C014C0-4A1F-4FD9-A617-E1E04A97C32D}"/>
+                <a16:creationId xmlns:a16="http://schemas.microsoft.com/office/drawing/2014/main" id="{D7C014C0-4A1F-4FD9-A617-E1E04A97C32D}"/>
               </a:ext>
             </a:extLst>
           </p:cNvPr>
@@ -3636,7 +3639,7 @@
           <p:cNvPr id="7" name="灯片编号占位符 6">
             <a:extLst>
               <a:ext uri="{FF2B5EF4-FFF2-40B4-BE49-F238E27FC236}">
-                <a16:creationId xmlns:a16="http://schemas.microsoft.com/office/drawing/2014/main" xmlns="" id="{CD1C3D01-4330-44D4-A741-7FD3F01FE202}"/>
+                <a16:creationId xmlns:a16="http://schemas.microsoft.com/office/drawing/2014/main" id="{CD1C3D01-4330-44D4-A741-7FD3F01FE202}"/>
               </a:ext>
             </a:extLst>
           </p:cNvPr>
@@ -3695,7 +3698,7 @@
           <p:cNvPr id="2" name="标题 1">
             <a:extLst>
               <a:ext uri="{FF2B5EF4-FFF2-40B4-BE49-F238E27FC236}">
-                <a16:creationId xmlns:a16="http://schemas.microsoft.com/office/drawing/2014/main" xmlns="" id="{CB67C56A-A9FB-4A08-A242-2F18BF4DB80A}"/>
+                <a16:creationId xmlns:a16="http://schemas.microsoft.com/office/drawing/2014/main" id="{CB67C56A-A9FB-4A08-A242-2F18BF4DB80A}"/>
               </a:ext>
             </a:extLst>
           </p:cNvPr>
@@ -3732,7 +3735,7 @@
           <p:cNvPr id="3" name="图片占位符 2">
             <a:extLst>
               <a:ext uri="{FF2B5EF4-FFF2-40B4-BE49-F238E27FC236}">
-                <a16:creationId xmlns:a16="http://schemas.microsoft.com/office/drawing/2014/main" xmlns="" id="{56F7193B-0238-4327-97D2-6D6D4D92F0C0}"/>
+                <a16:creationId xmlns:a16="http://schemas.microsoft.com/office/drawing/2014/main" id="{56F7193B-0238-4327-97D2-6D6D4D92F0C0}"/>
               </a:ext>
             </a:extLst>
           </p:cNvPr>
@@ -3799,7 +3802,7 @@
           <p:cNvPr id="4" name="文本占位符 3">
             <a:extLst>
               <a:ext uri="{FF2B5EF4-FFF2-40B4-BE49-F238E27FC236}">
-                <a16:creationId xmlns:a16="http://schemas.microsoft.com/office/drawing/2014/main" xmlns="" id="{02E1C288-443E-4AD5-8842-CB0A28C91691}"/>
+                <a16:creationId xmlns:a16="http://schemas.microsoft.com/office/drawing/2014/main" id="{02E1C288-443E-4AD5-8842-CB0A28C91691}"/>
               </a:ext>
             </a:extLst>
           </p:cNvPr>
@@ -3870,7 +3873,7 @@
           <p:cNvPr id="5" name="日期占位符 4">
             <a:extLst>
               <a:ext uri="{FF2B5EF4-FFF2-40B4-BE49-F238E27FC236}">
-                <a16:creationId xmlns:a16="http://schemas.microsoft.com/office/drawing/2014/main" xmlns="" id="{E6B3A0DC-CAD5-4129-A013-0FD6F1A2B987}"/>
+                <a16:creationId xmlns:a16="http://schemas.microsoft.com/office/drawing/2014/main" id="{E6B3A0DC-CAD5-4129-A013-0FD6F1A2B987}"/>
               </a:ext>
             </a:extLst>
           </p:cNvPr>
@@ -3899,7 +3902,7 @@
           <p:cNvPr id="6" name="页脚占位符 5">
             <a:extLst>
               <a:ext uri="{FF2B5EF4-FFF2-40B4-BE49-F238E27FC236}">
-                <a16:creationId xmlns:a16="http://schemas.microsoft.com/office/drawing/2014/main" xmlns="" id="{CD3A07EA-2A8B-4B13-8749-F12C04770B55}"/>
+                <a16:creationId xmlns:a16="http://schemas.microsoft.com/office/drawing/2014/main" id="{CD3A07EA-2A8B-4B13-8749-F12C04770B55}"/>
               </a:ext>
             </a:extLst>
           </p:cNvPr>
@@ -3924,7 +3927,7 @@
           <p:cNvPr id="7" name="灯片编号占位符 6">
             <a:extLst>
               <a:ext uri="{FF2B5EF4-FFF2-40B4-BE49-F238E27FC236}">
-                <a16:creationId xmlns:a16="http://schemas.microsoft.com/office/drawing/2014/main" xmlns="" id="{92BAA125-9D56-4392-B73A-546D64125874}"/>
+                <a16:creationId xmlns:a16="http://schemas.microsoft.com/office/drawing/2014/main" id="{92BAA125-9D56-4392-B73A-546D64125874}"/>
               </a:ext>
             </a:extLst>
           </p:cNvPr>
@@ -3988,7 +3991,7 @@
           <p:cNvPr id="2" name="标题占位符 1">
             <a:extLst>
               <a:ext uri="{FF2B5EF4-FFF2-40B4-BE49-F238E27FC236}">
-                <a16:creationId xmlns:a16="http://schemas.microsoft.com/office/drawing/2014/main" xmlns="" id="{199E9178-A473-4459-81B2-9E70ABE5F6E6}"/>
+                <a16:creationId xmlns:a16="http://schemas.microsoft.com/office/drawing/2014/main" id="{199E9178-A473-4459-81B2-9E70ABE5F6E6}"/>
               </a:ext>
             </a:extLst>
           </p:cNvPr>
@@ -4026,7 +4029,7 @@
           <p:cNvPr id="3" name="文本占位符 2">
             <a:extLst>
               <a:ext uri="{FF2B5EF4-FFF2-40B4-BE49-F238E27FC236}">
-                <a16:creationId xmlns:a16="http://schemas.microsoft.com/office/drawing/2014/main" xmlns="" id="{0A87F3B2-EB76-47FF-A92C-B101A11BE602}"/>
+                <a16:creationId xmlns:a16="http://schemas.microsoft.com/office/drawing/2014/main" id="{0A87F3B2-EB76-47FF-A92C-B101A11BE602}"/>
               </a:ext>
             </a:extLst>
           </p:cNvPr>
@@ -4093,7 +4096,7 @@
           <p:cNvPr id="4" name="日期占位符 3">
             <a:extLst>
               <a:ext uri="{FF2B5EF4-FFF2-40B4-BE49-F238E27FC236}">
-                <a16:creationId xmlns:a16="http://schemas.microsoft.com/office/drawing/2014/main" xmlns="" id="{B63132DA-1877-4AC8-BED7-5B0F642FDBC5}"/>
+                <a16:creationId xmlns:a16="http://schemas.microsoft.com/office/drawing/2014/main" id="{B63132DA-1877-4AC8-BED7-5B0F642FDBC5}"/>
               </a:ext>
             </a:extLst>
           </p:cNvPr>
@@ -4140,7 +4143,7 @@
           <p:cNvPr id="5" name="页脚占位符 4">
             <a:extLst>
               <a:ext uri="{FF2B5EF4-FFF2-40B4-BE49-F238E27FC236}">
-                <a16:creationId xmlns:a16="http://schemas.microsoft.com/office/drawing/2014/main" xmlns="" id="{6BD6FFCE-0C04-4DA8-8F6A-E66F1C7EDC11}"/>
+                <a16:creationId xmlns:a16="http://schemas.microsoft.com/office/drawing/2014/main" id="{6BD6FFCE-0C04-4DA8-8F6A-E66F1C7EDC11}"/>
               </a:ext>
             </a:extLst>
           </p:cNvPr>
@@ -4183,7 +4186,7 @@
           <p:cNvPr id="6" name="灯片编号占位符 5">
             <a:extLst>
               <a:ext uri="{FF2B5EF4-FFF2-40B4-BE49-F238E27FC236}">
-                <a16:creationId xmlns:a16="http://schemas.microsoft.com/office/drawing/2014/main" xmlns="" id="{714D9377-1487-4473-9FC5-F4509E6D1686}"/>
+                <a16:creationId xmlns:a16="http://schemas.microsoft.com/office/drawing/2014/main" id="{714D9377-1487-4473-9FC5-F4509E6D1686}"/>
               </a:ext>
             </a:extLst>
           </p:cNvPr>
@@ -4552,7 +4555,7 @@
           <p:cNvPr id="5121" name="Rectangle 2">
             <a:extLst>
               <a:ext uri="{FF2B5EF4-FFF2-40B4-BE49-F238E27FC236}">
-                <a16:creationId xmlns:a16="http://schemas.microsoft.com/office/drawing/2014/main" xmlns="" id="{A52CFD94-1CC0-4CAF-80EE-DF45250A12C1}"/>
+                <a16:creationId xmlns:a16="http://schemas.microsoft.com/office/drawing/2014/main" id="{A52CFD94-1CC0-4CAF-80EE-DF45250A12C1}"/>
               </a:ext>
             </a:extLst>
           </p:cNvPr>
@@ -4596,15 +4599,7 @@
             <a:pPr algn="ctr" eaLnBrk="1" hangingPunct="1"/>
             <a:r>
               <a:rPr lang="en-US" altLang="zh-CN" dirty="0"/>
-              <a:t>CS513 </a:t>
-            </a:r>
-            <a:r>
-              <a:rPr lang="en-US" altLang="zh-CN" dirty="0" smtClean="0"/>
-              <a:t>Project </a:t>
-            </a:r>
-            <a:r>
-              <a:rPr lang="en-US" altLang="zh-CN" dirty="0"/>
-              <a:t>Presentation</a:t>
+              <a:t>CS513 Project Presentation</a:t>
             </a:r>
           </a:p>
         </p:txBody>
@@ -4614,7 +4609,7 @@
           <p:cNvPr id="5122" name="Rectangle 3">
             <a:extLst>
               <a:ext uri="{FF2B5EF4-FFF2-40B4-BE49-F238E27FC236}">
-                <a16:creationId xmlns:a16="http://schemas.microsoft.com/office/drawing/2014/main" xmlns="" id="{37BBE25C-8773-4212-A36C-C90506ED537A}"/>
+                <a16:creationId xmlns:a16="http://schemas.microsoft.com/office/drawing/2014/main" id="{37BBE25C-8773-4212-A36C-C90506ED537A}"/>
               </a:ext>
             </a:extLst>
           </p:cNvPr>
@@ -4724,7 +4719,7 @@
           <p:cNvPr id="2" name="文本框 1">
             <a:extLst>
               <a:ext uri="{FF2B5EF4-FFF2-40B4-BE49-F238E27FC236}">
-                <a16:creationId xmlns:a16="http://schemas.microsoft.com/office/drawing/2014/main" xmlns="" id="{2FECC4E1-E79A-457F-B081-04476F2FCB3C}"/>
+                <a16:creationId xmlns:a16="http://schemas.microsoft.com/office/drawing/2014/main" id="{2FECC4E1-E79A-457F-B081-04476F2FCB3C}"/>
               </a:ext>
             </a:extLst>
           </p:cNvPr>
@@ -4733,8 +4728,8 @@
         </p:nvSpPr>
         <p:spPr>
           <a:xfrm>
-            <a:off x="2895600" y="2566347"/>
-            <a:ext cx="9234791" cy="707886"/>
+            <a:off x="171481" y="2423243"/>
+            <a:ext cx="11849037" cy="707886"/>
           </a:xfrm>
           <a:prstGeom prst="rect">
             <a:avLst/>
@@ -4747,40 +4742,41 @@
           </a:bodyPr>
           <a:lstStyle/>
           <a:p>
-            <a:r>
-              <a:rPr lang="en-US" altLang="zh-CN" sz="4000" dirty="0" smtClean="0">
-                <a:latin typeface="Times New Roman" charset="0"/>
-                <a:ea typeface="Times New Roman" charset="0"/>
-                <a:cs typeface="Times New Roman" charset="0"/>
-              </a:rPr>
-              <a:t>Point</a:t>
-            </a:r>
-            <a:r>
-              <a:rPr lang="zh-CN" altLang="en-US" sz="4000" dirty="0" smtClean="0">
-                <a:latin typeface="Times New Roman" charset="0"/>
-                <a:ea typeface="Times New Roman" charset="0"/>
-                <a:cs typeface="Times New Roman" charset="0"/>
-              </a:rPr>
-              <a:t> </a:t>
-            </a:r>
-            <a:r>
-              <a:rPr lang="en-US" altLang="zh-CN" sz="4000" dirty="0" smtClean="0">
-                <a:latin typeface="Times New Roman" charset="0"/>
-                <a:ea typeface="Times New Roman" charset="0"/>
-                <a:cs typeface="Times New Roman" charset="0"/>
-              </a:rPr>
-              <a:t>Cloud</a:t>
-            </a:r>
-            <a:r>
-              <a:rPr lang="zh-CN" altLang="en-US" sz="4000" dirty="0" smtClean="0">
-                <a:latin typeface="Times New Roman" charset="0"/>
-                <a:ea typeface="Times New Roman" charset="0"/>
-                <a:cs typeface="Times New Roman" charset="0"/>
-              </a:rPr>
-              <a:t> </a:t>
-            </a:r>
-            <a:r>
-              <a:rPr lang="en-US" altLang="zh-CN" sz="4000" dirty="0" smtClean="0">
+            <a:pPr algn="ctr"/>
+            <a:r>
+              <a:rPr lang="en-US" altLang="zh-CN" sz="4000" dirty="0">
+                <a:latin typeface="Times New Roman" charset="0"/>
+                <a:ea typeface="Times New Roman" charset="0"/>
+                <a:cs typeface="Times New Roman" charset="0"/>
+              </a:rPr>
+              <a:t>Object Detection in Point</a:t>
+            </a:r>
+            <a:r>
+              <a:rPr lang="zh-CN" altLang="en-US" sz="4000" dirty="0">
+                <a:latin typeface="Times New Roman" charset="0"/>
+                <a:ea typeface="Times New Roman" charset="0"/>
+                <a:cs typeface="Times New Roman" charset="0"/>
+              </a:rPr>
+              <a:t> </a:t>
+            </a:r>
+            <a:r>
+              <a:rPr lang="en-US" altLang="zh-CN" sz="4000" dirty="0">
+                <a:latin typeface="Times New Roman" charset="0"/>
+                <a:ea typeface="Times New Roman" charset="0"/>
+                <a:cs typeface="Times New Roman" charset="0"/>
+              </a:rPr>
+              <a:t>Cloud:</a:t>
+            </a:r>
+            <a:r>
+              <a:rPr lang="zh-CN" altLang="en-US" sz="4000" dirty="0">
+                <a:latin typeface="Times New Roman" charset="0"/>
+                <a:ea typeface="Times New Roman" charset="0"/>
+                <a:cs typeface="Times New Roman" charset="0"/>
+              </a:rPr>
+              <a:t> </a:t>
+            </a:r>
+            <a:r>
+              <a:rPr lang="en-US" altLang="zh-CN" sz="4000" dirty="0">
                 <a:latin typeface="Times New Roman" charset="0"/>
                 <a:ea typeface="Times New Roman" charset="0"/>
                 <a:cs typeface="Times New Roman" charset="0"/>
@@ -4788,26 +4784,21 @@
               <a:t>Lane</a:t>
             </a:r>
             <a:r>
-              <a:rPr lang="zh-CN" altLang="en-US" sz="4000" dirty="0" smtClean="0">
-                <a:latin typeface="Times New Roman" charset="0"/>
-                <a:ea typeface="Times New Roman" charset="0"/>
-                <a:cs typeface="Times New Roman" charset="0"/>
-              </a:rPr>
-              <a:t> </a:t>
-            </a:r>
-            <a:r>
-              <a:rPr lang="en-US" altLang="zh-CN" sz="4000" dirty="0" smtClean="0">
+              <a:rPr lang="zh-CN" altLang="en-US" sz="4000" dirty="0">
+                <a:latin typeface="Times New Roman" charset="0"/>
+                <a:ea typeface="Times New Roman" charset="0"/>
+                <a:cs typeface="Times New Roman" charset="0"/>
+              </a:rPr>
+              <a:t> </a:t>
+            </a:r>
+            <a:r>
+              <a:rPr lang="en-US" altLang="zh-CN" sz="4000" dirty="0">
                 <a:latin typeface="Times New Roman" charset="0"/>
                 <a:ea typeface="Times New Roman" charset="0"/>
                 <a:cs typeface="Times New Roman" charset="0"/>
               </a:rPr>
               <a:t>Marking</a:t>
             </a:r>
-            <a:endParaRPr lang="en-US" altLang="zh-CN" sz="4000" dirty="0">
-              <a:latin typeface="Times New Roman" charset="0"/>
-              <a:ea typeface="Times New Roman" charset="0"/>
-              <a:cs typeface="Times New Roman" charset="0"/>
-            </a:endParaRPr>
           </a:p>
         </p:txBody>
       </p:sp>
@@ -4846,7 +4837,462 @@
           <p:cNvPr id="2" name="文本框 1">
             <a:extLst>
               <a:ext uri="{FF2B5EF4-FFF2-40B4-BE49-F238E27FC236}">
-                <a16:creationId xmlns:a16="http://schemas.microsoft.com/office/drawing/2014/main" xmlns="" id="{F09FC408-16F9-4B1D-A818-0C05ED554ECC}"/>
+                <a16:creationId xmlns:a16="http://schemas.microsoft.com/office/drawing/2014/main" id="{4D4374E6-FA19-498E-85D8-DD3B62D1AA2F}"/>
+              </a:ext>
+            </a:extLst>
+          </p:cNvPr>
+          <p:cNvSpPr txBox="1"/>
+          <p:nvPr/>
+        </p:nvSpPr>
+        <p:spPr>
+          <a:xfrm>
+            <a:off x="490194" y="301658"/>
+            <a:ext cx="5137608" cy="646331"/>
+          </a:xfrm>
+          <a:prstGeom prst="rect">
+            <a:avLst/>
+          </a:prstGeom>
+          <a:noFill/>
+        </p:spPr>
+        <p:txBody>
+          <a:bodyPr wrap="square" rtlCol="0">
+            <a:spAutoFit/>
+          </a:bodyPr>
+          <a:lstStyle/>
+          <a:p>
+            <a:r>
+              <a:rPr lang="en-US" altLang="zh-CN" sz="3600" dirty="0"/>
+              <a:t>3. Implement Details</a:t>
+            </a:r>
+            <a:endParaRPr lang="zh-CN" altLang="en-US" sz="3600" dirty="0"/>
+          </a:p>
+        </p:txBody>
+      </p:sp>
+      <p:sp>
+        <p:nvSpPr>
+          <p:cNvPr id="4" name="文本框 3">
+            <a:extLst>
+              <a:ext uri="{FF2B5EF4-FFF2-40B4-BE49-F238E27FC236}">
+                <a16:creationId xmlns:a16="http://schemas.microsoft.com/office/drawing/2014/main" id="{68C28505-E861-46A4-B116-C5398DBF8CF2}"/>
+              </a:ext>
+            </a:extLst>
+          </p:cNvPr>
+          <p:cNvSpPr txBox="1"/>
+          <p:nvPr/>
+        </p:nvSpPr>
+        <p:spPr>
+          <a:xfrm>
+            <a:off x="682005" y="1397439"/>
+            <a:ext cx="10633435" cy="430887"/>
+          </a:xfrm>
+          <a:prstGeom prst="rect">
+            <a:avLst/>
+          </a:prstGeom>
+          <a:noFill/>
+        </p:spPr>
+        <p:txBody>
+          <a:bodyPr wrap="square" rtlCol="0">
+            <a:spAutoFit/>
+          </a:bodyPr>
+          <a:lstStyle/>
+          <a:p>
+            <a:pPr algn="just"/>
+            <a:r>
+              <a:rPr lang="en-US" altLang="zh-CN" sz="2200" dirty="0">
+                <a:latin typeface="Times New Roman" panose="02020603050405020304" pitchFamily="18" charset="0"/>
+                <a:cs typeface="Times New Roman" panose="02020603050405020304" pitchFamily="18" charset="0"/>
+              </a:rPr>
+              <a:t>Finally, we use this model to predict the whole dataset, and the result we got are pretty good.</a:t>
+            </a:r>
+            <a:endParaRPr lang="en-US" altLang="zh-CN" sz="2200" dirty="0">
+              <a:latin typeface="Times New Roman" panose="02020603050405020304" pitchFamily="18" charset="0"/>
+              <a:ea typeface="Times New Roman" charset="0"/>
+              <a:cs typeface="Times New Roman" panose="02020603050405020304" pitchFamily="18" charset="0"/>
+            </a:endParaRPr>
+          </a:p>
+        </p:txBody>
+      </p:sp>
+      <p:pic>
+        <p:nvPicPr>
+          <p:cNvPr id="8" name="图片 7">
+            <a:extLst>
+              <a:ext uri="{FF2B5EF4-FFF2-40B4-BE49-F238E27FC236}">
+                <a16:creationId xmlns:a16="http://schemas.microsoft.com/office/drawing/2014/main" id="{CD9FE5C3-A456-43DE-9D18-00092D75F65B}"/>
+              </a:ext>
+            </a:extLst>
+          </p:cNvPr>
+          <p:cNvPicPr>
+            <a:picLocks noChangeAspect="1"/>
+          </p:cNvPicPr>
+          <p:nvPr/>
+        </p:nvPicPr>
+        <p:blipFill>
+          <a:blip r:embed="rId2">
+            <a:extLst>
+              <a:ext uri="{28A0092B-C50C-407E-A947-70E740481C1C}">
+                <a14:useLocalDpi xmlns:a14="http://schemas.microsoft.com/office/drawing/2010/main" val="0"/>
+              </a:ext>
+            </a:extLst>
+          </a:blip>
+          <a:stretch>
+            <a:fillRect/>
+          </a:stretch>
+        </p:blipFill>
+        <p:spPr>
+          <a:xfrm>
+            <a:off x="0" y="1828326"/>
+            <a:ext cx="7842013" cy="4705208"/>
+          </a:xfrm>
+          <a:prstGeom prst="rect">
+            <a:avLst/>
+          </a:prstGeom>
+        </p:spPr>
+      </p:pic>
+      <p:pic>
+        <p:nvPicPr>
+          <p:cNvPr id="10" name="图片 9">
+            <a:extLst>
+              <a:ext uri="{FF2B5EF4-FFF2-40B4-BE49-F238E27FC236}">
+                <a16:creationId xmlns:a16="http://schemas.microsoft.com/office/drawing/2014/main" id="{A5210B9A-E56E-4822-8B7A-8DEA02F005AE}"/>
+              </a:ext>
+            </a:extLst>
+          </p:cNvPr>
+          <p:cNvPicPr>
+            <a:picLocks noChangeAspect="1"/>
+          </p:cNvPicPr>
+          <p:nvPr/>
+        </p:nvPicPr>
+        <p:blipFill>
+          <a:blip r:embed="rId3">
+            <a:extLst>
+              <a:ext uri="{28A0092B-C50C-407E-A947-70E740481C1C}">
+                <a14:useLocalDpi xmlns:a14="http://schemas.microsoft.com/office/drawing/2010/main" val="0"/>
+              </a:ext>
+            </a:extLst>
+          </a:blip>
+          <a:stretch>
+            <a:fillRect/>
+          </a:stretch>
+        </p:blipFill>
+        <p:spPr>
+          <a:xfrm>
+            <a:off x="5627802" y="2118946"/>
+            <a:ext cx="6528997" cy="3917398"/>
+          </a:xfrm>
+          <a:prstGeom prst="rect">
+            <a:avLst/>
+          </a:prstGeom>
+        </p:spPr>
+      </p:pic>
+    </p:spTree>
+    <p:extLst>
+      <p:ext uri="{BB962C8B-B14F-4D97-AF65-F5344CB8AC3E}">
+        <p14:creationId xmlns:p14="http://schemas.microsoft.com/office/powerpoint/2010/main" val="4087457708"/>
+      </p:ext>
+    </p:extLst>
+  </p:cSld>
+  <p:clrMapOvr>
+    <a:masterClrMapping/>
+  </p:clrMapOvr>
+</p:sld>
+</file>
+
+<file path=ppt/slides/slide11.xml><?xml version="1.0" encoding="utf-8"?>
+<p:sld xmlns:a="http://schemas.openxmlformats.org/drawingml/2006/main" xmlns:r="http://schemas.openxmlformats.org/officeDocument/2006/relationships" xmlns:p="http://schemas.openxmlformats.org/presentationml/2006/main">
+  <p:cSld>
+    <p:spTree>
+      <p:nvGrpSpPr>
+        <p:cNvPr id="1" name=""/>
+        <p:cNvGrpSpPr/>
+        <p:nvPr/>
+      </p:nvGrpSpPr>
+      <p:grpSpPr>
+        <a:xfrm>
+          <a:off x="0" y="0"/>
+          <a:ext cx="0" cy="0"/>
+          <a:chOff x="0" y="0"/>
+          <a:chExt cx="0" cy="0"/>
+        </a:xfrm>
+      </p:grpSpPr>
+      <p:sp>
+        <p:nvSpPr>
+          <p:cNvPr id="2" name="文本框 1">
+            <a:extLst>
+              <a:ext uri="{FF2B5EF4-FFF2-40B4-BE49-F238E27FC236}">
+                <a16:creationId xmlns:a16="http://schemas.microsoft.com/office/drawing/2014/main" id="{92A801E2-4923-4FD9-A648-C09C596AFA38}"/>
+              </a:ext>
+            </a:extLst>
+          </p:cNvPr>
+          <p:cNvSpPr txBox="1"/>
+          <p:nvPr/>
+        </p:nvSpPr>
+        <p:spPr>
+          <a:xfrm>
+            <a:off x="429170" y="284073"/>
+            <a:ext cx="5137608" cy="646331"/>
+          </a:xfrm>
+          <a:prstGeom prst="rect">
+            <a:avLst/>
+          </a:prstGeom>
+          <a:noFill/>
+        </p:spPr>
+        <p:txBody>
+          <a:bodyPr wrap="square" rtlCol="0">
+            <a:spAutoFit/>
+          </a:bodyPr>
+          <a:lstStyle/>
+          <a:p>
+            <a:r>
+              <a:rPr lang="en-US" altLang="zh-CN" sz="3600" dirty="0"/>
+              <a:t>4. Conclusion</a:t>
+            </a:r>
+            <a:endParaRPr lang="zh-CN" altLang="en-US" sz="3600" dirty="0"/>
+          </a:p>
+        </p:txBody>
+      </p:sp>
+      <p:sp>
+        <p:nvSpPr>
+          <p:cNvPr id="3" name="文本框 2">
+            <a:extLst>
+              <a:ext uri="{FF2B5EF4-FFF2-40B4-BE49-F238E27FC236}">
+                <a16:creationId xmlns:a16="http://schemas.microsoft.com/office/drawing/2014/main" id="{E947D473-62FB-4D92-8BC5-9843BA796767}"/>
+              </a:ext>
+            </a:extLst>
+          </p:cNvPr>
+          <p:cNvSpPr txBox="1"/>
+          <p:nvPr/>
+        </p:nvSpPr>
+        <p:spPr>
+          <a:xfrm>
+            <a:off x="429170" y="1374844"/>
+            <a:ext cx="10633435" cy="4832092"/>
+          </a:xfrm>
+          <a:prstGeom prst="rect">
+            <a:avLst/>
+          </a:prstGeom>
+          <a:noFill/>
+        </p:spPr>
+        <p:txBody>
+          <a:bodyPr wrap="square" rtlCol="0">
+            <a:spAutoFit/>
+          </a:bodyPr>
+          <a:lstStyle/>
+          <a:p>
+            <a:pPr algn="just"/>
+            <a:r>
+              <a:rPr lang="en-US" altLang="zh-CN" sz="2800" dirty="0">
+                <a:latin typeface="Times New Roman" panose="02020603050405020304" pitchFamily="18" charset="0"/>
+                <a:cs typeface="Times New Roman" panose="02020603050405020304" pitchFamily="18" charset="0"/>
+              </a:rPr>
+              <a:t>	We get into trouble many times through our implementing. At first it is really hard for us to get any idea from this raw data. We check histogram in many aspect and finally find out that intensity is the key. But the label is still not accurate enough for training model. We come up an idea on kick out the outliers, by using </a:t>
+            </a:r>
+            <a:r>
+              <a:rPr lang="en-US" altLang="zh-CN" sz="2800" dirty="0" err="1">
+                <a:latin typeface="Times New Roman" panose="02020603050405020304" pitchFamily="18" charset="0"/>
+                <a:cs typeface="Times New Roman" panose="02020603050405020304" pitchFamily="18" charset="0"/>
+              </a:rPr>
+              <a:t>kmeans</a:t>
+            </a:r>
+            <a:r>
+              <a:rPr lang="en-US" altLang="zh-CN" sz="2800" dirty="0">
+                <a:latin typeface="Times New Roman" panose="02020603050405020304" pitchFamily="18" charset="0"/>
+                <a:cs typeface="Times New Roman" panose="02020603050405020304" pitchFamily="18" charset="0"/>
+              </a:rPr>
+              <a:t> and RANSAC, the label we get is clear and accurate enough.</a:t>
+            </a:r>
+          </a:p>
+          <a:p>
+            <a:pPr algn="just"/>
+            <a:r>
+              <a:rPr lang="en-US" altLang="zh-CN" sz="2800" dirty="0">
+                <a:latin typeface="Times New Roman" panose="02020603050405020304" pitchFamily="18" charset="0"/>
+                <a:ea typeface="Times New Roman" charset="0"/>
+                <a:cs typeface="Times New Roman" panose="02020603050405020304" pitchFamily="18" charset="0"/>
+              </a:rPr>
+              <a:t>	We met a big problem choosing the type of model. Decision Tree is obviously not a good choice, even worse than just thresholding. Logistic Regression doesn’t work well through many sets of parameters. We finally find out that SVM with kernel set to ‘</a:t>
+            </a:r>
+            <a:r>
+              <a:rPr lang="en-US" altLang="zh-CN" sz="2800" dirty="0" err="1">
+                <a:latin typeface="Times New Roman" panose="02020603050405020304" pitchFamily="18" charset="0"/>
+                <a:ea typeface="Times New Roman" charset="0"/>
+                <a:cs typeface="Times New Roman" panose="02020603050405020304" pitchFamily="18" charset="0"/>
+              </a:rPr>
+              <a:t>rbf</a:t>
+            </a:r>
+            <a:r>
+              <a:rPr lang="en-US" altLang="zh-CN" sz="2800" dirty="0">
+                <a:latin typeface="Times New Roman" panose="02020603050405020304" pitchFamily="18" charset="0"/>
+                <a:ea typeface="Times New Roman" charset="0"/>
+                <a:cs typeface="Times New Roman" panose="02020603050405020304" pitchFamily="18" charset="0"/>
+              </a:rPr>
+              <a:t>’ works really well on this data, that moment should be remembered.</a:t>
+            </a:r>
+          </a:p>
+        </p:txBody>
+      </p:sp>
+    </p:spTree>
+    <p:extLst>
+      <p:ext uri="{BB962C8B-B14F-4D97-AF65-F5344CB8AC3E}">
+        <p14:creationId xmlns:p14="http://schemas.microsoft.com/office/powerpoint/2010/main" val="2763426276"/>
+      </p:ext>
+    </p:extLst>
+  </p:cSld>
+  <p:clrMapOvr>
+    <a:masterClrMapping/>
+  </p:clrMapOvr>
+</p:sld>
+</file>
+
+<file path=ppt/slides/slide12.xml><?xml version="1.0" encoding="utf-8"?>
+<p:sld xmlns:a="http://schemas.openxmlformats.org/drawingml/2006/main" xmlns:r="http://schemas.openxmlformats.org/officeDocument/2006/relationships" xmlns:p="http://schemas.openxmlformats.org/presentationml/2006/main">
+  <p:cSld>
+    <p:spTree>
+      <p:nvGrpSpPr>
+        <p:cNvPr id="1" name=""/>
+        <p:cNvGrpSpPr/>
+        <p:nvPr/>
+      </p:nvGrpSpPr>
+      <p:grpSpPr>
+        <a:xfrm>
+          <a:off x="0" y="0"/>
+          <a:ext cx="0" cy="0"/>
+          <a:chOff x="0" y="0"/>
+          <a:chExt cx="0" cy="0"/>
+        </a:xfrm>
+      </p:grpSpPr>
+      <p:sp>
+        <p:nvSpPr>
+          <p:cNvPr id="2" name="文本框 1">
+            <a:extLst>
+              <a:ext uri="{FF2B5EF4-FFF2-40B4-BE49-F238E27FC236}">
+                <a16:creationId xmlns:a16="http://schemas.microsoft.com/office/drawing/2014/main" id="{EF589D9E-96ED-4352-97C2-502D4135A214}"/>
+              </a:ext>
+            </a:extLst>
+          </p:cNvPr>
+          <p:cNvSpPr txBox="1"/>
+          <p:nvPr/>
+        </p:nvSpPr>
+        <p:spPr>
+          <a:xfrm>
+            <a:off x="226425" y="284073"/>
+            <a:ext cx="5137608" cy="646331"/>
+          </a:xfrm>
+          <a:prstGeom prst="rect">
+            <a:avLst/>
+          </a:prstGeom>
+          <a:noFill/>
+        </p:spPr>
+        <p:txBody>
+          <a:bodyPr wrap="square" rtlCol="0">
+            <a:spAutoFit/>
+          </a:bodyPr>
+          <a:lstStyle/>
+          <a:p>
+            <a:r>
+              <a:rPr lang="en-US" altLang="zh-CN" sz="3600" dirty="0"/>
+              <a:t>4. Conclusion</a:t>
+            </a:r>
+            <a:endParaRPr lang="zh-CN" altLang="en-US" sz="3600" dirty="0"/>
+          </a:p>
+        </p:txBody>
+      </p:sp>
+      <p:sp>
+        <p:nvSpPr>
+          <p:cNvPr id="3" name="文本框 2">
+            <a:extLst>
+              <a:ext uri="{FF2B5EF4-FFF2-40B4-BE49-F238E27FC236}">
+                <a16:creationId xmlns:a16="http://schemas.microsoft.com/office/drawing/2014/main" id="{4738E044-CBC9-4026-B98A-B900677854F6}"/>
+              </a:ext>
+            </a:extLst>
+          </p:cNvPr>
+          <p:cNvSpPr txBox="1"/>
+          <p:nvPr/>
+        </p:nvSpPr>
+        <p:spPr>
+          <a:xfrm>
+            <a:off x="412252" y="1492539"/>
+            <a:ext cx="11367495" cy="4832092"/>
+          </a:xfrm>
+          <a:prstGeom prst="rect">
+            <a:avLst/>
+          </a:prstGeom>
+          <a:noFill/>
+        </p:spPr>
+        <p:txBody>
+          <a:bodyPr wrap="square" rtlCol="0">
+            <a:spAutoFit/>
+          </a:bodyPr>
+          <a:lstStyle/>
+          <a:p>
+            <a:pPr algn="just"/>
+            <a:r>
+              <a:rPr lang="en-US" altLang="zh-CN" sz="2800" dirty="0">
+                <a:latin typeface="Times New Roman" panose="02020603050405020304" pitchFamily="18" charset="0"/>
+                <a:cs typeface="Times New Roman" panose="02020603050405020304" pitchFamily="18" charset="0"/>
+              </a:rPr>
+              <a:t>	It is very happy for us to experience this challenging project. We learnt a lot about point cloud, and use those approaches we learnt from machine learning course. With facing hard problems one by one and solve them step by step, our knowledges are enhanced and skills are trained.</a:t>
+            </a:r>
+          </a:p>
+          <a:p>
+            <a:pPr algn="just"/>
+            <a:r>
+              <a:rPr lang="en-US" altLang="zh-CN" sz="2800" dirty="0">
+                <a:latin typeface="Times New Roman" panose="02020603050405020304" pitchFamily="18" charset="0"/>
+                <a:ea typeface="Times New Roman" charset="0"/>
+                <a:cs typeface="Times New Roman" panose="02020603050405020304" pitchFamily="18" charset="0"/>
+              </a:rPr>
+              <a:t>	We also find out that it is important to use approaches in right place. As we learnt from class, point cloud data will always huge, may need to apply down sampling by PCA at first. In fact, data what we need is just very small part from whole data (only 1%), that we won’t get any result if we apply down sampling. This also works on model choosing.</a:t>
+            </a:r>
+          </a:p>
+          <a:p>
+            <a:pPr algn="just"/>
+            <a:r>
+              <a:rPr lang="en-US" altLang="zh-CN" sz="2800" dirty="0">
+                <a:latin typeface="Times New Roman" panose="02020603050405020304" pitchFamily="18" charset="0"/>
+                <a:ea typeface="Times New Roman" charset="0"/>
+                <a:cs typeface="Times New Roman" panose="02020603050405020304" pitchFamily="18" charset="0"/>
+              </a:rPr>
+              <a:t>	We learnt a lot from this project and we got a lot of happiness through this experience. There is no doubt that we did a great job!</a:t>
+            </a:r>
+          </a:p>
+        </p:txBody>
+      </p:sp>
+    </p:spTree>
+    <p:extLst>
+      <p:ext uri="{BB962C8B-B14F-4D97-AF65-F5344CB8AC3E}">
+        <p14:creationId xmlns:p14="http://schemas.microsoft.com/office/powerpoint/2010/main" val="2050922540"/>
+      </p:ext>
+    </p:extLst>
+  </p:cSld>
+  <p:clrMapOvr>
+    <a:masterClrMapping/>
+  </p:clrMapOvr>
+</p:sld>
+</file>
+
+<file path=ppt/slides/slide13.xml><?xml version="1.0" encoding="utf-8"?>
+<p:sld xmlns:a="http://schemas.openxmlformats.org/drawingml/2006/main" xmlns:r="http://schemas.openxmlformats.org/officeDocument/2006/relationships" xmlns:p="http://schemas.openxmlformats.org/presentationml/2006/main">
+  <p:cSld>
+    <p:spTree>
+      <p:nvGrpSpPr>
+        <p:cNvPr id="1" name=""/>
+        <p:cNvGrpSpPr/>
+        <p:nvPr/>
+      </p:nvGrpSpPr>
+      <p:grpSpPr>
+        <a:xfrm>
+          <a:off x="0" y="0"/>
+          <a:ext cx="0" cy="0"/>
+          <a:chOff x="0" y="0"/>
+          <a:chExt cx="0" cy="0"/>
+        </a:xfrm>
+      </p:grpSpPr>
+      <p:sp>
+        <p:nvSpPr>
+          <p:cNvPr id="2" name="文本框 1">
+            <a:extLst>
+              <a:ext uri="{FF2B5EF4-FFF2-40B4-BE49-F238E27FC236}">
+                <a16:creationId xmlns:a16="http://schemas.microsoft.com/office/drawing/2014/main" id="{F09FC408-16F9-4B1D-A818-0C05ED554ECC}"/>
               </a:ext>
             </a:extLst>
           </p:cNvPr>
@@ -4916,7 +5362,7 @@
           <p:cNvPr id="5" name="文本框 4">
             <a:extLst>
               <a:ext uri="{FF2B5EF4-FFF2-40B4-BE49-F238E27FC236}">
-                <a16:creationId xmlns:a16="http://schemas.microsoft.com/office/drawing/2014/main" xmlns="" id="{303EFE72-B41E-4CE5-9A30-217B01FD0F54}"/>
+                <a16:creationId xmlns:a16="http://schemas.microsoft.com/office/drawing/2014/main" id="{303EFE72-B41E-4CE5-9A30-217B01FD0F54}"/>
               </a:ext>
             </a:extLst>
           </p:cNvPr>
@@ -4952,7 +5398,7 @@
           <p:cNvPr id="6" name="文本框 5">
             <a:extLst>
               <a:ext uri="{FF2B5EF4-FFF2-40B4-BE49-F238E27FC236}">
-                <a16:creationId xmlns:a16="http://schemas.microsoft.com/office/drawing/2014/main" xmlns="" id="{AEFDD120-723C-4785-A60C-EC995E1AF302}"/>
+                <a16:creationId xmlns:a16="http://schemas.microsoft.com/office/drawing/2014/main" id="{AEFDD120-723C-4785-A60C-EC995E1AF302}"/>
               </a:ext>
             </a:extLst>
           </p:cNvPr>
@@ -4961,8 +5407,8 @@
         </p:nvSpPr>
         <p:spPr>
           <a:xfrm>
-            <a:off x="759827" y="2507759"/>
-            <a:ext cx="10633435" cy="2246769"/>
+            <a:off x="779282" y="1610959"/>
+            <a:ext cx="10633435" cy="4832092"/>
           </a:xfrm>
           <a:prstGeom prst="rect">
             <a:avLst/>
@@ -5093,7 +5539,7 @@
               <a:t> </a:t>
             </a:r>
             <a:r>
-              <a:rPr lang="en-US" altLang="zh-CN" sz="2800" dirty="0" smtClean="0">
+              <a:rPr lang="en-US" altLang="zh-CN" sz="2800" dirty="0">
                 <a:latin typeface="Times New Roman" charset="0"/>
                 <a:ea typeface="Times New Roman" charset="0"/>
                 <a:cs typeface="Times New Roman" charset="0"/>
@@ -5101,15 +5547,15 @@
               <a:t>detect</a:t>
             </a:r>
             <a:r>
-              <a:rPr lang="zh-CN" altLang="en-US" sz="2800" dirty="0" smtClean="0">
-                <a:latin typeface="Times New Roman" charset="0"/>
-                <a:ea typeface="Times New Roman" charset="0"/>
-                <a:cs typeface="Times New Roman" charset="0"/>
-              </a:rPr>
-              <a:t> </a:t>
-            </a:r>
-            <a:r>
-              <a:rPr lang="en-US" altLang="zh-CN" sz="2800" dirty="0" smtClean="0">
+              <a:rPr lang="zh-CN" altLang="en-US" sz="2800" dirty="0">
+                <a:latin typeface="Times New Roman" charset="0"/>
+                <a:ea typeface="Times New Roman" charset="0"/>
+                <a:cs typeface="Times New Roman" charset="0"/>
+              </a:rPr>
+              <a:t> </a:t>
+            </a:r>
+            <a:r>
+              <a:rPr lang="en-US" altLang="zh-CN" sz="2800" dirty="0">
                 <a:latin typeface="Times New Roman" charset="0"/>
                 <a:ea typeface="Times New Roman" charset="0"/>
                 <a:cs typeface="Times New Roman" charset="0"/>
@@ -5117,47 +5563,31 @@
               <a:t>objects</a:t>
             </a:r>
             <a:r>
-              <a:rPr lang="zh-CN" altLang="en-US" sz="2800" dirty="0" smtClean="0">
-                <a:latin typeface="Times New Roman" charset="0"/>
-                <a:ea typeface="Times New Roman" charset="0"/>
-                <a:cs typeface="Times New Roman" charset="0"/>
-              </a:rPr>
-              <a:t> </a:t>
-            </a:r>
-            <a:r>
-              <a:rPr lang="en-US" altLang="zh-CN" sz="2800" dirty="0" smtClean="0">
-                <a:latin typeface="Times New Roman" charset="0"/>
-                <a:ea typeface="Times New Roman" charset="0"/>
-                <a:cs typeface="Times New Roman" charset="0"/>
-              </a:rPr>
-              <a:t>by</a:t>
-            </a:r>
-            <a:r>
-              <a:rPr lang="zh-CN" altLang="en-US" sz="2800" dirty="0" smtClean="0">
-                <a:latin typeface="Times New Roman" charset="0"/>
-                <a:ea typeface="Times New Roman" charset="0"/>
-                <a:cs typeface="Times New Roman" charset="0"/>
-              </a:rPr>
-              <a:t> </a:t>
-            </a:r>
-            <a:r>
-              <a:rPr lang="en-US" altLang="zh-CN" sz="2800" dirty="0" smtClean="0">
-                <a:latin typeface="Times New Roman" charset="0"/>
-                <a:ea typeface="Times New Roman" charset="0"/>
-                <a:cs typeface="Times New Roman" charset="0"/>
-              </a:rPr>
-              <a:t>using</a:t>
-            </a:r>
-            <a:r>
-              <a:rPr lang="zh-CN" altLang="en-US" sz="2800" dirty="0" smtClean="0">
-                <a:latin typeface="Times New Roman" charset="0"/>
-                <a:ea typeface="Times New Roman" charset="0"/>
-                <a:cs typeface="Times New Roman" charset="0"/>
-              </a:rPr>
-              <a:t> </a:t>
-            </a:r>
-            <a:r>
-              <a:rPr lang="en-US" altLang="zh-CN" sz="2800" dirty="0" smtClean="0">
+              <a:rPr lang="zh-CN" altLang="en-US" sz="2800" dirty="0">
+                <a:latin typeface="Times New Roman" charset="0"/>
+                <a:ea typeface="Times New Roman" charset="0"/>
+                <a:cs typeface="Times New Roman" charset="0"/>
+              </a:rPr>
+              <a:t> </a:t>
+            </a:r>
+            <a:r>
+              <a:rPr lang="en-US" altLang="zh-CN" sz="2800" dirty="0">
+                <a:latin typeface="Times New Roman" charset="0"/>
+                <a:ea typeface="Times New Roman" charset="0"/>
+                <a:cs typeface="Times New Roman" charset="0"/>
+              </a:rPr>
+              <a:t>from</a:t>
+            </a:r>
+            <a:r>
+              <a:rPr lang="zh-CN" altLang="en-US" sz="2800" dirty="0">
+                <a:latin typeface="Times New Roman" charset="0"/>
+                <a:ea typeface="Times New Roman" charset="0"/>
+                <a:cs typeface="Times New Roman" charset="0"/>
+              </a:rPr>
+              <a:t> </a:t>
+            </a:r>
+            <a:r>
+              <a:rPr lang="en-US" altLang="zh-CN" sz="2800" dirty="0">
                 <a:latin typeface="Times New Roman" charset="0"/>
                 <a:ea typeface="Times New Roman" charset="0"/>
                 <a:cs typeface="Times New Roman" charset="0"/>
@@ -5165,15 +5595,15 @@
               <a:t>point</a:t>
             </a:r>
             <a:r>
-              <a:rPr lang="zh-CN" altLang="en-US" sz="2800" dirty="0" smtClean="0">
-                <a:latin typeface="Times New Roman" charset="0"/>
-                <a:ea typeface="Times New Roman" charset="0"/>
-                <a:cs typeface="Times New Roman" charset="0"/>
-              </a:rPr>
-              <a:t> </a:t>
-            </a:r>
-            <a:r>
-              <a:rPr lang="en-US" altLang="zh-CN" sz="2800" dirty="0" smtClean="0">
+              <a:rPr lang="zh-CN" altLang="en-US" sz="2800" dirty="0">
+                <a:latin typeface="Times New Roman" charset="0"/>
+                <a:ea typeface="Times New Roman" charset="0"/>
+                <a:cs typeface="Times New Roman" charset="0"/>
+              </a:rPr>
+              <a:t> </a:t>
+            </a:r>
+            <a:r>
+              <a:rPr lang="en-US" altLang="zh-CN" sz="2800" dirty="0">
                 <a:latin typeface="Times New Roman" charset="0"/>
                 <a:ea typeface="Times New Roman" charset="0"/>
                 <a:cs typeface="Times New Roman" charset="0"/>
@@ -5181,15 +5611,15 @@
               <a:t>cloud</a:t>
             </a:r>
             <a:r>
-              <a:rPr lang="zh-CN" altLang="en-US" sz="2800" dirty="0" smtClean="0">
-                <a:latin typeface="Times New Roman" charset="0"/>
-                <a:ea typeface="Times New Roman" charset="0"/>
-                <a:cs typeface="Times New Roman" charset="0"/>
-              </a:rPr>
-              <a:t> </a:t>
-            </a:r>
-            <a:r>
-              <a:rPr lang="en-US" altLang="zh-CN" sz="2800" dirty="0" smtClean="0">
+              <a:rPr lang="zh-CN" altLang="en-US" sz="2800" dirty="0">
+                <a:latin typeface="Times New Roman" charset="0"/>
+                <a:ea typeface="Times New Roman" charset="0"/>
+                <a:cs typeface="Times New Roman" charset="0"/>
+              </a:rPr>
+              <a:t> </a:t>
+            </a:r>
+            <a:r>
+              <a:rPr lang="en-US" altLang="zh-CN" sz="2800" dirty="0">
                 <a:latin typeface="Times New Roman" charset="0"/>
                 <a:ea typeface="Times New Roman" charset="0"/>
                 <a:cs typeface="Times New Roman" charset="0"/>
@@ -5197,15 +5627,15 @@
               <a:t>data.</a:t>
             </a:r>
             <a:r>
-              <a:rPr lang="zh-CN" altLang="en-US" sz="2800" dirty="0" smtClean="0">
-                <a:latin typeface="Times New Roman" charset="0"/>
-                <a:ea typeface="Times New Roman" charset="0"/>
-                <a:cs typeface="Times New Roman" charset="0"/>
-              </a:rPr>
-              <a:t> </a:t>
-            </a:r>
-            <a:r>
-              <a:rPr lang="en-US" altLang="zh-CN" sz="2800" dirty="0" smtClean="0">
+              <a:rPr lang="zh-CN" altLang="en-US" sz="2800" dirty="0">
+                <a:latin typeface="Times New Roman" charset="0"/>
+                <a:ea typeface="Times New Roman" charset="0"/>
+                <a:cs typeface="Times New Roman" charset="0"/>
+              </a:rPr>
+              <a:t> </a:t>
+            </a:r>
+            <a:r>
+              <a:rPr lang="en-US" altLang="zh-CN" sz="2800" dirty="0">
                 <a:latin typeface="Times New Roman" charset="0"/>
                 <a:ea typeface="Times New Roman" charset="0"/>
                 <a:cs typeface="Times New Roman" charset="0"/>
@@ -5213,15 +5643,15 @@
               <a:t>Our</a:t>
             </a:r>
             <a:r>
-              <a:rPr lang="zh-CN" altLang="en-US" sz="2800" dirty="0" smtClean="0">
-                <a:latin typeface="Times New Roman" charset="0"/>
-                <a:ea typeface="Times New Roman" charset="0"/>
-                <a:cs typeface="Times New Roman" charset="0"/>
-              </a:rPr>
-              <a:t> </a:t>
-            </a:r>
-            <a:r>
-              <a:rPr lang="en-US" altLang="zh-CN" sz="2800" dirty="0" smtClean="0">
+              <a:rPr lang="zh-CN" altLang="en-US" sz="2800" dirty="0">
+                <a:latin typeface="Times New Roman" charset="0"/>
+                <a:ea typeface="Times New Roman" charset="0"/>
+                <a:cs typeface="Times New Roman" charset="0"/>
+              </a:rPr>
+              <a:t> </a:t>
+            </a:r>
+            <a:r>
+              <a:rPr lang="en-US" altLang="zh-CN" sz="2800" dirty="0">
                 <a:latin typeface="Times New Roman" charset="0"/>
                 <a:ea typeface="Times New Roman" charset="0"/>
                 <a:cs typeface="Times New Roman" charset="0"/>
@@ -5229,31 +5659,31 @@
               <a:t>project</a:t>
             </a:r>
             <a:r>
-              <a:rPr lang="zh-CN" altLang="en-US" sz="2800" dirty="0" smtClean="0">
-                <a:latin typeface="Times New Roman" charset="0"/>
-                <a:ea typeface="Times New Roman" charset="0"/>
-                <a:cs typeface="Times New Roman" charset="0"/>
-              </a:rPr>
-              <a:t> </a:t>
-            </a:r>
-            <a:r>
-              <a:rPr lang="en-US" altLang="zh-CN" sz="2800" dirty="0" smtClean="0">
-                <a:latin typeface="Times New Roman" charset="0"/>
-                <a:ea typeface="Times New Roman" charset="0"/>
-                <a:cs typeface="Times New Roman" charset="0"/>
-              </a:rPr>
-              <a:t>focusing</a:t>
-            </a:r>
-            <a:r>
-              <a:rPr lang="zh-CN" altLang="en-US" sz="2800" dirty="0" smtClean="0">
-                <a:latin typeface="Times New Roman" charset="0"/>
-                <a:ea typeface="Times New Roman" charset="0"/>
-                <a:cs typeface="Times New Roman" charset="0"/>
-              </a:rPr>
-              <a:t> </a:t>
-            </a:r>
-            <a:r>
-              <a:rPr lang="en-US" altLang="zh-CN" sz="2800" dirty="0" smtClean="0">
+              <a:rPr lang="zh-CN" altLang="en-US" sz="2800" dirty="0">
+                <a:latin typeface="Times New Roman" charset="0"/>
+                <a:ea typeface="Times New Roman" charset="0"/>
+                <a:cs typeface="Times New Roman" charset="0"/>
+              </a:rPr>
+              <a:t> </a:t>
+            </a:r>
+            <a:r>
+              <a:rPr lang="en-US" altLang="zh-CN" sz="2800" dirty="0">
+                <a:latin typeface="Times New Roman" charset="0"/>
+                <a:ea typeface="Times New Roman" charset="0"/>
+                <a:cs typeface="Times New Roman" charset="0"/>
+              </a:rPr>
+              <a:t>focus</a:t>
+            </a:r>
+            <a:r>
+              <a:rPr lang="zh-CN" altLang="en-US" sz="2800" dirty="0">
+                <a:latin typeface="Times New Roman" charset="0"/>
+                <a:ea typeface="Times New Roman" charset="0"/>
+                <a:cs typeface="Times New Roman" charset="0"/>
+              </a:rPr>
+              <a:t> </a:t>
+            </a:r>
+            <a:r>
+              <a:rPr lang="en-US" altLang="zh-CN" sz="2800" dirty="0">
                 <a:latin typeface="Times New Roman" charset="0"/>
                 <a:ea typeface="Times New Roman" charset="0"/>
                 <a:cs typeface="Times New Roman" charset="0"/>
@@ -5261,39 +5691,31 @@
               <a:t>on</a:t>
             </a:r>
             <a:r>
-              <a:rPr lang="zh-CN" altLang="en-US" sz="2800" dirty="0" smtClean="0">
-                <a:latin typeface="Times New Roman" charset="0"/>
-                <a:ea typeface="Times New Roman" charset="0"/>
-                <a:cs typeface="Times New Roman" charset="0"/>
-              </a:rPr>
-              <a:t> </a:t>
-            </a:r>
-            <a:r>
-              <a:rPr lang="zh-CN" altLang="en-US" sz="2800" dirty="0" smtClean="0">
-                <a:latin typeface="Times New Roman" charset="0"/>
-                <a:ea typeface="Times New Roman" charset="0"/>
-                <a:cs typeface="Times New Roman" charset="0"/>
-              </a:rPr>
-              <a:t> </a:t>
-            </a:r>
-            <a:r>
-              <a:rPr lang="en-US" altLang="zh-CN" sz="2800" dirty="0" smtClean="0">
-                <a:latin typeface="Times New Roman" charset="0"/>
-                <a:ea typeface="Times New Roman" charset="0"/>
-                <a:cs typeface="Times New Roman" charset="0"/>
-              </a:rPr>
-              <a:t>detect</a:t>
-            </a:r>
-            <a:r>
-              <a:rPr lang="zh-CN" altLang="en-US" sz="2800" dirty="0" smtClean="0">
-                <a:latin typeface="Times New Roman" charset="0"/>
-                <a:ea typeface="Times New Roman" charset="0"/>
-                <a:cs typeface="Times New Roman" charset="0"/>
-              </a:rPr>
-              <a:t> </a:t>
-            </a:r>
-            <a:r>
-              <a:rPr lang="en-US" altLang="zh-CN" sz="2800" dirty="0" smtClean="0">
+              <a:rPr lang="zh-CN" altLang="en-US" sz="2800" dirty="0">
+                <a:latin typeface="Times New Roman" charset="0"/>
+                <a:ea typeface="Times New Roman" charset="0"/>
+                <a:cs typeface="Times New Roman" charset="0"/>
+              </a:rPr>
+              <a:t> </a:t>
+            </a:r>
+            <a:r>
+              <a:rPr lang="en-US" altLang="zh-CN" sz="2800" dirty="0">
+                <a:latin typeface="Times New Roman" charset="0"/>
+                <a:ea typeface="Times New Roman" charset="0"/>
+                <a:cs typeface="Times New Roman" charset="0"/>
+              </a:rPr>
+              <a:t>detecting</a:t>
+            </a:r>
+            <a:r>
+              <a:rPr lang="zh-CN" altLang="en-US" sz="2800" dirty="0">
+                <a:latin typeface="Times New Roman" charset="0"/>
+                <a:ea typeface="Times New Roman" charset="0"/>
+                <a:cs typeface="Times New Roman" charset="0"/>
+              </a:rPr>
+              <a:t> </a:t>
+            </a:r>
+            <a:r>
+              <a:rPr lang="en-US" altLang="zh-CN" sz="2800" dirty="0">
                 <a:latin typeface="Times New Roman" charset="0"/>
                 <a:ea typeface="Times New Roman" charset="0"/>
                 <a:cs typeface="Times New Roman" charset="0"/>
@@ -5301,15 +5723,15 @@
               <a:t>lane</a:t>
             </a:r>
             <a:r>
-              <a:rPr lang="zh-CN" altLang="en-US" sz="2800" dirty="0" smtClean="0">
-                <a:latin typeface="Times New Roman" charset="0"/>
-                <a:ea typeface="Times New Roman" charset="0"/>
-                <a:cs typeface="Times New Roman" charset="0"/>
-              </a:rPr>
-              <a:t> </a:t>
-            </a:r>
-            <a:r>
-              <a:rPr lang="en-US" altLang="zh-CN" sz="2800" dirty="0" smtClean="0">
+              <a:rPr lang="zh-CN" altLang="en-US" sz="2800" dirty="0">
+                <a:latin typeface="Times New Roman" charset="0"/>
+                <a:ea typeface="Times New Roman" charset="0"/>
+                <a:cs typeface="Times New Roman" charset="0"/>
+              </a:rPr>
+              <a:t> </a:t>
+            </a:r>
+            <a:r>
+              <a:rPr lang="en-US" altLang="zh-CN" sz="2800" dirty="0">
                 <a:latin typeface="Times New Roman" charset="0"/>
                 <a:ea typeface="Times New Roman" charset="0"/>
                 <a:cs typeface="Times New Roman" charset="0"/>
@@ -5317,15 +5739,15 @@
               <a:t>mark</a:t>
             </a:r>
             <a:r>
-              <a:rPr lang="zh-CN" altLang="en-US" sz="2800" dirty="0" smtClean="0">
-                <a:latin typeface="Times New Roman" charset="0"/>
-                <a:ea typeface="Times New Roman" charset="0"/>
-                <a:cs typeface="Times New Roman" charset="0"/>
-              </a:rPr>
-              <a:t> </a:t>
-            </a:r>
-            <a:r>
-              <a:rPr lang="en-US" altLang="zh-CN" sz="2800" dirty="0" smtClean="0">
+              <a:rPr lang="zh-CN" altLang="en-US" sz="2800" dirty="0">
+                <a:latin typeface="Times New Roman" charset="0"/>
+                <a:ea typeface="Times New Roman" charset="0"/>
+                <a:cs typeface="Times New Roman" charset="0"/>
+              </a:rPr>
+              <a:t> </a:t>
+            </a:r>
+            <a:r>
+              <a:rPr lang="en-US" altLang="zh-CN" sz="2800" dirty="0">
                 <a:latin typeface="Times New Roman" charset="0"/>
                 <a:ea typeface="Times New Roman" charset="0"/>
                 <a:cs typeface="Times New Roman" charset="0"/>
@@ -5333,15 +5755,15 @@
               <a:t>on</a:t>
             </a:r>
             <a:r>
-              <a:rPr lang="zh-CN" altLang="en-US" sz="2800" dirty="0" smtClean="0">
-                <a:latin typeface="Times New Roman" charset="0"/>
-                <a:ea typeface="Times New Roman" charset="0"/>
-                <a:cs typeface="Times New Roman" charset="0"/>
-              </a:rPr>
-              <a:t> </a:t>
-            </a:r>
-            <a:r>
-              <a:rPr lang="en-US" altLang="zh-CN" sz="2800" dirty="0" smtClean="0">
+              <a:rPr lang="zh-CN" altLang="en-US" sz="2800" dirty="0">
+                <a:latin typeface="Times New Roman" charset="0"/>
+                <a:ea typeface="Times New Roman" charset="0"/>
+                <a:cs typeface="Times New Roman" charset="0"/>
+              </a:rPr>
+              <a:t> </a:t>
+            </a:r>
+            <a:r>
+              <a:rPr lang="en-US" altLang="zh-CN" sz="2800" dirty="0">
                 <a:latin typeface="Times New Roman" charset="0"/>
                 <a:ea typeface="Times New Roman" charset="0"/>
                 <a:cs typeface="Times New Roman" charset="0"/>
@@ -5349,20 +5771,20 @@
               <a:t>road</a:t>
             </a:r>
             <a:r>
-              <a:rPr lang="zh-CN" altLang="en-US" sz="2800" dirty="0" smtClean="0">
-                <a:latin typeface="Times New Roman" charset="0"/>
-                <a:ea typeface="Times New Roman" charset="0"/>
-                <a:cs typeface="Times New Roman" charset="0"/>
-              </a:rPr>
-              <a:t> </a:t>
-            </a:r>
-            <a:r>
-              <a:rPr lang="en-US" altLang="zh-CN" sz="2800" dirty="0" smtClean="0">
-                <a:latin typeface="Times New Roman" charset="0"/>
-                <a:ea typeface="Times New Roman" charset="0"/>
-                <a:cs typeface="Times New Roman" charset="0"/>
-              </a:rPr>
-              <a:t>surface.</a:t>
+              <a:rPr lang="zh-CN" altLang="en-US" sz="2800" dirty="0">
+                <a:latin typeface="Times New Roman" charset="0"/>
+                <a:ea typeface="Times New Roman" charset="0"/>
+                <a:cs typeface="Times New Roman" charset="0"/>
+              </a:rPr>
+              <a:t> </a:t>
+            </a:r>
+            <a:r>
+              <a:rPr lang="en-US" altLang="zh-CN" sz="2800" dirty="0">
+                <a:latin typeface="Times New Roman" charset="0"/>
+                <a:ea typeface="Times New Roman" charset="0"/>
+                <a:cs typeface="Times New Roman" charset="0"/>
+              </a:rPr>
+              <a:t>surface, and we trained a model that will automatically detect lane mark with other point cloud data input.</a:t>
             </a:r>
           </a:p>
           <a:p>
@@ -5373,58 +5795,66 @@
                 <a:ea typeface="Times New Roman" charset="0"/>
                 <a:cs typeface="Times New Roman" charset="0"/>
               </a:rPr>
-              <a:t>	</a:t>
-            </a:r>
-            <a:r>
-              <a:rPr lang="en-US" altLang="zh-CN" sz="2800" dirty="0" smtClean="0">
-                <a:latin typeface="Times New Roman" charset="0"/>
-                <a:ea typeface="Times New Roman" charset="0"/>
-                <a:cs typeface="Times New Roman" charset="0"/>
-              </a:rPr>
-              <a:t>We</a:t>
-            </a:r>
-            <a:r>
-              <a:rPr lang="zh-CN" altLang="en-US" sz="2800" dirty="0" smtClean="0">
-                <a:latin typeface="Times New Roman" charset="0"/>
-                <a:ea typeface="Times New Roman" charset="0"/>
-                <a:cs typeface="Times New Roman" charset="0"/>
-              </a:rPr>
-              <a:t> </a:t>
-            </a:r>
-            <a:r>
-              <a:rPr lang="en-US" altLang="zh-CN" sz="2800" dirty="0" smtClean="0">
-                <a:latin typeface="Times New Roman" charset="0"/>
-                <a:ea typeface="Times New Roman" charset="0"/>
-                <a:cs typeface="Times New Roman" charset="0"/>
-              </a:rPr>
-              <a:t>have</a:t>
-            </a:r>
-            <a:r>
-              <a:rPr lang="zh-CN" altLang="en-US" sz="2800" dirty="0" smtClean="0">
-                <a:latin typeface="Times New Roman" charset="0"/>
-                <a:ea typeface="Times New Roman" charset="0"/>
-                <a:cs typeface="Times New Roman" charset="0"/>
-              </a:rPr>
-              <a:t> </a:t>
-            </a:r>
-            <a:r>
-              <a:rPr lang="en-US" altLang="zh-CN" sz="2800" dirty="0" smtClean="0">
-                <a:latin typeface="Times New Roman" charset="0"/>
-                <a:ea typeface="Times New Roman" charset="0"/>
-                <a:cs typeface="Times New Roman" charset="0"/>
-              </a:rPr>
-              <a:t>using</a:t>
-            </a:r>
-            <a:r>
-              <a:rPr lang="zh-CN" altLang="en-US" sz="2800" dirty="0" smtClean="0">
-                <a:latin typeface="Times New Roman" charset="0"/>
-                <a:ea typeface="Times New Roman" charset="0"/>
-                <a:cs typeface="Times New Roman" charset="0"/>
-              </a:rPr>
-              <a:t> </a:t>
-            </a:r>
-            <a:r>
-              <a:rPr lang="en-US" altLang="zh-CN" sz="2800" dirty="0" smtClean="0">
+              <a:t>	Several machine learning technics are used in our project</a:t>
+            </a:r>
+            <a:r>
+              <a:rPr lang="zh-CN" altLang="en-US" sz="2800" dirty="0">
+                <a:latin typeface="Times New Roman" charset="0"/>
+                <a:ea typeface="Times New Roman" charset="0"/>
+                <a:cs typeface="Times New Roman" charset="0"/>
+              </a:rPr>
+              <a:t> </a:t>
+            </a:r>
+            <a:r>
+              <a:rPr lang="en-US" altLang="zh-CN" sz="2800" dirty="0">
+                <a:latin typeface="Times New Roman" charset="0"/>
+                <a:ea typeface="Times New Roman" charset="0"/>
+                <a:cs typeface="Times New Roman" charset="0"/>
+              </a:rPr>
+              <a:t>to</a:t>
+            </a:r>
+            <a:r>
+              <a:rPr lang="zh-CN" altLang="en-US" sz="2800" dirty="0">
+                <a:latin typeface="Times New Roman" charset="0"/>
+                <a:ea typeface="Times New Roman" charset="0"/>
+                <a:cs typeface="Times New Roman" charset="0"/>
+              </a:rPr>
+              <a:t> </a:t>
+            </a:r>
+            <a:r>
+              <a:rPr lang="en-US" altLang="zh-CN" sz="2800" dirty="0">
+                <a:latin typeface="Times New Roman" charset="0"/>
+                <a:ea typeface="Times New Roman" charset="0"/>
+                <a:cs typeface="Times New Roman" charset="0"/>
+              </a:rPr>
+              <a:t>predict</a:t>
+            </a:r>
+            <a:r>
+              <a:rPr lang="zh-CN" altLang="en-US" sz="2800" dirty="0">
+                <a:latin typeface="Times New Roman" charset="0"/>
+                <a:ea typeface="Times New Roman" charset="0"/>
+                <a:cs typeface="Times New Roman" charset="0"/>
+              </a:rPr>
+              <a:t> </a:t>
+            </a:r>
+            <a:r>
+              <a:rPr lang="en-US" altLang="zh-CN" sz="2800" dirty="0">
+                <a:latin typeface="Times New Roman" charset="0"/>
+                <a:ea typeface="Times New Roman" charset="0"/>
+                <a:cs typeface="Times New Roman" charset="0"/>
+              </a:rPr>
+              <a:t>if</a:t>
+            </a:r>
+            <a:r>
+              <a:rPr lang="zh-CN" altLang="en-US" sz="2800" dirty="0">
+                <a:latin typeface="Times New Roman" charset="0"/>
+                <a:ea typeface="Times New Roman" charset="0"/>
+                <a:cs typeface="Times New Roman" charset="0"/>
+              </a:rPr>
+              <a:t> </a:t>
+            </a:r>
+            <a:r>
+              <a:rPr lang="en-US" altLang="zh-CN" sz="2800" dirty="0">
                 <a:latin typeface="Times New Roman" charset="0"/>
                 <a:ea typeface="Times New Roman" charset="0"/>
                 <a:cs typeface="Times New Roman" charset="0"/>
@@ -5432,47 +5862,223 @@
               <a:t>data</a:t>
             </a:r>
             <a:r>
-              <a:rPr lang="zh-CN" altLang="en-US" sz="2800" dirty="0" smtClean="0">
-                <a:latin typeface="Times New Roman" charset="0"/>
-                <a:ea typeface="Times New Roman" charset="0"/>
-                <a:cs typeface="Times New Roman" charset="0"/>
-              </a:rPr>
-              <a:t> </a:t>
-            </a:r>
-            <a:r>
-              <a:rPr lang="en-US" altLang="zh-CN" sz="2800" dirty="0" smtClean="0">
-                <a:latin typeface="Times New Roman" charset="0"/>
-                <a:ea typeface="Times New Roman" charset="0"/>
-                <a:cs typeface="Times New Roman" charset="0"/>
-              </a:rPr>
-              <a:t>processing</a:t>
-            </a:r>
-            <a:r>
-              <a:rPr lang="zh-CN" altLang="en-US" sz="2800" dirty="0" smtClean="0">
-                <a:latin typeface="Times New Roman" charset="0"/>
-                <a:ea typeface="Times New Roman" charset="0"/>
-                <a:cs typeface="Times New Roman" charset="0"/>
-              </a:rPr>
-              <a:t> </a:t>
-            </a:r>
-            <a:r>
-              <a:rPr lang="en-US" altLang="zh-CN" sz="2800" dirty="0" smtClean="0">
-                <a:latin typeface="Times New Roman" charset="0"/>
-                <a:ea typeface="Times New Roman" charset="0"/>
-                <a:cs typeface="Times New Roman" charset="0"/>
-              </a:rPr>
-              <a:t>technics</a:t>
-            </a:r>
-            <a:r>
-              <a:rPr lang="zh-CN" altLang="en-US" sz="2800" dirty="0" smtClean="0">
-                <a:latin typeface="Times New Roman" charset="0"/>
-                <a:ea typeface="Times New Roman" charset="0"/>
-                <a:cs typeface="Times New Roman" charset="0"/>
-              </a:rPr>
-              <a:t> </a:t>
-            </a:r>
-            <a:r>
-              <a:rPr lang="en-US" altLang="zh-CN" sz="2800" dirty="0" smtClean="0">
+              <a:rPr lang="zh-CN" altLang="en-US" sz="2800" dirty="0">
+                <a:latin typeface="Times New Roman" charset="0"/>
+                <a:ea typeface="Times New Roman" charset="0"/>
+                <a:cs typeface="Times New Roman" charset="0"/>
+              </a:rPr>
+              <a:t> </a:t>
+            </a:r>
+            <a:r>
+              <a:rPr lang="en-US" altLang="zh-CN" sz="2800" dirty="0">
+                <a:latin typeface="Times New Roman" charset="0"/>
+                <a:ea typeface="Times New Roman" charset="0"/>
+                <a:cs typeface="Times New Roman" charset="0"/>
+              </a:rPr>
+              <a:t>belongs</a:t>
+            </a:r>
+            <a:r>
+              <a:rPr lang="zh-CN" altLang="en-US" sz="2800" dirty="0">
+                <a:latin typeface="Times New Roman" charset="0"/>
+                <a:ea typeface="Times New Roman" charset="0"/>
+                <a:cs typeface="Times New Roman" charset="0"/>
+              </a:rPr>
+              <a:t> </a:t>
+            </a:r>
+            <a:r>
+              <a:rPr lang="en-US" altLang="zh-CN" sz="2800" dirty="0">
+                <a:latin typeface="Times New Roman" charset="0"/>
+                <a:ea typeface="Times New Roman" charset="0"/>
+                <a:cs typeface="Times New Roman" charset="0"/>
+              </a:rPr>
+              <a:t>to</a:t>
+            </a:r>
+            <a:r>
+              <a:rPr lang="zh-CN" altLang="en-US" sz="2800" dirty="0">
+                <a:latin typeface="Times New Roman" charset="0"/>
+                <a:ea typeface="Times New Roman" charset="0"/>
+                <a:cs typeface="Times New Roman" charset="0"/>
+              </a:rPr>
+              <a:t> </a:t>
+            </a:r>
+            <a:r>
+              <a:rPr lang="en-US" altLang="zh-CN" sz="2800" dirty="0">
+                <a:latin typeface="Times New Roman" charset="0"/>
+                <a:ea typeface="Times New Roman" charset="0"/>
+                <a:cs typeface="Times New Roman" charset="0"/>
+              </a:rPr>
+              <a:t>lane</a:t>
+            </a:r>
+            <a:r>
+              <a:rPr lang="zh-CN" altLang="en-US" sz="2800" dirty="0">
+                <a:latin typeface="Times New Roman" charset="0"/>
+                <a:ea typeface="Times New Roman" charset="0"/>
+                <a:cs typeface="Times New Roman" charset="0"/>
+              </a:rPr>
+              <a:t> </a:t>
+            </a:r>
+            <a:r>
+              <a:rPr lang="en-US" altLang="zh-CN" sz="2800" dirty="0">
+                <a:latin typeface="Times New Roman" charset="0"/>
+                <a:ea typeface="Times New Roman" charset="0"/>
+                <a:cs typeface="Times New Roman" charset="0"/>
+              </a:rPr>
+              <a:t>mark, such as </a:t>
+            </a:r>
+            <a:r>
+              <a:rPr lang="en-US" altLang="zh-CN" sz="2800" dirty="0" err="1">
+                <a:latin typeface="Times New Roman" charset="0"/>
+                <a:ea typeface="Times New Roman" charset="0"/>
+                <a:cs typeface="Times New Roman" charset="0"/>
+              </a:rPr>
+              <a:t>Kmeans</a:t>
+            </a:r>
+            <a:r>
+              <a:rPr lang="en-US" altLang="zh-CN" sz="2800" dirty="0">
+                <a:latin typeface="Times New Roman" charset="0"/>
+                <a:ea typeface="Times New Roman" charset="0"/>
+                <a:cs typeface="Times New Roman" charset="0"/>
+              </a:rPr>
+              <a:t> clustering, RANSAC model fitting and Support Vector Machine model,</a:t>
+            </a:r>
+            <a:r>
+              <a:rPr lang="zh-CN" altLang="en-US" sz="2800" dirty="0">
+                <a:latin typeface="Times New Roman" charset="0"/>
+                <a:ea typeface="Times New Roman" charset="0"/>
+                <a:cs typeface="Times New Roman" charset="0"/>
+              </a:rPr>
+              <a:t> </a:t>
+            </a:r>
+            <a:r>
+              <a:rPr lang="en-US" altLang="zh-CN" sz="2800" dirty="0">
+                <a:latin typeface="Times New Roman" charset="0"/>
+                <a:ea typeface="Times New Roman" charset="0"/>
+                <a:cs typeface="Times New Roman" charset="0"/>
+              </a:rPr>
+              <a:t>our</a:t>
+            </a:r>
+            <a:r>
+              <a:rPr lang="zh-CN" altLang="en-US" sz="2800" dirty="0">
+                <a:latin typeface="Times New Roman" charset="0"/>
+                <a:ea typeface="Times New Roman" charset="0"/>
+                <a:cs typeface="Times New Roman" charset="0"/>
+              </a:rPr>
+              <a:t> </a:t>
+            </a:r>
+            <a:r>
+              <a:rPr lang="en-US" altLang="zh-CN" sz="2800" dirty="0">
+                <a:latin typeface="Times New Roman" charset="0"/>
+                <a:ea typeface="Times New Roman" charset="0"/>
+                <a:cs typeface="Times New Roman" charset="0"/>
+              </a:rPr>
+              <a:t>program</a:t>
+            </a:r>
+            <a:r>
+              <a:rPr lang="zh-CN" altLang="en-US" sz="2800" dirty="0">
+                <a:latin typeface="Times New Roman" charset="0"/>
+                <a:ea typeface="Times New Roman" charset="0"/>
+                <a:cs typeface="Times New Roman" charset="0"/>
+              </a:rPr>
+              <a:t> </a:t>
+            </a:r>
+            <a:r>
+              <a:rPr lang="en-US" altLang="zh-CN" sz="2800" dirty="0">
+                <a:latin typeface="Times New Roman" charset="0"/>
+                <a:ea typeface="Times New Roman" charset="0"/>
+                <a:cs typeface="Times New Roman" charset="0"/>
+              </a:rPr>
+              <a:t>can work</a:t>
+            </a:r>
+            <a:r>
+              <a:rPr lang="zh-CN" altLang="en-US" sz="2800" dirty="0">
+                <a:latin typeface="Times New Roman" charset="0"/>
+                <a:ea typeface="Times New Roman" charset="0"/>
+                <a:cs typeface="Times New Roman" charset="0"/>
+              </a:rPr>
+              <a:t> </a:t>
+            </a:r>
+            <a:r>
+              <a:rPr lang="en-US" altLang="zh-CN" sz="2800" dirty="0">
+                <a:latin typeface="Times New Roman" charset="0"/>
+                <a:ea typeface="Times New Roman" charset="0"/>
+                <a:cs typeface="Times New Roman" charset="0"/>
+              </a:rPr>
+              <a:t>on</a:t>
+            </a:r>
+            <a:r>
+              <a:rPr lang="zh-CN" altLang="en-US" sz="2800" dirty="0">
+                <a:latin typeface="Times New Roman" charset="0"/>
+                <a:ea typeface="Times New Roman" charset="0"/>
+                <a:cs typeface="Times New Roman" charset="0"/>
+              </a:rPr>
+              <a:t> </a:t>
+            </a:r>
+            <a:r>
+              <a:rPr lang="en-US" altLang="zh-CN" sz="2800" dirty="0">
+                <a:latin typeface="Times New Roman" charset="0"/>
+                <a:ea typeface="Times New Roman" charset="0"/>
+                <a:cs typeface="Times New Roman" charset="0"/>
+              </a:rPr>
+              <a:t>both</a:t>
+            </a:r>
+            <a:r>
+              <a:rPr lang="zh-CN" altLang="en-US" sz="2800" dirty="0">
+                <a:latin typeface="Times New Roman" charset="0"/>
+                <a:ea typeface="Times New Roman" charset="0"/>
+                <a:cs typeface="Times New Roman" charset="0"/>
+              </a:rPr>
+              <a:t> </a:t>
+            </a:r>
+            <a:r>
+              <a:rPr lang="en-US" altLang="zh-CN" sz="2800" dirty="0">
+                <a:latin typeface="Times New Roman" charset="0"/>
+                <a:ea typeface="Times New Roman" charset="0"/>
+                <a:cs typeface="Times New Roman" charset="0"/>
+              </a:rPr>
+              <a:t>given</a:t>
+            </a:r>
+            <a:r>
+              <a:rPr lang="zh-CN" altLang="en-US" sz="2800" dirty="0">
+                <a:latin typeface="Times New Roman" charset="0"/>
+                <a:ea typeface="Times New Roman" charset="0"/>
+                <a:cs typeface="Times New Roman" charset="0"/>
+              </a:rPr>
+              <a:t> </a:t>
+            </a:r>
+            <a:r>
+              <a:rPr lang="en-US" altLang="zh-CN" sz="2800" dirty="0">
+                <a:latin typeface="Times New Roman" charset="0"/>
+                <a:ea typeface="Times New Roman" charset="0"/>
+                <a:cs typeface="Times New Roman" charset="0"/>
+              </a:rPr>
+              <a:t>data</a:t>
+            </a:r>
+            <a:r>
+              <a:rPr lang="zh-CN" altLang="en-US" sz="2800" dirty="0">
+                <a:latin typeface="Times New Roman" charset="0"/>
+                <a:ea typeface="Times New Roman" charset="0"/>
+                <a:cs typeface="Times New Roman" charset="0"/>
+              </a:rPr>
+              <a:t> </a:t>
+            </a:r>
+            <a:r>
+              <a:rPr lang="en-US" altLang="zh-CN" sz="2800" dirty="0">
+                <a:latin typeface="Times New Roman" charset="0"/>
+                <a:ea typeface="Times New Roman" charset="0"/>
+                <a:cs typeface="Times New Roman" charset="0"/>
+              </a:rPr>
+              <a:t>set</a:t>
+            </a:r>
+            <a:r>
+              <a:rPr lang="zh-CN" altLang="en-US" sz="2800" dirty="0">
+                <a:latin typeface="Times New Roman" charset="0"/>
+                <a:ea typeface="Times New Roman" charset="0"/>
+                <a:cs typeface="Times New Roman" charset="0"/>
+              </a:rPr>
+              <a:t> </a:t>
+            </a:r>
+            <a:r>
+              <a:rPr lang="en-US" altLang="zh-CN" sz="2800" dirty="0">
                 <a:latin typeface="Times New Roman" charset="0"/>
                 <a:ea typeface="Times New Roman" charset="0"/>
                 <a:cs typeface="Times New Roman" charset="0"/>
@@ -5480,127 +6086,31 @@
               <a:t>and</a:t>
             </a:r>
             <a:r>
-              <a:rPr lang="zh-CN" altLang="en-US" sz="2800" dirty="0" smtClean="0">
-                <a:latin typeface="Times New Roman" charset="0"/>
-                <a:ea typeface="Times New Roman" charset="0"/>
-                <a:cs typeface="Times New Roman" charset="0"/>
-              </a:rPr>
-              <a:t> </a:t>
-            </a:r>
-            <a:r>
-              <a:rPr lang="en-US" altLang="zh-CN" sz="2800" dirty="0" smtClean="0">
-                <a:latin typeface="Times New Roman" charset="0"/>
-                <a:ea typeface="Times New Roman" charset="0"/>
-                <a:cs typeface="Times New Roman" charset="0"/>
-              </a:rPr>
-              <a:t>a</a:t>
-            </a:r>
-            <a:r>
-              <a:rPr lang="zh-CN" altLang="en-US" sz="2800" dirty="0" smtClean="0">
-                <a:latin typeface="Times New Roman" charset="0"/>
-                <a:ea typeface="Times New Roman" charset="0"/>
-                <a:cs typeface="Times New Roman" charset="0"/>
-              </a:rPr>
-              <a:t> </a:t>
-            </a:r>
-            <a:r>
-              <a:rPr lang="en-US" altLang="zh-CN" sz="2800" dirty="0" smtClean="0">
-                <a:latin typeface="Times New Roman" charset="0"/>
-                <a:ea typeface="Times New Roman" charset="0"/>
-                <a:cs typeface="Times New Roman" charset="0"/>
-              </a:rPr>
-              <a:t>supervised</a:t>
-            </a:r>
-            <a:r>
-              <a:rPr lang="zh-CN" altLang="en-US" sz="2800" dirty="0" smtClean="0">
-                <a:latin typeface="Times New Roman" charset="0"/>
-                <a:ea typeface="Times New Roman" charset="0"/>
-                <a:cs typeface="Times New Roman" charset="0"/>
-              </a:rPr>
-              <a:t> </a:t>
-            </a:r>
-            <a:r>
-              <a:rPr lang="en-US" altLang="zh-CN" sz="2800" dirty="0" smtClean="0">
-                <a:latin typeface="Times New Roman" charset="0"/>
-                <a:ea typeface="Times New Roman" charset="0"/>
-                <a:cs typeface="Times New Roman" charset="0"/>
-              </a:rPr>
-              <a:t>learning</a:t>
-            </a:r>
-            <a:r>
-              <a:rPr lang="zh-CN" altLang="en-US" sz="2800" dirty="0" smtClean="0">
-                <a:latin typeface="Times New Roman" charset="0"/>
-                <a:ea typeface="Times New Roman" charset="0"/>
-                <a:cs typeface="Times New Roman" charset="0"/>
-              </a:rPr>
-              <a:t> </a:t>
-            </a:r>
-            <a:r>
-              <a:rPr lang="en-US" altLang="zh-CN" sz="2800" dirty="0" smtClean="0">
-                <a:latin typeface="Times New Roman" charset="0"/>
-                <a:ea typeface="Times New Roman" charset="0"/>
-                <a:cs typeface="Times New Roman" charset="0"/>
-              </a:rPr>
-              <a:t>model</a:t>
-            </a:r>
-            <a:r>
-              <a:rPr lang="zh-CN" altLang="en-US" sz="2800" dirty="0" smtClean="0">
-                <a:latin typeface="Times New Roman" charset="0"/>
-                <a:ea typeface="Times New Roman" charset="0"/>
-                <a:cs typeface="Times New Roman" charset="0"/>
-              </a:rPr>
-              <a:t> </a:t>
-            </a:r>
-            <a:r>
-              <a:rPr lang="en-US" altLang="zh-CN" sz="2800" dirty="0" smtClean="0">
-                <a:latin typeface="Times New Roman" charset="0"/>
-                <a:ea typeface="Times New Roman" charset="0"/>
-                <a:cs typeface="Times New Roman" charset="0"/>
-              </a:rPr>
-              <a:t>to</a:t>
-            </a:r>
-            <a:r>
-              <a:rPr lang="zh-CN" altLang="en-US" sz="2800" dirty="0" smtClean="0">
-                <a:latin typeface="Times New Roman" charset="0"/>
-                <a:ea typeface="Times New Roman" charset="0"/>
-                <a:cs typeface="Times New Roman" charset="0"/>
-              </a:rPr>
-              <a:t> </a:t>
-            </a:r>
-            <a:r>
-              <a:rPr lang="en-US" altLang="zh-CN" sz="2800" dirty="0" smtClean="0">
-                <a:latin typeface="Times New Roman" charset="0"/>
-                <a:ea typeface="Times New Roman" charset="0"/>
-                <a:cs typeface="Times New Roman" charset="0"/>
-              </a:rPr>
-              <a:t>predict</a:t>
-            </a:r>
-            <a:r>
-              <a:rPr lang="zh-CN" altLang="en-US" sz="2800" dirty="0" smtClean="0">
-                <a:latin typeface="Times New Roman" charset="0"/>
-                <a:ea typeface="Times New Roman" charset="0"/>
-                <a:cs typeface="Times New Roman" charset="0"/>
-              </a:rPr>
-              <a:t>  </a:t>
-            </a:r>
-            <a:r>
-              <a:rPr lang="en-US" altLang="zh-CN" sz="2800" dirty="0" smtClean="0">
-                <a:latin typeface="Times New Roman" charset="0"/>
-                <a:ea typeface="Times New Roman" charset="0"/>
-                <a:cs typeface="Times New Roman" charset="0"/>
-              </a:rPr>
-              <a:t>if</a:t>
-            </a:r>
-            <a:r>
-              <a:rPr lang="zh-CN" altLang="en-US" sz="2800" dirty="0" smtClean="0">
-                <a:latin typeface="Times New Roman" charset="0"/>
-                <a:ea typeface="Times New Roman" charset="0"/>
-                <a:cs typeface="Times New Roman" charset="0"/>
-              </a:rPr>
-              <a:t> </a:t>
-            </a:r>
-            <a:r>
-              <a:rPr lang="en-US" altLang="zh-CN" sz="2800" dirty="0" smtClean="0">
+              <a:rPr lang="zh-CN" altLang="en-US" sz="2800" dirty="0">
+                <a:latin typeface="Times New Roman" charset="0"/>
+                <a:ea typeface="Times New Roman" charset="0"/>
+                <a:cs typeface="Times New Roman" charset="0"/>
+              </a:rPr>
+              <a:t> </a:t>
+            </a:r>
+            <a:r>
+              <a:rPr lang="en-US" altLang="zh-CN" sz="2800" dirty="0">
+                <a:latin typeface="Times New Roman" charset="0"/>
+                <a:ea typeface="Times New Roman" charset="0"/>
+                <a:cs typeface="Times New Roman" charset="0"/>
+              </a:rPr>
+              <a:t>other</a:t>
+            </a:r>
+            <a:r>
+              <a:rPr lang="zh-CN" altLang="en-US" sz="2800" dirty="0">
+                <a:latin typeface="Times New Roman" charset="0"/>
+                <a:ea typeface="Times New Roman" charset="0"/>
+                <a:cs typeface="Times New Roman" charset="0"/>
+              </a:rPr>
+              <a:t> </a:t>
+            </a:r>
+            <a:r>
+              <a:rPr lang="en-US" altLang="zh-CN" sz="2800" dirty="0">
                 <a:latin typeface="Times New Roman" charset="0"/>
                 <a:ea typeface="Times New Roman" charset="0"/>
                 <a:cs typeface="Times New Roman" charset="0"/>
@@ -5608,266 +6118,32 @@
               <a:t>data</a:t>
             </a:r>
             <a:r>
-              <a:rPr lang="zh-CN" altLang="en-US" sz="2800" dirty="0" smtClean="0">
-                <a:latin typeface="Times New Roman" charset="0"/>
-                <a:ea typeface="Times New Roman" charset="0"/>
-                <a:cs typeface="Times New Roman" charset="0"/>
-              </a:rPr>
-              <a:t> </a:t>
-            </a:r>
-            <a:r>
-              <a:rPr lang="en-US" altLang="zh-CN" sz="2800" dirty="0" smtClean="0">
-                <a:latin typeface="Times New Roman" charset="0"/>
-                <a:ea typeface="Times New Roman" charset="0"/>
-                <a:cs typeface="Times New Roman" charset="0"/>
-              </a:rPr>
-              <a:t>belongs</a:t>
-            </a:r>
-            <a:r>
-              <a:rPr lang="zh-CN" altLang="en-US" sz="2800" dirty="0" smtClean="0">
-                <a:latin typeface="Times New Roman" charset="0"/>
-                <a:ea typeface="Times New Roman" charset="0"/>
-                <a:cs typeface="Times New Roman" charset="0"/>
-              </a:rPr>
-              <a:t> </a:t>
-            </a:r>
-            <a:r>
-              <a:rPr lang="en-US" altLang="zh-CN" sz="2800" dirty="0" smtClean="0">
-                <a:latin typeface="Times New Roman" charset="0"/>
-                <a:ea typeface="Times New Roman" charset="0"/>
-                <a:cs typeface="Times New Roman" charset="0"/>
-              </a:rPr>
-              <a:t>to</a:t>
-            </a:r>
-            <a:r>
-              <a:rPr lang="zh-CN" altLang="en-US" sz="2800" dirty="0" smtClean="0">
-                <a:latin typeface="Times New Roman" charset="0"/>
-                <a:ea typeface="Times New Roman" charset="0"/>
-                <a:cs typeface="Times New Roman" charset="0"/>
-              </a:rPr>
-              <a:t> </a:t>
-            </a:r>
-            <a:r>
-              <a:rPr lang="en-US" altLang="zh-CN" sz="2800" dirty="0" smtClean="0">
-                <a:latin typeface="Times New Roman" charset="0"/>
-                <a:ea typeface="Times New Roman" charset="0"/>
-                <a:cs typeface="Times New Roman" charset="0"/>
-              </a:rPr>
-              <a:t>lane</a:t>
-            </a:r>
-            <a:r>
-              <a:rPr lang="zh-CN" altLang="en-US" sz="2800" dirty="0" smtClean="0">
-                <a:latin typeface="Times New Roman" charset="0"/>
-                <a:ea typeface="Times New Roman" charset="0"/>
-                <a:cs typeface="Times New Roman" charset="0"/>
-              </a:rPr>
-              <a:t> </a:t>
-            </a:r>
-            <a:r>
-              <a:rPr lang="en-US" altLang="zh-CN" sz="2800" dirty="0" smtClean="0">
-                <a:latin typeface="Times New Roman" charset="0"/>
-                <a:ea typeface="Times New Roman" charset="0"/>
-                <a:cs typeface="Times New Roman" charset="0"/>
-              </a:rPr>
-              <a:t>mark,</a:t>
-            </a:r>
-            <a:r>
-              <a:rPr lang="zh-CN" altLang="en-US" sz="2800" dirty="0" smtClean="0">
-                <a:latin typeface="Times New Roman" charset="0"/>
-                <a:ea typeface="Times New Roman" charset="0"/>
-                <a:cs typeface="Times New Roman" charset="0"/>
-              </a:rPr>
-              <a:t> </a:t>
-            </a:r>
-            <a:r>
-              <a:rPr lang="en-US" altLang="zh-CN" sz="2800" dirty="0" smtClean="0">
-                <a:latin typeface="Times New Roman" charset="0"/>
-                <a:ea typeface="Times New Roman" charset="0"/>
-                <a:cs typeface="Times New Roman" charset="0"/>
-              </a:rPr>
-              <a:t>our</a:t>
-            </a:r>
-            <a:r>
-              <a:rPr lang="zh-CN" altLang="en-US" sz="2800" dirty="0" smtClean="0">
-                <a:latin typeface="Times New Roman" charset="0"/>
-                <a:ea typeface="Times New Roman" charset="0"/>
-                <a:cs typeface="Times New Roman" charset="0"/>
-              </a:rPr>
-              <a:t> </a:t>
-            </a:r>
-            <a:r>
-              <a:rPr lang="en-US" altLang="zh-CN" sz="2800" dirty="0" smtClean="0">
-                <a:latin typeface="Times New Roman" charset="0"/>
-                <a:ea typeface="Times New Roman" charset="0"/>
-                <a:cs typeface="Times New Roman" charset="0"/>
-              </a:rPr>
-              <a:t>program</a:t>
-            </a:r>
-            <a:r>
-              <a:rPr lang="zh-CN" altLang="en-US" sz="2800" dirty="0" smtClean="0">
-                <a:latin typeface="Times New Roman" charset="0"/>
-                <a:ea typeface="Times New Roman" charset="0"/>
-                <a:cs typeface="Times New Roman" charset="0"/>
-              </a:rPr>
-              <a:t> </a:t>
-            </a:r>
-            <a:r>
-              <a:rPr lang="en-US" altLang="zh-CN" sz="2800" dirty="0" smtClean="0">
-                <a:latin typeface="Times New Roman" charset="0"/>
-                <a:ea typeface="Times New Roman" charset="0"/>
-                <a:cs typeface="Times New Roman" charset="0"/>
-              </a:rPr>
-              <a:t>works</a:t>
-            </a:r>
-            <a:r>
-              <a:rPr lang="zh-CN" altLang="en-US" sz="2800" dirty="0" smtClean="0">
-                <a:latin typeface="Times New Roman" charset="0"/>
-                <a:ea typeface="Times New Roman" charset="0"/>
-                <a:cs typeface="Times New Roman" charset="0"/>
-              </a:rPr>
-              <a:t> </a:t>
-            </a:r>
-            <a:r>
-              <a:rPr lang="en-US" altLang="zh-CN" sz="2800" dirty="0" smtClean="0">
-                <a:latin typeface="Times New Roman" charset="0"/>
-                <a:ea typeface="Times New Roman" charset="0"/>
-                <a:cs typeface="Times New Roman" charset="0"/>
-              </a:rPr>
-              <a:t>with</a:t>
-            </a:r>
-            <a:r>
-              <a:rPr lang="zh-CN" altLang="en-US" sz="2800" dirty="0" smtClean="0">
-                <a:latin typeface="Times New Roman" charset="0"/>
-                <a:ea typeface="Times New Roman" charset="0"/>
-                <a:cs typeface="Times New Roman" charset="0"/>
-              </a:rPr>
-              <a:t> </a:t>
-            </a:r>
-            <a:r>
-              <a:rPr lang="en-US" altLang="zh-CN" sz="2800" dirty="0" smtClean="0">
-                <a:latin typeface="Times New Roman" charset="0"/>
-                <a:ea typeface="Times New Roman" charset="0"/>
-                <a:cs typeface="Times New Roman" charset="0"/>
-              </a:rPr>
-              <a:t>both</a:t>
-            </a:r>
-            <a:r>
-              <a:rPr lang="zh-CN" altLang="en-US" sz="2800" dirty="0" smtClean="0">
-                <a:latin typeface="Times New Roman" charset="0"/>
-                <a:ea typeface="Times New Roman" charset="0"/>
-                <a:cs typeface="Times New Roman" charset="0"/>
-              </a:rPr>
-              <a:t> </a:t>
-            </a:r>
-            <a:r>
-              <a:rPr lang="en-US" altLang="zh-CN" sz="2800" dirty="0" smtClean="0">
-                <a:latin typeface="Times New Roman" charset="0"/>
-                <a:ea typeface="Times New Roman" charset="0"/>
-                <a:cs typeface="Times New Roman" charset="0"/>
-              </a:rPr>
-              <a:t>given</a:t>
-            </a:r>
-            <a:r>
-              <a:rPr lang="zh-CN" altLang="en-US" sz="2800" dirty="0" smtClean="0">
-                <a:latin typeface="Times New Roman" charset="0"/>
-                <a:ea typeface="Times New Roman" charset="0"/>
-                <a:cs typeface="Times New Roman" charset="0"/>
-              </a:rPr>
-              <a:t> </a:t>
-            </a:r>
-            <a:r>
-              <a:rPr lang="en-US" altLang="zh-CN" sz="2800" dirty="0" smtClean="0">
-                <a:latin typeface="Times New Roman" charset="0"/>
-                <a:ea typeface="Times New Roman" charset="0"/>
-                <a:cs typeface="Times New Roman" charset="0"/>
-              </a:rPr>
-              <a:t>data</a:t>
-            </a:r>
-            <a:r>
-              <a:rPr lang="zh-CN" altLang="en-US" sz="2800" dirty="0" smtClean="0">
-                <a:latin typeface="Times New Roman" charset="0"/>
-                <a:ea typeface="Times New Roman" charset="0"/>
-                <a:cs typeface="Times New Roman" charset="0"/>
-              </a:rPr>
-              <a:t> </a:t>
-            </a:r>
-            <a:r>
-              <a:rPr lang="en-US" altLang="zh-CN" sz="2800" dirty="0" smtClean="0">
-                <a:latin typeface="Times New Roman" charset="0"/>
-                <a:ea typeface="Times New Roman" charset="0"/>
-                <a:cs typeface="Times New Roman" charset="0"/>
-              </a:rPr>
-              <a:t>set</a:t>
-            </a:r>
-            <a:r>
-              <a:rPr lang="zh-CN" altLang="en-US" sz="2800" dirty="0" smtClean="0">
-                <a:latin typeface="Times New Roman" charset="0"/>
-                <a:ea typeface="Times New Roman" charset="0"/>
-                <a:cs typeface="Times New Roman" charset="0"/>
-              </a:rPr>
-              <a:t> </a:t>
-            </a:r>
-            <a:r>
-              <a:rPr lang="en-US" altLang="zh-CN" sz="2800" dirty="0" smtClean="0">
-                <a:latin typeface="Times New Roman" charset="0"/>
-                <a:ea typeface="Times New Roman" charset="0"/>
-                <a:cs typeface="Times New Roman" charset="0"/>
-              </a:rPr>
-              <a:t>and</a:t>
-            </a:r>
-            <a:r>
-              <a:rPr lang="zh-CN" altLang="en-US" sz="2800" dirty="0" smtClean="0">
-                <a:latin typeface="Times New Roman" charset="0"/>
-                <a:ea typeface="Times New Roman" charset="0"/>
-                <a:cs typeface="Times New Roman" charset="0"/>
-              </a:rPr>
-              <a:t> </a:t>
-            </a:r>
-            <a:r>
-              <a:rPr lang="en-US" altLang="zh-CN" sz="2800" dirty="0" smtClean="0">
-                <a:latin typeface="Times New Roman" charset="0"/>
-                <a:ea typeface="Times New Roman" charset="0"/>
-                <a:cs typeface="Times New Roman" charset="0"/>
-              </a:rPr>
-              <a:t>other</a:t>
-            </a:r>
-            <a:r>
-              <a:rPr lang="zh-CN" altLang="en-US" sz="2800" dirty="0" smtClean="0">
-                <a:latin typeface="Times New Roman" charset="0"/>
-                <a:ea typeface="Times New Roman" charset="0"/>
-                <a:cs typeface="Times New Roman" charset="0"/>
-              </a:rPr>
-              <a:t> </a:t>
-            </a:r>
-            <a:r>
-              <a:rPr lang="en-US" altLang="zh-CN" sz="2800" dirty="0" smtClean="0">
-                <a:latin typeface="Times New Roman" charset="0"/>
-                <a:ea typeface="Times New Roman" charset="0"/>
-                <a:cs typeface="Times New Roman" charset="0"/>
-              </a:rPr>
-              <a:t>data</a:t>
-            </a:r>
-            <a:r>
-              <a:rPr lang="zh-CN" altLang="en-US" sz="2800" dirty="0" smtClean="0">
-                <a:latin typeface="Times New Roman" charset="0"/>
-                <a:ea typeface="Times New Roman" charset="0"/>
-                <a:cs typeface="Times New Roman" charset="0"/>
-              </a:rPr>
-              <a:t> </a:t>
-            </a:r>
-            <a:r>
-              <a:rPr lang="en-US" altLang="zh-CN" sz="2800" dirty="0" smtClean="0">
+              <a:rPr lang="zh-CN" altLang="en-US" sz="2800" dirty="0">
+                <a:latin typeface="Times New Roman" charset="0"/>
+                <a:ea typeface="Times New Roman" charset="0"/>
+                <a:cs typeface="Times New Roman" charset="0"/>
+              </a:rPr>
+              <a:t> </a:t>
+            </a:r>
+            <a:r>
+              <a:rPr lang="en-US" altLang="zh-CN" sz="2800" dirty="0">
                 <a:latin typeface="Times New Roman" charset="0"/>
                 <a:ea typeface="Times New Roman" charset="0"/>
                 <a:cs typeface="Times New Roman" charset="0"/>
               </a:rPr>
               <a:t>sets.</a:t>
             </a:r>
-            <a:endParaRPr lang="en-US" altLang="zh-CN" sz="2800" dirty="0">
-              <a:latin typeface="Times New Roman" charset="0"/>
-              <a:ea typeface="Times New Roman" charset="0"/>
-              <a:cs typeface="Times New Roman" charset="0"/>
-            </a:endParaRPr>
+          </a:p>
+          <a:p>
+            <a:pPr algn="just"/>
+            <a:r>
+              <a:rPr lang="en-US" altLang="zh-CN" sz="2800" dirty="0">
+                <a:latin typeface="Times New Roman" charset="0"/>
+                <a:ea typeface="Times New Roman" charset="0"/>
+                <a:cs typeface="Times New Roman" charset="0"/>
+              </a:rPr>
+              <a:t>	We first process the data to get those lane mark points, then label all points and use them as training data to train a model for general approach.	</a:t>
+            </a:r>
           </a:p>
         </p:txBody>
       </p:sp>
@@ -5924,18 +6200,14 @@
           <a:p>
             <a:r>
               <a:rPr lang="en-US" altLang="zh-CN" sz="3600" dirty="0"/>
-              <a:t>2. </a:t>
-            </a:r>
-            <a:r>
-              <a:rPr lang="en-US" altLang="zh-CN" sz="3600" dirty="0" smtClean="0"/>
-              <a:t>Point</a:t>
-            </a:r>
-            <a:r>
-              <a:rPr lang="zh-CN" altLang="en-US" sz="3600" dirty="0" smtClean="0"/>
-              <a:t> </a:t>
-            </a:r>
-            <a:r>
-              <a:rPr lang="en-US" altLang="zh-CN" sz="3600" dirty="0" smtClean="0"/>
+              <a:t>2. Point</a:t>
+            </a:r>
+            <a:r>
+              <a:rPr lang="zh-CN" altLang="en-US" sz="3600" dirty="0"/>
+              <a:t> </a:t>
+            </a:r>
+            <a:r>
+              <a:rPr lang="en-US" altLang="zh-CN" sz="3600" dirty="0"/>
               <a:t>Cloud</a:t>
             </a:r>
             <a:endParaRPr lang="zh-CN" altLang="en-US" sz="3600" dirty="0"/>
@@ -5970,13 +6242,8 @@
                 <a:ea typeface="Times New Roman" charset="0"/>
                 <a:cs typeface="Times New Roman" charset="0"/>
               </a:rPr>
-              <a:t>Point clouds are usually created by 3D scanners, is a set of data points intended to represent the external surface of an object. </a:t>
-            </a:r>
-            <a:endParaRPr lang="en-US" altLang="zh-CN" sz="2200" dirty="0" smtClean="0">
-              <a:latin typeface="Times New Roman" charset="0"/>
-              <a:ea typeface="Times New Roman" charset="0"/>
-              <a:cs typeface="Times New Roman" charset="0"/>
-            </a:endParaRPr>
+              <a:t>Point clouds are usually created by 3D scanners, and are a set of data points intended to represent the external surface of an object. </a:t>
+            </a:r>
           </a:p>
           <a:p>
             <a:endParaRPr lang="en-US" altLang="zh-CN" sz="2200" dirty="0">
@@ -5992,31 +6259,7 @@
                 <a:ea typeface="Times New Roman" charset="0"/>
                 <a:cs typeface="Times New Roman" charset="0"/>
               </a:rPr>
-              <a:t>A 3D scanner is a device that analyses a real-world object or environment to collect data on its shape and possibly its appearance (e.g. </a:t>
-            </a:r>
-            <a:r>
-              <a:rPr lang="en-US" altLang="zh-CN" sz="2200" dirty="0" err="1">
-                <a:latin typeface="Times New Roman" charset="0"/>
-                <a:ea typeface="Times New Roman" charset="0"/>
-                <a:cs typeface="Times New Roman" charset="0"/>
-              </a:rPr>
-              <a:t>colour</a:t>
-            </a:r>
-            <a:r>
-              <a:rPr lang="en-US" altLang="zh-CN" sz="2200" dirty="0">
-                <a:latin typeface="Times New Roman" charset="0"/>
-                <a:ea typeface="Times New Roman" charset="0"/>
-                <a:cs typeface="Times New Roman" charset="0"/>
-              </a:rPr>
-              <a:t>). The collected data can then be used to construct digital three-dimensional models</a:t>
-            </a:r>
-            <a:r>
-              <a:rPr lang="en-US" altLang="zh-CN" sz="2200" dirty="0" smtClean="0">
-                <a:latin typeface="Times New Roman" charset="0"/>
-                <a:ea typeface="Times New Roman" charset="0"/>
-                <a:cs typeface="Times New Roman" charset="0"/>
-              </a:rPr>
-              <a:t>.</a:t>
+              <a:t>A 3D scanner is a device that analyses a real-world object or environment to collect data on its shape and possibly its appearance (e.g. color). The collected data can then be used to construct digital three-dimensional models.</a:t>
             </a:r>
           </a:p>
           <a:p>
@@ -6043,12 +6286,12 @@
                 <a:ea typeface="Times New Roman" charset="0"/>
                 <a:cs typeface="Times New Roman" charset="0"/>
               </a:rPr>
-              <a:t>In our case we have a point cloud file with 4,30,736 point defined as</a:t>
-            </a:r>
-          </a:p>
-          <a:p>
-            <a:r>
-              <a:rPr lang="zh-CN" altLang="en-US" sz="2200" dirty="0" smtClean="0">
+              <a:t>In our case, we have a point cloud file with 430736 point given as</a:t>
+            </a:r>
+          </a:p>
+          <a:p>
+            <a:r>
+              <a:rPr lang="zh-CN" altLang="en-US" sz="2200" dirty="0">
                 <a:latin typeface="Times New Roman" charset="0"/>
                 <a:ea typeface="Times New Roman" charset="0"/>
                 <a:cs typeface="Times New Roman" charset="0"/>
@@ -6056,23 +6299,15 @@
               <a:t>     </a:t>
             </a:r>
             <a:r>
-              <a:rPr lang="en-US" altLang="zh-CN" sz="2200" dirty="0" smtClean="0">
-                <a:latin typeface="Times New Roman" charset="0"/>
-                <a:ea typeface="Times New Roman" charset="0"/>
-                <a:cs typeface="Times New Roman" charset="0"/>
-              </a:rPr>
-              <a:t>[</a:t>
-            </a:r>
-            <a:r>
               <a:rPr lang="en-US" altLang="zh-CN" sz="2200" dirty="0">
                 <a:latin typeface="Times New Roman" charset="0"/>
                 <a:ea typeface="Times New Roman" charset="0"/>
                 <a:cs typeface="Times New Roman" charset="0"/>
               </a:rPr>
-              <a:t>latitude]          </a:t>
-            </a:r>
-            <a:r>
-              <a:rPr lang="zh-CN" altLang="en-US" sz="2200" dirty="0" smtClean="0">
+              <a:t>[latitude]          </a:t>
+            </a:r>
+            <a:r>
+              <a:rPr lang="zh-CN" altLang="en-US" sz="2200" dirty="0">
                 <a:latin typeface="Times New Roman" charset="0"/>
                 <a:ea typeface="Times New Roman" charset="0"/>
                 <a:cs typeface="Times New Roman" charset="0"/>
@@ -6080,23 +6315,15 @@
               <a:t>   </a:t>
             </a:r>
             <a:r>
-              <a:rPr lang="en-US" altLang="zh-CN" sz="2200" dirty="0" smtClean="0">
-                <a:latin typeface="Times New Roman" charset="0"/>
-                <a:ea typeface="Times New Roman" charset="0"/>
-                <a:cs typeface="Times New Roman" charset="0"/>
-              </a:rPr>
-              <a:t>[</a:t>
-            </a:r>
-            <a:r>
               <a:rPr lang="en-US" altLang="zh-CN" sz="2200" dirty="0">
                 <a:latin typeface="Times New Roman" charset="0"/>
                 <a:ea typeface="Times New Roman" charset="0"/>
                 <a:cs typeface="Times New Roman" charset="0"/>
               </a:rPr>
-              <a:t>longitude]      </a:t>
-            </a:r>
-            <a:r>
-              <a:rPr lang="zh-CN" altLang="en-US" sz="2200" dirty="0" smtClean="0">
+              <a:t>[longitude]      </a:t>
+            </a:r>
+            <a:r>
+              <a:rPr lang="zh-CN" altLang="en-US" sz="2200" dirty="0">
                 <a:latin typeface="Times New Roman" charset="0"/>
                 <a:ea typeface="Times New Roman" charset="0"/>
                 <a:cs typeface="Times New Roman" charset="0"/>
@@ -6104,23 +6331,15 @@
               <a:t>      </a:t>
             </a:r>
             <a:r>
-              <a:rPr lang="en-US" altLang="zh-CN" sz="2200" dirty="0" smtClean="0">
-                <a:latin typeface="Times New Roman" charset="0"/>
-                <a:ea typeface="Times New Roman" charset="0"/>
-                <a:cs typeface="Times New Roman" charset="0"/>
-              </a:rPr>
-              <a:t>[</a:t>
-            </a:r>
-            <a:r>
               <a:rPr lang="en-US" altLang="zh-CN" sz="2200" dirty="0">
                 <a:latin typeface="Times New Roman" charset="0"/>
                 <a:ea typeface="Times New Roman" charset="0"/>
                 <a:cs typeface="Times New Roman" charset="0"/>
               </a:rPr>
-              <a:t>altitude]      </a:t>
-            </a:r>
-            <a:r>
-              <a:rPr lang="zh-CN" altLang="en-US" sz="2200" dirty="0" smtClean="0">
+              <a:t>[altitude]      </a:t>
+            </a:r>
+            <a:r>
+              <a:rPr lang="zh-CN" altLang="en-US" sz="2200" dirty="0">
                 <a:latin typeface="Times New Roman" charset="0"/>
                 <a:ea typeface="Times New Roman" charset="0"/>
                 <a:cs typeface="Times New Roman" charset="0"/>
@@ -6128,20 +6347,12 @@
               <a:t>   </a:t>
             </a:r>
             <a:r>
-              <a:rPr lang="en-US" altLang="zh-CN" sz="2200" dirty="0" smtClean="0">
-                <a:latin typeface="Times New Roman" charset="0"/>
-                <a:ea typeface="Times New Roman" charset="0"/>
-                <a:cs typeface="Times New Roman" charset="0"/>
-              </a:rPr>
-              <a:t>[</a:t>
-            </a:r>
-            <a:r>
               <a:rPr lang="en-US" altLang="zh-CN" sz="2200" dirty="0">
                 <a:latin typeface="Times New Roman" charset="0"/>
                 <a:ea typeface="Times New Roman" charset="0"/>
                 <a:cs typeface="Times New Roman" charset="0"/>
               </a:rPr>
-              <a:t>intensity]	</a:t>
+              <a:t>[intensity]	</a:t>
             </a:r>
           </a:p>
           <a:p>
@@ -6173,21 +6384,8 @@
                 <a:ea typeface="Times New Roman" charset="0"/>
                 <a:cs typeface="Times New Roman" charset="0"/>
               </a:rPr>
-              <a:t> 45.90368             11.028220            234.4706         	 </a:t>
-            </a:r>
-            <a:r>
-              <a:rPr lang="en-US" altLang="zh-CN" sz="2200" dirty="0" smtClean="0">
-                <a:latin typeface="Times New Roman" charset="0"/>
-                <a:ea typeface="Times New Roman" charset="0"/>
-                <a:cs typeface="Times New Roman" charset="0"/>
-              </a:rPr>
-              <a:t>5</a:t>
-            </a:r>
-            <a:endParaRPr lang="en-US" altLang="zh-CN" sz="2200" dirty="0">
-              <a:latin typeface="Times New Roman" charset="0"/>
-              <a:ea typeface="Times New Roman" charset="0"/>
-              <a:cs typeface="Times New Roman" charset="0"/>
-            </a:endParaRPr>
+              <a:t> 45.90368             11.028220            234.4706         	 5</a:t>
+            </a:r>
           </a:p>
         </p:txBody>
       </p:sp>
@@ -6226,7 +6424,7 @@
           <p:cNvPr id="2" name="文本框 1">
             <a:extLst>
               <a:ext uri="{FF2B5EF4-FFF2-40B4-BE49-F238E27FC236}">
-                <a16:creationId xmlns:a16="http://schemas.microsoft.com/office/drawing/2014/main" xmlns="" id="{738FA732-3F34-409F-BFD5-C62C6F9FD98A}"/>
+                <a16:creationId xmlns:a16="http://schemas.microsoft.com/office/drawing/2014/main" id="{738FA732-3F34-409F-BFD5-C62C6F9FD98A}"/>
               </a:ext>
             </a:extLst>
           </p:cNvPr>
@@ -6262,7 +6460,7 @@
           <p:cNvPr id="3" name="文本框 2">
             <a:extLst>
               <a:ext uri="{FF2B5EF4-FFF2-40B4-BE49-F238E27FC236}">
-                <a16:creationId xmlns:a16="http://schemas.microsoft.com/office/drawing/2014/main" xmlns="" id="{A963A19E-E5A6-4784-805F-5E2D1CB7D4A0}"/>
+                <a16:creationId xmlns:a16="http://schemas.microsoft.com/office/drawing/2014/main" id="{A963A19E-E5A6-4784-805F-5E2D1CB7D4A0}"/>
               </a:ext>
             </a:extLst>
           </p:cNvPr>
@@ -6272,7 +6470,7 @@
         <p:spPr>
           <a:xfrm>
             <a:off x="779281" y="1355777"/>
-            <a:ext cx="10633435" cy="1446550"/>
+            <a:ext cx="10633435" cy="1785104"/>
           </a:xfrm>
           <a:prstGeom prst="rect">
             <a:avLst/>
@@ -6290,7 +6488,7 @@
               <a:buChar char="•"/>
             </a:pPr>
             <a:r>
-              <a:rPr lang="en-US" altLang="zh-CN" sz="2200" dirty="0" smtClean="0">
+              <a:rPr lang="en-US" altLang="zh-CN" sz="2200" dirty="0">
                 <a:latin typeface="Times New Roman" charset="0"/>
                 <a:ea typeface="Times New Roman" charset="0"/>
                 <a:cs typeface="Times New Roman" charset="0"/>
@@ -6298,15 +6496,15 @@
               <a:t>The</a:t>
             </a:r>
             <a:r>
-              <a:rPr lang="zh-CN" altLang="en-US" sz="2200" dirty="0" smtClean="0">
-                <a:latin typeface="Times New Roman" charset="0"/>
-                <a:ea typeface="Times New Roman" charset="0"/>
-                <a:cs typeface="Times New Roman" charset="0"/>
-              </a:rPr>
-              <a:t> </a:t>
-            </a:r>
-            <a:r>
-              <a:rPr lang="en-US" altLang="zh-CN" sz="2200" dirty="0" smtClean="0">
+              <a:rPr lang="zh-CN" altLang="en-US" sz="2200" dirty="0">
+                <a:latin typeface="Times New Roman" charset="0"/>
+                <a:ea typeface="Times New Roman" charset="0"/>
+                <a:cs typeface="Times New Roman" charset="0"/>
+              </a:rPr>
+              <a:t> </a:t>
+            </a:r>
+            <a:r>
+              <a:rPr lang="en-US" altLang="zh-CN" sz="2200" dirty="0">
                 <a:latin typeface="Times New Roman" charset="0"/>
                 <a:ea typeface="Times New Roman" charset="0"/>
                 <a:cs typeface="Times New Roman" charset="0"/>
@@ -6314,15 +6512,15 @@
               <a:t>first</a:t>
             </a:r>
             <a:r>
-              <a:rPr lang="zh-CN" altLang="en-US" sz="2200" dirty="0" smtClean="0">
-                <a:latin typeface="Times New Roman" charset="0"/>
-                <a:ea typeface="Times New Roman" charset="0"/>
-                <a:cs typeface="Times New Roman" charset="0"/>
-              </a:rPr>
-              <a:t> </a:t>
-            </a:r>
-            <a:r>
-              <a:rPr lang="en-US" altLang="zh-CN" sz="2200" dirty="0" smtClean="0">
+              <a:rPr lang="zh-CN" altLang="en-US" sz="2200" dirty="0">
+                <a:latin typeface="Times New Roman" charset="0"/>
+                <a:ea typeface="Times New Roman" charset="0"/>
+                <a:cs typeface="Times New Roman" charset="0"/>
+              </a:rPr>
+              <a:t> </a:t>
+            </a:r>
+            <a:r>
+              <a:rPr lang="en-US" altLang="zh-CN" sz="2200" dirty="0">
                 <a:latin typeface="Times New Roman" charset="0"/>
                 <a:ea typeface="Times New Roman" charset="0"/>
                 <a:cs typeface="Times New Roman" charset="0"/>
@@ -6330,15 +6528,15 @@
               <a:t>step</a:t>
             </a:r>
             <a:r>
-              <a:rPr lang="zh-CN" altLang="en-US" sz="2200" dirty="0" smtClean="0">
-                <a:latin typeface="Times New Roman" charset="0"/>
-                <a:ea typeface="Times New Roman" charset="0"/>
-                <a:cs typeface="Times New Roman" charset="0"/>
-              </a:rPr>
-              <a:t> </a:t>
-            </a:r>
-            <a:r>
-              <a:rPr lang="en-US" altLang="zh-CN" sz="2200" dirty="0" smtClean="0">
+              <a:rPr lang="zh-CN" altLang="en-US" sz="2200" dirty="0">
+                <a:latin typeface="Times New Roman" charset="0"/>
+                <a:ea typeface="Times New Roman" charset="0"/>
+                <a:cs typeface="Times New Roman" charset="0"/>
+              </a:rPr>
+              <a:t> </a:t>
+            </a:r>
+            <a:r>
+              <a:rPr lang="en-US" altLang="zh-CN" sz="2200" dirty="0">
                 <a:latin typeface="Times New Roman" charset="0"/>
                 <a:ea typeface="Times New Roman" charset="0"/>
                 <a:cs typeface="Times New Roman" charset="0"/>
@@ -6346,15 +6544,15 @@
               <a:t>is</a:t>
             </a:r>
             <a:r>
-              <a:rPr lang="zh-CN" altLang="en-US" sz="2200" dirty="0" smtClean="0">
-                <a:latin typeface="Times New Roman" charset="0"/>
-                <a:ea typeface="Times New Roman" charset="0"/>
-                <a:cs typeface="Times New Roman" charset="0"/>
-              </a:rPr>
-              <a:t> </a:t>
-            </a:r>
-            <a:r>
-              <a:rPr lang="en-US" altLang="zh-CN" sz="2200" dirty="0" smtClean="0">
+              <a:rPr lang="zh-CN" altLang="en-US" sz="2200" dirty="0">
+                <a:latin typeface="Times New Roman" charset="0"/>
+                <a:ea typeface="Times New Roman" charset="0"/>
+                <a:cs typeface="Times New Roman" charset="0"/>
+              </a:rPr>
+              <a:t> </a:t>
+            </a:r>
+            <a:r>
+              <a:rPr lang="en-US" altLang="zh-CN" sz="2200" dirty="0">
                 <a:latin typeface="Times New Roman" charset="0"/>
                 <a:ea typeface="Times New Roman" charset="0"/>
                 <a:cs typeface="Times New Roman" charset="0"/>
@@ -6362,31 +6560,31 @@
               <a:t>to</a:t>
             </a:r>
             <a:r>
-              <a:rPr lang="zh-CN" altLang="en-US" sz="2200" dirty="0" smtClean="0">
-                <a:latin typeface="Times New Roman" charset="0"/>
-                <a:ea typeface="Times New Roman" charset="0"/>
-                <a:cs typeface="Times New Roman" charset="0"/>
-              </a:rPr>
-              <a:t> </a:t>
-            </a:r>
-            <a:r>
-              <a:rPr lang="en-US" altLang="zh-CN" sz="2200" dirty="0" smtClean="0">
-                <a:latin typeface="Times New Roman" charset="0"/>
-                <a:ea typeface="Times New Roman" charset="0"/>
-                <a:cs typeface="Times New Roman" charset="0"/>
-              </a:rPr>
-              <a:t>preprocessing</a:t>
-            </a:r>
-            <a:r>
-              <a:rPr lang="zh-CN" altLang="en-US" sz="2200" dirty="0" smtClean="0">
-                <a:latin typeface="Times New Roman" charset="0"/>
-                <a:ea typeface="Times New Roman" charset="0"/>
-                <a:cs typeface="Times New Roman" charset="0"/>
-              </a:rPr>
-              <a:t> </a:t>
-            </a:r>
-            <a:r>
-              <a:rPr lang="en-US" altLang="zh-CN" sz="2200" dirty="0" smtClean="0">
+              <a:rPr lang="zh-CN" altLang="en-US" sz="2200" dirty="0">
+                <a:latin typeface="Times New Roman" charset="0"/>
+                <a:ea typeface="Times New Roman" charset="0"/>
+                <a:cs typeface="Times New Roman" charset="0"/>
+              </a:rPr>
+              <a:t> </a:t>
+            </a:r>
+            <a:r>
+              <a:rPr lang="en-US" altLang="zh-CN" sz="2200" dirty="0">
+                <a:latin typeface="Times New Roman" charset="0"/>
+                <a:ea typeface="Times New Roman" charset="0"/>
+                <a:cs typeface="Times New Roman" charset="0"/>
+              </a:rPr>
+              <a:t>preprocess the</a:t>
+            </a:r>
+            <a:r>
+              <a:rPr lang="zh-CN" altLang="en-US" sz="2200" dirty="0">
+                <a:latin typeface="Times New Roman" charset="0"/>
+                <a:ea typeface="Times New Roman" charset="0"/>
+                <a:cs typeface="Times New Roman" charset="0"/>
+              </a:rPr>
+              <a:t> </a:t>
+            </a:r>
+            <a:r>
+              <a:rPr lang="en-US" altLang="zh-CN" sz="2200" dirty="0">
                 <a:latin typeface="Times New Roman" charset="0"/>
                 <a:ea typeface="Times New Roman" charset="0"/>
                 <a:cs typeface="Times New Roman" charset="0"/>
@@ -6394,15 +6592,15 @@
               <a:t>data,</a:t>
             </a:r>
             <a:r>
-              <a:rPr lang="zh-CN" altLang="en-US" sz="2200" dirty="0" smtClean="0">
-                <a:latin typeface="Times New Roman" charset="0"/>
-                <a:ea typeface="Times New Roman" charset="0"/>
-                <a:cs typeface="Times New Roman" charset="0"/>
-              </a:rPr>
-              <a:t> </a:t>
-            </a:r>
-            <a:r>
-              <a:rPr lang="en-US" altLang="zh-CN" sz="2200" dirty="0" smtClean="0">
+              <a:rPr lang="zh-CN" altLang="en-US" sz="2200" dirty="0">
+                <a:latin typeface="Times New Roman" charset="0"/>
+                <a:ea typeface="Times New Roman" charset="0"/>
+                <a:cs typeface="Times New Roman" charset="0"/>
+              </a:rPr>
+              <a:t> </a:t>
+            </a:r>
+            <a:r>
+              <a:rPr lang="en-US" altLang="zh-CN" sz="2200" dirty="0">
                 <a:latin typeface="Times New Roman" charset="0"/>
                 <a:ea typeface="Times New Roman" charset="0"/>
                 <a:cs typeface="Times New Roman" charset="0"/>
@@ -6410,15 +6608,15 @@
               <a:t>the</a:t>
             </a:r>
             <a:r>
-              <a:rPr lang="zh-CN" altLang="en-US" sz="2200" dirty="0" smtClean="0">
-                <a:latin typeface="Times New Roman" charset="0"/>
-                <a:ea typeface="Times New Roman" charset="0"/>
-                <a:cs typeface="Times New Roman" charset="0"/>
-              </a:rPr>
-              <a:t> </a:t>
-            </a:r>
-            <a:r>
-              <a:rPr lang="en-US" altLang="zh-CN" sz="2200" dirty="0" smtClean="0">
+              <a:rPr lang="zh-CN" altLang="en-US" sz="2200" dirty="0">
+                <a:latin typeface="Times New Roman" charset="0"/>
+                <a:ea typeface="Times New Roman" charset="0"/>
+                <a:cs typeface="Times New Roman" charset="0"/>
+              </a:rPr>
+              <a:t> </a:t>
+            </a:r>
+            <a:r>
+              <a:rPr lang="en-US" altLang="zh-CN" sz="2200" dirty="0">
                 <a:latin typeface="Times New Roman" charset="0"/>
                 <a:ea typeface="Times New Roman" charset="0"/>
                 <a:cs typeface="Times New Roman" charset="0"/>
@@ -6426,15 +6624,15 @@
               <a:t>dataset</a:t>
             </a:r>
             <a:r>
-              <a:rPr lang="zh-CN" altLang="en-US" sz="2200" dirty="0" smtClean="0">
-                <a:latin typeface="Times New Roman" charset="0"/>
-                <a:ea typeface="Times New Roman" charset="0"/>
-                <a:cs typeface="Times New Roman" charset="0"/>
-              </a:rPr>
-              <a:t> </a:t>
-            </a:r>
-            <a:r>
-              <a:rPr lang="en-US" altLang="zh-CN" sz="2200" dirty="0" smtClean="0">
+              <a:rPr lang="zh-CN" altLang="en-US" sz="2200" dirty="0">
+                <a:latin typeface="Times New Roman" charset="0"/>
+                <a:ea typeface="Times New Roman" charset="0"/>
+                <a:cs typeface="Times New Roman" charset="0"/>
+              </a:rPr>
+              <a:t> </a:t>
+            </a:r>
+            <a:r>
+              <a:rPr lang="en-US" altLang="zh-CN" sz="2200" dirty="0">
                 <a:latin typeface="Times New Roman" charset="0"/>
                 <a:ea typeface="Times New Roman" charset="0"/>
                 <a:cs typeface="Times New Roman" charset="0"/>
@@ -6442,15 +6640,15 @@
               <a:t>contains</a:t>
             </a:r>
             <a:r>
-              <a:rPr lang="zh-CN" altLang="en-US" sz="2200" dirty="0" smtClean="0">
-                <a:latin typeface="Times New Roman" charset="0"/>
-                <a:ea typeface="Times New Roman" charset="0"/>
-                <a:cs typeface="Times New Roman" charset="0"/>
-              </a:rPr>
-              <a:t> </a:t>
-            </a:r>
-            <a:r>
-              <a:rPr lang="en-US" altLang="zh-CN" sz="2200" dirty="0" smtClean="0">
+              <a:rPr lang="zh-CN" altLang="en-US" sz="2200" dirty="0">
+                <a:latin typeface="Times New Roman" charset="0"/>
+                <a:ea typeface="Times New Roman" charset="0"/>
+                <a:cs typeface="Times New Roman" charset="0"/>
+              </a:rPr>
+              <a:t> </a:t>
+            </a:r>
+            <a:r>
+              <a:rPr lang="en-US" altLang="zh-CN" sz="2200" dirty="0">
                 <a:latin typeface="Times New Roman" charset="0"/>
                 <a:ea typeface="Times New Roman" charset="0"/>
                 <a:cs typeface="Times New Roman" charset="0"/>
@@ -6466,7 +6664,7 @@
               <a:t> </a:t>
             </a:r>
             <a:r>
-              <a:rPr lang="en-US" altLang="zh-CN" sz="2200" dirty="0" smtClean="0">
+              <a:rPr lang="en-US" altLang="zh-CN" sz="2200" dirty="0">
                 <a:latin typeface="Times New Roman" charset="0"/>
                 <a:ea typeface="Times New Roman" charset="0"/>
                 <a:cs typeface="Times New Roman" charset="0"/>
@@ -6474,15 +6672,15 @@
               <a:t>in</a:t>
             </a:r>
             <a:r>
-              <a:rPr lang="zh-CN" altLang="en-US" sz="2200" dirty="0" smtClean="0">
-                <a:latin typeface="Times New Roman" charset="0"/>
-                <a:ea typeface="Times New Roman" charset="0"/>
-                <a:cs typeface="Times New Roman" charset="0"/>
-              </a:rPr>
-              <a:t> </a:t>
-            </a:r>
-            <a:r>
-              <a:rPr lang="en-US" altLang="zh-CN" sz="2200" dirty="0" smtClean="0">
+              <a:rPr lang="zh-CN" altLang="en-US" sz="2200" dirty="0">
+                <a:latin typeface="Times New Roman" charset="0"/>
+                <a:ea typeface="Times New Roman" charset="0"/>
+                <a:cs typeface="Times New Roman" charset="0"/>
+              </a:rPr>
+              <a:t> </a:t>
+            </a:r>
+            <a:r>
+              <a:rPr lang="en-US" altLang="zh-CN" sz="2200" dirty="0">
                 <a:latin typeface="Times New Roman" charset="0"/>
                 <a:ea typeface="Times New Roman" charset="0"/>
                 <a:cs typeface="Times New Roman" charset="0"/>
@@ -6490,15 +6688,15 @@
               <a:t>different</a:t>
             </a:r>
             <a:r>
-              <a:rPr lang="zh-CN" altLang="en-US" sz="2200" dirty="0" smtClean="0">
-                <a:latin typeface="Times New Roman" charset="0"/>
-                <a:ea typeface="Times New Roman" charset="0"/>
-                <a:cs typeface="Times New Roman" charset="0"/>
-              </a:rPr>
-              <a:t> </a:t>
-            </a:r>
-            <a:r>
-              <a:rPr lang="en-US" altLang="zh-CN" sz="2200" dirty="0" smtClean="0">
+              <a:rPr lang="zh-CN" altLang="en-US" sz="2200" dirty="0">
+                <a:latin typeface="Times New Roman" charset="0"/>
+                <a:ea typeface="Times New Roman" charset="0"/>
+                <a:cs typeface="Times New Roman" charset="0"/>
+              </a:rPr>
+              <a:t> </a:t>
+            </a:r>
+            <a:r>
+              <a:rPr lang="en-US" altLang="zh-CN" sz="2200" dirty="0">
                 <a:latin typeface="Times New Roman" charset="0"/>
                 <a:ea typeface="Times New Roman" charset="0"/>
                 <a:cs typeface="Times New Roman" charset="0"/>
@@ -6506,15 +6704,15 @@
               <a:t>altitudes,</a:t>
             </a:r>
             <a:r>
-              <a:rPr lang="zh-CN" altLang="en-US" sz="2200" dirty="0" smtClean="0">
-                <a:latin typeface="Times New Roman" charset="0"/>
-                <a:ea typeface="Times New Roman" charset="0"/>
-                <a:cs typeface="Times New Roman" charset="0"/>
-              </a:rPr>
-              <a:t> </a:t>
-            </a:r>
-            <a:r>
-              <a:rPr lang="en-US" altLang="zh-CN" sz="2200" dirty="0" smtClean="0">
+              <a:rPr lang="zh-CN" altLang="en-US" sz="2200" dirty="0">
+                <a:latin typeface="Times New Roman" charset="0"/>
+                <a:ea typeface="Times New Roman" charset="0"/>
+                <a:cs typeface="Times New Roman" charset="0"/>
+              </a:rPr>
+              <a:t> </a:t>
+            </a:r>
+            <a:r>
+              <a:rPr lang="en-US" altLang="zh-CN" sz="2200" dirty="0">
                 <a:latin typeface="Times New Roman" charset="0"/>
                 <a:ea typeface="Times New Roman" charset="0"/>
                 <a:cs typeface="Times New Roman" charset="0"/>
@@ -6522,15 +6720,15 @@
               <a:t>but</a:t>
             </a:r>
             <a:r>
-              <a:rPr lang="zh-CN" altLang="en-US" sz="2200" dirty="0" smtClean="0">
-                <a:latin typeface="Times New Roman" charset="0"/>
-                <a:ea typeface="Times New Roman" charset="0"/>
-                <a:cs typeface="Times New Roman" charset="0"/>
-              </a:rPr>
-              <a:t> </a:t>
-            </a:r>
-            <a:r>
-              <a:rPr lang="en-US" altLang="zh-CN" sz="2200" dirty="0" smtClean="0">
+              <a:rPr lang="zh-CN" altLang="en-US" sz="2200" dirty="0">
+                <a:latin typeface="Times New Roman" charset="0"/>
+                <a:ea typeface="Times New Roman" charset="0"/>
+                <a:cs typeface="Times New Roman" charset="0"/>
+              </a:rPr>
+              <a:t> </a:t>
+            </a:r>
+            <a:r>
+              <a:rPr lang="en-US" altLang="zh-CN" sz="2200" dirty="0">
                 <a:latin typeface="Times New Roman" charset="0"/>
                 <a:ea typeface="Times New Roman" charset="0"/>
                 <a:cs typeface="Times New Roman" charset="0"/>
@@ -6538,31 +6736,31 @@
               <a:t>the</a:t>
             </a:r>
             <a:r>
-              <a:rPr lang="zh-CN" altLang="en-US" sz="2200" dirty="0" smtClean="0">
-                <a:latin typeface="Times New Roman" charset="0"/>
-                <a:ea typeface="Times New Roman" charset="0"/>
-                <a:cs typeface="Times New Roman" charset="0"/>
-              </a:rPr>
-              <a:t> </a:t>
-            </a:r>
-            <a:r>
-              <a:rPr lang="en-US" altLang="zh-CN" sz="2200" dirty="0" smtClean="0">
-                <a:latin typeface="Times New Roman" charset="0"/>
-                <a:ea typeface="Times New Roman" charset="0"/>
-                <a:cs typeface="Times New Roman" charset="0"/>
-              </a:rPr>
-              <a:t>data</a:t>
-            </a:r>
-            <a:r>
-              <a:rPr lang="zh-CN" altLang="en-US" sz="2200" dirty="0" smtClean="0">
-                <a:latin typeface="Times New Roman" charset="0"/>
-                <a:ea typeface="Times New Roman" charset="0"/>
-                <a:cs typeface="Times New Roman" charset="0"/>
-              </a:rPr>
-              <a:t> </a:t>
-            </a:r>
-            <a:r>
-              <a:rPr lang="en-US" altLang="zh-CN" sz="2200" dirty="0" smtClean="0">
+              <a:rPr lang="zh-CN" altLang="en-US" sz="2200" dirty="0">
+                <a:latin typeface="Times New Roman" charset="0"/>
+                <a:ea typeface="Times New Roman" charset="0"/>
+                <a:cs typeface="Times New Roman" charset="0"/>
+              </a:rPr>
+              <a:t> </a:t>
+            </a:r>
+            <a:r>
+              <a:rPr lang="en-US" altLang="zh-CN" sz="2200" dirty="0">
+                <a:latin typeface="Times New Roman" charset="0"/>
+                <a:ea typeface="Times New Roman" charset="0"/>
+                <a:cs typeface="Times New Roman" charset="0"/>
+              </a:rPr>
+              <a:t>lane mark</a:t>
+            </a:r>
+            <a:r>
+              <a:rPr lang="zh-CN" altLang="en-US" sz="2200" dirty="0">
+                <a:latin typeface="Times New Roman" charset="0"/>
+                <a:ea typeface="Times New Roman" charset="0"/>
+                <a:cs typeface="Times New Roman" charset="0"/>
+              </a:rPr>
+              <a:t> </a:t>
+            </a:r>
+            <a:r>
+              <a:rPr lang="en-US" altLang="zh-CN" sz="2200" dirty="0">
                 <a:latin typeface="Times New Roman" charset="0"/>
                 <a:ea typeface="Times New Roman" charset="0"/>
                 <a:cs typeface="Times New Roman" charset="0"/>
@@ -6570,15 +6768,15 @@
               <a:t>we</a:t>
             </a:r>
             <a:r>
-              <a:rPr lang="zh-CN" altLang="en-US" sz="2200" dirty="0" smtClean="0">
-                <a:latin typeface="Times New Roman" charset="0"/>
-                <a:ea typeface="Times New Roman" charset="0"/>
-                <a:cs typeface="Times New Roman" charset="0"/>
-              </a:rPr>
-              <a:t> </a:t>
-            </a:r>
-            <a:r>
-              <a:rPr lang="en-US" altLang="zh-CN" sz="2200" dirty="0" smtClean="0">
+              <a:rPr lang="zh-CN" altLang="en-US" sz="2200" dirty="0">
+                <a:latin typeface="Times New Roman" charset="0"/>
+                <a:ea typeface="Times New Roman" charset="0"/>
+                <a:cs typeface="Times New Roman" charset="0"/>
+              </a:rPr>
+              <a:t> </a:t>
+            </a:r>
+            <a:r>
+              <a:rPr lang="en-US" altLang="zh-CN" sz="2200" dirty="0">
                 <a:latin typeface="Times New Roman" charset="0"/>
                 <a:ea typeface="Times New Roman" charset="0"/>
                 <a:cs typeface="Times New Roman" charset="0"/>
@@ -6586,47 +6784,31 @@
               <a:t>need</a:t>
             </a:r>
             <a:r>
-              <a:rPr lang="zh-CN" altLang="en-US" sz="2200" dirty="0" smtClean="0">
-                <a:latin typeface="Times New Roman" charset="0"/>
-                <a:ea typeface="Times New Roman" charset="0"/>
-                <a:cs typeface="Times New Roman" charset="0"/>
-              </a:rPr>
-              <a:t> </a:t>
-            </a:r>
-            <a:r>
-              <a:rPr lang="en-US" altLang="zh-CN" sz="2200" dirty="0" smtClean="0">
-                <a:latin typeface="Times New Roman" charset="0"/>
-                <a:ea typeface="Times New Roman" charset="0"/>
-                <a:cs typeface="Times New Roman" charset="0"/>
-              </a:rPr>
-              <a:t>is</a:t>
-            </a:r>
-            <a:r>
-              <a:rPr lang="zh-CN" altLang="en-US" sz="2200" dirty="0" smtClean="0">
-                <a:latin typeface="Times New Roman" charset="0"/>
-                <a:ea typeface="Times New Roman" charset="0"/>
-                <a:cs typeface="Times New Roman" charset="0"/>
-              </a:rPr>
-              <a:t> </a:t>
-            </a:r>
-            <a:r>
-              <a:rPr lang="en-US" altLang="zh-CN" sz="2200" dirty="0" smtClean="0">
-                <a:latin typeface="Times New Roman" charset="0"/>
-                <a:ea typeface="Times New Roman" charset="0"/>
-                <a:cs typeface="Times New Roman" charset="0"/>
-              </a:rPr>
-              <a:t>near</a:t>
-            </a:r>
-            <a:r>
-              <a:rPr lang="zh-CN" altLang="en-US" sz="2200" dirty="0" smtClean="0">
-                <a:latin typeface="Times New Roman" charset="0"/>
-                <a:ea typeface="Times New Roman" charset="0"/>
-                <a:cs typeface="Times New Roman" charset="0"/>
-              </a:rPr>
-              <a:t> </a:t>
-            </a:r>
-            <a:r>
-              <a:rPr lang="en-US" altLang="zh-CN" sz="2200" dirty="0" smtClean="0">
+              <a:rPr lang="zh-CN" altLang="en-US" sz="2200" dirty="0">
+                <a:latin typeface="Times New Roman" charset="0"/>
+                <a:ea typeface="Times New Roman" charset="0"/>
+                <a:cs typeface="Times New Roman" charset="0"/>
+              </a:rPr>
+              <a:t> </a:t>
+            </a:r>
+            <a:r>
+              <a:rPr lang="en-US" altLang="zh-CN" sz="2200" dirty="0">
+                <a:latin typeface="Times New Roman" charset="0"/>
+                <a:ea typeface="Times New Roman" charset="0"/>
+                <a:cs typeface="Times New Roman" charset="0"/>
+              </a:rPr>
+              <a:t>will just appear on those point that near</a:t>
+            </a:r>
+            <a:r>
+              <a:rPr lang="zh-CN" altLang="en-US" sz="2200" dirty="0">
+                <a:latin typeface="Times New Roman" charset="0"/>
+                <a:ea typeface="Times New Roman" charset="0"/>
+                <a:cs typeface="Times New Roman" charset="0"/>
+              </a:rPr>
+              <a:t> </a:t>
+            </a:r>
+            <a:r>
+              <a:rPr lang="en-US" altLang="zh-CN" sz="2200" dirty="0">
                 <a:latin typeface="Times New Roman" charset="0"/>
                 <a:ea typeface="Times New Roman" charset="0"/>
                 <a:cs typeface="Times New Roman" charset="0"/>
@@ -6634,15 +6816,15 @@
               <a:t>road</a:t>
             </a:r>
             <a:r>
-              <a:rPr lang="zh-CN" altLang="en-US" sz="2200" dirty="0" smtClean="0">
-                <a:latin typeface="Times New Roman" charset="0"/>
-                <a:ea typeface="Times New Roman" charset="0"/>
-                <a:cs typeface="Times New Roman" charset="0"/>
-              </a:rPr>
-              <a:t> </a:t>
-            </a:r>
-            <a:r>
-              <a:rPr lang="en-US" altLang="zh-CN" sz="2200" dirty="0" smtClean="0">
+              <a:rPr lang="zh-CN" altLang="en-US" sz="2200" dirty="0">
+                <a:latin typeface="Times New Roman" charset="0"/>
+                <a:ea typeface="Times New Roman" charset="0"/>
+                <a:cs typeface="Times New Roman" charset="0"/>
+              </a:rPr>
+              <a:t> </a:t>
+            </a:r>
+            <a:r>
+              <a:rPr lang="en-US" altLang="zh-CN" sz="2200" dirty="0">
                 <a:latin typeface="Times New Roman" charset="0"/>
                 <a:ea typeface="Times New Roman" charset="0"/>
                 <a:cs typeface="Times New Roman" charset="0"/>
@@ -6650,15 +6832,15 @@
               <a:t>surface.</a:t>
             </a:r>
             <a:r>
-              <a:rPr lang="zh-CN" altLang="en-US" sz="2200" dirty="0" smtClean="0">
-                <a:latin typeface="Times New Roman" charset="0"/>
-                <a:ea typeface="Times New Roman" charset="0"/>
-                <a:cs typeface="Times New Roman" charset="0"/>
-              </a:rPr>
-              <a:t> </a:t>
-            </a:r>
-            <a:r>
-              <a:rPr lang="en-US" altLang="zh-CN" sz="2200" dirty="0" smtClean="0">
+              <a:rPr lang="zh-CN" altLang="en-US" sz="2200" dirty="0">
+                <a:latin typeface="Times New Roman" charset="0"/>
+                <a:ea typeface="Times New Roman" charset="0"/>
+                <a:cs typeface="Times New Roman" charset="0"/>
+              </a:rPr>
+              <a:t> </a:t>
+            </a:r>
+            <a:r>
+              <a:rPr lang="en-US" altLang="zh-CN" sz="2200" dirty="0">
                 <a:latin typeface="Times New Roman" charset="0"/>
                 <a:ea typeface="Times New Roman" charset="0"/>
                 <a:cs typeface="Times New Roman" charset="0"/>
@@ -6666,47 +6848,95 @@
               <a:t>After</a:t>
             </a:r>
             <a:r>
-              <a:rPr lang="zh-CN" altLang="en-US" sz="2200" dirty="0" smtClean="0">
-                <a:latin typeface="Times New Roman" charset="0"/>
-                <a:ea typeface="Times New Roman" charset="0"/>
-                <a:cs typeface="Times New Roman" charset="0"/>
-              </a:rPr>
-              <a:t> </a:t>
-            </a:r>
-            <a:r>
-              <a:rPr lang="en-US" altLang="zh-CN" sz="2200" dirty="0" smtClean="0">
-                <a:latin typeface="Times New Roman" charset="0"/>
-                <a:ea typeface="Times New Roman" charset="0"/>
-                <a:cs typeface="Times New Roman" charset="0"/>
-              </a:rPr>
-              <a:t>experience</a:t>
-            </a:r>
-            <a:r>
-              <a:rPr lang="zh-CN" altLang="en-US" sz="2200" dirty="0" smtClean="0">
-                <a:latin typeface="Times New Roman" charset="0"/>
-                <a:ea typeface="Times New Roman" charset="0"/>
-                <a:cs typeface="Times New Roman" charset="0"/>
-              </a:rPr>
-              <a:t> </a:t>
-            </a:r>
-            <a:r>
-              <a:rPr lang="en-US" altLang="zh-CN" sz="2200" dirty="0" smtClean="0">
-                <a:latin typeface="Times New Roman" charset="0"/>
-                <a:ea typeface="Times New Roman" charset="0"/>
-                <a:cs typeface="Times New Roman" charset="0"/>
-              </a:rPr>
-              <a:t>with</a:t>
-            </a:r>
-            <a:r>
-              <a:rPr lang="zh-CN" altLang="en-US" sz="2200" dirty="0" smtClean="0">
-                <a:latin typeface="Times New Roman" charset="0"/>
-                <a:ea typeface="Times New Roman" charset="0"/>
-                <a:cs typeface="Times New Roman" charset="0"/>
-              </a:rPr>
-              <a:t> </a:t>
-            </a:r>
-            <a:r>
-              <a:rPr lang="en-US" altLang="zh-CN" sz="2200" dirty="0" smtClean="0">
+              <a:rPr lang="zh-CN" altLang="en-US" sz="2200" dirty="0">
+                <a:latin typeface="Times New Roman" charset="0"/>
+                <a:ea typeface="Times New Roman" charset="0"/>
+                <a:cs typeface="Times New Roman" charset="0"/>
+              </a:rPr>
+              <a:t> </a:t>
+            </a:r>
+            <a:r>
+              <a:rPr lang="en-US" altLang="zh-CN" sz="2200" dirty="0">
+                <a:latin typeface="Times New Roman" charset="0"/>
+                <a:ea typeface="Times New Roman" charset="0"/>
+                <a:cs typeface="Times New Roman" charset="0"/>
+              </a:rPr>
+              <a:t>checking the histogram we</a:t>
+            </a:r>
+            <a:r>
+              <a:rPr lang="zh-CN" altLang="en-US" sz="2200" dirty="0">
+                <a:latin typeface="Times New Roman" charset="0"/>
+                <a:ea typeface="Times New Roman" charset="0"/>
+                <a:cs typeface="Times New Roman" charset="0"/>
+              </a:rPr>
+              <a:t> </a:t>
+            </a:r>
+            <a:r>
+              <a:rPr lang="en-US" altLang="zh-CN" sz="2200" dirty="0">
+                <a:latin typeface="Times New Roman" charset="0"/>
+                <a:ea typeface="Times New Roman" charset="0"/>
+                <a:cs typeface="Times New Roman" charset="0"/>
+              </a:rPr>
+              <a:t>found</a:t>
+            </a:r>
+            <a:r>
+              <a:rPr lang="zh-CN" altLang="en-US" sz="2200" dirty="0">
+                <a:latin typeface="Times New Roman" charset="0"/>
+                <a:ea typeface="Times New Roman" charset="0"/>
+                <a:cs typeface="Times New Roman" charset="0"/>
+              </a:rPr>
+              <a:t> </a:t>
+            </a:r>
+            <a:r>
+              <a:rPr lang="en-US" altLang="zh-CN" sz="2200" dirty="0">
+                <a:latin typeface="Times New Roman" charset="0"/>
+                <a:ea typeface="Times New Roman" charset="0"/>
+                <a:cs typeface="Times New Roman" charset="0"/>
+              </a:rPr>
+              <a:t>that</a:t>
+            </a:r>
+            <a:r>
+              <a:rPr lang="zh-CN" altLang="en-US" sz="2200" dirty="0">
+                <a:latin typeface="Times New Roman" charset="0"/>
+                <a:ea typeface="Times New Roman" charset="0"/>
+                <a:cs typeface="Times New Roman" charset="0"/>
+              </a:rPr>
+              <a:t> </a:t>
+            </a:r>
+            <a:r>
+              <a:rPr lang="en-US" altLang="zh-CN" sz="2200" dirty="0">
+                <a:latin typeface="Times New Roman" charset="0"/>
+                <a:ea typeface="Times New Roman" charset="0"/>
+                <a:cs typeface="Times New Roman" charset="0"/>
+              </a:rPr>
+              <a:t>most</a:t>
+            </a:r>
+            <a:r>
+              <a:rPr lang="zh-CN" altLang="en-US" sz="2200" dirty="0">
+                <a:latin typeface="Times New Roman" charset="0"/>
+                <a:ea typeface="Times New Roman" charset="0"/>
+                <a:cs typeface="Times New Roman" charset="0"/>
+              </a:rPr>
+              <a:t> </a:t>
+            </a:r>
+            <a:r>
+              <a:rPr lang="en-US" altLang="zh-CN" sz="2200" dirty="0">
+                <a:latin typeface="Times New Roman" charset="0"/>
+                <a:ea typeface="Times New Roman" charset="0"/>
+                <a:cs typeface="Times New Roman" charset="0"/>
+              </a:rPr>
+              <a:t>of</a:t>
+            </a:r>
+            <a:r>
+              <a:rPr lang="zh-CN" altLang="en-US" sz="2200" dirty="0">
+                <a:latin typeface="Times New Roman" charset="0"/>
+                <a:ea typeface="Times New Roman" charset="0"/>
+                <a:cs typeface="Times New Roman" charset="0"/>
+              </a:rPr>
+              <a:t> </a:t>
+            </a:r>
+            <a:r>
+              <a:rPr lang="en-US" altLang="zh-CN" sz="2200" dirty="0">
                 <a:latin typeface="Times New Roman" charset="0"/>
                 <a:ea typeface="Times New Roman" charset="0"/>
                 <a:cs typeface="Times New Roman" charset="0"/>
@@ -6714,31 +6944,95 @@
               <a:t>the</a:t>
             </a:r>
             <a:r>
-              <a:rPr lang="zh-CN" altLang="en-US" sz="2200" dirty="0" smtClean="0">
-                <a:latin typeface="Times New Roman" charset="0"/>
-                <a:ea typeface="Times New Roman" charset="0"/>
-                <a:cs typeface="Times New Roman" charset="0"/>
-              </a:rPr>
-              <a:t> </a:t>
-            </a:r>
-            <a:r>
-              <a:rPr lang="en-US" altLang="zh-CN" sz="2200" dirty="0" smtClean="0">
-                <a:latin typeface="Times New Roman" charset="0"/>
-                <a:ea typeface="Times New Roman" charset="0"/>
-                <a:cs typeface="Times New Roman" charset="0"/>
-              </a:rPr>
-              <a:t>data</a:t>
-            </a:r>
-            <a:r>
-              <a:rPr lang="zh-CN" altLang="en-US" sz="2200" dirty="0" smtClean="0">
-                <a:latin typeface="Times New Roman" charset="0"/>
-                <a:ea typeface="Times New Roman" charset="0"/>
-                <a:cs typeface="Times New Roman" charset="0"/>
-              </a:rPr>
-              <a:t> </a:t>
-            </a:r>
-            <a:r>
-              <a:rPr lang="en-US" altLang="zh-CN" sz="2200" dirty="0" smtClean="0">
+              <a:rPr lang="zh-CN" altLang="en-US" sz="2200" dirty="0">
+                <a:latin typeface="Times New Roman" charset="0"/>
+                <a:ea typeface="Times New Roman" charset="0"/>
+                <a:cs typeface="Times New Roman" charset="0"/>
+              </a:rPr>
+              <a:t> </a:t>
+            </a:r>
+            <a:r>
+              <a:rPr lang="en-US" altLang="zh-CN" sz="2200" dirty="0">
+                <a:latin typeface="Times New Roman" charset="0"/>
+                <a:ea typeface="Times New Roman" charset="0"/>
+                <a:cs typeface="Times New Roman" charset="0"/>
+              </a:rPr>
+              <a:t>points</a:t>
+            </a:r>
+            <a:r>
+              <a:rPr lang="zh-CN" altLang="en-US" sz="2200" dirty="0">
+                <a:latin typeface="Times New Roman" charset="0"/>
+                <a:ea typeface="Times New Roman" charset="0"/>
+                <a:cs typeface="Times New Roman" charset="0"/>
+              </a:rPr>
+              <a:t> </a:t>
+            </a:r>
+            <a:r>
+              <a:rPr lang="en-US" altLang="zh-CN" sz="2200" dirty="0">
+                <a:latin typeface="Times New Roman" charset="0"/>
+                <a:ea typeface="Times New Roman" charset="0"/>
+                <a:cs typeface="Times New Roman" charset="0"/>
+              </a:rPr>
+              <a:t>contain a altitude that close to road surface,</a:t>
+            </a:r>
+            <a:r>
+              <a:rPr lang="zh-CN" altLang="en-US" sz="2200" dirty="0">
+                <a:latin typeface="Times New Roman" charset="0"/>
+                <a:ea typeface="Times New Roman" charset="0"/>
+                <a:cs typeface="Times New Roman" charset="0"/>
+              </a:rPr>
+              <a:t> </a:t>
+            </a:r>
+            <a:r>
+              <a:rPr lang="en-US" altLang="zh-CN" sz="2200" dirty="0">
+                <a:latin typeface="Times New Roman" charset="0"/>
+                <a:ea typeface="Times New Roman" charset="0"/>
+                <a:cs typeface="Times New Roman" charset="0"/>
+              </a:rPr>
+              <a:t>so</a:t>
+            </a:r>
+            <a:r>
+              <a:rPr lang="zh-CN" altLang="en-US" sz="2200" dirty="0">
+                <a:latin typeface="Times New Roman" charset="0"/>
+                <a:ea typeface="Times New Roman" charset="0"/>
+                <a:cs typeface="Times New Roman" charset="0"/>
+              </a:rPr>
+              <a:t> </a:t>
+            </a:r>
+            <a:r>
+              <a:rPr lang="en-US" altLang="zh-CN" sz="2200" dirty="0">
+                <a:latin typeface="Times New Roman" charset="0"/>
+                <a:ea typeface="Times New Roman" charset="0"/>
+                <a:cs typeface="Times New Roman" charset="0"/>
+              </a:rPr>
+              <a:t>that</a:t>
+            </a:r>
+            <a:r>
+              <a:rPr lang="zh-CN" altLang="en-US" sz="2200" dirty="0">
+                <a:latin typeface="Times New Roman" charset="0"/>
+                <a:ea typeface="Times New Roman" charset="0"/>
+                <a:cs typeface="Times New Roman" charset="0"/>
+              </a:rPr>
+              <a:t> </a:t>
+            </a:r>
+            <a:r>
+              <a:rPr lang="en-US" altLang="zh-CN" sz="2200" dirty="0">
+                <a:latin typeface="Times New Roman" charset="0"/>
+                <a:ea typeface="Times New Roman" charset="0"/>
+                <a:cs typeface="Times New Roman" charset="0"/>
+              </a:rPr>
+              <a:t>we</a:t>
+            </a:r>
+            <a:r>
+              <a:rPr lang="zh-CN" altLang="en-US" sz="2200" dirty="0">
+                <a:latin typeface="Times New Roman" charset="0"/>
+                <a:ea typeface="Times New Roman" charset="0"/>
+                <a:cs typeface="Times New Roman" charset="0"/>
+              </a:rPr>
+              <a:t> </a:t>
+            </a:r>
+            <a:r>
+              <a:rPr lang="en-US" altLang="zh-CN" sz="2200" dirty="0">
                 <a:latin typeface="Times New Roman" charset="0"/>
                 <a:ea typeface="Times New Roman" charset="0"/>
                 <a:cs typeface="Times New Roman" charset="0"/>
@@ -6746,255 +7040,15 @@
               <a:t>set</a:t>
             </a:r>
             <a:r>
-              <a:rPr lang="zh-CN" altLang="en-US" sz="2200" dirty="0" smtClean="0">
-                <a:latin typeface="Times New Roman" charset="0"/>
-                <a:ea typeface="Times New Roman" charset="0"/>
-                <a:cs typeface="Times New Roman" charset="0"/>
-              </a:rPr>
-              <a:t> </a:t>
-            </a:r>
-            <a:r>
-              <a:rPr lang="en-US" altLang="zh-CN" sz="2200" dirty="0" smtClean="0">
-                <a:latin typeface="Times New Roman" charset="0"/>
-                <a:ea typeface="Times New Roman" charset="0"/>
-                <a:cs typeface="Times New Roman" charset="0"/>
-              </a:rPr>
-              <a:t>we</a:t>
-            </a:r>
-            <a:r>
-              <a:rPr lang="zh-CN" altLang="en-US" sz="2200" dirty="0" smtClean="0">
-                <a:latin typeface="Times New Roman" charset="0"/>
-                <a:ea typeface="Times New Roman" charset="0"/>
-                <a:cs typeface="Times New Roman" charset="0"/>
-              </a:rPr>
-              <a:t> </a:t>
-            </a:r>
-            <a:r>
-              <a:rPr lang="en-US" altLang="zh-CN" sz="2200" dirty="0" smtClean="0">
-                <a:latin typeface="Times New Roman" charset="0"/>
-                <a:ea typeface="Times New Roman" charset="0"/>
-                <a:cs typeface="Times New Roman" charset="0"/>
-              </a:rPr>
-              <a:t>found</a:t>
-            </a:r>
-            <a:r>
-              <a:rPr lang="zh-CN" altLang="en-US" sz="2200" dirty="0" smtClean="0">
-                <a:latin typeface="Times New Roman" charset="0"/>
-                <a:ea typeface="Times New Roman" charset="0"/>
-                <a:cs typeface="Times New Roman" charset="0"/>
-              </a:rPr>
-              <a:t> </a:t>
-            </a:r>
-            <a:r>
-              <a:rPr lang="en-US" altLang="zh-CN" sz="2200" dirty="0" smtClean="0">
-                <a:latin typeface="Times New Roman" charset="0"/>
-                <a:ea typeface="Times New Roman" charset="0"/>
-                <a:cs typeface="Times New Roman" charset="0"/>
-              </a:rPr>
-              <a:t>that</a:t>
-            </a:r>
-            <a:r>
-              <a:rPr lang="zh-CN" altLang="en-US" sz="2200" dirty="0" smtClean="0">
-                <a:latin typeface="Times New Roman" charset="0"/>
-                <a:ea typeface="Times New Roman" charset="0"/>
-                <a:cs typeface="Times New Roman" charset="0"/>
-              </a:rPr>
-              <a:t> </a:t>
-            </a:r>
-            <a:r>
-              <a:rPr lang="en-US" altLang="zh-CN" sz="2200" dirty="0" smtClean="0">
-                <a:latin typeface="Times New Roman" charset="0"/>
-                <a:ea typeface="Times New Roman" charset="0"/>
-                <a:cs typeface="Times New Roman" charset="0"/>
-              </a:rPr>
-              <a:t>most</a:t>
-            </a:r>
-            <a:r>
-              <a:rPr lang="zh-CN" altLang="en-US" sz="2200" dirty="0" smtClean="0">
-                <a:latin typeface="Times New Roman" charset="0"/>
-                <a:ea typeface="Times New Roman" charset="0"/>
-                <a:cs typeface="Times New Roman" charset="0"/>
-              </a:rPr>
-              <a:t> </a:t>
-            </a:r>
-            <a:r>
-              <a:rPr lang="en-US" altLang="zh-CN" sz="2200" dirty="0" smtClean="0">
-                <a:latin typeface="Times New Roman" charset="0"/>
-                <a:ea typeface="Times New Roman" charset="0"/>
-                <a:cs typeface="Times New Roman" charset="0"/>
-              </a:rPr>
-              <a:t>of</a:t>
-            </a:r>
-            <a:r>
-              <a:rPr lang="zh-CN" altLang="en-US" sz="2200" dirty="0" smtClean="0">
-                <a:latin typeface="Times New Roman" charset="0"/>
-                <a:ea typeface="Times New Roman" charset="0"/>
-                <a:cs typeface="Times New Roman" charset="0"/>
-              </a:rPr>
-              <a:t> </a:t>
-            </a:r>
-            <a:r>
-              <a:rPr lang="en-US" altLang="zh-CN" sz="2200" dirty="0" smtClean="0">
-                <a:latin typeface="Times New Roman" charset="0"/>
-                <a:ea typeface="Times New Roman" charset="0"/>
-                <a:cs typeface="Times New Roman" charset="0"/>
-              </a:rPr>
-              <a:t>the</a:t>
-            </a:r>
-            <a:r>
-              <a:rPr lang="zh-CN" altLang="en-US" sz="2200" dirty="0" smtClean="0">
-                <a:latin typeface="Times New Roman" charset="0"/>
-                <a:ea typeface="Times New Roman" charset="0"/>
-                <a:cs typeface="Times New Roman" charset="0"/>
-              </a:rPr>
-              <a:t> </a:t>
-            </a:r>
-            <a:r>
-              <a:rPr lang="en-US" altLang="zh-CN" sz="2200" dirty="0" smtClean="0">
-                <a:latin typeface="Times New Roman" charset="0"/>
-                <a:ea typeface="Times New Roman" charset="0"/>
-                <a:cs typeface="Times New Roman" charset="0"/>
-              </a:rPr>
-              <a:t>points</a:t>
-            </a:r>
-            <a:r>
-              <a:rPr lang="zh-CN" altLang="en-US" sz="2200" dirty="0" smtClean="0">
-                <a:latin typeface="Times New Roman" charset="0"/>
-                <a:ea typeface="Times New Roman" charset="0"/>
-                <a:cs typeface="Times New Roman" charset="0"/>
-              </a:rPr>
-              <a:t> </a:t>
-            </a:r>
-            <a:r>
-              <a:rPr lang="en-US" altLang="zh-CN" sz="2200" dirty="0" smtClean="0">
-                <a:latin typeface="Times New Roman" charset="0"/>
-                <a:ea typeface="Times New Roman" charset="0"/>
-                <a:cs typeface="Times New Roman" charset="0"/>
-              </a:rPr>
-              <a:t>are</a:t>
-            </a:r>
-            <a:r>
-              <a:rPr lang="zh-CN" altLang="en-US" sz="2200" dirty="0" smtClean="0">
-                <a:latin typeface="Times New Roman" charset="0"/>
-                <a:ea typeface="Times New Roman" charset="0"/>
-                <a:cs typeface="Times New Roman" charset="0"/>
-              </a:rPr>
-              <a:t> </a:t>
-            </a:r>
-            <a:r>
-              <a:rPr lang="en-US" altLang="zh-CN" sz="2200" dirty="0" smtClean="0">
-                <a:latin typeface="Times New Roman" charset="0"/>
-                <a:ea typeface="Times New Roman" charset="0"/>
-                <a:cs typeface="Times New Roman" charset="0"/>
-              </a:rPr>
-              <a:t>near</a:t>
-            </a:r>
-            <a:r>
-              <a:rPr lang="zh-CN" altLang="en-US" sz="2200" dirty="0" smtClean="0">
-                <a:latin typeface="Times New Roman" charset="0"/>
-                <a:ea typeface="Times New Roman" charset="0"/>
-                <a:cs typeface="Times New Roman" charset="0"/>
-              </a:rPr>
-              <a:t> </a:t>
-            </a:r>
-            <a:r>
-              <a:rPr lang="en-US" altLang="zh-CN" sz="2200" dirty="0" smtClean="0">
-                <a:latin typeface="Times New Roman" charset="0"/>
-                <a:ea typeface="Times New Roman" charset="0"/>
-                <a:cs typeface="Times New Roman" charset="0"/>
-              </a:rPr>
-              <a:t>road</a:t>
-            </a:r>
-            <a:r>
-              <a:rPr lang="zh-CN" altLang="en-US" sz="2200" dirty="0" smtClean="0">
-                <a:latin typeface="Times New Roman" charset="0"/>
-                <a:ea typeface="Times New Roman" charset="0"/>
-                <a:cs typeface="Times New Roman" charset="0"/>
-              </a:rPr>
-              <a:t> </a:t>
-            </a:r>
-            <a:r>
-              <a:rPr lang="en-US" altLang="zh-CN" sz="2200" dirty="0" smtClean="0">
-                <a:latin typeface="Times New Roman" charset="0"/>
-                <a:ea typeface="Times New Roman" charset="0"/>
-                <a:cs typeface="Times New Roman" charset="0"/>
-              </a:rPr>
-              <a:t>surface,</a:t>
-            </a:r>
-            <a:r>
-              <a:rPr lang="zh-CN" altLang="en-US" sz="2200" dirty="0" smtClean="0">
-                <a:latin typeface="Times New Roman" charset="0"/>
-                <a:ea typeface="Times New Roman" charset="0"/>
-                <a:cs typeface="Times New Roman" charset="0"/>
-              </a:rPr>
-              <a:t> </a:t>
-            </a:r>
-            <a:r>
-              <a:rPr lang="en-US" altLang="zh-CN" sz="2200" dirty="0" smtClean="0">
-                <a:latin typeface="Times New Roman" charset="0"/>
-                <a:ea typeface="Times New Roman" charset="0"/>
-                <a:cs typeface="Times New Roman" charset="0"/>
-              </a:rPr>
-              <a:t>so</a:t>
-            </a:r>
-            <a:r>
-              <a:rPr lang="zh-CN" altLang="en-US" sz="2200" dirty="0" smtClean="0">
-                <a:latin typeface="Times New Roman" charset="0"/>
-                <a:ea typeface="Times New Roman" charset="0"/>
-                <a:cs typeface="Times New Roman" charset="0"/>
-              </a:rPr>
-              <a:t> </a:t>
-            </a:r>
-            <a:r>
-              <a:rPr lang="en-US" altLang="zh-CN" sz="2200" dirty="0" smtClean="0">
-                <a:latin typeface="Times New Roman" charset="0"/>
-                <a:ea typeface="Times New Roman" charset="0"/>
-                <a:cs typeface="Times New Roman" charset="0"/>
-              </a:rPr>
-              <a:t>that</a:t>
-            </a:r>
-            <a:r>
-              <a:rPr lang="zh-CN" altLang="en-US" sz="2200" dirty="0" smtClean="0">
-                <a:latin typeface="Times New Roman" charset="0"/>
-                <a:ea typeface="Times New Roman" charset="0"/>
-                <a:cs typeface="Times New Roman" charset="0"/>
-              </a:rPr>
-              <a:t> </a:t>
-            </a:r>
-            <a:r>
-              <a:rPr lang="en-US" altLang="zh-CN" sz="2200" dirty="0" smtClean="0">
-                <a:latin typeface="Times New Roman" charset="0"/>
-                <a:ea typeface="Times New Roman" charset="0"/>
-                <a:cs typeface="Times New Roman" charset="0"/>
-              </a:rPr>
-              <a:t>we</a:t>
-            </a:r>
-            <a:r>
-              <a:rPr lang="zh-CN" altLang="en-US" sz="2200" dirty="0" smtClean="0">
-                <a:latin typeface="Times New Roman" charset="0"/>
-                <a:ea typeface="Times New Roman" charset="0"/>
-                <a:cs typeface="Times New Roman" charset="0"/>
-              </a:rPr>
-              <a:t> </a:t>
-            </a:r>
-            <a:r>
-              <a:rPr lang="en-US" altLang="zh-CN" sz="2200" dirty="0" smtClean="0">
-                <a:latin typeface="Times New Roman" charset="0"/>
-                <a:ea typeface="Times New Roman" charset="0"/>
-                <a:cs typeface="Times New Roman" charset="0"/>
-              </a:rPr>
-              <a:t>set</a:t>
-            </a:r>
-            <a:r>
-              <a:rPr lang="zh-CN" altLang="en-US" sz="2200" dirty="0" smtClean="0">
-                <a:latin typeface="Times New Roman" charset="0"/>
-                <a:ea typeface="Times New Roman" charset="0"/>
-                <a:cs typeface="Times New Roman" charset="0"/>
-              </a:rPr>
-              <a:t> </a:t>
-            </a:r>
-            <a:r>
-              <a:rPr lang="en-US" altLang="zh-CN" sz="2200" dirty="0" smtClean="0">
+              <a:rPr lang="zh-CN" altLang="en-US" sz="2200" dirty="0">
+                <a:latin typeface="Times New Roman" charset="0"/>
+                <a:ea typeface="Times New Roman" charset="0"/>
+                <a:cs typeface="Times New Roman" charset="0"/>
+              </a:rPr>
+              <a:t> </a:t>
+            </a:r>
+            <a:r>
+              <a:rPr lang="en-US" altLang="zh-CN" sz="2200" dirty="0">
                 <a:latin typeface="Times New Roman" charset="0"/>
                 <a:ea typeface="Times New Roman" charset="0"/>
                 <a:cs typeface="Times New Roman" charset="0"/>
@@ -7002,15 +7056,15 @@
               <a:t>up</a:t>
             </a:r>
             <a:r>
-              <a:rPr lang="zh-CN" altLang="en-US" sz="2200" dirty="0" smtClean="0">
-                <a:latin typeface="Times New Roman" charset="0"/>
-                <a:ea typeface="Times New Roman" charset="0"/>
-                <a:cs typeface="Times New Roman" charset="0"/>
-              </a:rPr>
-              <a:t> </a:t>
-            </a:r>
-            <a:r>
-              <a:rPr lang="en-US" altLang="zh-CN" sz="2200" dirty="0" smtClean="0">
+              <a:rPr lang="zh-CN" altLang="en-US" sz="2200" dirty="0">
+                <a:latin typeface="Times New Roman" charset="0"/>
+                <a:ea typeface="Times New Roman" charset="0"/>
+                <a:cs typeface="Times New Roman" charset="0"/>
+              </a:rPr>
+              <a:t> </a:t>
+            </a:r>
+            <a:r>
+              <a:rPr lang="en-US" altLang="zh-CN" sz="2200" dirty="0">
                 <a:latin typeface="Times New Roman" charset="0"/>
                 <a:ea typeface="Times New Roman" charset="0"/>
                 <a:cs typeface="Times New Roman" charset="0"/>
@@ -7018,15 +7072,15 @@
               <a:t>an</a:t>
             </a:r>
             <a:r>
-              <a:rPr lang="zh-CN" altLang="en-US" sz="2200" dirty="0" smtClean="0">
-                <a:latin typeface="Times New Roman" charset="0"/>
-                <a:ea typeface="Times New Roman" charset="0"/>
-                <a:cs typeface="Times New Roman" charset="0"/>
-              </a:rPr>
-              <a:t> </a:t>
-            </a:r>
-            <a:r>
-              <a:rPr lang="en-US" altLang="zh-CN" sz="2200" dirty="0" smtClean="0">
+              <a:rPr lang="zh-CN" altLang="en-US" sz="2200" dirty="0">
+                <a:latin typeface="Times New Roman" charset="0"/>
+                <a:ea typeface="Times New Roman" charset="0"/>
+                <a:cs typeface="Times New Roman" charset="0"/>
+              </a:rPr>
+              <a:t> </a:t>
+            </a:r>
+            <a:r>
+              <a:rPr lang="en-US" altLang="zh-CN" sz="2200" dirty="0">
                 <a:latin typeface="Times New Roman" charset="0"/>
                 <a:ea typeface="Times New Roman" charset="0"/>
                 <a:cs typeface="Times New Roman" charset="0"/>
@@ -7034,15 +7088,15 @@
               <a:t>altitude</a:t>
             </a:r>
             <a:r>
-              <a:rPr lang="zh-CN" altLang="en-US" sz="2200" dirty="0" smtClean="0">
-                <a:latin typeface="Times New Roman" charset="0"/>
-                <a:ea typeface="Times New Roman" charset="0"/>
-                <a:cs typeface="Times New Roman" charset="0"/>
-              </a:rPr>
-              <a:t> </a:t>
-            </a:r>
-            <a:r>
-              <a:rPr lang="en-US" altLang="zh-CN" sz="2200" dirty="0" smtClean="0">
+              <a:rPr lang="zh-CN" altLang="en-US" sz="2200" dirty="0">
+                <a:latin typeface="Times New Roman" charset="0"/>
+                <a:ea typeface="Times New Roman" charset="0"/>
+                <a:cs typeface="Times New Roman" charset="0"/>
+              </a:rPr>
+              <a:t> </a:t>
+            </a:r>
+            <a:r>
+              <a:rPr lang="en-US" altLang="zh-CN" sz="2200" dirty="0">
                 <a:latin typeface="Times New Roman" charset="0"/>
                 <a:ea typeface="Times New Roman" charset="0"/>
                 <a:cs typeface="Times New Roman" charset="0"/>
@@ -7050,15 +7104,15 @@
               <a:t>filter</a:t>
             </a:r>
             <a:r>
-              <a:rPr lang="zh-CN" altLang="en-US" sz="2200" dirty="0" smtClean="0">
-                <a:latin typeface="Times New Roman" charset="0"/>
-                <a:ea typeface="Times New Roman" charset="0"/>
-                <a:cs typeface="Times New Roman" charset="0"/>
-              </a:rPr>
-              <a:t> </a:t>
-            </a:r>
-            <a:r>
-              <a:rPr lang="en-US" altLang="zh-CN" sz="2200" dirty="0" smtClean="0">
+              <a:rPr lang="zh-CN" altLang="en-US" sz="2200" dirty="0">
+                <a:latin typeface="Times New Roman" charset="0"/>
+                <a:ea typeface="Times New Roman" charset="0"/>
+                <a:cs typeface="Times New Roman" charset="0"/>
+              </a:rPr>
+              <a:t> </a:t>
+            </a:r>
+            <a:r>
+              <a:rPr lang="en-US" altLang="zh-CN" sz="2200" dirty="0">
                 <a:latin typeface="Times New Roman" charset="0"/>
                 <a:ea typeface="Times New Roman" charset="0"/>
                 <a:cs typeface="Times New Roman" charset="0"/>
@@ -7066,15 +7120,15 @@
               <a:t>to</a:t>
             </a:r>
             <a:r>
-              <a:rPr lang="zh-CN" altLang="en-US" sz="2200" dirty="0" smtClean="0">
-                <a:latin typeface="Times New Roman" charset="0"/>
-                <a:ea typeface="Times New Roman" charset="0"/>
-                <a:cs typeface="Times New Roman" charset="0"/>
-              </a:rPr>
-              <a:t> </a:t>
-            </a:r>
-            <a:r>
-              <a:rPr lang="en-US" altLang="zh-CN" sz="2200" dirty="0" smtClean="0">
+              <a:rPr lang="zh-CN" altLang="en-US" sz="2200" dirty="0">
+                <a:latin typeface="Times New Roman" charset="0"/>
+                <a:ea typeface="Times New Roman" charset="0"/>
+                <a:cs typeface="Times New Roman" charset="0"/>
+              </a:rPr>
+              <a:t> </a:t>
+            </a:r>
+            <a:r>
+              <a:rPr lang="en-US" altLang="zh-CN" sz="2200" dirty="0">
                 <a:latin typeface="Times New Roman" charset="0"/>
                 <a:ea typeface="Times New Roman" charset="0"/>
                 <a:cs typeface="Times New Roman" charset="0"/>
@@ -7082,15 +7136,15 @@
               <a:t>get</a:t>
             </a:r>
             <a:r>
-              <a:rPr lang="zh-CN" altLang="en-US" sz="2200" dirty="0" smtClean="0">
-                <a:latin typeface="Times New Roman" charset="0"/>
-                <a:ea typeface="Times New Roman" charset="0"/>
-                <a:cs typeface="Times New Roman" charset="0"/>
-              </a:rPr>
-              <a:t> </a:t>
-            </a:r>
-            <a:r>
-              <a:rPr lang="en-US" altLang="zh-CN" sz="2200" dirty="0" smtClean="0">
+              <a:rPr lang="zh-CN" altLang="en-US" sz="2200" dirty="0">
+                <a:latin typeface="Times New Roman" charset="0"/>
+                <a:ea typeface="Times New Roman" charset="0"/>
+                <a:cs typeface="Times New Roman" charset="0"/>
+              </a:rPr>
+              <a:t> </a:t>
+            </a:r>
+            <a:r>
+              <a:rPr lang="en-US" altLang="zh-CN" sz="2200" dirty="0">
                 <a:latin typeface="Times New Roman" charset="0"/>
                 <a:ea typeface="Times New Roman" charset="0"/>
                 <a:cs typeface="Times New Roman" charset="0"/>
@@ -7098,15 +7152,15 @@
               <a:t>a</a:t>
             </a:r>
             <a:r>
-              <a:rPr lang="zh-CN" altLang="en-US" sz="2200" dirty="0" smtClean="0">
-                <a:latin typeface="Times New Roman" charset="0"/>
-                <a:ea typeface="Times New Roman" charset="0"/>
-                <a:cs typeface="Times New Roman" charset="0"/>
-              </a:rPr>
-              <a:t> </a:t>
-            </a:r>
-            <a:r>
-              <a:rPr lang="en-US" altLang="zh-CN" sz="2200" dirty="0" smtClean="0">
+              <a:rPr lang="zh-CN" altLang="en-US" sz="2200" dirty="0">
+                <a:latin typeface="Times New Roman" charset="0"/>
+                <a:ea typeface="Times New Roman" charset="0"/>
+                <a:cs typeface="Times New Roman" charset="0"/>
+              </a:rPr>
+              <a:t> </a:t>
+            </a:r>
+            <a:r>
+              <a:rPr lang="en-US" altLang="zh-CN" sz="2200" dirty="0">
                 <a:latin typeface="Times New Roman" charset="0"/>
                 <a:ea typeface="Times New Roman" charset="0"/>
                 <a:cs typeface="Times New Roman" charset="0"/>
@@ -7114,15 +7168,15 @@
               <a:t>clear</a:t>
             </a:r>
             <a:r>
-              <a:rPr lang="zh-CN" altLang="en-US" sz="2200" dirty="0" smtClean="0">
-                <a:latin typeface="Times New Roman" charset="0"/>
-                <a:ea typeface="Times New Roman" charset="0"/>
-                <a:cs typeface="Times New Roman" charset="0"/>
-              </a:rPr>
-              <a:t> </a:t>
-            </a:r>
-            <a:r>
-              <a:rPr lang="en-US" altLang="zh-CN" sz="2200" dirty="0" smtClean="0">
+              <a:rPr lang="zh-CN" altLang="en-US" sz="2200" dirty="0">
+                <a:latin typeface="Times New Roman" charset="0"/>
+                <a:ea typeface="Times New Roman" charset="0"/>
+                <a:cs typeface="Times New Roman" charset="0"/>
+              </a:rPr>
+              <a:t> </a:t>
+            </a:r>
+            <a:r>
+              <a:rPr lang="en-US" altLang="zh-CN" sz="2200" dirty="0">
                 <a:latin typeface="Times New Roman" charset="0"/>
                 <a:ea typeface="Times New Roman" charset="0"/>
                 <a:cs typeface="Times New Roman" charset="0"/>
@@ -7130,15 +7184,15 @@
               <a:t>input</a:t>
             </a:r>
             <a:r>
-              <a:rPr lang="zh-CN" altLang="en-US" sz="2200" dirty="0" smtClean="0">
-                <a:latin typeface="Times New Roman" charset="0"/>
-                <a:ea typeface="Times New Roman" charset="0"/>
-                <a:cs typeface="Times New Roman" charset="0"/>
-              </a:rPr>
-              <a:t> </a:t>
-            </a:r>
-            <a:r>
-              <a:rPr lang="en-US" altLang="zh-CN" sz="2200" dirty="0" smtClean="0">
+              <a:rPr lang="zh-CN" altLang="en-US" sz="2200" dirty="0">
+                <a:latin typeface="Times New Roman" charset="0"/>
+                <a:ea typeface="Times New Roman" charset="0"/>
+                <a:cs typeface="Times New Roman" charset="0"/>
+              </a:rPr>
+              <a:t> </a:t>
+            </a:r>
+            <a:r>
+              <a:rPr lang="en-US" altLang="zh-CN" sz="2200" dirty="0">
                 <a:latin typeface="Times New Roman" charset="0"/>
                 <a:ea typeface="Times New Roman" charset="0"/>
                 <a:cs typeface="Times New Roman" charset="0"/>
@@ -7146,15 +7200,15 @@
               <a:t>for</a:t>
             </a:r>
             <a:r>
-              <a:rPr lang="zh-CN" altLang="en-US" sz="2200" dirty="0" smtClean="0">
-                <a:latin typeface="Times New Roman" charset="0"/>
-                <a:ea typeface="Times New Roman" charset="0"/>
-                <a:cs typeface="Times New Roman" charset="0"/>
-              </a:rPr>
-              <a:t> </a:t>
-            </a:r>
-            <a:r>
-              <a:rPr lang="en-US" altLang="zh-CN" sz="2200" dirty="0" smtClean="0">
+              <a:rPr lang="zh-CN" altLang="en-US" sz="2200" dirty="0">
+                <a:latin typeface="Times New Roman" charset="0"/>
+                <a:ea typeface="Times New Roman" charset="0"/>
+                <a:cs typeface="Times New Roman" charset="0"/>
+              </a:rPr>
+              <a:t> </a:t>
+            </a:r>
+            <a:r>
+              <a:rPr lang="en-US" altLang="zh-CN" sz="2200" dirty="0">
                 <a:latin typeface="Times New Roman" charset="0"/>
                 <a:ea typeface="Times New Roman" charset="0"/>
                 <a:cs typeface="Times New Roman" charset="0"/>
@@ -7162,26 +7216,21 @@
               <a:t>our</a:t>
             </a:r>
             <a:r>
-              <a:rPr lang="zh-CN" altLang="en-US" sz="2200" dirty="0" smtClean="0">
-                <a:latin typeface="Times New Roman" charset="0"/>
-                <a:ea typeface="Times New Roman" charset="0"/>
-                <a:cs typeface="Times New Roman" charset="0"/>
-              </a:rPr>
-              <a:t> </a:t>
-            </a:r>
-            <a:r>
-              <a:rPr lang="en-US" altLang="zh-CN" sz="2200" dirty="0" smtClean="0">
-                <a:latin typeface="Times New Roman" charset="0"/>
-                <a:ea typeface="Times New Roman" charset="0"/>
-                <a:cs typeface="Times New Roman" charset="0"/>
-              </a:rPr>
-              <a:t>program.</a:t>
-            </a:r>
-            <a:endParaRPr lang="en-US" altLang="zh-CN" sz="2200" dirty="0">
-              <a:latin typeface="Times New Roman" charset="0"/>
-              <a:ea typeface="Times New Roman" charset="0"/>
-              <a:cs typeface="Times New Roman" charset="0"/>
-            </a:endParaRPr>
+              <a:rPr lang="zh-CN" altLang="en-US" sz="2200" dirty="0">
+                <a:latin typeface="Times New Roman" charset="0"/>
+                <a:ea typeface="Times New Roman" charset="0"/>
+                <a:cs typeface="Times New Roman" charset="0"/>
+              </a:rPr>
+              <a:t> </a:t>
+            </a:r>
+            <a:r>
+              <a:rPr lang="en-US" altLang="zh-CN" sz="2200" dirty="0">
+                <a:latin typeface="Times New Roman" charset="0"/>
+                <a:ea typeface="Times New Roman" charset="0"/>
+                <a:cs typeface="Times New Roman" charset="0"/>
+              </a:rPr>
+              <a:t>program and in order to prevent the influence from unnecessary aspects. </a:t>
+            </a:r>
           </a:p>
         </p:txBody>
       </p:sp>
@@ -7245,7 +7294,7 @@
         </p:blipFill>
         <p:spPr>
           <a:xfrm>
-            <a:off x="1508856" y="2802327"/>
+            <a:off x="1213876" y="3613725"/>
             <a:ext cx="4413926" cy="2942617"/>
           </a:xfrm>
           <a:prstGeom prst="rect">
@@ -7275,7 +7324,7 @@
         </p:blipFill>
         <p:spPr>
           <a:xfrm>
-            <a:off x="5922782" y="2815837"/>
+            <a:off x="6283267" y="3613725"/>
             <a:ext cx="4393660" cy="2929107"/>
           </a:xfrm>
           <a:prstGeom prst="rect">
@@ -7318,7 +7367,7 @@
           <p:cNvPr id="2" name="文本框 1">
             <a:extLst>
               <a:ext uri="{FF2B5EF4-FFF2-40B4-BE49-F238E27FC236}">
-                <a16:creationId xmlns:a16="http://schemas.microsoft.com/office/drawing/2014/main" xmlns="" id="{2622DBA6-4BF4-4F02-B794-AD3EC034F27C}"/>
+                <a16:creationId xmlns:a16="http://schemas.microsoft.com/office/drawing/2014/main" id="{2622DBA6-4BF4-4F02-B794-AD3EC034F27C}"/>
               </a:ext>
             </a:extLst>
           </p:cNvPr>
@@ -7354,7 +7403,7 @@
           <p:cNvPr id="3" name="文本框 2">
             <a:extLst>
               <a:ext uri="{FF2B5EF4-FFF2-40B4-BE49-F238E27FC236}">
-                <a16:creationId xmlns:a16="http://schemas.microsoft.com/office/drawing/2014/main" xmlns="" id="{46F6BF4B-3180-4B43-A428-5AD88028959F}"/>
+                <a16:creationId xmlns:a16="http://schemas.microsoft.com/office/drawing/2014/main" id="{46F6BF4B-3180-4B43-A428-5AD88028959F}"/>
               </a:ext>
             </a:extLst>
           </p:cNvPr>
@@ -7363,8 +7412,8 @@
         </p:nvSpPr>
         <p:spPr>
           <a:xfrm>
-            <a:off x="682005" y="1397439"/>
-            <a:ext cx="10633435" cy="2062103"/>
+            <a:off x="589039" y="1564493"/>
+            <a:ext cx="10633435" cy="1631216"/>
           </a:xfrm>
           <a:prstGeom prst="rect">
             <a:avLst/>
@@ -7379,629 +7428,615 @@
           <a:p>
             <a:pPr algn="just"/>
             <a:r>
-              <a:rPr lang="en-US" altLang="zh-CN" sz="3200" dirty="0" smtClean="0">
+              <a:rPr lang="en-US" altLang="zh-CN" sz="2000" dirty="0">
                 <a:latin typeface="Times New Roman" panose="02020603050405020304" pitchFamily="18" charset="0"/>
                 <a:cs typeface="Times New Roman" panose="02020603050405020304" pitchFamily="18" charset="0"/>
               </a:rPr>
               <a:t>The</a:t>
             </a:r>
             <a:r>
-              <a:rPr lang="zh-CN" altLang="en-US" sz="3200" dirty="0" smtClean="0">
-                <a:latin typeface="Times New Roman" panose="02020603050405020304" pitchFamily="18" charset="0"/>
-                <a:cs typeface="Times New Roman" panose="02020603050405020304" pitchFamily="18" charset="0"/>
-              </a:rPr>
-              <a:t> </a:t>
-            </a:r>
-            <a:r>
-              <a:rPr lang="en-US" altLang="zh-CN" sz="3200" dirty="0" smtClean="0">
+              <a:rPr lang="zh-CN" altLang="en-US" sz="2000" dirty="0">
+                <a:latin typeface="Times New Roman" panose="02020603050405020304" pitchFamily="18" charset="0"/>
+                <a:cs typeface="Times New Roman" panose="02020603050405020304" pitchFamily="18" charset="0"/>
+              </a:rPr>
+              <a:t> </a:t>
+            </a:r>
+            <a:r>
+              <a:rPr lang="en-US" altLang="zh-CN" sz="2000" dirty="0">
                 <a:latin typeface="Times New Roman" panose="02020603050405020304" pitchFamily="18" charset="0"/>
                 <a:cs typeface="Times New Roman" panose="02020603050405020304" pitchFamily="18" charset="0"/>
               </a:rPr>
               <a:t>key</a:t>
             </a:r>
             <a:r>
-              <a:rPr lang="zh-CN" altLang="en-US" sz="3200" dirty="0" smtClean="0">
-                <a:latin typeface="Times New Roman" panose="02020603050405020304" pitchFamily="18" charset="0"/>
-                <a:cs typeface="Times New Roman" panose="02020603050405020304" pitchFamily="18" charset="0"/>
-              </a:rPr>
-              <a:t> </a:t>
-            </a:r>
-            <a:r>
-              <a:rPr lang="en-US" altLang="zh-CN" sz="3200" dirty="0" smtClean="0">
-                <a:latin typeface="Times New Roman" panose="02020603050405020304" pitchFamily="18" charset="0"/>
-                <a:cs typeface="Times New Roman" panose="02020603050405020304" pitchFamily="18" charset="0"/>
-              </a:rPr>
-              <a:t>charterers</a:t>
-            </a:r>
-            <a:r>
-              <a:rPr lang="zh-CN" altLang="en-US" sz="3200" dirty="0" smtClean="0">
-                <a:latin typeface="Times New Roman" panose="02020603050405020304" pitchFamily="18" charset="0"/>
-                <a:cs typeface="Times New Roman" panose="02020603050405020304" pitchFamily="18" charset="0"/>
-              </a:rPr>
-              <a:t> </a:t>
-            </a:r>
-            <a:r>
-              <a:rPr lang="en-US" altLang="zh-CN" sz="3200" dirty="0" smtClean="0">
+              <a:rPr lang="zh-CN" altLang="en-US" sz="2000" dirty="0">
+                <a:latin typeface="Times New Roman" panose="02020603050405020304" pitchFamily="18" charset="0"/>
+                <a:cs typeface="Times New Roman" panose="02020603050405020304" pitchFamily="18" charset="0"/>
+              </a:rPr>
+              <a:t> </a:t>
+            </a:r>
+            <a:r>
+              <a:rPr lang="en-US" altLang="zh-CN" sz="2000" dirty="0">
+                <a:latin typeface="Times New Roman" panose="02020603050405020304" pitchFamily="18" charset="0"/>
+                <a:cs typeface="Times New Roman" panose="02020603050405020304" pitchFamily="18" charset="0"/>
+              </a:rPr>
+              <a:t>feature</a:t>
+            </a:r>
+            <a:r>
+              <a:rPr lang="zh-CN" altLang="en-US" sz="2000" dirty="0">
+                <a:latin typeface="Times New Roman" panose="02020603050405020304" pitchFamily="18" charset="0"/>
+                <a:cs typeface="Times New Roman" panose="02020603050405020304" pitchFamily="18" charset="0"/>
+              </a:rPr>
+              <a:t> </a:t>
+            </a:r>
+            <a:r>
+              <a:rPr lang="en-US" altLang="zh-CN" sz="2000" dirty="0">
                 <a:latin typeface="Times New Roman" panose="02020603050405020304" pitchFamily="18" charset="0"/>
                 <a:cs typeface="Times New Roman" panose="02020603050405020304" pitchFamily="18" charset="0"/>
               </a:rPr>
               <a:t>that</a:t>
             </a:r>
             <a:r>
-              <a:rPr lang="zh-CN" altLang="en-US" sz="3200" dirty="0" smtClean="0">
-                <a:latin typeface="Times New Roman" panose="02020603050405020304" pitchFamily="18" charset="0"/>
-                <a:cs typeface="Times New Roman" panose="02020603050405020304" pitchFamily="18" charset="0"/>
-              </a:rPr>
-              <a:t> </a:t>
-            </a:r>
-            <a:r>
-              <a:rPr lang="en-US" altLang="zh-CN" sz="3200" dirty="0" smtClean="0">
+              <a:rPr lang="zh-CN" altLang="en-US" sz="2000" dirty="0">
+                <a:latin typeface="Times New Roman" panose="02020603050405020304" pitchFamily="18" charset="0"/>
+                <a:cs typeface="Times New Roman" panose="02020603050405020304" pitchFamily="18" charset="0"/>
+              </a:rPr>
+              <a:t> </a:t>
+            </a:r>
+            <a:r>
+              <a:rPr lang="en-US" altLang="zh-CN" sz="2000" dirty="0">
                 <a:latin typeface="Times New Roman" panose="02020603050405020304" pitchFamily="18" charset="0"/>
                 <a:cs typeface="Times New Roman" panose="02020603050405020304" pitchFamily="18" charset="0"/>
               </a:rPr>
               <a:t>separate</a:t>
             </a:r>
             <a:r>
-              <a:rPr lang="zh-CN" altLang="en-US" sz="3200" dirty="0" smtClean="0">
-                <a:latin typeface="Times New Roman" panose="02020603050405020304" pitchFamily="18" charset="0"/>
-                <a:cs typeface="Times New Roman" panose="02020603050405020304" pitchFamily="18" charset="0"/>
-              </a:rPr>
-              <a:t> </a:t>
-            </a:r>
-            <a:r>
-              <a:rPr lang="en-US" altLang="zh-CN" sz="3200" dirty="0" smtClean="0">
+              <a:rPr lang="zh-CN" altLang="en-US" sz="2000" dirty="0">
+                <a:latin typeface="Times New Roman" panose="02020603050405020304" pitchFamily="18" charset="0"/>
+                <a:cs typeface="Times New Roman" panose="02020603050405020304" pitchFamily="18" charset="0"/>
+              </a:rPr>
+              <a:t> </a:t>
+            </a:r>
+            <a:r>
+              <a:rPr lang="en-US" altLang="zh-CN" sz="2000" dirty="0">
                 <a:latin typeface="Times New Roman" panose="02020603050405020304" pitchFamily="18" charset="0"/>
                 <a:cs typeface="Times New Roman" panose="02020603050405020304" pitchFamily="18" charset="0"/>
               </a:rPr>
               <a:t>lane</a:t>
             </a:r>
             <a:r>
-              <a:rPr lang="zh-CN" altLang="en-US" sz="3200" dirty="0" smtClean="0">
-                <a:latin typeface="Times New Roman" panose="02020603050405020304" pitchFamily="18" charset="0"/>
-                <a:cs typeface="Times New Roman" panose="02020603050405020304" pitchFamily="18" charset="0"/>
-              </a:rPr>
-              <a:t> </a:t>
-            </a:r>
-            <a:r>
-              <a:rPr lang="en-US" altLang="zh-CN" sz="3200" dirty="0" smtClean="0">
+              <a:rPr lang="zh-CN" altLang="en-US" sz="2000" dirty="0">
+                <a:latin typeface="Times New Roman" panose="02020603050405020304" pitchFamily="18" charset="0"/>
+                <a:cs typeface="Times New Roman" panose="02020603050405020304" pitchFamily="18" charset="0"/>
+              </a:rPr>
+              <a:t> </a:t>
+            </a:r>
+            <a:r>
+              <a:rPr lang="en-US" altLang="zh-CN" sz="2000" dirty="0">
                 <a:latin typeface="Times New Roman" panose="02020603050405020304" pitchFamily="18" charset="0"/>
                 <a:cs typeface="Times New Roman" panose="02020603050405020304" pitchFamily="18" charset="0"/>
               </a:rPr>
               <a:t>mark</a:t>
             </a:r>
             <a:r>
-              <a:rPr lang="zh-CN" altLang="en-US" sz="3200" dirty="0" smtClean="0">
-                <a:latin typeface="Times New Roman" panose="02020603050405020304" pitchFamily="18" charset="0"/>
-                <a:cs typeface="Times New Roman" panose="02020603050405020304" pitchFamily="18" charset="0"/>
-              </a:rPr>
-              <a:t> </a:t>
-            </a:r>
-            <a:r>
-              <a:rPr lang="en-US" altLang="zh-CN" sz="3200" dirty="0" smtClean="0">
+              <a:rPr lang="zh-CN" altLang="en-US" sz="2000" dirty="0">
+                <a:latin typeface="Times New Roman" panose="02020603050405020304" pitchFamily="18" charset="0"/>
+                <a:cs typeface="Times New Roman" panose="02020603050405020304" pitchFamily="18" charset="0"/>
+              </a:rPr>
+              <a:t> </a:t>
+            </a:r>
+            <a:r>
+              <a:rPr lang="en-US" altLang="zh-CN" sz="2000" dirty="0">
                 <a:latin typeface="Times New Roman" panose="02020603050405020304" pitchFamily="18" charset="0"/>
                 <a:cs typeface="Times New Roman" panose="02020603050405020304" pitchFamily="18" charset="0"/>
               </a:rPr>
               <a:t>from</a:t>
             </a:r>
             <a:r>
-              <a:rPr lang="zh-CN" altLang="en-US" sz="3200" dirty="0" smtClean="0">
-                <a:latin typeface="Times New Roman" panose="02020603050405020304" pitchFamily="18" charset="0"/>
-                <a:cs typeface="Times New Roman" panose="02020603050405020304" pitchFamily="18" charset="0"/>
-              </a:rPr>
-              <a:t> </a:t>
-            </a:r>
-            <a:r>
-              <a:rPr lang="en-US" altLang="zh-CN" sz="3200" dirty="0" smtClean="0">
+              <a:rPr lang="zh-CN" altLang="en-US" sz="2000" dirty="0">
+                <a:latin typeface="Times New Roman" panose="02020603050405020304" pitchFamily="18" charset="0"/>
+                <a:cs typeface="Times New Roman" panose="02020603050405020304" pitchFamily="18" charset="0"/>
+              </a:rPr>
+              <a:t> </a:t>
+            </a:r>
+            <a:r>
+              <a:rPr lang="en-US" altLang="zh-CN" sz="2000" dirty="0">
                 <a:latin typeface="Times New Roman" panose="02020603050405020304" pitchFamily="18" charset="0"/>
                 <a:cs typeface="Times New Roman" panose="02020603050405020304" pitchFamily="18" charset="0"/>
               </a:rPr>
               <a:t>others</a:t>
             </a:r>
             <a:r>
-              <a:rPr lang="zh-CN" altLang="en-US" sz="3200" dirty="0" smtClean="0">
-                <a:latin typeface="Times New Roman" panose="02020603050405020304" pitchFamily="18" charset="0"/>
-                <a:cs typeface="Times New Roman" panose="02020603050405020304" pitchFamily="18" charset="0"/>
-              </a:rPr>
-              <a:t> </a:t>
-            </a:r>
-            <a:r>
-              <a:rPr lang="en-US" altLang="zh-CN" sz="3200" dirty="0" smtClean="0">
+              <a:rPr lang="zh-CN" altLang="en-US" sz="2000" dirty="0">
+                <a:latin typeface="Times New Roman" panose="02020603050405020304" pitchFamily="18" charset="0"/>
+                <a:cs typeface="Times New Roman" panose="02020603050405020304" pitchFamily="18" charset="0"/>
+              </a:rPr>
+              <a:t> </a:t>
+            </a:r>
+            <a:r>
+              <a:rPr lang="en-US" altLang="zh-CN" sz="2000" dirty="0">
                 <a:latin typeface="Times New Roman" panose="02020603050405020304" pitchFamily="18" charset="0"/>
                 <a:cs typeface="Times New Roman" panose="02020603050405020304" pitchFamily="18" charset="0"/>
               </a:rPr>
               <a:t>is</a:t>
             </a:r>
             <a:r>
-              <a:rPr lang="zh-CN" altLang="en-US" sz="3200" dirty="0" smtClean="0">
-                <a:latin typeface="Times New Roman" panose="02020603050405020304" pitchFamily="18" charset="0"/>
-                <a:cs typeface="Times New Roman" panose="02020603050405020304" pitchFamily="18" charset="0"/>
-              </a:rPr>
-              <a:t> </a:t>
-            </a:r>
-            <a:r>
-              <a:rPr lang="en-US" altLang="zh-CN" sz="3200" dirty="0" smtClean="0">
+              <a:rPr lang="zh-CN" altLang="en-US" sz="2000" dirty="0">
+                <a:latin typeface="Times New Roman" panose="02020603050405020304" pitchFamily="18" charset="0"/>
+                <a:cs typeface="Times New Roman" panose="02020603050405020304" pitchFamily="18" charset="0"/>
+              </a:rPr>
+              <a:t> </a:t>
+            </a:r>
+            <a:r>
+              <a:rPr lang="en-US" altLang="zh-CN" sz="2000" dirty="0">
                 <a:latin typeface="Times New Roman" panose="02020603050405020304" pitchFamily="18" charset="0"/>
                 <a:cs typeface="Times New Roman" panose="02020603050405020304" pitchFamily="18" charset="0"/>
               </a:rPr>
               <a:t>the</a:t>
             </a:r>
             <a:r>
-              <a:rPr lang="zh-CN" altLang="en-US" sz="3200" dirty="0" smtClean="0">
-                <a:latin typeface="Times New Roman" panose="02020603050405020304" pitchFamily="18" charset="0"/>
-                <a:cs typeface="Times New Roman" panose="02020603050405020304" pitchFamily="18" charset="0"/>
-              </a:rPr>
-              <a:t> </a:t>
-            </a:r>
-            <a:r>
-              <a:rPr lang="en-US" altLang="zh-CN" sz="3200" dirty="0" smtClean="0">
+              <a:rPr lang="zh-CN" altLang="en-US" sz="2000" dirty="0">
+                <a:latin typeface="Times New Roman" panose="02020603050405020304" pitchFamily="18" charset="0"/>
+                <a:cs typeface="Times New Roman" panose="02020603050405020304" pitchFamily="18" charset="0"/>
+              </a:rPr>
+              <a:t> </a:t>
+            </a:r>
+            <a:r>
+              <a:rPr lang="en-US" altLang="zh-CN" sz="2000" dirty="0">
+                <a:latin typeface="Times New Roman" panose="02020603050405020304" pitchFamily="18" charset="0"/>
+                <a:cs typeface="Times New Roman" panose="02020603050405020304" pitchFamily="18" charset="0"/>
+              </a:rPr>
+              <a:t>intensity. By checking histogram,</a:t>
+            </a:r>
+            <a:r>
+              <a:rPr lang="zh-CN" altLang="en-US" sz="2000" dirty="0">
+                <a:latin typeface="Times New Roman" panose="02020603050405020304" pitchFamily="18" charset="0"/>
+                <a:cs typeface="Times New Roman" panose="02020603050405020304" pitchFamily="18" charset="0"/>
+              </a:rPr>
+              <a:t> </a:t>
+            </a:r>
+            <a:r>
+              <a:rPr lang="en-US" altLang="zh-CN" sz="2000" dirty="0">
+                <a:latin typeface="Times New Roman" panose="02020603050405020304" pitchFamily="18" charset="0"/>
+                <a:cs typeface="Times New Roman" panose="02020603050405020304" pitchFamily="18" charset="0"/>
+              </a:rPr>
+              <a:t>we</a:t>
+            </a:r>
+            <a:r>
+              <a:rPr lang="zh-CN" altLang="en-US" sz="2000" dirty="0">
+                <a:latin typeface="Times New Roman" panose="02020603050405020304" pitchFamily="18" charset="0"/>
+                <a:cs typeface="Times New Roman" panose="02020603050405020304" pitchFamily="18" charset="0"/>
+              </a:rPr>
+              <a:t> </a:t>
+            </a:r>
+            <a:r>
+              <a:rPr lang="en-US" altLang="zh-CN" sz="2000" dirty="0">
+                <a:latin typeface="Times New Roman" panose="02020603050405020304" pitchFamily="18" charset="0"/>
+                <a:cs typeface="Times New Roman" panose="02020603050405020304" pitchFamily="18" charset="0"/>
+              </a:rPr>
+              <a:t>found</a:t>
+            </a:r>
+            <a:r>
+              <a:rPr lang="zh-CN" altLang="en-US" sz="2000" dirty="0">
+                <a:latin typeface="Times New Roman" panose="02020603050405020304" pitchFamily="18" charset="0"/>
+                <a:cs typeface="Times New Roman" panose="02020603050405020304" pitchFamily="18" charset="0"/>
+              </a:rPr>
+              <a:t> </a:t>
+            </a:r>
+            <a:r>
+              <a:rPr lang="en-US" altLang="zh-CN" sz="2000" dirty="0">
+                <a:latin typeface="Times New Roman" panose="02020603050405020304" pitchFamily="18" charset="0"/>
+                <a:cs typeface="Times New Roman" panose="02020603050405020304" pitchFamily="18" charset="0"/>
+              </a:rPr>
+              <a:t>that</a:t>
+            </a:r>
+            <a:r>
+              <a:rPr lang="zh-CN" altLang="en-US" sz="2000" dirty="0">
+                <a:latin typeface="Times New Roman" panose="02020603050405020304" pitchFamily="18" charset="0"/>
+                <a:cs typeface="Times New Roman" panose="02020603050405020304" pitchFamily="18" charset="0"/>
+              </a:rPr>
+              <a:t> </a:t>
+            </a:r>
+            <a:r>
+              <a:rPr lang="en-US" altLang="zh-CN" sz="2000" dirty="0">
+                <a:latin typeface="Times New Roman" panose="02020603050405020304" pitchFamily="18" charset="0"/>
+                <a:cs typeface="Times New Roman" panose="02020603050405020304" pitchFamily="18" charset="0"/>
+              </a:rPr>
+              <a:t>lane</a:t>
+            </a:r>
+            <a:r>
+              <a:rPr lang="zh-CN" altLang="en-US" sz="2000" dirty="0">
+                <a:latin typeface="Times New Roman" panose="02020603050405020304" pitchFamily="18" charset="0"/>
+                <a:cs typeface="Times New Roman" panose="02020603050405020304" pitchFamily="18" charset="0"/>
+              </a:rPr>
+              <a:t> </a:t>
+            </a:r>
+            <a:r>
+              <a:rPr lang="en-US" altLang="zh-CN" sz="2000" dirty="0">
+                <a:latin typeface="Times New Roman" panose="02020603050405020304" pitchFamily="18" charset="0"/>
+                <a:cs typeface="Times New Roman" panose="02020603050405020304" pitchFamily="18" charset="0"/>
+              </a:rPr>
+              <a:t>mark</a:t>
+            </a:r>
+            <a:r>
+              <a:rPr lang="zh-CN" altLang="en-US" sz="2000" dirty="0">
+                <a:latin typeface="Times New Roman" panose="02020603050405020304" pitchFamily="18" charset="0"/>
+                <a:cs typeface="Times New Roman" panose="02020603050405020304" pitchFamily="18" charset="0"/>
+              </a:rPr>
+              <a:t> </a:t>
+            </a:r>
+            <a:r>
+              <a:rPr lang="en-US" altLang="zh-CN" sz="2000" dirty="0">
+                <a:latin typeface="Times New Roman" panose="02020603050405020304" pitchFamily="18" charset="0"/>
+                <a:cs typeface="Times New Roman" panose="02020603050405020304" pitchFamily="18" charset="0"/>
+              </a:rPr>
+              <a:t>always contains</a:t>
+            </a:r>
+            <a:r>
+              <a:rPr lang="zh-CN" altLang="en-US" sz="2000" dirty="0">
+                <a:latin typeface="Times New Roman" panose="02020603050405020304" pitchFamily="18" charset="0"/>
+                <a:cs typeface="Times New Roman" panose="02020603050405020304" pitchFamily="18" charset="0"/>
+              </a:rPr>
+              <a:t> </a:t>
+            </a:r>
+            <a:r>
+              <a:rPr lang="en-US" altLang="zh-CN" sz="2000" dirty="0">
+                <a:latin typeface="Times New Roman" panose="02020603050405020304" pitchFamily="18" charset="0"/>
+                <a:cs typeface="Times New Roman" panose="02020603050405020304" pitchFamily="18" charset="0"/>
+              </a:rPr>
+              <a:t>higher</a:t>
+            </a:r>
+            <a:r>
+              <a:rPr lang="zh-CN" altLang="en-US" sz="2000" dirty="0">
+                <a:latin typeface="Times New Roman" panose="02020603050405020304" pitchFamily="18" charset="0"/>
+                <a:cs typeface="Times New Roman" panose="02020603050405020304" pitchFamily="18" charset="0"/>
+              </a:rPr>
+              <a:t> </a:t>
+            </a:r>
+            <a:r>
+              <a:rPr lang="en-US" altLang="zh-CN" sz="2000" dirty="0">
                 <a:latin typeface="Times New Roman" panose="02020603050405020304" pitchFamily="18" charset="0"/>
                 <a:cs typeface="Times New Roman" panose="02020603050405020304" pitchFamily="18" charset="0"/>
               </a:rPr>
               <a:t>intensity</a:t>
             </a:r>
             <a:r>
-              <a:rPr lang="en-US" altLang="zh-CN" sz="3200" dirty="0" smtClean="0">
-                <a:latin typeface="Times New Roman" panose="02020603050405020304" pitchFamily="18" charset="0"/>
-                <a:cs typeface="Times New Roman" panose="02020603050405020304" pitchFamily="18" charset="0"/>
-              </a:rPr>
-              <a:t>,</a:t>
-            </a:r>
-            <a:r>
-              <a:rPr lang="zh-CN" altLang="en-US" sz="3200" dirty="0" smtClean="0">
-                <a:latin typeface="Times New Roman" panose="02020603050405020304" pitchFamily="18" charset="0"/>
-                <a:cs typeface="Times New Roman" panose="02020603050405020304" pitchFamily="18" charset="0"/>
-              </a:rPr>
-              <a:t> </a:t>
-            </a:r>
-            <a:r>
-              <a:rPr lang="en-US" altLang="zh-CN" sz="3200" dirty="0" smtClean="0">
+              <a:rPr lang="zh-CN" altLang="en-US" sz="2000" dirty="0">
+                <a:latin typeface="Times New Roman" panose="02020603050405020304" pitchFamily="18" charset="0"/>
+                <a:cs typeface="Times New Roman" panose="02020603050405020304" pitchFamily="18" charset="0"/>
+              </a:rPr>
+              <a:t> </a:t>
+            </a:r>
+            <a:r>
+              <a:rPr lang="en-US" altLang="zh-CN" sz="2000" dirty="0">
+                <a:latin typeface="Times New Roman" panose="02020603050405020304" pitchFamily="18" charset="0"/>
+                <a:cs typeface="Times New Roman" panose="02020603050405020304" pitchFamily="18" charset="0"/>
+              </a:rPr>
+              <a:t>than</a:t>
+            </a:r>
+            <a:r>
+              <a:rPr lang="zh-CN" altLang="en-US" sz="2000" dirty="0">
+                <a:latin typeface="Times New Roman" panose="02020603050405020304" pitchFamily="18" charset="0"/>
+                <a:cs typeface="Times New Roman" panose="02020603050405020304" pitchFamily="18" charset="0"/>
+              </a:rPr>
+              <a:t> </a:t>
+            </a:r>
+            <a:r>
+              <a:rPr lang="en-US" altLang="zh-CN" sz="2000" dirty="0">
+                <a:latin typeface="Times New Roman" panose="02020603050405020304" pitchFamily="18" charset="0"/>
+                <a:cs typeface="Times New Roman" panose="02020603050405020304" pitchFamily="18" charset="0"/>
+              </a:rPr>
+              <a:t>other</a:t>
+            </a:r>
+            <a:r>
+              <a:rPr lang="zh-CN" altLang="en-US" sz="2000" dirty="0">
+                <a:latin typeface="Times New Roman" panose="02020603050405020304" pitchFamily="18" charset="0"/>
+                <a:cs typeface="Times New Roman" panose="02020603050405020304" pitchFamily="18" charset="0"/>
+              </a:rPr>
+              <a:t> </a:t>
+            </a:r>
+            <a:r>
+              <a:rPr lang="en-US" altLang="zh-CN" sz="2000" dirty="0">
+                <a:latin typeface="Times New Roman" panose="02020603050405020304" pitchFamily="18" charset="0"/>
+                <a:cs typeface="Times New Roman" panose="02020603050405020304" pitchFamily="18" charset="0"/>
+              </a:rPr>
+              <a:t>part</a:t>
+            </a:r>
+            <a:r>
+              <a:rPr lang="zh-CN" altLang="en-US" sz="2000" dirty="0">
+                <a:latin typeface="Times New Roman" panose="02020603050405020304" pitchFamily="18" charset="0"/>
+                <a:cs typeface="Times New Roman" panose="02020603050405020304" pitchFamily="18" charset="0"/>
+              </a:rPr>
+              <a:t> </a:t>
+            </a:r>
+            <a:r>
+              <a:rPr lang="en-US" altLang="zh-CN" sz="2000" dirty="0">
+                <a:latin typeface="Times New Roman" panose="02020603050405020304" pitchFamily="18" charset="0"/>
+                <a:cs typeface="Times New Roman" panose="02020603050405020304" pitchFamily="18" charset="0"/>
+              </a:rPr>
+              <a:t>of</a:t>
+            </a:r>
+            <a:r>
+              <a:rPr lang="zh-CN" altLang="en-US" sz="2000" dirty="0">
+                <a:latin typeface="Times New Roman" panose="02020603050405020304" pitchFamily="18" charset="0"/>
+                <a:cs typeface="Times New Roman" panose="02020603050405020304" pitchFamily="18" charset="0"/>
+              </a:rPr>
+              <a:t> </a:t>
+            </a:r>
+            <a:r>
+              <a:rPr lang="en-US" altLang="zh-CN" sz="2000" dirty="0">
+                <a:latin typeface="Times New Roman" panose="02020603050405020304" pitchFamily="18" charset="0"/>
+                <a:cs typeface="Times New Roman" panose="02020603050405020304" pitchFamily="18" charset="0"/>
+              </a:rPr>
+              <a:t>road, which because the material of lane mark contains a high reflecting rate,</a:t>
+            </a:r>
+            <a:r>
+              <a:rPr lang="zh-CN" altLang="en-US" sz="2000" dirty="0">
+                <a:latin typeface="Times New Roman" panose="02020603050405020304" pitchFamily="18" charset="0"/>
+                <a:cs typeface="Times New Roman" panose="02020603050405020304" pitchFamily="18" charset="0"/>
+              </a:rPr>
+              <a:t> </a:t>
+            </a:r>
+            <a:r>
+              <a:rPr lang="en-US" altLang="zh-CN" sz="2000" dirty="0">
+                <a:latin typeface="Times New Roman" panose="02020603050405020304" pitchFamily="18" charset="0"/>
+                <a:cs typeface="Times New Roman" panose="02020603050405020304" pitchFamily="18" charset="0"/>
+              </a:rPr>
+              <a:t>so</a:t>
+            </a:r>
+            <a:r>
+              <a:rPr lang="zh-CN" altLang="en-US" sz="2000" dirty="0">
+                <a:latin typeface="Times New Roman" panose="02020603050405020304" pitchFamily="18" charset="0"/>
+                <a:cs typeface="Times New Roman" panose="02020603050405020304" pitchFamily="18" charset="0"/>
+              </a:rPr>
+              <a:t> </a:t>
+            </a:r>
+            <a:r>
+              <a:rPr lang="en-US" altLang="zh-CN" sz="2000" dirty="0">
+                <a:latin typeface="Times New Roman" panose="02020603050405020304" pitchFamily="18" charset="0"/>
+                <a:cs typeface="Times New Roman" panose="02020603050405020304" pitchFamily="18" charset="0"/>
+              </a:rPr>
+              <a:t>that</a:t>
+            </a:r>
+            <a:r>
+              <a:rPr lang="zh-CN" altLang="en-US" sz="2000" dirty="0">
+                <a:latin typeface="Times New Roman" panose="02020603050405020304" pitchFamily="18" charset="0"/>
+                <a:cs typeface="Times New Roman" panose="02020603050405020304" pitchFamily="18" charset="0"/>
+              </a:rPr>
+              <a:t> </a:t>
+            </a:r>
+            <a:r>
+              <a:rPr lang="en-US" altLang="zh-CN" sz="2000" dirty="0">
                 <a:latin typeface="Times New Roman" panose="02020603050405020304" pitchFamily="18" charset="0"/>
                 <a:cs typeface="Times New Roman" panose="02020603050405020304" pitchFamily="18" charset="0"/>
               </a:rPr>
               <a:t>we</a:t>
             </a:r>
             <a:r>
-              <a:rPr lang="zh-CN" altLang="en-US" sz="3200" dirty="0" smtClean="0">
-                <a:latin typeface="Times New Roman" panose="02020603050405020304" pitchFamily="18" charset="0"/>
-                <a:cs typeface="Times New Roman" panose="02020603050405020304" pitchFamily="18" charset="0"/>
-              </a:rPr>
-              <a:t> </a:t>
-            </a:r>
-            <a:r>
-              <a:rPr lang="en-US" altLang="zh-CN" sz="3200" dirty="0" smtClean="0">
-                <a:latin typeface="Times New Roman" panose="02020603050405020304" pitchFamily="18" charset="0"/>
-                <a:cs typeface="Times New Roman" panose="02020603050405020304" pitchFamily="18" charset="0"/>
-              </a:rPr>
-              <a:t>found</a:t>
-            </a:r>
-            <a:r>
-              <a:rPr lang="zh-CN" altLang="en-US" sz="3200" dirty="0" smtClean="0">
-                <a:latin typeface="Times New Roman" panose="02020603050405020304" pitchFamily="18" charset="0"/>
-                <a:cs typeface="Times New Roman" panose="02020603050405020304" pitchFamily="18" charset="0"/>
-              </a:rPr>
-              <a:t> </a:t>
-            </a:r>
-            <a:r>
-              <a:rPr lang="en-US" altLang="zh-CN" sz="3200" dirty="0" smtClean="0">
-                <a:latin typeface="Times New Roman" panose="02020603050405020304" pitchFamily="18" charset="0"/>
-                <a:cs typeface="Times New Roman" panose="02020603050405020304" pitchFamily="18" charset="0"/>
-              </a:rPr>
-              <a:t>that</a:t>
-            </a:r>
-            <a:r>
-              <a:rPr lang="zh-CN" altLang="en-US" sz="3200" dirty="0" smtClean="0">
-                <a:latin typeface="Times New Roman" panose="02020603050405020304" pitchFamily="18" charset="0"/>
-                <a:cs typeface="Times New Roman" panose="02020603050405020304" pitchFamily="18" charset="0"/>
-              </a:rPr>
-              <a:t> </a:t>
-            </a:r>
-            <a:r>
-              <a:rPr lang="en-US" altLang="zh-CN" sz="3200" dirty="0" smtClean="0">
+              <a:rPr lang="zh-CN" altLang="en-US" sz="2000" dirty="0">
+                <a:latin typeface="Times New Roman" panose="02020603050405020304" pitchFamily="18" charset="0"/>
+                <a:cs typeface="Times New Roman" panose="02020603050405020304" pitchFamily="18" charset="0"/>
+              </a:rPr>
+              <a:t> </a:t>
+            </a:r>
+            <a:r>
+              <a:rPr lang="en-US" altLang="zh-CN" sz="2000" dirty="0">
+                <a:latin typeface="Times New Roman" panose="02020603050405020304" pitchFamily="18" charset="0"/>
+                <a:cs typeface="Times New Roman" panose="02020603050405020304" pitchFamily="18" charset="0"/>
+              </a:rPr>
+              <a:t>filter</a:t>
+            </a:r>
+            <a:r>
+              <a:rPr lang="zh-CN" altLang="en-US" sz="2000" dirty="0">
+                <a:latin typeface="Times New Roman" panose="02020603050405020304" pitchFamily="18" charset="0"/>
+                <a:cs typeface="Times New Roman" panose="02020603050405020304" pitchFamily="18" charset="0"/>
+              </a:rPr>
+              <a:t> </a:t>
+            </a:r>
+            <a:r>
+              <a:rPr lang="en-US" altLang="zh-CN" sz="2000" dirty="0">
+                <a:latin typeface="Times New Roman" panose="02020603050405020304" pitchFamily="18" charset="0"/>
+                <a:cs typeface="Times New Roman" panose="02020603050405020304" pitchFamily="18" charset="0"/>
+              </a:rPr>
+              <a:t>out</a:t>
+            </a:r>
+            <a:r>
+              <a:rPr lang="zh-CN" altLang="en-US" sz="2000" dirty="0">
+                <a:latin typeface="Times New Roman" panose="02020603050405020304" pitchFamily="18" charset="0"/>
+                <a:cs typeface="Times New Roman" panose="02020603050405020304" pitchFamily="18" charset="0"/>
+              </a:rPr>
+              <a:t> </a:t>
+            </a:r>
+            <a:r>
+              <a:rPr lang="en-US" altLang="zh-CN" sz="2000" dirty="0">
+                <a:latin typeface="Times New Roman" panose="02020603050405020304" pitchFamily="18" charset="0"/>
+                <a:cs typeface="Times New Roman" panose="02020603050405020304" pitchFamily="18" charset="0"/>
+              </a:rPr>
+              <a:t>points</a:t>
+            </a:r>
+            <a:r>
+              <a:rPr lang="zh-CN" altLang="en-US" sz="2000" dirty="0">
+                <a:latin typeface="Times New Roman" panose="02020603050405020304" pitchFamily="18" charset="0"/>
+                <a:cs typeface="Times New Roman" panose="02020603050405020304" pitchFamily="18" charset="0"/>
+              </a:rPr>
+              <a:t> </a:t>
+            </a:r>
+            <a:r>
+              <a:rPr lang="en-US" altLang="zh-CN" sz="2000" dirty="0">
+                <a:latin typeface="Times New Roman" panose="02020603050405020304" pitchFamily="18" charset="0"/>
+                <a:cs typeface="Times New Roman" panose="02020603050405020304" pitchFamily="18" charset="0"/>
+              </a:rPr>
+              <a:t>with</a:t>
+            </a:r>
+            <a:r>
+              <a:rPr lang="zh-CN" altLang="en-US" sz="2000" dirty="0">
+                <a:latin typeface="Times New Roman" panose="02020603050405020304" pitchFamily="18" charset="0"/>
+                <a:cs typeface="Times New Roman" panose="02020603050405020304" pitchFamily="18" charset="0"/>
+              </a:rPr>
+              <a:t> </a:t>
+            </a:r>
+            <a:r>
+              <a:rPr lang="en-US" altLang="zh-CN" sz="2000" dirty="0">
+                <a:latin typeface="Times New Roman" panose="02020603050405020304" pitchFamily="18" charset="0"/>
+                <a:cs typeface="Times New Roman" panose="02020603050405020304" pitchFamily="18" charset="0"/>
+              </a:rPr>
+              <a:t>high</a:t>
+            </a:r>
+            <a:r>
+              <a:rPr lang="zh-CN" altLang="en-US" sz="2000" dirty="0">
+                <a:latin typeface="Times New Roman" panose="02020603050405020304" pitchFamily="18" charset="0"/>
+                <a:cs typeface="Times New Roman" panose="02020603050405020304" pitchFamily="18" charset="0"/>
+              </a:rPr>
+              <a:t> </a:t>
+            </a:r>
+            <a:r>
+              <a:rPr lang="en-US" altLang="zh-CN" sz="2000" dirty="0">
+                <a:latin typeface="Times New Roman" panose="02020603050405020304" pitchFamily="18" charset="0"/>
+                <a:cs typeface="Times New Roman" panose="02020603050405020304" pitchFamily="18" charset="0"/>
+              </a:rPr>
+              <a:t>intensity</a:t>
+            </a:r>
+            <a:r>
+              <a:rPr lang="zh-CN" altLang="en-US" sz="2000" dirty="0">
+                <a:latin typeface="Times New Roman" panose="02020603050405020304" pitchFamily="18" charset="0"/>
+                <a:cs typeface="Times New Roman" panose="02020603050405020304" pitchFamily="18" charset="0"/>
+              </a:rPr>
+              <a:t> </a:t>
+            </a:r>
+            <a:r>
+              <a:rPr lang="en-US" altLang="zh-CN" sz="2000" dirty="0">
+                <a:latin typeface="Times New Roman" panose="02020603050405020304" pitchFamily="18" charset="0"/>
+                <a:cs typeface="Times New Roman" panose="02020603050405020304" pitchFamily="18" charset="0"/>
+              </a:rPr>
+              <a:t>and</a:t>
+            </a:r>
+            <a:r>
+              <a:rPr lang="zh-CN" altLang="en-US" sz="2000" dirty="0">
+                <a:latin typeface="Times New Roman" panose="02020603050405020304" pitchFamily="18" charset="0"/>
+                <a:cs typeface="Times New Roman" panose="02020603050405020304" pitchFamily="18" charset="0"/>
+              </a:rPr>
+              <a:t> </a:t>
+            </a:r>
+            <a:r>
+              <a:rPr lang="en-US" altLang="zh-CN" sz="2000" dirty="0">
+                <a:latin typeface="Times New Roman" panose="02020603050405020304" pitchFamily="18" charset="0"/>
+                <a:cs typeface="Times New Roman" panose="02020603050405020304" pitchFamily="18" charset="0"/>
+              </a:rPr>
+              <a:t>create</a:t>
+            </a:r>
+            <a:r>
+              <a:rPr lang="zh-CN" altLang="en-US" sz="2000" dirty="0">
+                <a:latin typeface="Times New Roman" panose="02020603050405020304" pitchFamily="18" charset="0"/>
+                <a:cs typeface="Times New Roman" panose="02020603050405020304" pitchFamily="18" charset="0"/>
+              </a:rPr>
+              <a:t> </a:t>
+            </a:r>
+            <a:r>
+              <a:rPr lang="en-US" altLang="zh-CN" sz="2000" dirty="0">
+                <a:latin typeface="Times New Roman" panose="02020603050405020304" pitchFamily="18" charset="0"/>
+                <a:cs typeface="Times New Roman" panose="02020603050405020304" pitchFamily="18" charset="0"/>
+              </a:rPr>
+              <a:t>a</a:t>
+            </a:r>
+            <a:r>
+              <a:rPr lang="zh-CN" altLang="en-US" sz="2000" dirty="0">
+                <a:latin typeface="Times New Roman" panose="02020603050405020304" pitchFamily="18" charset="0"/>
+                <a:cs typeface="Times New Roman" panose="02020603050405020304" pitchFamily="18" charset="0"/>
+              </a:rPr>
+              <a:t> </a:t>
+            </a:r>
+            <a:r>
+              <a:rPr lang="en-US" altLang="zh-CN" sz="2000" dirty="0">
+                <a:latin typeface="Times New Roman" panose="02020603050405020304" pitchFamily="18" charset="0"/>
+                <a:cs typeface="Times New Roman" panose="02020603050405020304" pitchFamily="18" charset="0"/>
+              </a:rPr>
+              <a:t>first</a:t>
+            </a:r>
+            <a:r>
+              <a:rPr lang="zh-CN" altLang="en-US" sz="2000" dirty="0">
+                <a:latin typeface="Times New Roman" panose="02020603050405020304" pitchFamily="18" charset="0"/>
+                <a:cs typeface="Times New Roman" panose="02020603050405020304" pitchFamily="18" charset="0"/>
+              </a:rPr>
+              <a:t> </a:t>
+            </a:r>
+            <a:r>
+              <a:rPr lang="en-US" altLang="zh-CN" sz="2000" dirty="0">
+                <a:latin typeface="Times New Roman" panose="02020603050405020304" pitchFamily="18" charset="0"/>
+                <a:cs typeface="Times New Roman" panose="02020603050405020304" pitchFamily="18" charset="0"/>
+              </a:rPr>
+              <a:t>view</a:t>
+            </a:r>
+            <a:r>
+              <a:rPr lang="zh-CN" altLang="en-US" sz="2000" dirty="0">
+                <a:latin typeface="Times New Roman" panose="02020603050405020304" pitchFamily="18" charset="0"/>
+                <a:cs typeface="Times New Roman" panose="02020603050405020304" pitchFamily="18" charset="0"/>
+              </a:rPr>
+              <a:t> </a:t>
+            </a:r>
+            <a:r>
+              <a:rPr lang="en-US" altLang="zh-CN" sz="2000" dirty="0">
+                <a:latin typeface="Times New Roman" panose="02020603050405020304" pitchFamily="18" charset="0"/>
+                <a:cs typeface="Times New Roman" panose="02020603050405020304" pitchFamily="18" charset="0"/>
+              </a:rPr>
+              <a:t>of</a:t>
+            </a:r>
+            <a:r>
+              <a:rPr lang="zh-CN" altLang="en-US" sz="2000" dirty="0">
+                <a:latin typeface="Times New Roman" panose="02020603050405020304" pitchFamily="18" charset="0"/>
+                <a:cs typeface="Times New Roman" panose="02020603050405020304" pitchFamily="18" charset="0"/>
+              </a:rPr>
+              <a:t> </a:t>
+            </a:r>
+            <a:r>
+              <a:rPr lang="en-US" altLang="zh-CN" sz="2000" dirty="0">
+                <a:latin typeface="Times New Roman" panose="02020603050405020304" pitchFamily="18" charset="0"/>
+                <a:cs typeface="Times New Roman" panose="02020603050405020304" pitchFamily="18" charset="0"/>
+              </a:rPr>
+              <a:t>the</a:t>
+            </a:r>
+            <a:r>
+              <a:rPr lang="zh-CN" altLang="en-US" sz="2000" dirty="0">
+                <a:latin typeface="Times New Roman" panose="02020603050405020304" pitchFamily="18" charset="0"/>
+                <a:cs typeface="Times New Roman" panose="02020603050405020304" pitchFamily="18" charset="0"/>
+              </a:rPr>
+              <a:t> </a:t>
+            </a:r>
+            <a:r>
+              <a:rPr lang="en-US" altLang="zh-CN" sz="2000" dirty="0">
                 <a:latin typeface="Times New Roman" panose="02020603050405020304" pitchFamily="18" charset="0"/>
                 <a:cs typeface="Times New Roman" panose="02020603050405020304" pitchFamily="18" charset="0"/>
               </a:rPr>
               <a:t>lane</a:t>
             </a:r>
             <a:r>
-              <a:rPr lang="zh-CN" altLang="en-US" sz="3200" dirty="0" smtClean="0">
-                <a:latin typeface="Times New Roman" panose="02020603050405020304" pitchFamily="18" charset="0"/>
-                <a:cs typeface="Times New Roman" panose="02020603050405020304" pitchFamily="18" charset="0"/>
-              </a:rPr>
-              <a:t> </a:t>
-            </a:r>
-            <a:r>
-              <a:rPr lang="en-US" altLang="zh-CN" sz="3200" dirty="0" smtClean="0">
-                <a:latin typeface="Times New Roman" panose="02020603050405020304" pitchFamily="18" charset="0"/>
-                <a:cs typeface="Times New Roman" panose="02020603050405020304" pitchFamily="18" charset="0"/>
-              </a:rPr>
-              <a:t>mark</a:t>
-            </a:r>
-            <a:r>
-              <a:rPr lang="zh-CN" altLang="en-US" sz="3200" dirty="0" smtClean="0">
-                <a:latin typeface="Times New Roman" panose="02020603050405020304" pitchFamily="18" charset="0"/>
-                <a:cs typeface="Times New Roman" panose="02020603050405020304" pitchFamily="18" charset="0"/>
-              </a:rPr>
-              <a:t> </a:t>
-            </a:r>
-            <a:r>
-              <a:rPr lang="en-US" altLang="zh-CN" sz="3200" dirty="0" smtClean="0">
-                <a:latin typeface="Times New Roman" panose="02020603050405020304" pitchFamily="18" charset="0"/>
-                <a:cs typeface="Times New Roman" panose="02020603050405020304" pitchFamily="18" charset="0"/>
-              </a:rPr>
-              <a:t>has</a:t>
-            </a:r>
-            <a:r>
-              <a:rPr lang="zh-CN" altLang="en-US" sz="3200" dirty="0" smtClean="0">
-                <a:latin typeface="Times New Roman" panose="02020603050405020304" pitchFamily="18" charset="0"/>
-                <a:cs typeface="Times New Roman" panose="02020603050405020304" pitchFamily="18" charset="0"/>
-              </a:rPr>
-              <a:t> </a:t>
-            </a:r>
-            <a:r>
-              <a:rPr lang="en-US" altLang="zh-CN" sz="3200" dirty="0" smtClean="0">
-                <a:latin typeface="Times New Roman" panose="02020603050405020304" pitchFamily="18" charset="0"/>
-                <a:cs typeface="Times New Roman" panose="02020603050405020304" pitchFamily="18" charset="0"/>
-              </a:rPr>
-              <a:t>higher</a:t>
-            </a:r>
-            <a:r>
-              <a:rPr lang="zh-CN" altLang="en-US" sz="3200" dirty="0" smtClean="0">
-                <a:latin typeface="Times New Roman" panose="02020603050405020304" pitchFamily="18" charset="0"/>
-                <a:cs typeface="Times New Roman" panose="02020603050405020304" pitchFamily="18" charset="0"/>
-              </a:rPr>
-              <a:t> </a:t>
-            </a:r>
-            <a:r>
-              <a:rPr lang="en-US" altLang="zh-CN" sz="3200" dirty="0" smtClean="0">
-                <a:latin typeface="Times New Roman" panose="02020603050405020304" pitchFamily="18" charset="0"/>
-                <a:cs typeface="Times New Roman" panose="02020603050405020304" pitchFamily="18" charset="0"/>
-              </a:rPr>
-              <a:t>intensity</a:t>
-            </a:r>
-            <a:r>
-              <a:rPr lang="zh-CN" altLang="en-US" sz="3200" dirty="0" smtClean="0">
-                <a:latin typeface="Times New Roman" panose="02020603050405020304" pitchFamily="18" charset="0"/>
-                <a:cs typeface="Times New Roman" panose="02020603050405020304" pitchFamily="18" charset="0"/>
-              </a:rPr>
-              <a:t> </a:t>
-            </a:r>
-            <a:r>
-              <a:rPr lang="en-US" altLang="zh-CN" sz="3200" dirty="0" smtClean="0">
-                <a:latin typeface="Times New Roman" panose="02020603050405020304" pitchFamily="18" charset="0"/>
-                <a:cs typeface="Times New Roman" panose="02020603050405020304" pitchFamily="18" charset="0"/>
-              </a:rPr>
-              <a:t>than</a:t>
-            </a:r>
-            <a:r>
-              <a:rPr lang="zh-CN" altLang="en-US" sz="3200" dirty="0" smtClean="0">
-                <a:latin typeface="Times New Roman" panose="02020603050405020304" pitchFamily="18" charset="0"/>
-                <a:cs typeface="Times New Roman" panose="02020603050405020304" pitchFamily="18" charset="0"/>
-              </a:rPr>
-              <a:t> </a:t>
-            </a:r>
-            <a:r>
-              <a:rPr lang="en-US" altLang="zh-CN" sz="3200" dirty="0" smtClean="0">
-                <a:latin typeface="Times New Roman" panose="02020603050405020304" pitchFamily="18" charset="0"/>
-                <a:cs typeface="Times New Roman" panose="02020603050405020304" pitchFamily="18" charset="0"/>
-              </a:rPr>
-              <a:t>other</a:t>
-            </a:r>
-            <a:r>
-              <a:rPr lang="zh-CN" altLang="en-US" sz="3200" dirty="0" smtClean="0">
-                <a:latin typeface="Times New Roman" panose="02020603050405020304" pitchFamily="18" charset="0"/>
-                <a:cs typeface="Times New Roman" panose="02020603050405020304" pitchFamily="18" charset="0"/>
-              </a:rPr>
-              <a:t> </a:t>
-            </a:r>
-            <a:r>
-              <a:rPr lang="en-US" altLang="zh-CN" sz="3200" dirty="0" smtClean="0">
-                <a:latin typeface="Times New Roman" panose="02020603050405020304" pitchFamily="18" charset="0"/>
-                <a:cs typeface="Times New Roman" panose="02020603050405020304" pitchFamily="18" charset="0"/>
-              </a:rPr>
-              <a:t>part</a:t>
-            </a:r>
-            <a:r>
-              <a:rPr lang="zh-CN" altLang="en-US" sz="3200" dirty="0" smtClean="0">
-                <a:latin typeface="Times New Roman" panose="02020603050405020304" pitchFamily="18" charset="0"/>
-                <a:cs typeface="Times New Roman" panose="02020603050405020304" pitchFamily="18" charset="0"/>
-              </a:rPr>
-              <a:t> </a:t>
-            </a:r>
-            <a:r>
-              <a:rPr lang="en-US" altLang="zh-CN" sz="3200" dirty="0" smtClean="0">
-                <a:latin typeface="Times New Roman" panose="02020603050405020304" pitchFamily="18" charset="0"/>
-                <a:cs typeface="Times New Roman" panose="02020603050405020304" pitchFamily="18" charset="0"/>
-              </a:rPr>
-              <a:t>of</a:t>
-            </a:r>
-            <a:r>
-              <a:rPr lang="zh-CN" altLang="en-US" sz="3200" dirty="0" smtClean="0">
-                <a:latin typeface="Times New Roman" panose="02020603050405020304" pitchFamily="18" charset="0"/>
-                <a:cs typeface="Times New Roman" panose="02020603050405020304" pitchFamily="18" charset="0"/>
-              </a:rPr>
-              <a:t> </a:t>
-            </a:r>
-            <a:r>
-              <a:rPr lang="en-US" altLang="zh-CN" sz="3200" dirty="0" smtClean="0">
-                <a:latin typeface="Times New Roman" panose="02020603050405020304" pitchFamily="18" charset="0"/>
-                <a:cs typeface="Times New Roman" panose="02020603050405020304" pitchFamily="18" charset="0"/>
-              </a:rPr>
-              <a:t>road,</a:t>
-            </a:r>
-            <a:r>
-              <a:rPr lang="zh-CN" altLang="en-US" sz="3200" dirty="0" smtClean="0">
-                <a:latin typeface="Times New Roman" panose="02020603050405020304" pitchFamily="18" charset="0"/>
-                <a:cs typeface="Times New Roman" panose="02020603050405020304" pitchFamily="18" charset="0"/>
-              </a:rPr>
-              <a:t> </a:t>
-            </a:r>
-            <a:r>
-              <a:rPr lang="en-US" altLang="zh-CN" sz="3200" dirty="0" smtClean="0">
-                <a:latin typeface="Times New Roman" panose="02020603050405020304" pitchFamily="18" charset="0"/>
-                <a:cs typeface="Times New Roman" panose="02020603050405020304" pitchFamily="18" charset="0"/>
-              </a:rPr>
-              <a:t>so</a:t>
-            </a:r>
-            <a:r>
-              <a:rPr lang="zh-CN" altLang="en-US" sz="3200" dirty="0" smtClean="0">
-                <a:latin typeface="Times New Roman" panose="02020603050405020304" pitchFamily="18" charset="0"/>
-                <a:cs typeface="Times New Roman" panose="02020603050405020304" pitchFamily="18" charset="0"/>
-              </a:rPr>
-              <a:t> </a:t>
-            </a:r>
-            <a:r>
-              <a:rPr lang="en-US" altLang="zh-CN" sz="3200" dirty="0" smtClean="0">
-                <a:latin typeface="Times New Roman" panose="02020603050405020304" pitchFamily="18" charset="0"/>
-                <a:cs typeface="Times New Roman" panose="02020603050405020304" pitchFamily="18" charset="0"/>
-              </a:rPr>
-              <a:t>that</a:t>
-            </a:r>
-            <a:r>
-              <a:rPr lang="zh-CN" altLang="en-US" sz="3200" dirty="0" smtClean="0">
-                <a:latin typeface="Times New Roman" panose="02020603050405020304" pitchFamily="18" charset="0"/>
-                <a:cs typeface="Times New Roman" panose="02020603050405020304" pitchFamily="18" charset="0"/>
-              </a:rPr>
-              <a:t> </a:t>
-            </a:r>
-            <a:r>
-              <a:rPr lang="en-US" altLang="zh-CN" sz="3200" dirty="0" smtClean="0">
-                <a:latin typeface="Times New Roman" panose="02020603050405020304" pitchFamily="18" charset="0"/>
-                <a:cs typeface="Times New Roman" panose="02020603050405020304" pitchFamily="18" charset="0"/>
-              </a:rPr>
-              <a:t>we</a:t>
-            </a:r>
-            <a:r>
-              <a:rPr lang="zh-CN" altLang="en-US" sz="3200" dirty="0" smtClean="0">
-                <a:latin typeface="Times New Roman" panose="02020603050405020304" pitchFamily="18" charset="0"/>
-                <a:cs typeface="Times New Roman" panose="02020603050405020304" pitchFamily="18" charset="0"/>
-              </a:rPr>
-              <a:t> </a:t>
-            </a:r>
-            <a:r>
-              <a:rPr lang="en-US" altLang="zh-CN" sz="3200" dirty="0" smtClean="0">
-                <a:latin typeface="Times New Roman" panose="02020603050405020304" pitchFamily="18" charset="0"/>
-                <a:cs typeface="Times New Roman" panose="02020603050405020304" pitchFamily="18" charset="0"/>
-              </a:rPr>
-              <a:t>filter</a:t>
-            </a:r>
-            <a:r>
-              <a:rPr lang="zh-CN" altLang="en-US" sz="3200" dirty="0" smtClean="0">
-                <a:latin typeface="Times New Roman" panose="02020603050405020304" pitchFamily="18" charset="0"/>
-                <a:cs typeface="Times New Roman" panose="02020603050405020304" pitchFamily="18" charset="0"/>
-              </a:rPr>
-              <a:t> </a:t>
-            </a:r>
-            <a:r>
-              <a:rPr lang="en-US" altLang="zh-CN" sz="3200" dirty="0" smtClean="0">
-                <a:latin typeface="Times New Roman" panose="02020603050405020304" pitchFamily="18" charset="0"/>
-                <a:cs typeface="Times New Roman" panose="02020603050405020304" pitchFamily="18" charset="0"/>
-              </a:rPr>
-              <a:t>out</a:t>
-            </a:r>
-            <a:r>
-              <a:rPr lang="zh-CN" altLang="en-US" sz="3200" dirty="0" smtClean="0">
-                <a:latin typeface="Times New Roman" panose="02020603050405020304" pitchFamily="18" charset="0"/>
-                <a:cs typeface="Times New Roman" panose="02020603050405020304" pitchFamily="18" charset="0"/>
-              </a:rPr>
-              <a:t> </a:t>
-            </a:r>
-            <a:r>
-              <a:rPr lang="en-US" altLang="zh-CN" sz="3200" dirty="0" smtClean="0">
-                <a:latin typeface="Times New Roman" panose="02020603050405020304" pitchFamily="18" charset="0"/>
-                <a:cs typeface="Times New Roman" panose="02020603050405020304" pitchFamily="18" charset="0"/>
-              </a:rPr>
-              <a:t>points</a:t>
-            </a:r>
-            <a:r>
-              <a:rPr lang="zh-CN" altLang="en-US" sz="3200" dirty="0" smtClean="0">
-                <a:latin typeface="Times New Roman" panose="02020603050405020304" pitchFamily="18" charset="0"/>
-                <a:cs typeface="Times New Roman" panose="02020603050405020304" pitchFamily="18" charset="0"/>
-              </a:rPr>
-              <a:t> </a:t>
-            </a:r>
-            <a:r>
-              <a:rPr lang="en-US" altLang="zh-CN" sz="3200" dirty="0" smtClean="0">
-                <a:latin typeface="Times New Roman" panose="02020603050405020304" pitchFamily="18" charset="0"/>
-                <a:cs typeface="Times New Roman" panose="02020603050405020304" pitchFamily="18" charset="0"/>
-              </a:rPr>
-              <a:t>with</a:t>
-            </a:r>
-            <a:r>
-              <a:rPr lang="zh-CN" altLang="en-US" sz="3200" dirty="0" smtClean="0">
-                <a:latin typeface="Times New Roman" panose="02020603050405020304" pitchFamily="18" charset="0"/>
-                <a:cs typeface="Times New Roman" panose="02020603050405020304" pitchFamily="18" charset="0"/>
-              </a:rPr>
-              <a:t> </a:t>
-            </a:r>
-            <a:r>
-              <a:rPr lang="en-US" altLang="zh-CN" sz="3200" dirty="0" smtClean="0">
-                <a:latin typeface="Times New Roman" panose="02020603050405020304" pitchFamily="18" charset="0"/>
-                <a:cs typeface="Times New Roman" panose="02020603050405020304" pitchFamily="18" charset="0"/>
-              </a:rPr>
-              <a:t>high</a:t>
-            </a:r>
-            <a:r>
-              <a:rPr lang="zh-CN" altLang="en-US" sz="3200" dirty="0" smtClean="0">
-                <a:latin typeface="Times New Roman" panose="02020603050405020304" pitchFamily="18" charset="0"/>
-                <a:cs typeface="Times New Roman" panose="02020603050405020304" pitchFamily="18" charset="0"/>
-              </a:rPr>
-              <a:t> </a:t>
-            </a:r>
-            <a:r>
-              <a:rPr lang="en-US" altLang="zh-CN" sz="3200" dirty="0" smtClean="0">
-                <a:latin typeface="Times New Roman" panose="02020603050405020304" pitchFamily="18" charset="0"/>
-                <a:cs typeface="Times New Roman" panose="02020603050405020304" pitchFamily="18" charset="0"/>
-              </a:rPr>
-              <a:t>intensity</a:t>
-            </a:r>
-            <a:r>
-              <a:rPr lang="zh-CN" altLang="en-US" sz="3200" dirty="0" smtClean="0">
-                <a:latin typeface="Times New Roman" panose="02020603050405020304" pitchFamily="18" charset="0"/>
-                <a:cs typeface="Times New Roman" panose="02020603050405020304" pitchFamily="18" charset="0"/>
-              </a:rPr>
-              <a:t> </a:t>
-            </a:r>
-            <a:r>
-              <a:rPr lang="en-US" altLang="zh-CN" sz="3200" dirty="0" smtClean="0">
-                <a:latin typeface="Times New Roman" panose="02020603050405020304" pitchFamily="18" charset="0"/>
-                <a:cs typeface="Times New Roman" panose="02020603050405020304" pitchFamily="18" charset="0"/>
-              </a:rPr>
-              <a:t>and</a:t>
-            </a:r>
-            <a:r>
-              <a:rPr lang="zh-CN" altLang="en-US" sz="3200" dirty="0" smtClean="0">
-                <a:latin typeface="Times New Roman" panose="02020603050405020304" pitchFamily="18" charset="0"/>
-                <a:cs typeface="Times New Roman" panose="02020603050405020304" pitchFamily="18" charset="0"/>
-              </a:rPr>
-              <a:t> </a:t>
-            </a:r>
-            <a:r>
-              <a:rPr lang="en-US" altLang="zh-CN" sz="3200" dirty="0" smtClean="0">
-                <a:latin typeface="Times New Roman" panose="02020603050405020304" pitchFamily="18" charset="0"/>
-                <a:cs typeface="Times New Roman" panose="02020603050405020304" pitchFamily="18" charset="0"/>
-              </a:rPr>
-              <a:t>create</a:t>
-            </a:r>
-            <a:r>
-              <a:rPr lang="zh-CN" altLang="en-US" sz="3200" dirty="0" smtClean="0">
-                <a:latin typeface="Times New Roman" panose="02020603050405020304" pitchFamily="18" charset="0"/>
-                <a:cs typeface="Times New Roman" panose="02020603050405020304" pitchFamily="18" charset="0"/>
-              </a:rPr>
-              <a:t> </a:t>
-            </a:r>
-            <a:r>
-              <a:rPr lang="en-US" altLang="zh-CN" sz="3200" dirty="0" smtClean="0">
-                <a:latin typeface="Times New Roman" panose="02020603050405020304" pitchFamily="18" charset="0"/>
-                <a:cs typeface="Times New Roman" panose="02020603050405020304" pitchFamily="18" charset="0"/>
-              </a:rPr>
-              <a:t>a</a:t>
-            </a:r>
-            <a:r>
-              <a:rPr lang="zh-CN" altLang="en-US" sz="3200" dirty="0" smtClean="0">
-                <a:latin typeface="Times New Roman" panose="02020603050405020304" pitchFamily="18" charset="0"/>
-                <a:cs typeface="Times New Roman" panose="02020603050405020304" pitchFamily="18" charset="0"/>
-              </a:rPr>
-              <a:t> </a:t>
-            </a:r>
-            <a:r>
-              <a:rPr lang="en-US" altLang="zh-CN" sz="3200" dirty="0" smtClean="0">
-                <a:latin typeface="Times New Roman" panose="02020603050405020304" pitchFamily="18" charset="0"/>
-                <a:cs typeface="Times New Roman" panose="02020603050405020304" pitchFamily="18" charset="0"/>
-              </a:rPr>
-              <a:t>first</a:t>
-            </a:r>
-            <a:r>
-              <a:rPr lang="zh-CN" altLang="en-US" sz="3200" dirty="0" smtClean="0">
-                <a:latin typeface="Times New Roman" panose="02020603050405020304" pitchFamily="18" charset="0"/>
-                <a:cs typeface="Times New Roman" panose="02020603050405020304" pitchFamily="18" charset="0"/>
-              </a:rPr>
-              <a:t> </a:t>
-            </a:r>
-            <a:r>
-              <a:rPr lang="en-US" altLang="zh-CN" sz="3200" dirty="0" smtClean="0">
-                <a:latin typeface="Times New Roman" panose="02020603050405020304" pitchFamily="18" charset="0"/>
-                <a:cs typeface="Times New Roman" panose="02020603050405020304" pitchFamily="18" charset="0"/>
-              </a:rPr>
-              <a:t>view</a:t>
-            </a:r>
-            <a:r>
-              <a:rPr lang="zh-CN" altLang="en-US" sz="3200" dirty="0" smtClean="0">
-                <a:latin typeface="Times New Roman" panose="02020603050405020304" pitchFamily="18" charset="0"/>
-                <a:cs typeface="Times New Roman" panose="02020603050405020304" pitchFamily="18" charset="0"/>
-              </a:rPr>
-              <a:t> </a:t>
-            </a:r>
-            <a:r>
-              <a:rPr lang="en-US" altLang="zh-CN" sz="3200" dirty="0" smtClean="0">
-                <a:latin typeface="Times New Roman" panose="02020603050405020304" pitchFamily="18" charset="0"/>
-                <a:cs typeface="Times New Roman" panose="02020603050405020304" pitchFamily="18" charset="0"/>
-              </a:rPr>
-              <a:t>of</a:t>
-            </a:r>
-            <a:r>
-              <a:rPr lang="zh-CN" altLang="en-US" sz="3200" dirty="0" smtClean="0">
-                <a:latin typeface="Times New Roman" panose="02020603050405020304" pitchFamily="18" charset="0"/>
-                <a:cs typeface="Times New Roman" panose="02020603050405020304" pitchFamily="18" charset="0"/>
-              </a:rPr>
-              <a:t> </a:t>
-            </a:r>
-            <a:r>
-              <a:rPr lang="en-US" altLang="zh-CN" sz="3200" dirty="0" smtClean="0">
-                <a:latin typeface="Times New Roman" panose="02020603050405020304" pitchFamily="18" charset="0"/>
-                <a:cs typeface="Times New Roman" panose="02020603050405020304" pitchFamily="18" charset="0"/>
-              </a:rPr>
-              <a:t>the</a:t>
-            </a:r>
-            <a:r>
-              <a:rPr lang="zh-CN" altLang="en-US" sz="3200" dirty="0" smtClean="0">
-                <a:latin typeface="Times New Roman" panose="02020603050405020304" pitchFamily="18" charset="0"/>
-                <a:cs typeface="Times New Roman" panose="02020603050405020304" pitchFamily="18" charset="0"/>
-              </a:rPr>
-              <a:t> </a:t>
-            </a:r>
-            <a:r>
-              <a:rPr lang="en-US" altLang="zh-CN" sz="3200" dirty="0" smtClean="0">
-                <a:latin typeface="Times New Roman" panose="02020603050405020304" pitchFamily="18" charset="0"/>
-                <a:cs typeface="Times New Roman" panose="02020603050405020304" pitchFamily="18" charset="0"/>
-              </a:rPr>
-              <a:t>lane</a:t>
-            </a:r>
-            <a:r>
-              <a:rPr lang="zh-CN" altLang="en-US" sz="3200" dirty="0" smtClean="0">
-                <a:latin typeface="Times New Roman" panose="02020603050405020304" pitchFamily="18" charset="0"/>
-                <a:cs typeface="Times New Roman" panose="02020603050405020304" pitchFamily="18" charset="0"/>
-              </a:rPr>
-              <a:t> </a:t>
-            </a:r>
-            <a:r>
-              <a:rPr lang="en-US" altLang="zh-CN" sz="3200" dirty="0" smtClean="0">
+              <a:rPr lang="zh-CN" altLang="en-US" sz="2000" dirty="0">
+                <a:latin typeface="Times New Roman" panose="02020603050405020304" pitchFamily="18" charset="0"/>
+                <a:cs typeface="Times New Roman" panose="02020603050405020304" pitchFamily="18" charset="0"/>
+              </a:rPr>
+              <a:t> </a:t>
+            </a:r>
+            <a:r>
+              <a:rPr lang="en-US" altLang="zh-CN" sz="2000" dirty="0">
                 <a:latin typeface="Times New Roman" panose="02020603050405020304" pitchFamily="18" charset="0"/>
                 <a:cs typeface="Times New Roman" panose="02020603050405020304" pitchFamily="18" charset="0"/>
               </a:rPr>
               <a:t>marking</a:t>
             </a:r>
             <a:r>
-              <a:rPr lang="zh-CN" altLang="en-US" sz="3200" dirty="0" smtClean="0">
-                <a:latin typeface="Times New Roman" panose="02020603050405020304" pitchFamily="18" charset="0"/>
-                <a:cs typeface="Times New Roman" panose="02020603050405020304" pitchFamily="18" charset="0"/>
-              </a:rPr>
-              <a:t> </a:t>
-            </a:r>
-            <a:r>
-              <a:rPr lang="en-US" altLang="zh-CN" sz="3200" dirty="0" smtClean="0">
-                <a:latin typeface="Times New Roman" panose="02020603050405020304" pitchFamily="18" charset="0"/>
-                <a:cs typeface="Times New Roman" panose="02020603050405020304" pitchFamily="18" charset="0"/>
-              </a:rPr>
-              <a:t>graph.</a:t>
-            </a:r>
-            <a:r>
-              <a:rPr lang="zh-CN" altLang="en-US" sz="3200" dirty="0" smtClean="0">
-                <a:latin typeface="Times New Roman" panose="02020603050405020304" pitchFamily="18" charset="0"/>
-                <a:cs typeface="Times New Roman" panose="02020603050405020304" pitchFamily="18" charset="0"/>
-              </a:rPr>
-              <a:t>  </a:t>
-            </a:r>
-            <a:endParaRPr lang="en-US" altLang="zh-CN" sz="3200" dirty="0">
+              <a:rPr lang="zh-CN" altLang="en-US" sz="2000" dirty="0">
+                <a:latin typeface="Times New Roman" panose="02020603050405020304" pitchFamily="18" charset="0"/>
+                <a:cs typeface="Times New Roman" panose="02020603050405020304" pitchFamily="18" charset="0"/>
+              </a:rPr>
+              <a:t> </a:t>
+            </a:r>
+            <a:r>
+              <a:rPr lang="en-US" altLang="zh-CN" sz="2000" dirty="0">
+                <a:latin typeface="Times New Roman" panose="02020603050405020304" pitchFamily="18" charset="0"/>
+                <a:cs typeface="Times New Roman" panose="02020603050405020304" pitchFamily="18" charset="0"/>
+              </a:rPr>
+              <a:t>graph. We roughly get lane mark point set, but it is easy to see that their still have a lot of outliers, we need to kick them out.</a:t>
+            </a:r>
+            <a:endParaRPr lang="en-US" altLang="zh-CN" sz="2000" dirty="0">
               <a:latin typeface="Times New Roman" panose="02020603050405020304" pitchFamily="18" charset="0"/>
               <a:ea typeface="Times New Roman" charset="0"/>
               <a:cs typeface="Times New Roman" panose="02020603050405020304" pitchFamily="18" charset="0"/>
@@ -8104,7 +8139,7 @@
           <p:cNvPr id="2" name="文本框 1">
             <a:extLst>
               <a:ext uri="{FF2B5EF4-FFF2-40B4-BE49-F238E27FC236}">
-                <a16:creationId xmlns:a16="http://schemas.microsoft.com/office/drawing/2014/main" xmlns="" id="{2622DBA6-4BF4-4F02-B794-AD3EC034F27C}"/>
+                <a16:creationId xmlns:a16="http://schemas.microsoft.com/office/drawing/2014/main" id="{2622DBA6-4BF4-4F02-B794-AD3EC034F27C}"/>
               </a:ext>
             </a:extLst>
           </p:cNvPr>
@@ -8135,72 +8170,12 @@
           </a:p>
         </p:txBody>
       </p:sp>
-      <p:pic>
-        <p:nvPicPr>
-          <p:cNvPr id="8" name="图片 7"/>
-          <p:cNvPicPr>
-            <a:picLocks noChangeAspect="1"/>
-          </p:cNvPicPr>
-          <p:nvPr/>
-        </p:nvPicPr>
-        <p:blipFill>
-          <a:blip r:embed="rId2" cstate="print">
-            <a:extLst>
-              <a:ext uri="{28A0092B-C50C-407E-A947-70E740481C1C}">
-                <a14:useLocalDpi xmlns:a14="http://schemas.microsoft.com/office/drawing/2010/main" val="0"/>
-              </a:ext>
-            </a:extLst>
-          </a:blip>
-          <a:stretch>
-            <a:fillRect/>
-          </a:stretch>
-        </p:blipFill>
-        <p:spPr>
-          <a:xfrm>
-            <a:off x="4426085" y="2048368"/>
-            <a:ext cx="7809339" cy="4685603"/>
-          </a:xfrm>
-          <a:prstGeom prst="rect">
-            <a:avLst/>
-          </a:prstGeom>
-        </p:spPr>
-      </p:pic>
-      <p:pic>
-        <p:nvPicPr>
-          <p:cNvPr id="7" name="图片 6"/>
-          <p:cNvPicPr>
-            <a:picLocks noChangeAspect="1"/>
-          </p:cNvPicPr>
-          <p:nvPr/>
-        </p:nvPicPr>
-        <p:blipFill>
-          <a:blip r:embed="rId3">
-            <a:extLst>
-              <a:ext uri="{28A0092B-C50C-407E-A947-70E740481C1C}">
-                <a14:useLocalDpi xmlns:a14="http://schemas.microsoft.com/office/drawing/2010/main" val="0"/>
-              </a:ext>
-            </a:extLst>
-          </a:blip>
-          <a:stretch>
-            <a:fillRect/>
-          </a:stretch>
-        </p:blipFill>
-        <p:spPr>
-          <a:xfrm>
-            <a:off x="315798" y="2641059"/>
-            <a:ext cx="5486400" cy="3657600"/>
-          </a:xfrm>
-          <a:prstGeom prst="rect">
-            <a:avLst/>
-          </a:prstGeom>
-        </p:spPr>
-      </p:pic>
       <p:sp>
         <p:nvSpPr>
           <p:cNvPr id="3" name="文本框 2">
             <a:extLst>
               <a:ext uri="{FF2B5EF4-FFF2-40B4-BE49-F238E27FC236}">
-                <a16:creationId xmlns:a16="http://schemas.microsoft.com/office/drawing/2014/main" xmlns="" id="{46F6BF4B-3180-4B43-A428-5AD88028959F}"/>
+                <a16:creationId xmlns:a16="http://schemas.microsoft.com/office/drawing/2014/main" id="{46F6BF4B-3180-4B43-A428-5AD88028959F}"/>
               </a:ext>
             </a:extLst>
           </p:cNvPr>
@@ -8209,7 +8184,7 @@
         </p:nvSpPr>
         <p:spPr>
           <a:xfrm>
-            <a:off x="682005" y="1397439"/>
+            <a:off x="708382" y="1696377"/>
             <a:ext cx="10633435" cy="1446550"/>
           </a:xfrm>
           <a:prstGeom prst="rect">
@@ -8225,594 +8200,195 @@
           <a:p>
             <a:pPr algn="just"/>
             <a:r>
-              <a:rPr lang="en-US" altLang="zh-CN" sz="2200" dirty="0" smtClean="0">
+              <a:rPr lang="en-US" altLang="zh-CN" sz="2200" dirty="0">
                 <a:latin typeface="Times New Roman" panose="02020603050405020304" pitchFamily="18" charset="0"/>
                 <a:cs typeface="Times New Roman" panose="02020603050405020304" pitchFamily="18" charset="0"/>
               </a:rPr>
               <a:t>We</a:t>
             </a:r>
             <a:r>
-              <a:rPr lang="zh-CN" altLang="en-US" sz="2200" dirty="0" smtClean="0">
-                <a:latin typeface="Times New Roman" panose="02020603050405020304" pitchFamily="18" charset="0"/>
-                <a:cs typeface="Times New Roman" panose="02020603050405020304" pitchFamily="18" charset="0"/>
-              </a:rPr>
-              <a:t> </a:t>
-            </a:r>
-            <a:r>
-              <a:rPr lang="en-US" altLang="zh-CN" sz="2200" dirty="0" smtClean="0">
+              <a:rPr lang="zh-CN" altLang="en-US" sz="2200" dirty="0">
+                <a:latin typeface="Times New Roman" panose="02020603050405020304" pitchFamily="18" charset="0"/>
+                <a:cs typeface="Times New Roman" panose="02020603050405020304" pitchFamily="18" charset="0"/>
+              </a:rPr>
+              <a:t> </a:t>
+            </a:r>
+            <a:r>
+              <a:rPr lang="en-US" altLang="zh-CN" sz="2200" dirty="0">
                 <a:latin typeface="Times New Roman" panose="02020603050405020304" pitchFamily="18" charset="0"/>
                 <a:cs typeface="Times New Roman" panose="02020603050405020304" pitchFamily="18" charset="0"/>
               </a:rPr>
               <a:t>apply</a:t>
             </a:r>
             <a:r>
-              <a:rPr lang="zh-CN" altLang="en-US" sz="2200" dirty="0" smtClean="0">
-                <a:latin typeface="Times New Roman" panose="02020603050405020304" pitchFamily="18" charset="0"/>
-                <a:cs typeface="Times New Roman" panose="02020603050405020304" pitchFamily="18" charset="0"/>
-              </a:rPr>
-              <a:t> </a:t>
-            </a:r>
-            <a:r>
-              <a:rPr lang="en-US" altLang="zh-CN" sz="2200" dirty="0" err="1" smtClean="0">
+              <a:rPr lang="zh-CN" altLang="en-US" sz="2200" dirty="0">
+                <a:latin typeface="Times New Roman" panose="02020603050405020304" pitchFamily="18" charset="0"/>
+                <a:cs typeface="Times New Roman" panose="02020603050405020304" pitchFamily="18" charset="0"/>
+              </a:rPr>
+              <a:t> </a:t>
+            </a:r>
+            <a:r>
+              <a:rPr lang="en-US" altLang="zh-CN" sz="2200" dirty="0" err="1">
                 <a:latin typeface="Times New Roman" panose="02020603050405020304" pitchFamily="18" charset="0"/>
                 <a:cs typeface="Times New Roman" panose="02020603050405020304" pitchFamily="18" charset="0"/>
               </a:rPr>
               <a:t>Kmeans</a:t>
             </a:r>
             <a:r>
-              <a:rPr lang="zh-CN" altLang="en-US" sz="2200" dirty="0" smtClean="0">
-                <a:latin typeface="Times New Roman" panose="02020603050405020304" pitchFamily="18" charset="0"/>
-                <a:cs typeface="Times New Roman" panose="02020603050405020304" pitchFamily="18" charset="0"/>
-              </a:rPr>
-              <a:t> </a:t>
-            </a:r>
-            <a:r>
-              <a:rPr lang="en-US" altLang="zh-CN" sz="2200" dirty="0" smtClean="0">
+              <a:rPr lang="zh-CN" altLang="en-US" sz="2200" dirty="0">
+                <a:latin typeface="Times New Roman" panose="02020603050405020304" pitchFamily="18" charset="0"/>
+                <a:cs typeface="Times New Roman" panose="02020603050405020304" pitchFamily="18" charset="0"/>
+              </a:rPr>
+              <a:t> </a:t>
+            </a:r>
+            <a:r>
+              <a:rPr lang="en-US" altLang="zh-CN" sz="2200" dirty="0">
                 <a:latin typeface="Times New Roman" panose="02020603050405020304" pitchFamily="18" charset="0"/>
                 <a:cs typeface="Times New Roman" panose="02020603050405020304" pitchFamily="18" charset="0"/>
               </a:rPr>
               <a:t>clustering</a:t>
             </a:r>
             <a:r>
-              <a:rPr lang="zh-CN" altLang="en-US" sz="2200" dirty="0" smtClean="0">
-                <a:latin typeface="Times New Roman" panose="02020603050405020304" pitchFamily="18" charset="0"/>
-                <a:cs typeface="Times New Roman" panose="02020603050405020304" pitchFamily="18" charset="0"/>
-              </a:rPr>
-              <a:t> </a:t>
-            </a:r>
-            <a:r>
-              <a:rPr lang="en-US" altLang="zh-CN" sz="2200" dirty="0" smtClean="0">
+              <a:rPr lang="zh-CN" altLang="en-US" sz="2200" dirty="0">
+                <a:latin typeface="Times New Roman" panose="02020603050405020304" pitchFamily="18" charset="0"/>
+                <a:cs typeface="Times New Roman" panose="02020603050405020304" pitchFamily="18" charset="0"/>
+              </a:rPr>
+              <a:t> </a:t>
+            </a:r>
+            <a:r>
+              <a:rPr lang="en-US" altLang="zh-CN" sz="2200" dirty="0">
                 <a:latin typeface="Times New Roman" panose="02020603050405020304" pitchFamily="18" charset="0"/>
                 <a:cs typeface="Times New Roman" panose="02020603050405020304" pitchFamily="18" charset="0"/>
               </a:rPr>
               <a:t>to</a:t>
             </a:r>
             <a:r>
-              <a:rPr lang="zh-CN" altLang="en-US" sz="2200" dirty="0" smtClean="0">
-                <a:latin typeface="Times New Roman" panose="02020603050405020304" pitchFamily="18" charset="0"/>
-                <a:cs typeface="Times New Roman" panose="02020603050405020304" pitchFamily="18" charset="0"/>
-              </a:rPr>
-              <a:t> </a:t>
-            </a:r>
-            <a:r>
-              <a:rPr lang="en-US" altLang="zh-CN" sz="2200" dirty="0" smtClean="0">
+              <a:rPr lang="zh-CN" altLang="en-US" sz="2200" dirty="0">
+                <a:latin typeface="Times New Roman" panose="02020603050405020304" pitchFamily="18" charset="0"/>
+                <a:cs typeface="Times New Roman" panose="02020603050405020304" pitchFamily="18" charset="0"/>
+              </a:rPr>
+              <a:t> </a:t>
+            </a:r>
+            <a:r>
+              <a:rPr lang="en-US" altLang="zh-CN" sz="2200" dirty="0">
                 <a:latin typeface="Times New Roman" panose="02020603050405020304" pitchFamily="18" charset="0"/>
                 <a:cs typeface="Times New Roman" panose="02020603050405020304" pitchFamily="18" charset="0"/>
               </a:rPr>
               <a:t>our</a:t>
             </a:r>
             <a:r>
-              <a:rPr lang="zh-CN" altLang="en-US" sz="2200" dirty="0" smtClean="0">
-                <a:latin typeface="Times New Roman" panose="02020603050405020304" pitchFamily="18" charset="0"/>
-                <a:cs typeface="Times New Roman" panose="02020603050405020304" pitchFamily="18" charset="0"/>
-              </a:rPr>
-              <a:t> </a:t>
-            </a:r>
-            <a:r>
-              <a:rPr lang="en-US" altLang="zh-CN" sz="2200" dirty="0" smtClean="0">
+              <a:rPr lang="zh-CN" altLang="en-US" sz="2200" dirty="0">
+                <a:latin typeface="Times New Roman" panose="02020603050405020304" pitchFamily="18" charset="0"/>
+                <a:cs typeface="Times New Roman" panose="02020603050405020304" pitchFamily="18" charset="0"/>
+              </a:rPr>
+              <a:t> </a:t>
+            </a:r>
+            <a:r>
+              <a:rPr lang="en-US" altLang="zh-CN" sz="2200" dirty="0">
                 <a:latin typeface="Times New Roman" panose="02020603050405020304" pitchFamily="18" charset="0"/>
                 <a:cs typeface="Times New Roman" panose="02020603050405020304" pitchFamily="18" charset="0"/>
               </a:rPr>
               <a:t>marked</a:t>
             </a:r>
             <a:r>
-              <a:rPr lang="zh-CN" altLang="en-US" sz="2200" dirty="0" smtClean="0">
-                <a:latin typeface="Times New Roman" panose="02020603050405020304" pitchFamily="18" charset="0"/>
-                <a:cs typeface="Times New Roman" panose="02020603050405020304" pitchFamily="18" charset="0"/>
-              </a:rPr>
-              <a:t> </a:t>
-            </a:r>
-            <a:r>
-              <a:rPr lang="en-US" altLang="zh-CN" sz="2200" dirty="0" smtClean="0">
+              <a:rPr lang="zh-CN" altLang="en-US" sz="2200" dirty="0">
+                <a:latin typeface="Times New Roman" panose="02020603050405020304" pitchFamily="18" charset="0"/>
+                <a:cs typeface="Times New Roman" panose="02020603050405020304" pitchFamily="18" charset="0"/>
+              </a:rPr>
+              <a:t> </a:t>
+            </a:r>
+            <a:r>
+              <a:rPr lang="en-US" altLang="zh-CN" sz="2200" dirty="0">
                 <a:latin typeface="Times New Roman" panose="02020603050405020304" pitchFamily="18" charset="0"/>
                 <a:cs typeface="Times New Roman" panose="02020603050405020304" pitchFamily="18" charset="0"/>
               </a:rPr>
               <a:t>lane</a:t>
             </a:r>
             <a:r>
-              <a:rPr lang="zh-CN" altLang="en-US" sz="2200" dirty="0" smtClean="0">
-                <a:latin typeface="Times New Roman" panose="02020603050405020304" pitchFamily="18" charset="0"/>
-                <a:cs typeface="Times New Roman" panose="02020603050405020304" pitchFamily="18" charset="0"/>
-              </a:rPr>
-              <a:t> </a:t>
-            </a:r>
-            <a:r>
-              <a:rPr lang="en-US" altLang="zh-CN" sz="2200" dirty="0" smtClean="0">
-                <a:latin typeface="Times New Roman" panose="02020603050405020304" pitchFamily="18" charset="0"/>
-                <a:cs typeface="Times New Roman" panose="02020603050405020304" pitchFamily="18" charset="0"/>
-              </a:rPr>
-              <a:t>points,</a:t>
-            </a:r>
-            <a:r>
-              <a:rPr lang="zh-CN" altLang="en-US" sz="2200" dirty="0" smtClean="0">
-                <a:latin typeface="Times New Roman" panose="02020603050405020304" pitchFamily="18" charset="0"/>
-                <a:cs typeface="Times New Roman" panose="02020603050405020304" pitchFamily="18" charset="0"/>
-              </a:rPr>
-              <a:t> </a:t>
-            </a:r>
-            <a:r>
-              <a:rPr lang="en-US" altLang="zh-CN" sz="2200" dirty="0" smtClean="0">
-                <a:latin typeface="Times New Roman" panose="02020603050405020304" pitchFamily="18" charset="0"/>
-                <a:cs typeface="Times New Roman" panose="02020603050405020304" pitchFamily="18" charset="0"/>
-              </a:rPr>
-              <a:t>and</a:t>
-            </a:r>
-            <a:r>
-              <a:rPr lang="zh-CN" altLang="en-US" sz="2200" dirty="0" smtClean="0">
-                <a:latin typeface="Times New Roman" panose="02020603050405020304" pitchFamily="18" charset="0"/>
-                <a:cs typeface="Times New Roman" panose="02020603050405020304" pitchFamily="18" charset="0"/>
-              </a:rPr>
-              <a:t> </a:t>
-            </a:r>
-            <a:r>
-              <a:rPr lang="en-US" altLang="zh-CN" sz="2200" dirty="0" smtClean="0">
+              <a:rPr lang="zh-CN" altLang="en-US" sz="2200" dirty="0">
+                <a:latin typeface="Times New Roman" panose="02020603050405020304" pitchFamily="18" charset="0"/>
+                <a:cs typeface="Times New Roman" panose="02020603050405020304" pitchFamily="18" charset="0"/>
+              </a:rPr>
+              <a:t> </a:t>
+            </a:r>
+            <a:r>
+              <a:rPr lang="en-US" altLang="zh-CN" sz="2200" dirty="0">
+                <a:latin typeface="Times New Roman" panose="02020603050405020304" pitchFamily="18" charset="0"/>
+                <a:cs typeface="Times New Roman" panose="02020603050405020304" pitchFamily="18" charset="0"/>
+              </a:rPr>
+              <a:t>points. By checking other given image we found that there should have four lines of lane mark(actually it should be 5, but 2 of them are very close to each other and hard to separate)</a:t>
+            </a:r>
+            <a:r>
+              <a:rPr lang="zh-CN" altLang="en-US" sz="2200" dirty="0">
+                <a:latin typeface="Times New Roman" panose="02020603050405020304" pitchFamily="18" charset="0"/>
+                <a:cs typeface="Times New Roman" panose="02020603050405020304" pitchFamily="18" charset="0"/>
+              </a:rPr>
+              <a:t> </a:t>
+            </a:r>
+            <a:r>
+              <a:rPr lang="en-US" altLang="zh-CN" sz="2200" dirty="0">
+                <a:latin typeface="Times New Roman" panose="02020603050405020304" pitchFamily="18" charset="0"/>
+                <a:cs typeface="Times New Roman" panose="02020603050405020304" pitchFamily="18" charset="0"/>
+              </a:rPr>
+              <a:t>and thus</a:t>
+            </a:r>
+            <a:r>
+              <a:rPr lang="zh-CN" altLang="en-US" sz="2200" dirty="0">
+                <a:latin typeface="Times New Roman" panose="02020603050405020304" pitchFamily="18" charset="0"/>
+                <a:cs typeface="Times New Roman" panose="02020603050405020304" pitchFamily="18" charset="0"/>
+              </a:rPr>
+              <a:t> </a:t>
+            </a:r>
+            <a:r>
+              <a:rPr lang="en-US" altLang="zh-CN" sz="2200" dirty="0">
                 <a:latin typeface="Times New Roman" panose="02020603050405020304" pitchFamily="18" charset="0"/>
                 <a:cs typeface="Times New Roman" panose="02020603050405020304" pitchFamily="18" charset="0"/>
               </a:rPr>
               <a:t>the</a:t>
             </a:r>
             <a:r>
-              <a:rPr lang="zh-CN" altLang="en-US" sz="2200" dirty="0" smtClean="0">
-                <a:latin typeface="Times New Roman" panose="02020603050405020304" pitchFamily="18" charset="0"/>
-                <a:cs typeface="Times New Roman" panose="02020603050405020304" pitchFamily="18" charset="0"/>
-              </a:rPr>
-              <a:t> </a:t>
-            </a:r>
-            <a:r>
-              <a:rPr lang="en-US" altLang="zh-CN" sz="2200" dirty="0" smtClean="0">
+              <a:rPr lang="zh-CN" altLang="en-US" sz="2200" dirty="0">
+                <a:latin typeface="Times New Roman" panose="02020603050405020304" pitchFamily="18" charset="0"/>
+                <a:cs typeface="Times New Roman" panose="02020603050405020304" pitchFamily="18" charset="0"/>
+              </a:rPr>
+              <a:t> </a:t>
+            </a:r>
+            <a:r>
+              <a:rPr lang="en-US" altLang="zh-CN" sz="2200" dirty="0">
                 <a:latin typeface="Times New Roman" panose="02020603050405020304" pitchFamily="18" charset="0"/>
                 <a:cs typeface="Times New Roman" panose="02020603050405020304" pitchFamily="18" charset="0"/>
               </a:rPr>
               <a:t>model</a:t>
             </a:r>
             <a:r>
-              <a:rPr lang="zh-CN" altLang="en-US" sz="2200" dirty="0" smtClean="0">
-                <a:latin typeface="Times New Roman" panose="02020603050405020304" pitchFamily="18" charset="0"/>
-                <a:cs typeface="Times New Roman" panose="02020603050405020304" pitchFamily="18" charset="0"/>
-              </a:rPr>
-              <a:t> </a:t>
-            </a:r>
-            <a:r>
-              <a:rPr lang="en-US" altLang="zh-CN" sz="2200" dirty="0" smtClean="0">
+              <a:rPr lang="zh-CN" altLang="en-US" sz="2200" dirty="0">
+                <a:latin typeface="Times New Roman" panose="02020603050405020304" pitchFamily="18" charset="0"/>
+                <a:cs typeface="Times New Roman" panose="02020603050405020304" pitchFamily="18" charset="0"/>
+              </a:rPr>
+              <a:t> </a:t>
+            </a:r>
+            <a:r>
+              <a:rPr lang="en-US" altLang="zh-CN" sz="2200" dirty="0">
                 <a:latin typeface="Times New Roman" panose="02020603050405020304" pitchFamily="18" charset="0"/>
                 <a:cs typeface="Times New Roman" panose="02020603050405020304" pitchFamily="18" charset="0"/>
               </a:rPr>
               <a:t>suggest</a:t>
             </a:r>
             <a:r>
-              <a:rPr lang="zh-CN" altLang="en-US" sz="2200" dirty="0" smtClean="0">
-                <a:latin typeface="Times New Roman" panose="02020603050405020304" pitchFamily="18" charset="0"/>
-                <a:cs typeface="Times New Roman" panose="02020603050405020304" pitchFamily="18" charset="0"/>
-              </a:rPr>
-              <a:t> </a:t>
-            </a:r>
-            <a:r>
-              <a:rPr lang="en-US" altLang="zh-CN" sz="2200" dirty="0" smtClean="0">
+              <a:rPr lang="zh-CN" altLang="en-US" sz="2200" dirty="0">
+                <a:latin typeface="Times New Roman" panose="02020603050405020304" pitchFamily="18" charset="0"/>
+                <a:cs typeface="Times New Roman" panose="02020603050405020304" pitchFamily="18" charset="0"/>
+              </a:rPr>
+              <a:t> </a:t>
+            </a:r>
+            <a:r>
+              <a:rPr lang="en-US" altLang="zh-CN" sz="2200" dirty="0">
                 <a:latin typeface="Times New Roman" panose="02020603050405020304" pitchFamily="18" charset="0"/>
                 <a:cs typeface="Times New Roman" panose="02020603050405020304" pitchFamily="18" charset="0"/>
               </a:rPr>
               <a:t>4</a:t>
             </a:r>
             <a:r>
-              <a:rPr lang="zh-CN" altLang="en-US" sz="2200" dirty="0" smtClean="0">
-                <a:latin typeface="Times New Roman" panose="02020603050405020304" pitchFamily="18" charset="0"/>
-                <a:cs typeface="Times New Roman" panose="02020603050405020304" pitchFamily="18" charset="0"/>
-              </a:rPr>
-              <a:t> </a:t>
-            </a:r>
-            <a:r>
-              <a:rPr lang="en-US" altLang="zh-CN" sz="2200" dirty="0" smtClean="0">
-                <a:latin typeface="Times New Roman" panose="02020603050405020304" pitchFamily="18" charset="0"/>
-                <a:cs typeface="Times New Roman" panose="02020603050405020304" pitchFamily="18" charset="0"/>
-              </a:rPr>
-              <a:t>clu</a:t>
-            </a:r>
-            <a:r>
-              <a:rPr lang="en-US" altLang="zh-CN" sz="2200" dirty="0" smtClean="0">
-                <a:latin typeface="Times New Roman" panose="02020603050405020304" pitchFamily="18" charset="0"/>
-                <a:cs typeface="Times New Roman" panose="02020603050405020304" pitchFamily="18" charset="0"/>
-              </a:rPr>
-              <a:t>sters,</a:t>
-            </a:r>
-            <a:r>
-              <a:rPr lang="zh-CN" altLang="en-US" sz="2200" dirty="0" smtClean="0">
-                <a:latin typeface="Times New Roman" panose="02020603050405020304" pitchFamily="18" charset="0"/>
-                <a:cs typeface="Times New Roman" panose="02020603050405020304" pitchFamily="18" charset="0"/>
-              </a:rPr>
-              <a:t> </a:t>
-            </a:r>
-            <a:r>
-              <a:rPr lang="en-US" altLang="zh-CN" sz="2200" dirty="0" smtClean="0">
-                <a:latin typeface="Times New Roman" panose="02020603050405020304" pitchFamily="18" charset="0"/>
-                <a:cs typeface="Times New Roman" panose="02020603050405020304" pitchFamily="18" charset="0"/>
-              </a:rPr>
-              <a:t>after</a:t>
-            </a:r>
-            <a:r>
-              <a:rPr lang="zh-CN" altLang="en-US" sz="2200" dirty="0" smtClean="0">
-                <a:latin typeface="Times New Roman" panose="02020603050405020304" pitchFamily="18" charset="0"/>
-                <a:cs typeface="Times New Roman" panose="02020603050405020304" pitchFamily="18" charset="0"/>
-              </a:rPr>
-              <a:t> </a:t>
-            </a:r>
-            <a:r>
-              <a:rPr lang="en-US" altLang="zh-CN" sz="2200" dirty="0" smtClean="0">
-                <a:latin typeface="Times New Roman" panose="02020603050405020304" pitchFamily="18" charset="0"/>
-                <a:cs typeface="Times New Roman" panose="02020603050405020304" pitchFamily="18" charset="0"/>
-              </a:rPr>
-              <a:t>apply</a:t>
-            </a:r>
-            <a:r>
-              <a:rPr lang="zh-CN" altLang="en-US" sz="2200" dirty="0" smtClean="0">
-                <a:latin typeface="Times New Roman" panose="02020603050405020304" pitchFamily="18" charset="0"/>
-                <a:cs typeface="Times New Roman" panose="02020603050405020304" pitchFamily="18" charset="0"/>
-              </a:rPr>
-              <a:t> </a:t>
-            </a:r>
-            <a:r>
-              <a:rPr lang="en-US" altLang="zh-CN" sz="2200" dirty="0" smtClean="0">
-                <a:latin typeface="Times New Roman" panose="02020603050405020304" pitchFamily="18" charset="0"/>
-                <a:cs typeface="Times New Roman" panose="02020603050405020304" pitchFamily="18" charset="0"/>
-              </a:rPr>
-              <a:t>RANSACR</a:t>
-            </a:r>
-            <a:r>
-              <a:rPr lang="zh-CN" altLang="en-US" sz="2200" dirty="0" smtClean="0">
-                <a:latin typeface="Times New Roman" panose="02020603050405020304" pitchFamily="18" charset="0"/>
-                <a:cs typeface="Times New Roman" panose="02020603050405020304" pitchFamily="18" charset="0"/>
-              </a:rPr>
-              <a:t> </a:t>
-            </a:r>
-            <a:r>
-              <a:rPr lang="en-US" altLang="zh-CN" sz="2200" dirty="0" smtClean="0">
-                <a:latin typeface="Times New Roman" panose="02020603050405020304" pitchFamily="18" charset="0"/>
-                <a:cs typeface="Times New Roman" panose="02020603050405020304" pitchFamily="18" charset="0"/>
-              </a:rPr>
-              <a:t>algorithm</a:t>
-            </a:r>
-            <a:r>
-              <a:rPr lang="zh-CN" altLang="en-US" sz="2200" dirty="0" smtClean="0">
-                <a:latin typeface="Times New Roman" panose="02020603050405020304" pitchFamily="18" charset="0"/>
-                <a:cs typeface="Times New Roman" panose="02020603050405020304" pitchFamily="18" charset="0"/>
-              </a:rPr>
-              <a:t> </a:t>
-            </a:r>
-            <a:r>
-              <a:rPr lang="en-US" altLang="zh-CN" sz="2200" dirty="0" smtClean="0">
-                <a:latin typeface="Times New Roman" panose="02020603050405020304" pitchFamily="18" charset="0"/>
-                <a:cs typeface="Times New Roman" panose="02020603050405020304" pitchFamily="18" charset="0"/>
-              </a:rPr>
-              <a:t>to</a:t>
-            </a:r>
-            <a:r>
-              <a:rPr lang="zh-CN" altLang="en-US" sz="2200" dirty="0" smtClean="0">
-                <a:latin typeface="Times New Roman" panose="02020603050405020304" pitchFamily="18" charset="0"/>
-                <a:cs typeface="Times New Roman" panose="02020603050405020304" pitchFamily="18" charset="0"/>
-              </a:rPr>
-              <a:t> </a:t>
-            </a:r>
-            <a:r>
-              <a:rPr lang="en-US" altLang="zh-CN" sz="2200" dirty="0" smtClean="0">
-                <a:latin typeface="Times New Roman" panose="02020603050405020304" pitchFamily="18" charset="0"/>
-                <a:cs typeface="Times New Roman" panose="02020603050405020304" pitchFamily="18" charset="0"/>
-              </a:rPr>
-              <a:t>each</a:t>
-            </a:r>
-            <a:r>
-              <a:rPr lang="zh-CN" altLang="en-US" sz="2200" dirty="0" smtClean="0">
-                <a:latin typeface="Times New Roman" panose="02020603050405020304" pitchFamily="18" charset="0"/>
-                <a:cs typeface="Times New Roman" panose="02020603050405020304" pitchFamily="18" charset="0"/>
-              </a:rPr>
-              <a:t> </a:t>
-            </a:r>
-            <a:r>
-              <a:rPr lang="en-US" altLang="zh-CN" sz="2200" dirty="0" smtClean="0">
-                <a:latin typeface="Times New Roman" panose="02020603050405020304" pitchFamily="18" charset="0"/>
-                <a:cs typeface="Times New Roman" panose="02020603050405020304" pitchFamily="18" charset="0"/>
-              </a:rPr>
-              <a:t>set</a:t>
-            </a:r>
-            <a:r>
-              <a:rPr lang="zh-CN" altLang="en-US" sz="2200" dirty="0" smtClean="0">
-                <a:latin typeface="Times New Roman" panose="02020603050405020304" pitchFamily="18" charset="0"/>
-                <a:cs typeface="Times New Roman" panose="02020603050405020304" pitchFamily="18" charset="0"/>
-              </a:rPr>
-              <a:t> </a:t>
-            </a:r>
-            <a:r>
-              <a:rPr lang="en-US" altLang="zh-CN" sz="2200" dirty="0" smtClean="0">
-                <a:latin typeface="Times New Roman" panose="02020603050405020304" pitchFamily="18" charset="0"/>
-                <a:cs typeface="Times New Roman" panose="02020603050405020304" pitchFamily="18" charset="0"/>
-              </a:rPr>
-              <a:t>of</a:t>
-            </a:r>
-            <a:r>
-              <a:rPr lang="zh-CN" altLang="en-US" sz="2200" dirty="0" smtClean="0">
-                <a:latin typeface="Times New Roman" panose="02020603050405020304" pitchFamily="18" charset="0"/>
-                <a:cs typeface="Times New Roman" panose="02020603050405020304" pitchFamily="18" charset="0"/>
-              </a:rPr>
-              <a:t> </a:t>
-            </a:r>
-            <a:r>
-              <a:rPr lang="en-US" altLang="zh-CN" sz="2200" dirty="0" smtClean="0">
-                <a:latin typeface="Times New Roman" panose="02020603050405020304" pitchFamily="18" charset="0"/>
-                <a:cs typeface="Times New Roman" panose="02020603050405020304" pitchFamily="18" charset="0"/>
-              </a:rPr>
-              <a:t>clusters,</a:t>
-            </a:r>
-            <a:r>
-              <a:rPr lang="zh-CN" altLang="en-US" sz="2200" dirty="0" smtClean="0">
-                <a:latin typeface="Times New Roman" panose="02020603050405020304" pitchFamily="18" charset="0"/>
-                <a:cs typeface="Times New Roman" panose="02020603050405020304" pitchFamily="18" charset="0"/>
-              </a:rPr>
-              <a:t> </a:t>
-            </a:r>
-            <a:r>
-              <a:rPr lang="en-US" altLang="zh-CN" sz="2200" dirty="0" smtClean="0">
-                <a:latin typeface="Times New Roman" panose="02020603050405020304" pitchFamily="18" charset="0"/>
-                <a:cs typeface="Times New Roman" panose="02020603050405020304" pitchFamily="18" charset="0"/>
-              </a:rPr>
-              <a:t>we</a:t>
-            </a:r>
-            <a:r>
-              <a:rPr lang="zh-CN" altLang="en-US" sz="2200" dirty="0" smtClean="0">
-                <a:latin typeface="Times New Roman" panose="02020603050405020304" pitchFamily="18" charset="0"/>
-                <a:cs typeface="Times New Roman" panose="02020603050405020304" pitchFamily="18" charset="0"/>
-              </a:rPr>
-              <a:t> </a:t>
-            </a:r>
-            <a:r>
-              <a:rPr lang="en-US" altLang="zh-CN" sz="2200" dirty="0" smtClean="0">
-                <a:latin typeface="Times New Roman" panose="02020603050405020304" pitchFamily="18" charset="0"/>
-                <a:cs typeface="Times New Roman" panose="02020603050405020304" pitchFamily="18" charset="0"/>
-              </a:rPr>
-              <a:t>have</a:t>
-            </a:r>
-            <a:r>
-              <a:rPr lang="zh-CN" altLang="en-US" sz="2200" dirty="0" smtClean="0">
-                <a:latin typeface="Times New Roman" panose="02020603050405020304" pitchFamily="18" charset="0"/>
-                <a:cs typeface="Times New Roman" panose="02020603050405020304" pitchFamily="18" charset="0"/>
-              </a:rPr>
-              <a:t> </a:t>
-            </a:r>
-            <a:r>
-              <a:rPr lang="en-US" altLang="zh-CN" sz="2200" dirty="0" smtClean="0">
-                <a:latin typeface="Times New Roman" panose="02020603050405020304" pitchFamily="18" charset="0"/>
-                <a:cs typeface="Times New Roman" panose="02020603050405020304" pitchFamily="18" charset="0"/>
-              </a:rPr>
-              <a:t>filter</a:t>
-            </a:r>
-            <a:r>
-              <a:rPr lang="zh-CN" altLang="en-US" sz="2200" dirty="0" smtClean="0">
-                <a:latin typeface="Times New Roman" panose="02020603050405020304" pitchFamily="18" charset="0"/>
-                <a:cs typeface="Times New Roman" panose="02020603050405020304" pitchFamily="18" charset="0"/>
-              </a:rPr>
-              <a:t> </a:t>
-            </a:r>
-            <a:r>
-              <a:rPr lang="en-US" altLang="zh-CN" sz="2200" dirty="0" smtClean="0">
-                <a:latin typeface="Times New Roman" panose="02020603050405020304" pitchFamily="18" charset="0"/>
-                <a:cs typeface="Times New Roman" panose="02020603050405020304" pitchFamily="18" charset="0"/>
-              </a:rPr>
-              <a:t>out</a:t>
-            </a:r>
-            <a:r>
-              <a:rPr lang="zh-CN" altLang="en-US" sz="2200" dirty="0" smtClean="0">
-                <a:latin typeface="Times New Roman" panose="02020603050405020304" pitchFamily="18" charset="0"/>
-                <a:cs typeface="Times New Roman" panose="02020603050405020304" pitchFamily="18" charset="0"/>
-              </a:rPr>
-              <a:t> </a:t>
-            </a:r>
-            <a:r>
-              <a:rPr lang="en-US" altLang="zh-CN" sz="2200" dirty="0" smtClean="0">
-                <a:latin typeface="Times New Roman" panose="02020603050405020304" pitchFamily="18" charset="0"/>
-                <a:cs typeface="Times New Roman" panose="02020603050405020304" pitchFamily="18" charset="0"/>
-              </a:rPr>
-              <a:t>outliers</a:t>
-            </a:r>
-            <a:r>
-              <a:rPr lang="zh-CN" altLang="en-US" sz="2200" dirty="0" smtClean="0">
-                <a:latin typeface="Times New Roman" panose="02020603050405020304" pitchFamily="18" charset="0"/>
-                <a:cs typeface="Times New Roman" panose="02020603050405020304" pitchFamily="18" charset="0"/>
-              </a:rPr>
-              <a:t> </a:t>
-            </a:r>
-            <a:r>
-              <a:rPr lang="en-US" altLang="zh-CN" sz="2200" dirty="0" smtClean="0">
-                <a:latin typeface="Times New Roman" panose="02020603050405020304" pitchFamily="18" charset="0"/>
-                <a:cs typeface="Times New Roman" panose="02020603050405020304" pitchFamily="18" charset="0"/>
-              </a:rPr>
-              <a:t>and</a:t>
-            </a:r>
-            <a:r>
-              <a:rPr lang="zh-CN" altLang="en-US" sz="2200" dirty="0" smtClean="0">
-                <a:latin typeface="Times New Roman" panose="02020603050405020304" pitchFamily="18" charset="0"/>
-                <a:cs typeface="Times New Roman" panose="02020603050405020304" pitchFamily="18" charset="0"/>
-              </a:rPr>
-              <a:t> </a:t>
-            </a:r>
-            <a:r>
-              <a:rPr lang="en-US" altLang="zh-CN" sz="2200" dirty="0" smtClean="0">
-                <a:latin typeface="Times New Roman" panose="02020603050405020304" pitchFamily="18" charset="0"/>
-                <a:cs typeface="Times New Roman" panose="02020603050405020304" pitchFamily="18" charset="0"/>
-              </a:rPr>
-              <a:t>generate</a:t>
-            </a:r>
-            <a:r>
-              <a:rPr lang="zh-CN" altLang="en-US" sz="2200" dirty="0" smtClean="0">
-                <a:latin typeface="Times New Roman" panose="02020603050405020304" pitchFamily="18" charset="0"/>
-                <a:cs typeface="Times New Roman" panose="02020603050405020304" pitchFamily="18" charset="0"/>
-              </a:rPr>
-              <a:t> </a:t>
-            </a:r>
-            <a:r>
-              <a:rPr lang="en-US" altLang="zh-CN" sz="2200" dirty="0" smtClean="0">
-                <a:latin typeface="Times New Roman" panose="02020603050405020304" pitchFamily="18" charset="0"/>
-                <a:cs typeface="Times New Roman" panose="02020603050405020304" pitchFamily="18" charset="0"/>
-              </a:rPr>
-              <a:t>a</a:t>
-            </a:r>
-            <a:r>
-              <a:rPr lang="zh-CN" altLang="en-US" sz="2200" dirty="0" smtClean="0">
-                <a:latin typeface="Times New Roman" panose="02020603050405020304" pitchFamily="18" charset="0"/>
-                <a:cs typeface="Times New Roman" panose="02020603050405020304" pitchFamily="18" charset="0"/>
-              </a:rPr>
-              <a:t> </a:t>
-            </a:r>
-            <a:r>
-              <a:rPr lang="en-US" altLang="zh-CN" sz="2200" dirty="0" smtClean="0">
-                <a:latin typeface="Times New Roman" panose="02020603050405020304" pitchFamily="18" charset="0"/>
-                <a:cs typeface="Times New Roman" panose="02020603050405020304" pitchFamily="18" charset="0"/>
-              </a:rPr>
-              <a:t>shape</a:t>
-            </a:r>
-            <a:r>
-              <a:rPr lang="zh-CN" altLang="en-US" sz="2200" dirty="0" smtClean="0">
-                <a:latin typeface="Times New Roman" panose="02020603050405020304" pitchFamily="18" charset="0"/>
-                <a:cs typeface="Times New Roman" panose="02020603050405020304" pitchFamily="18" charset="0"/>
-              </a:rPr>
-              <a:t> </a:t>
-            </a:r>
-            <a:r>
-              <a:rPr lang="en-US" altLang="zh-CN" sz="2200" dirty="0" smtClean="0">
-                <a:latin typeface="Times New Roman" panose="02020603050405020304" pitchFamily="18" charset="0"/>
-                <a:cs typeface="Times New Roman" panose="02020603050405020304" pitchFamily="18" charset="0"/>
-              </a:rPr>
-              <a:t>of</a:t>
-            </a:r>
-            <a:r>
-              <a:rPr lang="zh-CN" altLang="en-US" sz="2200" dirty="0" smtClean="0">
-                <a:latin typeface="Times New Roman" panose="02020603050405020304" pitchFamily="18" charset="0"/>
-                <a:cs typeface="Times New Roman" panose="02020603050405020304" pitchFamily="18" charset="0"/>
-              </a:rPr>
-              <a:t> </a:t>
-            </a:r>
-            <a:r>
-              <a:rPr lang="en-US" altLang="zh-CN" sz="2200" dirty="0" smtClean="0">
-                <a:latin typeface="Times New Roman" panose="02020603050405020304" pitchFamily="18" charset="0"/>
-                <a:cs typeface="Times New Roman" panose="02020603050405020304" pitchFamily="18" charset="0"/>
-              </a:rPr>
-              <a:t>lane</a:t>
-            </a:r>
-            <a:r>
-              <a:rPr lang="zh-CN" altLang="en-US" sz="2200" dirty="0" smtClean="0">
-                <a:latin typeface="Times New Roman" panose="02020603050405020304" pitchFamily="18" charset="0"/>
-                <a:cs typeface="Times New Roman" panose="02020603050405020304" pitchFamily="18" charset="0"/>
-              </a:rPr>
-              <a:t> </a:t>
-            </a:r>
-            <a:r>
-              <a:rPr lang="en-US" altLang="zh-CN" sz="2200" dirty="0" smtClean="0">
-                <a:latin typeface="Times New Roman" panose="02020603050405020304" pitchFamily="18" charset="0"/>
-                <a:cs typeface="Times New Roman" panose="02020603050405020304" pitchFamily="18" charset="0"/>
-              </a:rPr>
-              <a:t>on</a:t>
-            </a:r>
-            <a:r>
-              <a:rPr lang="zh-CN" altLang="en-US" sz="2200" dirty="0" smtClean="0">
-                <a:latin typeface="Times New Roman" panose="02020603050405020304" pitchFamily="18" charset="0"/>
-                <a:cs typeface="Times New Roman" panose="02020603050405020304" pitchFamily="18" charset="0"/>
-              </a:rPr>
-              <a:t> </a:t>
-            </a:r>
-            <a:r>
-              <a:rPr lang="en-US" altLang="zh-CN" sz="2200" dirty="0" smtClean="0">
-                <a:latin typeface="Times New Roman" panose="02020603050405020304" pitchFamily="18" charset="0"/>
-                <a:cs typeface="Times New Roman" panose="02020603050405020304" pitchFamily="18" charset="0"/>
-              </a:rPr>
-              <a:t>the</a:t>
-            </a:r>
-            <a:r>
-              <a:rPr lang="zh-CN" altLang="en-US" sz="2200" dirty="0" smtClean="0">
-                <a:latin typeface="Times New Roman" panose="02020603050405020304" pitchFamily="18" charset="0"/>
-                <a:cs typeface="Times New Roman" panose="02020603050405020304" pitchFamily="18" charset="0"/>
-              </a:rPr>
-              <a:t> </a:t>
-            </a:r>
-            <a:r>
-              <a:rPr lang="en-US" altLang="zh-CN" sz="2200" dirty="0" smtClean="0">
-                <a:latin typeface="Times New Roman" panose="02020603050405020304" pitchFamily="18" charset="0"/>
-                <a:cs typeface="Times New Roman" panose="02020603050405020304" pitchFamily="18" charset="0"/>
-              </a:rPr>
-              <a:t>road.</a:t>
-            </a:r>
-            <a:r>
-              <a:rPr lang="zh-CN" altLang="en-US" sz="2200" dirty="0" smtClean="0">
-                <a:latin typeface="Times New Roman" panose="02020603050405020304" pitchFamily="18" charset="0"/>
-                <a:cs typeface="Times New Roman" panose="02020603050405020304" pitchFamily="18" charset="0"/>
-              </a:rPr>
-              <a:t> </a:t>
-            </a:r>
-            <a:r>
-              <a:rPr lang="en-US" altLang="zh-CN" sz="2200" dirty="0" smtClean="0">
-                <a:latin typeface="Times New Roman" panose="02020603050405020304" pitchFamily="18" charset="0"/>
-                <a:cs typeface="Times New Roman" panose="02020603050405020304" pitchFamily="18" charset="0"/>
-              </a:rPr>
-              <a:t>By</a:t>
-            </a:r>
-            <a:r>
-              <a:rPr lang="zh-CN" altLang="en-US" sz="2200" dirty="0" smtClean="0">
-                <a:latin typeface="Times New Roman" panose="02020603050405020304" pitchFamily="18" charset="0"/>
-                <a:cs typeface="Times New Roman" panose="02020603050405020304" pitchFamily="18" charset="0"/>
-              </a:rPr>
-              <a:t> </a:t>
-            </a:r>
-            <a:r>
-              <a:rPr lang="en-US" altLang="zh-CN" sz="2200" dirty="0" smtClean="0">
-                <a:latin typeface="Times New Roman" panose="02020603050405020304" pitchFamily="18" charset="0"/>
-                <a:cs typeface="Times New Roman" panose="02020603050405020304" pitchFamily="18" charset="0"/>
-              </a:rPr>
-              <a:t>visualizing</a:t>
-            </a:r>
-            <a:r>
-              <a:rPr lang="zh-CN" altLang="en-US" sz="2200" dirty="0" smtClean="0">
-                <a:latin typeface="Times New Roman" panose="02020603050405020304" pitchFamily="18" charset="0"/>
-                <a:cs typeface="Times New Roman" panose="02020603050405020304" pitchFamily="18" charset="0"/>
-              </a:rPr>
-              <a:t> </a:t>
-            </a:r>
-            <a:r>
-              <a:rPr lang="en-US" altLang="zh-CN" sz="2200" dirty="0" smtClean="0">
-                <a:latin typeface="Times New Roman" panose="02020603050405020304" pitchFamily="18" charset="0"/>
-                <a:cs typeface="Times New Roman" panose="02020603050405020304" pitchFamily="18" charset="0"/>
-              </a:rPr>
-              <a:t>the</a:t>
-            </a:r>
-            <a:r>
-              <a:rPr lang="zh-CN" altLang="en-US" sz="2200" dirty="0" smtClean="0">
-                <a:latin typeface="Times New Roman" panose="02020603050405020304" pitchFamily="18" charset="0"/>
-                <a:cs typeface="Times New Roman" panose="02020603050405020304" pitchFamily="18" charset="0"/>
-              </a:rPr>
-              <a:t> </a:t>
-            </a:r>
-            <a:r>
-              <a:rPr lang="en-US" altLang="zh-CN" sz="2200" dirty="0" smtClean="0">
-                <a:latin typeface="Times New Roman" panose="02020603050405020304" pitchFamily="18" charset="0"/>
-                <a:cs typeface="Times New Roman" panose="02020603050405020304" pitchFamily="18" charset="0"/>
-              </a:rPr>
-              <a:t>data,</a:t>
-            </a:r>
-            <a:r>
               <a:rPr lang="zh-CN" altLang="en-US" sz="2200" dirty="0">
                 <a:latin typeface="Times New Roman" panose="02020603050405020304" pitchFamily="18" charset="0"/>
                 <a:cs typeface="Times New Roman" panose="02020603050405020304" pitchFamily="18" charset="0"/>
@@ -8820,129 +8396,117 @@
               <a:t> </a:t>
             </a:r>
             <a:r>
-              <a:rPr lang="en-US" altLang="zh-CN" sz="2200" dirty="0" smtClean="0">
-                <a:latin typeface="Times New Roman" panose="02020603050405020304" pitchFamily="18" charset="0"/>
-                <a:cs typeface="Times New Roman" panose="02020603050405020304" pitchFamily="18" charset="0"/>
-              </a:rPr>
-              <a:t>the</a:t>
-            </a:r>
-            <a:r>
-              <a:rPr lang="zh-CN" altLang="en-US" sz="2200" dirty="0" smtClean="0">
-                <a:latin typeface="Times New Roman" panose="02020603050405020304" pitchFamily="18" charset="0"/>
-                <a:cs typeface="Times New Roman" panose="02020603050405020304" pitchFamily="18" charset="0"/>
-              </a:rPr>
-              <a:t> </a:t>
-            </a:r>
-            <a:r>
-              <a:rPr lang="en-US" altLang="zh-CN" sz="2200" dirty="0" smtClean="0">
-                <a:latin typeface="Times New Roman" panose="02020603050405020304" pitchFamily="18" charset="0"/>
-                <a:cs typeface="Times New Roman" panose="02020603050405020304" pitchFamily="18" charset="0"/>
-              </a:rPr>
-              <a:t>graph</a:t>
-            </a:r>
-            <a:r>
-              <a:rPr lang="zh-CN" altLang="en-US" sz="2200" dirty="0" smtClean="0">
-                <a:latin typeface="Times New Roman" panose="02020603050405020304" pitchFamily="18" charset="0"/>
-                <a:cs typeface="Times New Roman" panose="02020603050405020304" pitchFamily="18" charset="0"/>
-              </a:rPr>
-              <a:t> </a:t>
-            </a:r>
-            <a:r>
-              <a:rPr lang="en-US" altLang="zh-CN" sz="2200" dirty="0" smtClean="0">
-                <a:latin typeface="Times New Roman" panose="02020603050405020304" pitchFamily="18" charset="0"/>
-                <a:cs typeface="Times New Roman" panose="02020603050405020304" pitchFamily="18" charset="0"/>
-              </a:rPr>
-              <a:t>shows</a:t>
-            </a:r>
-            <a:r>
-              <a:rPr lang="zh-CN" altLang="en-US" sz="2200" dirty="0" smtClean="0">
-                <a:latin typeface="Times New Roman" panose="02020603050405020304" pitchFamily="18" charset="0"/>
-                <a:cs typeface="Times New Roman" panose="02020603050405020304" pitchFamily="18" charset="0"/>
-              </a:rPr>
-              <a:t> </a:t>
-            </a:r>
-            <a:r>
-              <a:rPr lang="en-US" altLang="zh-CN" sz="2200" dirty="0" smtClean="0">
-                <a:latin typeface="Times New Roman" panose="02020603050405020304" pitchFamily="18" charset="0"/>
-                <a:cs typeface="Times New Roman" panose="02020603050405020304" pitchFamily="18" charset="0"/>
-              </a:rPr>
-              <a:t>a</a:t>
-            </a:r>
-            <a:r>
-              <a:rPr lang="zh-CN" altLang="en-US" sz="2200" dirty="0" smtClean="0">
-                <a:latin typeface="Times New Roman" panose="02020603050405020304" pitchFamily="18" charset="0"/>
-                <a:cs typeface="Times New Roman" panose="02020603050405020304" pitchFamily="18" charset="0"/>
-              </a:rPr>
-              <a:t> </a:t>
-            </a:r>
-            <a:r>
-              <a:rPr lang="en-US" altLang="zh-CN" sz="2200" dirty="0" smtClean="0">
-                <a:latin typeface="Times New Roman" panose="02020603050405020304" pitchFamily="18" charset="0"/>
-                <a:cs typeface="Times New Roman" panose="02020603050405020304" pitchFamily="18" charset="0"/>
-              </a:rPr>
-              <a:t>clear</a:t>
-            </a:r>
-            <a:r>
-              <a:rPr lang="zh-CN" altLang="en-US" sz="2200" dirty="0" smtClean="0">
-                <a:latin typeface="Times New Roman" panose="02020603050405020304" pitchFamily="18" charset="0"/>
-                <a:cs typeface="Times New Roman" panose="02020603050405020304" pitchFamily="18" charset="0"/>
-              </a:rPr>
-              <a:t> </a:t>
-            </a:r>
-            <a:r>
-              <a:rPr lang="en-US" altLang="zh-CN" sz="2200" dirty="0" smtClean="0">
-                <a:latin typeface="Times New Roman" panose="02020603050405020304" pitchFamily="18" charset="0"/>
-                <a:cs typeface="Times New Roman" panose="02020603050405020304" pitchFamily="18" charset="0"/>
-              </a:rPr>
-              <a:t>shape</a:t>
-            </a:r>
-            <a:r>
-              <a:rPr lang="zh-CN" altLang="en-US" sz="2200" dirty="0" smtClean="0">
-                <a:latin typeface="Times New Roman" panose="02020603050405020304" pitchFamily="18" charset="0"/>
-                <a:cs typeface="Times New Roman" panose="02020603050405020304" pitchFamily="18" charset="0"/>
-              </a:rPr>
-              <a:t> </a:t>
-            </a:r>
-            <a:r>
-              <a:rPr lang="en-US" altLang="zh-CN" sz="2200" dirty="0" smtClean="0">
-                <a:latin typeface="Times New Roman" panose="02020603050405020304" pitchFamily="18" charset="0"/>
-                <a:cs typeface="Times New Roman" panose="02020603050405020304" pitchFamily="18" charset="0"/>
-              </a:rPr>
-              <a:t>of</a:t>
-            </a:r>
-            <a:r>
-              <a:rPr lang="zh-CN" altLang="en-US" sz="2200" dirty="0" smtClean="0">
-                <a:latin typeface="Times New Roman" panose="02020603050405020304" pitchFamily="18" charset="0"/>
-                <a:cs typeface="Times New Roman" panose="02020603050405020304" pitchFamily="18" charset="0"/>
-              </a:rPr>
-              <a:t> </a:t>
-            </a:r>
-            <a:r>
-              <a:rPr lang="en-US" altLang="zh-CN" sz="2200" dirty="0" smtClean="0">
-                <a:latin typeface="Times New Roman" panose="02020603050405020304" pitchFamily="18" charset="0"/>
-                <a:cs typeface="Times New Roman" panose="02020603050405020304" pitchFamily="18" charset="0"/>
-              </a:rPr>
-              <a:t>Lane</a:t>
-            </a:r>
-            <a:r>
-              <a:rPr lang="zh-CN" altLang="en-US" sz="2200" dirty="0" smtClean="0">
-                <a:latin typeface="Times New Roman" panose="02020603050405020304" pitchFamily="18" charset="0"/>
-                <a:cs typeface="Times New Roman" panose="02020603050405020304" pitchFamily="18" charset="0"/>
-              </a:rPr>
-              <a:t> </a:t>
-            </a:r>
-            <a:r>
-              <a:rPr lang="en-US" altLang="zh-CN" sz="2200" dirty="0" smtClean="0">
-                <a:latin typeface="Times New Roman" panose="02020603050405020304" pitchFamily="18" charset="0"/>
-                <a:cs typeface="Times New Roman" panose="02020603050405020304" pitchFamily="18" charset="0"/>
-              </a:rPr>
-              <a:t>mark.</a:t>
+              <a:rPr lang="en-US" altLang="zh-CN" sz="2200" dirty="0">
+                <a:latin typeface="Times New Roman" panose="02020603050405020304" pitchFamily="18" charset="0"/>
+                <a:cs typeface="Times New Roman" panose="02020603050405020304" pitchFamily="18" charset="0"/>
+              </a:rPr>
+              <a:t>clusters.</a:t>
+            </a:r>
+            <a:r>
+              <a:rPr lang="zh-CN" altLang="en-US" sz="2200" dirty="0">
+                <a:latin typeface="Times New Roman" panose="02020603050405020304" pitchFamily="18" charset="0"/>
+                <a:cs typeface="Times New Roman" panose="02020603050405020304" pitchFamily="18" charset="0"/>
+              </a:rPr>
+              <a:t> </a:t>
+            </a:r>
+            <a:r>
+              <a:rPr lang="en-US" altLang="zh-CN" sz="2200" dirty="0">
+                <a:latin typeface="Times New Roman" panose="02020603050405020304" pitchFamily="18" charset="0"/>
+                <a:cs typeface="Times New Roman" panose="02020603050405020304" pitchFamily="18" charset="0"/>
+              </a:rPr>
+              <a:t>After clustering, we can see that those real lane mark points are clustered very well.</a:t>
             </a:r>
             <a:endParaRPr lang="en-US" altLang="zh-CN" sz="2200" dirty="0">
               <a:latin typeface="Times New Roman" panose="02020603050405020304" pitchFamily="18" charset="0"/>
               <a:ea typeface="Times New Roman" charset="0"/>
               <a:cs typeface="Times New Roman" panose="02020603050405020304" pitchFamily="18" charset="0"/>
             </a:endParaRPr>
+          </a:p>
+        </p:txBody>
+      </p:sp>
+      <p:pic>
+        <p:nvPicPr>
+          <p:cNvPr id="6" name="图片 5">
+            <a:extLst>
+              <a:ext uri="{FF2B5EF4-FFF2-40B4-BE49-F238E27FC236}">
+                <a16:creationId xmlns:a16="http://schemas.microsoft.com/office/drawing/2014/main" id="{631B29F8-D2BF-4925-BA7C-58700ADE9D9C}"/>
+              </a:ext>
+            </a:extLst>
+          </p:cNvPr>
+          <p:cNvPicPr>
+            <a:picLocks noChangeAspect="1"/>
+          </p:cNvPicPr>
+          <p:nvPr/>
+        </p:nvPicPr>
+        <p:blipFill>
+          <a:blip r:embed="rId2">
+            <a:extLst>
+              <a:ext uri="{28A0092B-C50C-407E-A947-70E740481C1C}">
+                <a14:useLocalDpi xmlns:a14="http://schemas.microsoft.com/office/drawing/2010/main" val="0"/>
+              </a:ext>
+            </a:extLst>
+          </a:blip>
+          <a:stretch>
+            <a:fillRect/>
+          </a:stretch>
+        </p:blipFill>
+        <p:spPr>
+          <a:xfrm>
+            <a:off x="6705600" y="3200400"/>
+            <a:ext cx="5486400" cy="3657600"/>
+          </a:xfrm>
+          <a:prstGeom prst="rect">
+            <a:avLst/>
+          </a:prstGeom>
+        </p:spPr>
+      </p:pic>
+      <p:sp>
+        <p:nvSpPr>
+          <p:cNvPr id="9" name="文本框 8">
+            <a:extLst>
+              <a:ext uri="{FF2B5EF4-FFF2-40B4-BE49-F238E27FC236}">
+                <a16:creationId xmlns:a16="http://schemas.microsoft.com/office/drawing/2014/main" id="{50702F30-F2AC-4F11-872E-2270A52CF972}"/>
+              </a:ext>
+            </a:extLst>
+          </p:cNvPr>
+          <p:cNvSpPr txBox="1"/>
+          <p:nvPr/>
+        </p:nvSpPr>
+        <p:spPr>
+          <a:xfrm>
+            <a:off x="708382" y="3002250"/>
+            <a:ext cx="5569505" cy="3139321"/>
+          </a:xfrm>
+          <a:prstGeom prst="rect">
+            <a:avLst/>
+          </a:prstGeom>
+          <a:noFill/>
+        </p:spPr>
+        <p:txBody>
+          <a:bodyPr wrap="square" rtlCol="0">
+            <a:spAutoFit/>
+          </a:bodyPr>
+          <a:lstStyle/>
+          <a:p>
+            <a:pPr algn="just"/>
+            <a:r>
+              <a:rPr lang="en-US" altLang="zh-CN" sz="2200" dirty="0">
+                <a:latin typeface="Times New Roman" panose="02020603050405020304" pitchFamily="18" charset="0"/>
+                <a:cs typeface="Times New Roman" panose="02020603050405020304" pitchFamily="18" charset="0"/>
+              </a:rPr>
+              <a:t>After clustering, we are able to use linear regression to do the line fitting for every lane. We use RANSAC as regressor to fit all 4 clusters that get from previous step, and use inlier approach to find out which point is outlier and need to be kicked away.</a:t>
+            </a:r>
+          </a:p>
+          <a:p>
+            <a:pPr algn="just"/>
+            <a:r>
+              <a:rPr lang="en-US" altLang="zh-CN" sz="2200" dirty="0">
+                <a:latin typeface="Times New Roman" panose="02020603050405020304" pitchFamily="18" charset="0"/>
+                <a:ea typeface="Times New Roman" charset="0"/>
+                <a:cs typeface="Times New Roman" panose="02020603050405020304" pitchFamily="18" charset="0"/>
+              </a:rPr>
+              <a:t>The result is in next page, we can see that most of the outliers are cleaned after these steps, we already get labelled data for training model.</a:t>
+            </a:r>
           </a:p>
         </p:txBody>
       </p:sp>
@@ -8981,7 +8545,7 @@
           <p:cNvPr id="2" name="文本框 1">
             <a:extLst>
               <a:ext uri="{FF2B5EF4-FFF2-40B4-BE49-F238E27FC236}">
-                <a16:creationId xmlns:a16="http://schemas.microsoft.com/office/drawing/2014/main" xmlns="" id="{2622DBA6-4BF4-4F02-B794-AD3EC034F27C}"/>
+                <a16:creationId xmlns:a16="http://schemas.microsoft.com/office/drawing/2014/main" id="{2622DBA6-4BF4-4F02-B794-AD3EC034F27C}"/>
               </a:ext>
             </a:extLst>
           </p:cNvPr>
@@ -9047,7 +8611,7 @@
           <p:cNvPr id="3" name="文本框 2">
             <a:extLst>
               <a:ext uri="{FF2B5EF4-FFF2-40B4-BE49-F238E27FC236}">
-                <a16:creationId xmlns:a16="http://schemas.microsoft.com/office/drawing/2014/main" xmlns="" id="{46F6BF4B-3180-4B43-A428-5AD88028959F}"/>
+                <a16:creationId xmlns:a16="http://schemas.microsoft.com/office/drawing/2014/main" id="{46F6BF4B-3180-4B43-A428-5AD88028959F}"/>
               </a:ext>
             </a:extLst>
           </p:cNvPr>
@@ -9072,63 +8636,63 @@
           <a:p>
             <a:pPr algn="just"/>
             <a:r>
-              <a:rPr lang="en-US" altLang="zh-CN" sz="2200" dirty="0" smtClean="0">
+              <a:rPr lang="en-US" altLang="zh-CN" sz="2200" dirty="0">
                 <a:latin typeface="Times New Roman" panose="02020603050405020304" pitchFamily="18" charset="0"/>
                 <a:cs typeface="Times New Roman" panose="02020603050405020304" pitchFamily="18" charset="0"/>
               </a:rPr>
               <a:t>2D</a:t>
             </a:r>
             <a:r>
-              <a:rPr lang="zh-CN" altLang="en-US" sz="2200" dirty="0" smtClean="0">
-                <a:latin typeface="Times New Roman" panose="02020603050405020304" pitchFamily="18" charset="0"/>
-                <a:cs typeface="Times New Roman" panose="02020603050405020304" pitchFamily="18" charset="0"/>
-              </a:rPr>
-              <a:t> </a:t>
-            </a:r>
-            <a:r>
-              <a:rPr lang="en-US" altLang="zh-CN" sz="2200" dirty="0" smtClean="0">
+              <a:rPr lang="zh-CN" altLang="en-US" sz="2200" dirty="0">
+                <a:latin typeface="Times New Roman" panose="02020603050405020304" pitchFamily="18" charset="0"/>
+                <a:cs typeface="Times New Roman" panose="02020603050405020304" pitchFamily="18" charset="0"/>
+              </a:rPr>
+              <a:t> </a:t>
+            </a:r>
+            <a:r>
+              <a:rPr lang="en-US" altLang="zh-CN" sz="2200" dirty="0">
                 <a:latin typeface="Times New Roman" panose="02020603050405020304" pitchFamily="18" charset="0"/>
                 <a:cs typeface="Times New Roman" panose="02020603050405020304" pitchFamily="18" charset="0"/>
               </a:rPr>
               <a:t>and</a:t>
             </a:r>
             <a:r>
-              <a:rPr lang="zh-CN" altLang="en-US" sz="2200" dirty="0" smtClean="0">
-                <a:latin typeface="Times New Roman" panose="02020603050405020304" pitchFamily="18" charset="0"/>
-                <a:cs typeface="Times New Roman" panose="02020603050405020304" pitchFamily="18" charset="0"/>
-              </a:rPr>
-              <a:t> </a:t>
-            </a:r>
-            <a:r>
-              <a:rPr lang="en-US" altLang="zh-CN" sz="2200" dirty="0" smtClean="0">
+              <a:rPr lang="zh-CN" altLang="en-US" sz="2200" dirty="0">
+                <a:latin typeface="Times New Roman" panose="02020603050405020304" pitchFamily="18" charset="0"/>
+                <a:cs typeface="Times New Roman" panose="02020603050405020304" pitchFamily="18" charset="0"/>
+              </a:rPr>
+              <a:t> </a:t>
+            </a:r>
+            <a:r>
+              <a:rPr lang="en-US" altLang="zh-CN" sz="2200" dirty="0">
                 <a:latin typeface="Times New Roman" panose="02020603050405020304" pitchFamily="18" charset="0"/>
                 <a:cs typeface="Times New Roman" panose="02020603050405020304" pitchFamily="18" charset="0"/>
               </a:rPr>
               <a:t>3D</a:t>
             </a:r>
             <a:r>
-              <a:rPr lang="zh-CN" altLang="en-US" sz="2200" dirty="0" smtClean="0">
-                <a:latin typeface="Times New Roman" panose="02020603050405020304" pitchFamily="18" charset="0"/>
-                <a:cs typeface="Times New Roman" panose="02020603050405020304" pitchFamily="18" charset="0"/>
-              </a:rPr>
-              <a:t> </a:t>
-            </a:r>
-            <a:r>
-              <a:rPr lang="en-US" altLang="zh-CN" sz="2200" dirty="0" smtClean="0">
+              <a:rPr lang="zh-CN" altLang="en-US" sz="2200" dirty="0">
+                <a:latin typeface="Times New Roman" panose="02020603050405020304" pitchFamily="18" charset="0"/>
+                <a:cs typeface="Times New Roman" panose="02020603050405020304" pitchFamily="18" charset="0"/>
+              </a:rPr>
+              <a:t> </a:t>
+            </a:r>
+            <a:r>
+              <a:rPr lang="en-US" altLang="zh-CN" sz="2200" dirty="0">
                 <a:latin typeface="Times New Roman" panose="02020603050405020304" pitchFamily="18" charset="0"/>
                 <a:cs typeface="Times New Roman" panose="02020603050405020304" pitchFamily="18" charset="0"/>
               </a:rPr>
               <a:t>intermediate</a:t>
             </a:r>
             <a:r>
-              <a:rPr lang="zh-CN" altLang="en-US" sz="2200" dirty="0" smtClean="0">
-                <a:latin typeface="Times New Roman" panose="02020603050405020304" pitchFamily="18" charset="0"/>
-                <a:cs typeface="Times New Roman" panose="02020603050405020304" pitchFamily="18" charset="0"/>
-              </a:rPr>
-              <a:t> </a:t>
-            </a:r>
-            <a:r>
-              <a:rPr lang="en-US" altLang="zh-CN" sz="2200" dirty="0" smtClean="0">
+              <a:rPr lang="zh-CN" altLang="en-US" sz="2200" dirty="0">
+                <a:latin typeface="Times New Roman" panose="02020603050405020304" pitchFamily="18" charset="0"/>
+                <a:cs typeface="Times New Roman" panose="02020603050405020304" pitchFamily="18" charset="0"/>
+              </a:rPr>
+              <a:t> </a:t>
+            </a:r>
+            <a:r>
+              <a:rPr lang="en-US" altLang="zh-CN" sz="2200" dirty="0">
                 <a:latin typeface="Times New Roman" panose="02020603050405020304" pitchFamily="18" charset="0"/>
                 <a:cs typeface="Times New Roman" panose="02020603050405020304" pitchFamily="18" charset="0"/>
               </a:rPr>
@@ -9207,7 +8771,7 @@
           <p:cNvPr id="2" name="文本框 1">
             <a:extLst>
               <a:ext uri="{FF2B5EF4-FFF2-40B4-BE49-F238E27FC236}">
-                <a16:creationId xmlns:a16="http://schemas.microsoft.com/office/drawing/2014/main" xmlns="" id="{2622DBA6-4BF4-4F02-B794-AD3EC034F27C}"/>
+                <a16:creationId xmlns:a16="http://schemas.microsoft.com/office/drawing/2014/main" id="{2622DBA6-4BF4-4F02-B794-AD3EC034F27C}"/>
               </a:ext>
             </a:extLst>
           </p:cNvPr>
@@ -9243,7 +8807,7 @@
           <p:cNvPr id="3" name="文本框 2">
             <a:extLst>
               <a:ext uri="{FF2B5EF4-FFF2-40B4-BE49-F238E27FC236}">
-                <a16:creationId xmlns:a16="http://schemas.microsoft.com/office/drawing/2014/main" xmlns="" id="{46F6BF4B-3180-4B43-A428-5AD88028959F}"/>
+                <a16:creationId xmlns:a16="http://schemas.microsoft.com/office/drawing/2014/main" id="{46F6BF4B-3180-4B43-A428-5AD88028959F}"/>
               </a:ext>
             </a:extLst>
           </p:cNvPr>
@@ -9252,8 +8816,8 @@
         </p:nvSpPr>
         <p:spPr>
           <a:xfrm>
-            <a:off x="490194" y="1553081"/>
-            <a:ext cx="10633435" cy="4401205"/>
+            <a:off x="411063" y="1293363"/>
+            <a:ext cx="11666260" cy="5262979"/>
           </a:xfrm>
           <a:prstGeom prst="rect">
             <a:avLst/>
@@ -9268,614 +8832,617 @@
           <a:p>
             <a:pPr algn="just"/>
             <a:r>
-              <a:rPr lang="en-US" altLang="zh-CN" sz="2800" dirty="0" smtClean="0">
-                <a:latin typeface="Times New Roman" panose="02020603050405020304" pitchFamily="18" charset="0"/>
-                <a:cs typeface="Times New Roman" panose="02020603050405020304" pitchFamily="18" charset="0"/>
-              </a:rPr>
-              <a:t>In</a:t>
-            </a:r>
-            <a:r>
-              <a:rPr lang="zh-CN" altLang="en-US" sz="2800" dirty="0" smtClean="0">
-                <a:latin typeface="Times New Roman" panose="02020603050405020304" pitchFamily="18" charset="0"/>
-                <a:cs typeface="Times New Roman" panose="02020603050405020304" pitchFamily="18" charset="0"/>
-              </a:rPr>
-              <a:t> </a:t>
-            </a:r>
-            <a:r>
-              <a:rPr lang="en-US" altLang="zh-CN" sz="2800" dirty="0" smtClean="0">
+              <a:rPr lang="en-US" altLang="zh-CN" sz="2800" dirty="0">
+                <a:latin typeface="Times New Roman" panose="02020603050405020304" pitchFamily="18" charset="0"/>
+                <a:cs typeface="Times New Roman" panose="02020603050405020304" pitchFamily="18" charset="0"/>
+              </a:rPr>
+              <a:t>	We just get the label from previous step, but we will not just stop here.</a:t>
+            </a:r>
+          </a:p>
+          <a:p>
+            <a:pPr algn="just"/>
+            <a:r>
+              <a:rPr lang="en-US" altLang="zh-CN" sz="2800" dirty="0">
+                <a:latin typeface="Times New Roman" panose="02020603050405020304" pitchFamily="18" charset="0"/>
+                <a:cs typeface="Times New Roman" panose="02020603050405020304" pitchFamily="18" charset="0"/>
+              </a:rPr>
+              <a:t>	In</a:t>
+            </a:r>
+            <a:r>
+              <a:rPr lang="zh-CN" altLang="en-US" sz="2800" dirty="0">
+                <a:latin typeface="Times New Roman" panose="02020603050405020304" pitchFamily="18" charset="0"/>
+                <a:cs typeface="Times New Roman" panose="02020603050405020304" pitchFamily="18" charset="0"/>
+              </a:rPr>
+              <a:t> </a:t>
+            </a:r>
+            <a:r>
+              <a:rPr lang="en-US" altLang="zh-CN" sz="2800" dirty="0">
                 <a:latin typeface="Times New Roman" panose="02020603050405020304" pitchFamily="18" charset="0"/>
                 <a:cs typeface="Times New Roman" panose="02020603050405020304" pitchFamily="18" charset="0"/>
               </a:rPr>
               <a:t>order</a:t>
             </a:r>
             <a:r>
-              <a:rPr lang="zh-CN" altLang="en-US" sz="2800" dirty="0" smtClean="0">
-                <a:latin typeface="Times New Roman" panose="02020603050405020304" pitchFamily="18" charset="0"/>
-                <a:cs typeface="Times New Roman" panose="02020603050405020304" pitchFamily="18" charset="0"/>
-              </a:rPr>
-              <a:t> </a:t>
-            </a:r>
-            <a:r>
-              <a:rPr lang="en-US" altLang="zh-CN" sz="2800" dirty="0" smtClean="0">
+              <a:rPr lang="zh-CN" altLang="en-US" sz="2800" dirty="0">
+                <a:latin typeface="Times New Roman" panose="02020603050405020304" pitchFamily="18" charset="0"/>
+                <a:cs typeface="Times New Roman" panose="02020603050405020304" pitchFamily="18" charset="0"/>
+              </a:rPr>
+              <a:t> </a:t>
+            </a:r>
+            <a:r>
+              <a:rPr lang="en-US" altLang="zh-CN" sz="2800" dirty="0">
                 <a:latin typeface="Times New Roman" panose="02020603050405020304" pitchFamily="18" charset="0"/>
                 <a:cs typeface="Times New Roman" panose="02020603050405020304" pitchFamily="18" charset="0"/>
               </a:rPr>
               <a:t>to</a:t>
             </a:r>
             <a:r>
-              <a:rPr lang="zh-CN" altLang="en-US" sz="2800" dirty="0" smtClean="0">
-                <a:latin typeface="Times New Roman" panose="02020603050405020304" pitchFamily="18" charset="0"/>
-                <a:cs typeface="Times New Roman" panose="02020603050405020304" pitchFamily="18" charset="0"/>
-              </a:rPr>
-              <a:t> </a:t>
-            </a:r>
-            <a:r>
-              <a:rPr lang="en-US" altLang="zh-CN" sz="2800" dirty="0" smtClean="0">
+              <a:rPr lang="zh-CN" altLang="en-US" sz="2800" dirty="0">
+                <a:latin typeface="Times New Roman" panose="02020603050405020304" pitchFamily="18" charset="0"/>
+                <a:cs typeface="Times New Roman" panose="02020603050405020304" pitchFamily="18" charset="0"/>
+              </a:rPr>
+              <a:t> </a:t>
+            </a:r>
+            <a:r>
+              <a:rPr lang="en-US" altLang="zh-CN" sz="2800" dirty="0">
                 <a:latin typeface="Times New Roman" panose="02020603050405020304" pitchFamily="18" charset="0"/>
                 <a:cs typeface="Times New Roman" panose="02020603050405020304" pitchFamily="18" charset="0"/>
               </a:rPr>
               <a:t>let</a:t>
             </a:r>
             <a:r>
-              <a:rPr lang="zh-CN" altLang="en-US" sz="2800" dirty="0" smtClean="0">
-                <a:latin typeface="Times New Roman" panose="02020603050405020304" pitchFamily="18" charset="0"/>
-                <a:cs typeface="Times New Roman" panose="02020603050405020304" pitchFamily="18" charset="0"/>
-              </a:rPr>
-              <a:t> </a:t>
-            </a:r>
-            <a:r>
-              <a:rPr lang="en-US" altLang="zh-CN" sz="2800" dirty="0" smtClean="0">
+              <a:rPr lang="zh-CN" altLang="en-US" sz="2800" dirty="0">
+                <a:latin typeface="Times New Roman" panose="02020603050405020304" pitchFamily="18" charset="0"/>
+                <a:cs typeface="Times New Roman" panose="02020603050405020304" pitchFamily="18" charset="0"/>
+              </a:rPr>
+              <a:t> </a:t>
+            </a:r>
+            <a:r>
+              <a:rPr lang="en-US" altLang="zh-CN" sz="2800" dirty="0">
                 <a:latin typeface="Times New Roman" panose="02020603050405020304" pitchFamily="18" charset="0"/>
                 <a:cs typeface="Times New Roman" panose="02020603050405020304" pitchFamily="18" charset="0"/>
               </a:rPr>
               <a:t>our</a:t>
             </a:r>
             <a:r>
-              <a:rPr lang="zh-CN" altLang="en-US" sz="2800" dirty="0" smtClean="0">
-                <a:latin typeface="Times New Roman" panose="02020603050405020304" pitchFamily="18" charset="0"/>
-                <a:cs typeface="Times New Roman" panose="02020603050405020304" pitchFamily="18" charset="0"/>
-              </a:rPr>
-              <a:t> </a:t>
-            </a:r>
-            <a:r>
-              <a:rPr lang="en-US" altLang="zh-CN" sz="2800" dirty="0" smtClean="0">
+              <a:rPr lang="zh-CN" altLang="en-US" sz="2800" dirty="0">
+                <a:latin typeface="Times New Roman" panose="02020603050405020304" pitchFamily="18" charset="0"/>
+                <a:cs typeface="Times New Roman" panose="02020603050405020304" pitchFamily="18" charset="0"/>
+              </a:rPr>
+              <a:t> </a:t>
+            </a:r>
+            <a:r>
+              <a:rPr lang="en-US" altLang="zh-CN" sz="2800" dirty="0">
                 <a:latin typeface="Times New Roman" panose="02020603050405020304" pitchFamily="18" charset="0"/>
                 <a:cs typeface="Times New Roman" panose="02020603050405020304" pitchFamily="18" charset="0"/>
               </a:rPr>
               <a:t>program</a:t>
             </a:r>
             <a:r>
-              <a:rPr lang="zh-CN" altLang="en-US" sz="2800" dirty="0" smtClean="0">
-                <a:latin typeface="Times New Roman" panose="02020603050405020304" pitchFamily="18" charset="0"/>
-                <a:cs typeface="Times New Roman" panose="02020603050405020304" pitchFamily="18" charset="0"/>
-              </a:rPr>
-              <a:t> </a:t>
-            </a:r>
-            <a:r>
-              <a:rPr lang="en-US" altLang="zh-CN" sz="2800" dirty="0" smtClean="0">
+              <a:rPr lang="zh-CN" altLang="en-US" sz="2800" dirty="0">
+                <a:latin typeface="Times New Roman" panose="02020603050405020304" pitchFamily="18" charset="0"/>
+                <a:cs typeface="Times New Roman" panose="02020603050405020304" pitchFamily="18" charset="0"/>
+              </a:rPr>
+              <a:t> </a:t>
+            </a:r>
+            <a:r>
+              <a:rPr lang="en-US" altLang="zh-CN" sz="2800" dirty="0">
                 <a:latin typeface="Times New Roman" panose="02020603050405020304" pitchFamily="18" charset="0"/>
                 <a:cs typeface="Times New Roman" panose="02020603050405020304" pitchFamily="18" charset="0"/>
               </a:rPr>
               <a:t>predict</a:t>
             </a:r>
             <a:r>
-              <a:rPr lang="zh-CN" altLang="en-US" sz="2800" dirty="0" smtClean="0">
-                <a:latin typeface="Times New Roman" panose="02020603050405020304" pitchFamily="18" charset="0"/>
-                <a:cs typeface="Times New Roman" panose="02020603050405020304" pitchFamily="18" charset="0"/>
-              </a:rPr>
-              <a:t> </a:t>
-            </a:r>
-            <a:r>
-              <a:rPr lang="en-US" altLang="zh-CN" sz="2800" dirty="0" smtClean="0">
+              <a:rPr lang="zh-CN" altLang="en-US" sz="2800" dirty="0">
+                <a:latin typeface="Times New Roman" panose="02020603050405020304" pitchFamily="18" charset="0"/>
+                <a:cs typeface="Times New Roman" panose="02020603050405020304" pitchFamily="18" charset="0"/>
+              </a:rPr>
+              <a:t> </a:t>
+            </a:r>
+            <a:r>
+              <a:rPr lang="en-US" altLang="zh-CN" sz="2800" dirty="0">
                 <a:latin typeface="Times New Roman" panose="02020603050405020304" pitchFamily="18" charset="0"/>
                 <a:cs typeface="Times New Roman" panose="02020603050405020304" pitchFamily="18" charset="0"/>
               </a:rPr>
               <a:t>lane</a:t>
             </a:r>
             <a:r>
-              <a:rPr lang="zh-CN" altLang="en-US" sz="2800" dirty="0" smtClean="0">
-                <a:latin typeface="Times New Roman" panose="02020603050405020304" pitchFamily="18" charset="0"/>
-                <a:cs typeface="Times New Roman" panose="02020603050405020304" pitchFamily="18" charset="0"/>
-              </a:rPr>
-              <a:t> </a:t>
-            </a:r>
-            <a:r>
-              <a:rPr lang="en-US" altLang="zh-CN" sz="2800" dirty="0" smtClean="0">
+              <a:rPr lang="zh-CN" altLang="en-US" sz="2800" dirty="0">
+                <a:latin typeface="Times New Roman" panose="02020603050405020304" pitchFamily="18" charset="0"/>
+                <a:cs typeface="Times New Roman" panose="02020603050405020304" pitchFamily="18" charset="0"/>
+              </a:rPr>
+              <a:t> </a:t>
+            </a:r>
+            <a:r>
+              <a:rPr lang="en-US" altLang="zh-CN" sz="2800" dirty="0">
                 <a:latin typeface="Times New Roman" panose="02020603050405020304" pitchFamily="18" charset="0"/>
                 <a:cs typeface="Times New Roman" panose="02020603050405020304" pitchFamily="18" charset="0"/>
               </a:rPr>
               <a:t>mark</a:t>
             </a:r>
             <a:r>
-              <a:rPr lang="zh-CN" altLang="en-US" sz="2800" dirty="0" smtClean="0">
-                <a:latin typeface="Times New Roman" panose="02020603050405020304" pitchFamily="18" charset="0"/>
-                <a:cs typeface="Times New Roman" panose="02020603050405020304" pitchFamily="18" charset="0"/>
-              </a:rPr>
-              <a:t> </a:t>
-            </a:r>
-            <a:r>
-              <a:rPr lang="en-US" altLang="zh-CN" sz="2800" dirty="0" smtClean="0">
+              <a:rPr lang="zh-CN" altLang="en-US" sz="2800" dirty="0">
+                <a:latin typeface="Times New Roman" panose="02020603050405020304" pitchFamily="18" charset="0"/>
+                <a:cs typeface="Times New Roman" panose="02020603050405020304" pitchFamily="18" charset="0"/>
+              </a:rPr>
+              <a:t> </a:t>
+            </a:r>
+            <a:r>
+              <a:rPr lang="en-US" altLang="zh-CN" sz="2800" dirty="0">
                 <a:latin typeface="Times New Roman" panose="02020603050405020304" pitchFamily="18" charset="0"/>
                 <a:cs typeface="Times New Roman" panose="02020603050405020304" pitchFamily="18" charset="0"/>
               </a:rPr>
               <a:t>for</a:t>
             </a:r>
             <a:r>
-              <a:rPr lang="zh-CN" altLang="en-US" sz="2800" dirty="0" smtClean="0">
-                <a:latin typeface="Times New Roman" panose="02020603050405020304" pitchFamily="18" charset="0"/>
-                <a:cs typeface="Times New Roman" panose="02020603050405020304" pitchFamily="18" charset="0"/>
-              </a:rPr>
-              <a:t> </a:t>
-            </a:r>
-            <a:r>
-              <a:rPr lang="en-US" altLang="zh-CN" sz="2800" dirty="0" smtClean="0">
+              <a:rPr lang="zh-CN" altLang="en-US" sz="2800" dirty="0">
+                <a:latin typeface="Times New Roman" panose="02020603050405020304" pitchFamily="18" charset="0"/>
+                <a:cs typeface="Times New Roman" panose="02020603050405020304" pitchFamily="18" charset="0"/>
+              </a:rPr>
+              <a:t> </a:t>
+            </a:r>
+            <a:r>
+              <a:rPr lang="en-US" altLang="zh-CN" sz="2800" dirty="0">
                 <a:latin typeface="Times New Roman" panose="02020603050405020304" pitchFamily="18" charset="0"/>
                 <a:cs typeface="Times New Roman" panose="02020603050405020304" pitchFamily="18" charset="0"/>
               </a:rPr>
               <a:t>any</a:t>
             </a:r>
             <a:r>
-              <a:rPr lang="zh-CN" altLang="en-US" sz="2800" dirty="0" smtClean="0">
-                <a:latin typeface="Times New Roman" panose="02020603050405020304" pitchFamily="18" charset="0"/>
-                <a:cs typeface="Times New Roman" panose="02020603050405020304" pitchFamily="18" charset="0"/>
-              </a:rPr>
-              <a:t> </a:t>
-            </a:r>
-            <a:r>
-              <a:rPr lang="en-US" altLang="zh-CN" sz="2800" dirty="0" smtClean="0">
+              <a:rPr lang="zh-CN" altLang="en-US" sz="2800" dirty="0">
+                <a:latin typeface="Times New Roman" panose="02020603050405020304" pitchFamily="18" charset="0"/>
+                <a:cs typeface="Times New Roman" panose="02020603050405020304" pitchFamily="18" charset="0"/>
+              </a:rPr>
+              <a:t> </a:t>
+            </a:r>
+            <a:r>
+              <a:rPr lang="en-US" altLang="zh-CN" sz="2800" dirty="0">
                 <a:latin typeface="Times New Roman" panose="02020603050405020304" pitchFamily="18" charset="0"/>
                 <a:cs typeface="Times New Roman" panose="02020603050405020304" pitchFamily="18" charset="0"/>
               </a:rPr>
               <a:t>input</a:t>
             </a:r>
             <a:r>
-              <a:rPr lang="zh-CN" altLang="en-US" sz="2800" dirty="0" smtClean="0">
-                <a:latin typeface="Times New Roman" panose="02020603050405020304" pitchFamily="18" charset="0"/>
-                <a:cs typeface="Times New Roman" panose="02020603050405020304" pitchFamily="18" charset="0"/>
-              </a:rPr>
-              <a:t> </a:t>
-            </a:r>
-            <a:r>
-              <a:rPr lang="en-US" altLang="zh-CN" sz="2800" dirty="0" smtClean="0">
+              <a:rPr lang="zh-CN" altLang="en-US" sz="2800" dirty="0">
+                <a:latin typeface="Times New Roman" panose="02020603050405020304" pitchFamily="18" charset="0"/>
+                <a:cs typeface="Times New Roman" panose="02020603050405020304" pitchFamily="18" charset="0"/>
+              </a:rPr>
+              <a:t> </a:t>
+            </a:r>
+            <a:r>
+              <a:rPr lang="en-US" altLang="zh-CN" sz="2800" dirty="0">
                 <a:latin typeface="Times New Roman" panose="02020603050405020304" pitchFamily="18" charset="0"/>
                 <a:cs typeface="Times New Roman" panose="02020603050405020304" pitchFamily="18" charset="0"/>
               </a:rPr>
               <a:t>data,</a:t>
             </a:r>
             <a:r>
-              <a:rPr lang="zh-CN" altLang="en-US" sz="2800" dirty="0" smtClean="0">
-                <a:latin typeface="Times New Roman" panose="02020603050405020304" pitchFamily="18" charset="0"/>
-                <a:cs typeface="Times New Roman" panose="02020603050405020304" pitchFamily="18" charset="0"/>
-              </a:rPr>
-              <a:t> </a:t>
-            </a:r>
-            <a:r>
-              <a:rPr lang="en-US" altLang="zh-CN" sz="2800" dirty="0" smtClean="0">
+              <a:rPr lang="zh-CN" altLang="en-US" sz="2800" dirty="0">
+                <a:latin typeface="Times New Roman" panose="02020603050405020304" pitchFamily="18" charset="0"/>
+                <a:cs typeface="Times New Roman" panose="02020603050405020304" pitchFamily="18" charset="0"/>
+              </a:rPr>
+              <a:t> </a:t>
+            </a:r>
+            <a:r>
+              <a:rPr lang="en-US" altLang="zh-CN" sz="2800" dirty="0">
                 <a:latin typeface="Times New Roman" panose="02020603050405020304" pitchFamily="18" charset="0"/>
                 <a:cs typeface="Times New Roman" panose="02020603050405020304" pitchFamily="18" charset="0"/>
               </a:rPr>
               <a:t>we</a:t>
             </a:r>
             <a:r>
-              <a:rPr lang="zh-CN" altLang="en-US" sz="2800" dirty="0" smtClean="0">
-                <a:latin typeface="Times New Roman" panose="02020603050405020304" pitchFamily="18" charset="0"/>
-                <a:cs typeface="Times New Roman" panose="02020603050405020304" pitchFamily="18" charset="0"/>
-              </a:rPr>
-              <a:t> </a:t>
-            </a:r>
-            <a:r>
-              <a:rPr lang="en-US" altLang="zh-CN" sz="2800" dirty="0" smtClean="0">
+              <a:rPr lang="zh-CN" altLang="en-US" sz="2800" dirty="0">
+                <a:latin typeface="Times New Roman" panose="02020603050405020304" pitchFamily="18" charset="0"/>
+                <a:cs typeface="Times New Roman" panose="02020603050405020304" pitchFamily="18" charset="0"/>
+              </a:rPr>
+              <a:t> </a:t>
+            </a:r>
+            <a:r>
+              <a:rPr lang="en-US" altLang="zh-CN" sz="2800" dirty="0">
                 <a:latin typeface="Times New Roman" panose="02020603050405020304" pitchFamily="18" charset="0"/>
                 <a:cs typeface="Times New Roman" panose="02020603050405020304" pitchFamily="18" charset="0"/>
               </a:rPr>
               <a:t>split</a:t>
             </a:r>
             <a:r>
-              <a:rPr lang="zh-CN" altLang="en-US" sz="2800" dirty="0" smtClean="0">
-                <a:latin typeface="Times New Roman" panose="02020603050405020304" pitchFamily="18" charset="0"/>
-                <a:cs typeface="Times New Roman" panose="02020603050405020304" pitchFamily="18" charset="0"/>
-              </a:rPr>
-              <a:t> </a:t>
-            </a:r>
-            <a:r>
-              <a:rPr lang="en-US" altLang="zh-CN" sz="2800" dirty="0" smtClean="0">
+              <a:rPr lang="zh-CN" altLang="en-US" sz="2800" dirty="0">
+                <a:latin typeface="Times New Roman" panose="02020603050405020304" pitchFamily="18" charset="0"/>
+                <a:cs typeface="Times New Roman" panose="02020603050405020304" pitchFamily="18" charset="0"/>
+              </a:rPr>
+              <a:t> </a:t>
+            </a:r>
+            <a:r>
+              <a:rPr lang="en-US" altLang="zh-CN" sz="2800" dirty="0">
                 <a:latin typeface="Times New Roman" panose="02020603050405020304" pitchFamily="18" charset="0"/>
                 <a:cs typeface="Times New Roman" panose="02020603050405020304" pitchFamily="18" charset="0"/>
               </a:rPr>
               <a:t>our</a:t>
             </a:r>
             <a:r>
-              <a:rPr lang="zh-CN" altLang="en-US" sz="2800" dirty="0" smtClean="0">
-                <a:latin typeface="Times New Roman" panose="02020603050405020304" pitchFamily="18" charset="0"/>
-                <a:cs typeface="Times New Roman" panose="02020603050405020304" pitchFamily="18" charset="0"/>
-              </a:rPr>
-              <a:t> </a:t>
-            </a:r>
-            <a:r>
-              <a:rPr lang="en-US" altLang="zh-CN" sz="2800" dirty="0" smtClean="0">
+              <a:rPr lang="zh-CN" altLang="en-US" sz="2800" dirty="0">
+                <a:latin typeface="Times New Roman" panose="02020603050405020304" pitchFamily="18" charset="0"/>
+                <a:cs typeface="Times New Roman" panose="02020603050405020304" pitchFamily="18" charset="0"/>
+              </a:rPr>
+              <a:t> </a:t>
+            </a:r>
+            <a:r>
+              <a:rPr lang="en-US" altLang="zh-CN" sz="2800" dirty="0">
                 <a:latin typeface="Times New Roman" panose="02020603050405020304" pitchFamily="18" charset="0"/>
                 <a:cs typeface="Times New Roman" panose="02020603050405020304" pitchFamily="18" charset="0"/>
               </a:rPr>
               <a:t>data</a:t>
             </a:r>
             <a:r>
-              <a:rPr lang="zh-CN" altLang="en-US" sz="2800" dirty="0" smtClean="0">
-                <a:latin typeface="Times New Roman" panose="02020603050405020304" pitchFamily="18" charset="0"/>
-                <a:cs typeface="Times New Roman" panose="02020603050405020304" pitchFamily="18" charset="0"/>
-              </a:rPr>
-              <a:t> </a:t>
-            </a:r>
-            <a:r>
-              <a:rPr lang="en-US" altLang="zh-CN" sz="2800" dirty="0" smtClean="0">
+              <a:rPr lang="zh-CN" altLang="en-US" sz="2800" dirty="0">
+                <a:latin typeface="Times New Roman" panose="02020603050405020304" pitchFamily="18" charset="0"/>
+                <a:cs typeface="Times New Roman" panose="02020603050405020304" pitchFamily="18" charset="0"/>
+              </a:rPr>
+              <a:t> </a:t>
+            </a:r>
+            <a:r>
+              <a:rPr lang="en-US" altLang="zh-CN" sz="2800" dirty="0">
                 <a:latin typeface="Times New Roman" panose="02020603050405020304" pitchFamily="18" charset="0"/>
                 <a:cs typeface="Times New Roman" panose="02020603050405020304" pitchFamily="18" charset="0"/>
               </a:rPr>
               <a:t>set</a:t>
             </a:r>
             <a:r>
-              <a:rPr lang="zh-CN" altLang="en-US" sz="2800" dirty="0" smtClean="0">
-                <a:latin typeface="Times New Roman" panose="02020603050405020304" pitchFamily="18" charset="0"/>
-                <a:cs typeface="Times New Roman" panose="02020603050405020304" pitchFamily="18" charset="0"/>
-              </a:rPr>
-              <a:t> </a:t>
-            </a:r>
-            <a:r>
-              <a:rPr lang="en-US" altLang="zh-CN" sz="2800" dirty="0" smtClean="0">
+              <a:rPr lang="zh-CN" altLang="en-US" sz="2800" dirty="0">
+                <a:latin typeface="Times New Roman" panose="02020603050405020304" pitchFamily="18" charset="0"/>
+                <a:cs typeface="Times New Roman" panose="02020603050405020304" pitchFamily="18" charset="0"/>
+              </a:rPr>
+              <a:t> </a:t>
+            </a:r>
+            <a:r>
+              <a:rPr lang="en-US" altLang="zh-CN" sz="2800" dirty="0">
                 <a:latin typeface="Times New Roman" panose="02020603050405020304" pitchFamily="18" charset="0"/>
                 <a:cs typeface="Times New Roman" panose="02020603050405020304" pitchFamily="18" charset="0"/>
               </a:rPr>
               <a:t>into</a:t>
             </a:r>
             <a:r>
-              <a:rPr lang="zh-CN" altLang="en-US" sz="2800" dirty="0" smtClean="0">
-                <a:latin typeface="Times New Roman" panose="02020603050405020304" pitchFamily="18" charset="0"/>
-                <a:cs typeface="Times New Roman" panose="02020603050405020304" pitchFamily="18" charset="0"/>
-              </a:rPr>
-              <a:t> </a:t>
-            </a:r>
-            <a:r>
-              <a:rPr lang="en-US" altLang="zh-CN" sz="2800" dirty="0" smtClean="0">
-                <a:latin typeface="Times New Roman" panose="02020603050405020304" pitchFamily="18" charset="0"/>
-                <a:cs typeface="Times New Roman" panose="02020603050405020304" pitchFamily="18" charset="0"/>
-              </a:rPr>
-              <a:t>2/3</a:t>
-            </a:r>
-            <a:r>
-              <a:rPr lang="zh-CN" altLang="en-US" sz="2800" dirty="0" smtClean="0">
-                <a:latin typeface="Times New Roman" panose="02020603050405020304" pitchFamily="18" charset="0"/>
-                <a:cs typeface="Times New Roman" panose="02020603050405020304" pitchFamily="18" charset="0"/>
-              </a:rPr>
-              <a:t> </a:t>
-            </a:r>
-            <a:r>
-              <a:rPr lang="en-US" altLang="zh-CN" sz="2800" dirty="0" smtClean="0">
+              <a:rPr lang="zh-CN" altLang="en-US" sz="2800" dirty="0">
+                <a:latin typeface="Times New Roman" panose="02020603050405020304" pitchFamily="18" charset="0"/>
+                <a:cs typeface="Times New Roman" panose="02020603050405020304" pitchFamily="18" charset="0"/>
+              </a:rPr>
+              <a:t> </a:t>
+            </a:r>
+            <a:r>
+              <a:rPr lang="en-US" altLang="zh-CN" sz="2800" dirty="0">
+                <a:latin typeface="Times New Roman" panose="02020603050405020304" pitchFamily="18" charset="0"/>
+                <a:cs typeface="Times New Roman" panose="02020603050405020304" pitchFamily="18" charset="0"/>
+              </a:rPr>
+              <a:t>roughly 2/3</a:t>
+            </a:r>
+            <a:r>
+              <a:rPr lang="zh-CN" altLang="en-US" sz="2800" dirty="0">
+                <a:latin typeface="Times New Roman" panose="02020603050405020304" pitchFamily="18" charset="0"/>
+                <a:cs typeface="Times New Roman" panose="02020603050405020304" pitchFamily="18" charset="0"/>
+              </a:rPr>
+              <a:t> </a:t>
+            </a:r>
+            <a:r>
+              <a:rPr lang="en-US" altLang="zh-CN" sz="2800" dirty="0">
                 <a:latin typeface="Times New Roman" panose="02020603050405020304" pitchFamily="18" charset="0"/>
                 <a:cs typeface="Times New Roman" panose="02020603050405020304" pitchFamily="18" charset="0"/>
               </a:rPr>
               <a:t>training</a:t>
             </a:r>
             <a:r>
-              <a:rPr lang="zh-CN" altLang="en-US" sz="2800" dirty="0" smtClean="0">
-                <a:latin typeface="Times New Roman" panose="02020603050405020304" pitchFamily="18" charset="0"/>
-                <a:cs typeface="Times New Roman" panose="02020603050405020304" pitchFamily="18" charset="0"/>
-              </a:rPr>
-              <a:t> </a:t>
-            </a:r>
-            <a:r>
-              <a:rPr lang="en-US" altLang="zh-CN" sz="2800" dirty="0" smtClean="0">
+              <a:rPr lang="zh-CN" altLang="en-US" sz="2800" dirty="0">
+                <a:latin typeface="Times New Roman" panose="02020603050405020304" pitchFamily="18" charset="0"/>
+                <a:cs typeface="Times New Roman" panose="02020603050405020304" pitchFamily="18" charset="0"/>
+              </a:rPr>
+              <a:t> </a:t>
+            </a:r>
+            <a:r>
+              <a:rPr lang="en-US" altLang="zh-CN" sz="2800" dirty="0">
                 <a:latin typeface="Times New Roman" panose="02020603050405020304" pitchFamily="18" charset="0"/>
                 <a:cs typeface="Times New Roman" panose="02020603050405020304" pitchFamily="18" charset="0"/>
               </a:rPr>
               <a:t>data</a:t>
             </a:r>
             <a:r>
-              <a:rPr lang="zh-CN" altLang="en-US" sz="2800" dirty="0" smtClean="0">
-                <a:latin typeface="Times New Roman" panose="02020603050405020304" pitchFamily="18" charset="0"/>
-                <a:cs typeface="Times New Roman" panose="02020603050405020304" pitchFamily="18" charset="0"/>
-              </a:rPr>
-              <a:t> </a:t>
-            </a:r>
-            <a:r>
-              <a:rPr lang="en-US" altLang="zh-CN" sz="2800" dirty="0" smtClean="0">
+              <a:rPr lang="zh-CN" altLang="en-US" sz="2800" dirty="0">
+                <a:latin typeface="Times New Roman" panose="02020603050405020304" pitchFamily="18" charset="0"/>
+                <a:cs typeface="Times New Roman" panose="02020603050405020304" pitchFamily="18" charset="0"/>
+              </a:rPr>
+              <a:t> </a:t>
+            </a:r>
+            <a:r>
+              <a:rPr lang="en-US" altLang="zh-CN" sz="2800" dirty="0">
                 <a:latin typeface="Times New Roman" panose="02020603050405020304" pitchFamily="18" charset="0"/>
                 <a:cs typeface="Times New Roman" panose="02020603050405020304" pitchFamily="18" charset="0"/>
               </a:rPr>
               <a:t>and</a:t>
             </a:r>
             <a:r>
-              <a:rPr lang="zh-CN" altLang="en-US" sz="2800" dirty="0" smtClean="0">
-                <a:latin typeface="Times New Roman" panose="02020603050405020304" pitchFamily="18" charset="0"/>
-                <a:cs typeface="Times New Roman" panose="02020603050405020304" pitchFamily="18" charset="0"/>
-              </a:rPr>
-              <a:t>  </a:t>
-            </a:r>
-            <a:r>
-              <a:rPr lang="en-US" altLang="zh-CN" sz="2800" dirty="0" smtClean="0">
+              <a:rPr lang="zh-CN" altLang="en-US" sz="2800" dirty="0">
+                <a:latin typeface="Times New Roman" panose="02020603050405020304" pitchFamily="18" charset="0"/>
+                <a:cs typeface="Times New Roman" panose="02020603050405020304" pitchFamily="18" charset="0"/>
+              </a:rPr>
+              <a:t> </a:t>
+            </a:r>
+            <a:r>
+              <a:rPr lang="en-US" altLang="zh-CN" sz="2800" dirty="0">
                 <a:latin typeface="Times New Roman" panose="02020603050405020304" pitchFamily="18" charset="0"/>
                 <a:cs typeface="Times New Roman" panose="02020603050405020304" pitchFamily="18" charset="0"/>
               </a:rPr>
               <a:t>1/3</a:t>
             </a:r>
             <a:r>
-              <a:rPr lang="zh-CN" altLang="en-US" sz="2800" dirty="0" smtClean="0">
-                <a:latin typeface="Times New Roman" panose="02020603050405020304" pitchFamily="18" charset="0"/>
-                <a:cs typeface="Times New Roman" panose="02020603050405020304" pitchFamily="18" charset="0"/>
-              </a:rPr>
-              <a:t> </a:t>
-            </a:r>
-            <a:r>
-              <a:rPr lang="en-US" altLang="zh-CN" sz="2800" dirty="0" smtClean="0">
+              <a:rPr lang="zh-CN" altLang="en-US" sz="2800" dirty="0">
+                <a:latin typeface="Times New Roman" panose="02020603050405020304" pitchFamily="18" charset="0"/>
+                <a:cs typeface="Times New Roman" panose="02020603050405020304" pitchFamily="18" charset="0"/>
+              </a:rPr>
+              <a:t> </a:t>
+            </a:r>
+            <a:r>
+              <a:rPr lang="en-US" altLang="zh-CN" sz="2800" dirty="0">
                 <a:latin typeface="Times New Roman" panose="02020603050405020304" pitchFamily="18" charset="0"/>
                 <a:cs typeface="Times New Roman" panose="02020603050405020304" pitchFamily="18" charset="0"/>
               </a:rPr>
               <a:t>testing</a:t>
             </a:r>
             <a:r>
-              <a:rPr lang="zh-CN" altLang="en-US" sz="2800" dirty="0" smtClean="0">
-                <a:latin typeface="Times New Roman" panose="02020603050405020304" pitchFamily="18" charset="0"/>
-                <a:cs typeface="Times New Roman" panose="02020603050405020304" pitchFamily="18" charset="0"/>
-              </a:rPr>
-              <a:t> </a:t>
-            </a:r>
-            <a:r>
-              <a:rPr lang="en-US" altLang="zh-CN" sz="2800" dirty="0" smtClean="0">
-                <a:latin typeface="Times New Roman" panose="02020603050405020304" pitchFamily="18" charset="0"/>
-                <a:cs typeface="Times New Roman" panose="02020603050405020304" pitchFamily="18" charset="0"/>
-              </a:rPr>
-              <a:t>data.</a:t>
-            </a:r>
-            <a:r>
-              <a:rPr lang="zh-CN" altLang="en-US" sz="2800" dirty="0" smtClean="0">
-                <a:latin typeface="Times New Roman" panose="02020603050405020304" pitchFamily="18" charset="0"/>
-                <a:cs typeface="Times New Roman" panose="02020603050405020304" pitchFamily="18" charset="0"/>
-              </a:rPr>
-              <a:t> </a:t>
-            </a:r>
-            <a:r>
-              <a:rPr lang="en-US" altLang="zh-CN" sz="2800" dirty="0" smtClean="0">
+              <a:rPr lang="zh-CN" altLang="en-US" sz="2800" dirty="0">
+                <a:latin typeface="Times New Roman" panose="02020603050405020304" pitchFamily="18" charset="0"/>
+                <a:cs typeface="Times New Roman" panose="02020603050405020304" pitchFamily="18" charset="0"/>
+              </a:rPr>
+              <a:t> </a:t>
+            </a:r>
+            <a:r>
+              <a:rPr lang="en-US" altLang="zh-CN" sz="2800" dirty="0">
+                <a:latin typeface="Times New Roman" panose="02020603050405020304" pitchFamily="18" charset="0"/>
+                <a:cs typeface="Times New Roman" panose="02020603050405020304" pitchFamily="18" charset="0"/>
+              </a:rPr>
+              <a:t>data, which split by our own, cut the whole road into two parts, and obviously make sense.</a:t>
+            </a:r>
+            <a:r>
+              <a:rPr lang="zh-CN" altLang="en-US" sz="2800" dirty="0">
+                <a:latin typeface="Times New Roman" panose="02020603050405020304" pitchFamily="18" charset="0"/>
+                <a:cs typeface="Times New Roman" panose="02020603050405020304" pitchFamily="18" charset="0"/>
+              </a:rPr>
+              <a:t> </a:t>
+            </a:r>
+            <a:r>
+              <a:rPr lang="en-US" altLang="zh-CN" sz="2800" dirty="0">
                 <a:latin typeface="Times New Roman" panose="02020603050405020304" pitchFamily="18" charset="0"/>
                 <a:cs typeface="Times New Roman" panose="02020603050405020304" pitchFamily="18" charset="0"/>
               </a:rPr>
               <a:t>We</a:t>
             </a:r>
             <a:r>
-              <a:rPr lang="zh-CN" altLang="en-US" sz="2800" dirty="0" smtClean="0">
-                <a:latin typeface="Times New Roman" panose="02020603050405020304" pitchFamily="18" charset="0"/>
-                <a:cs typeface="Times New Roman" panose="02020603050405020304" pitchFamily="18" charset="0"/>
-              </a:rPr>
-              <a:t> </a:t>
-            </a:r>
-            <a:r>
-              <a:rPr lang="en-US" altLang="zh-CN" sz="2800" dirty="0" smtClean="0">
+              <a:rPr lang="zh-CN" altLang="en-US" sz="2800" dirty="0">
+                <a:latin typeface="Times New Roman" panose="02020603050405020304" pitchFamily="18" charset="0"/>
+                <a:cs typeface="Times New Roman" panose="02020603050405020304" pitchFamily="18" charset="0"/>
+              </a:rPr>
+              <a:t> </a:t>
+            </a:r>
+            <a:r>
+              <a:rPr lang="en-US" altLang="zh-CN" sz="2800" dirty="0">
                 <a:latin typeface="Times New Roman" panose="02020603050405020304" pitchFamily="18" charset="0"/>
                 <a:cs typeface="Times New Roman" panose="02020603050405020304" pitchFamily="18" charset="0"/>
               </a:rPr>
               <a:t>use</a:t>
             </a:r>
             <a:r>
-              <a:rPr lang="zh-CN" altLang="en-US" sz="2800" dirty="0" smtClean="0">
-                <a:latin typeface="Times New Roman" panose="02020603050405020304" pitchFamily="18" charset="0"/>
-                <a:cs typeface="Times New Roman" panose="02020603050405020304" pitchFamily="18" charset="0"/>
-              </a:rPr>
-              <a:t> </a:t>
-            </a:r>
-            <a:r>
-              <a:rPr lang="en-US" altLang="zh-CN" sz="2800" dirty="0" smtClean="0">
+              <a:rPr lang="zh-CN" altLang="en-US" sz="2800" dirty="0">
+                <a:latin typeface="Times New Roman" panose="02020603050405020304" pitchFamily="18" charset="0"/>
+                <a:cs typeface="Times New Roman" panose="02020603050405020304" pitchFamily="18" charset="0"/>
+              </a:rPr>
+              <a:t> </a:t>
+            </a:r>
+            <a:r>
+              <a:rPr lang="en-US" altLang="zh-CN" sz="2800" dirty="0">
                 <a:latin typeface="Times New Roman" panose="02020603050405020304" pitchFamily="18" charset="0"/>
                 <a:cs typeface="Times New Roman" panose="02020603050405020304" pitchFamily="18" charset="0"/>
               </a:rPr>
               <a:t>the</a:t>
             </a:r>
             <a:r>
-              <a:rPr lang="zh-CN" altLang="en-US" sz="2800" dirty="0" smtClean="0">
-                <a:latin typeface="Times New Roman" panose="02020603050405020304" pitchFamily="18" charset="0"/>
-                <a:cs typeface="Times New Roman" panose="02020603050405020304" pitchFamily="18" charset="0"/>
-              </a:rPr>
-              <a:t> </a:t>
-            </a:r>
-            <a:r>
-              <a:rPr lang="en-US" altLang="zh-CN" sz="2800" dirty="0" smtClean="0">
+              <a:rPr lang="zh-CN" altLang="en-US" sz="2800" dirty="0">
+                <a:latin typeface="Times New Roman" panose="02020603050405020304" pitchFamily="18" charset="0"/>
+                <a:cs typeface="Times New Roman" panose="02020603050405020304" pitchFamily="18" charset="0"/>
+              </a:rPr>
+              <a:t> </a:t>
+            </a:r>
+            <a:r>
+              <a:rPr lang="en-US" altLang="zh-CN" sz="2800" dirty="0">
                 <a:latin typeface="Times New Roman" panose="02020603050405020304" pitchFamily="18" charset="0"/>
                 <a:cs typeface="Times New Roman" panose="02020603050405020304" pitchFamily="18" charset="0"/>
               </a:rPr>
               <a:t>training</a:t>
             </a:r>
             <a:r>
-              <a:rPr lang="zh-CN" altLang="en-US" sz="2800" dirty="0" smtClean="0">
-                <a:latin typeface="Times New Roman" panose="02020603050405020304" pitchFamily="18" charset="0"/>
-                <a:cs typeface="Times New Roman" panose="02020603050405020304" pitchFamily="18" charset="0"/>
-              </a:rPr>
-              <a:t> </a:t>
-            </a:r>
-            <a:r>
-              <a:rPr lang="en-US" altLang="zh-CN" sz="2800" dirty="0" smtClean="0">
+              <a:rPr lang="zh-CN" altLang="en-US" sz="2800" dirty="0">
+                <a:latin typeface="Times New Roman" panose="02020603050405020304" pitchFamily="18" charset="0"/>
+                <a:cs typeface="Times New Roman" panose="02020603050405020304" pitchFamily="18" charset="0"/>
+              </a:rPr>
+              <a:t> </a:t>
+            </a:r>
+            <a:r>
+              <a:rPr lang="en-US" altLang="zh-CN" sz="2800" dirty="0">
                 <a:latin typeface="Times New Roman" panose="02020603050405020304" pitchFamily="18" charset="0"/>
                 <a:cs typeface="Times New Roman" panose="02020603050405020304" pitchFamily="18" charset="0"/>
               </a:rPr>
               <a:t>data</a:t>
             </a:r>
             <a:r>
-              <a:rPr lang="zh-CN" altLang="en-US" sz="2800" dirty="0" smtClean="0">
-                <a:latin typeface="Times New Roman" panose="02020603050405020304" pitchFamily="18" charset="0"/>
-                <a:cs typeface="Times New Roman" panose="02020603050405020304" pitchFamily="18" charset="0"/>
-              </a:rPr>
-              <a:t> </a:t>
-            </a:r>
-            <a:r>
-              <a:rPr lang="en-US" altLang="zh-CN" sz="2800" dirty="0" smtClean="0">
+              <a:rPr lang="zh-CN" altLang="en-US" sz="2800" dirty="0">
+                <a:latin typeface="Times New Roman" panose="02020603050405020304" pitchFamily="18" charset="0"/>
+                <a:cs typeface="Times New Roman" panose="02020603050405020304" pitchFamily="18" charset="0"/>
+              </a:rPr>
+              <a:t> </a:t>
+            </a:r>
+            <a:r>
+              <a:rPr lang="en-US" altLang="zh-CN" sz="2800" dirty="0">
                 <a:latin typeface="Times New Roman" panose="02020603050405020304" pitchFamily="18" charset="0"/>
                 <a:cs typeface="Times New Roman" panose="02020603050405020304" pitchFamily="18" charset="0"/>
               </a:rPr>
               <a:t>to</a:t>
             </a:r>
             <a:r>
-              <a:rPr lang="zh-CN" altLang="en-US" sz="2800" dirty="0" smtClean="0">
-                <a:latin typeface="Times New Roman" panose="02020603050405020304" pitchFamily="18" charset="0"/>
-                <a:cs typeface="Times New Roman" panose="02020603050405020304" pitchFamily="18" charset="0"/>
-              </a:rPr>
-              <a:t> </a:t>
-            </a:r>
-            <a:r>
-              <a:rPr lang="en-US" altLang="zh-CN" sz="2800" dirty="0" smtClean="0">
+              <a:rPr lang="zh-CN" altLang="en-US" sz="2800" dirty="0">
+                <a:latin typeface="Times New Roman" panose="02020603050405020304" pitchFamily="18" charset="0"/>
+                <a:cs typeface="Times New Roman" panose="02020603050405020304" pitchFamily="18" charset="0"/>
+              </a:rPr>
+              <a:t> </a:t>
+            </a:r>
+            <a:r>
+              <a:rPr lang="en-US" altLang="zh-CN" sz="2800" dirty="0">
                 <a:latin typeface="Times New Roman" panose="02020603050405020304" pitchFamily="18" charset="0"/>
                 <a:cs typeface="Times New Roman" panose="02020603050405020304" pitchFamily="18" charset="0"/>
               </a:rPr>
               <a:t>train</a:t>
             </a:r>
             <a:r>
-              <a:rPr lang="zh-CN" altLang="en-US" sz="2800" dirty="0" smtClean="0">
-                <a:latin typeface="Times New Roman" panose="02020603050405020304" pitchFamily="18" charset="0"/>
-                <a:cs typeface="Times New Roman" panose="02020603050405020304" pitchFamily="18" charset="0"/>
-              </a:rPr>
-              <a:t> </a:t>
-            </a:r>
-            <a:r>
-              <a:rPr lang="en-US" altLang="zh-CN" sz="2800" dirty="0" smtClean="0">
+              <a:rPr lang="zh-CN" altLang="en-US" sz="2800" dirty="0">
+                <a:latin typeface="Times New Roman" panose="02020603050405020304" pitchFamily="18" charset="0"/>
+                <a:cs typeface="Times New Roman" panose="02020603050405020304" pitchFamily="18" charset="0"/>
+              </a:rPr>
+              <a:t> </a:t>
+            </a:r>
+            <a:r>
+              <a:rPr lang="en-US" altLang="zh-CN" sz="2800" dirty="0">
                 <a:latin typeface="Times New Roman" panose="02020603050405020304" pitchFamily="18" charset="0"/>
                 <a:cs typeface="Times New Roman" panose="02020603050405020304" pitchFamily="18" charset="0"/>
               </a:rPr>
               <a:t>a</a:t>
             </a:r>
             <a:r>
-              <a:rPr lang="zh-CN" altLang="en-US" sz="2800" dirty="0" smtClean="0">
-                <a:latin typeface="Times New Roman" panose="02020603050405020304" pitchFamily="18" charset="0"/>
-                <a:cs typeface="Times New Roman" panose="02020603050405020304" pitchFamily="18" charset="0"/>
-              </a:rPr>
-              <a:t> </a:t>
-            </a:r>
-            <a:r>
-              <a:rPr lang="en-US" altLang="zh-CN" sz="2800" dirty="0" smtClean="0">
-                <a:latin typeface="Times New Roman" panose="02020603050405020304" pitchFamily="18" charset="0"/>
-                <a:cs typeface="Times New Roman" panose="02020603050405020304" pitchFamily="18" charset="0"/>
-              </a:rPr>
-              <a:t>SVC</a:t>
-            </a:r>
-            <a:r>
-              <a:rPr lang="zh-CN" altLang="en-US" sz="2800" dirty="0" smtClean="0">
-                <a:latin typeface="Times New Roman" panose="02020603050405020304" pitchFamily="18" charset="0"/>
-                <a:cs typeface="Times New Roman" panose="02020603050405020304" pitchFamily="18" charset="0"/>
-              </a:rPr>
-              <a:t> </a:t>
-            </a:r>
-            <a:r>
-              <a:rPr lang="en-US" altLang="zh-CN" sz="2800" dirty="0" smtClean="0">
+              <a:rPr lang="zh-CN" altLang="en-US" sz="2800" dirty="0">
+                <a:latin typeface="Times New Roman" panose="02020603050405020304" pitchFamily="18" charset="0"/>
+                <a:cs typeface="Times New Roman" panose="02020603050405020304" pitchFamily="18" charset="0"/>
+              </a:rPr>
+              <a:t> </a:t>
+            </a:r>
+            <a:r>
+              <a:rPr lang="en-US" altLang="zh-CN" sz="2800" dirty="0">
+                <a:latin typeface="Times New Roman" panose="02020603050405020304" pitchFamily="18" charset="0"/>
+                <a:cs typeface="Times New Roman" panose="02020603050405020304" pitchFamily="18" charset="0"/>
+              </a:rPr>
+              <a:t>SVM</a:t>
+            </a:r>
+            <a:r>
+              <a:rPr lang="zh-CN" altLang="en-US" sz="2800" dirty="0">
+                <a:latin typeface="Times New Roman" panose="02020603050405020304" pitchFamily="18" charset="0"/>
+                <a:cs typeface="Times New Roman" panose="02020603050405020304" pitchFamily="18" charset="0"/>
+              </a:rPr>
+              <a:t> </a:t>
+            </a:r>
+            <a:r>
+              <a:rPr lang="en-US" altLang="zh-CN" sz="2800" dirty="0">
                 <a:latin typeface="Times New Roman" panose="02020603050405020304" pitchFamily="18" charset="0"/>
                 <a:cs typeface="Times New Roman" panose="02020603050405020304" pitchFamily="18" charset="0"/>
               </a:rPr>
               <a:t>model,</a:t>
             </a:r>
             <a:r>
-              <a:rPr lang="zh-CN" altLang="en-US" sz="2800" dirty="0" smtClean="0">
-                <a:latin typeface="Times New Roman" panose="02020603050405020304" pitchFamily="18" charset="0"/>
-                <a:cs typeface="Times New Roman" panose="02020603050405020304" pitchFamily="18" charset="0"/>
-              </a:rPr>
-              <a:t> </a:t>
-            </a:r>
-            <a:r>
-              <a:rPr lang="en-US" altLang="zh-CN" sz="2800" dirty="0" smtClean="0">
+              <a:rPr lang="zh-CN" altLang="en-US" sz="2800" dirty="0">
+                <a:latin typeface="Times New Roman" panose="02020603050405020304" pitchFamily="18" charset="0"/>
+                <a:cs typeface="Times New Roman" panose="02020603050405020304" pitchFamily="18" charset="0"/>
+              </a:rPr>
+              <a:t> </a:t>
+            </a:r>
+            <a:r>
+              <a:rPr lang="en-US" altLang="zh-CN" sz="2800" dirty="0">
                 <a:latin typeface="Times New Roman" panose="02020603050405020304" pitchFamily="18" charset="0"/>
                 <a:cs typeface="Times New Roman" panose="02020603050405020304" pitchFamily="18" charset="0"/>
               </a:rPr>
               <a:t>then</a:t>
             </a:r>
             <a:r>
-              <a:rPr lang="zh-CN" altLang="en-US" sz="2800" dirty="0" smtClean="0">
-                <a:latin typeface="Times New Roman" panose="02020603050405020304" pitchFamily="18" charset="0"/>
-                <a:cs typeface="Times New Roman" panose="02020603050405020304" pitchFamily="18" charset="0"/>
-              </a:rPr>
-              <a:t> </a:t>
-            </a:r>
-            <a:r>
-              <a:rPr lang="en-US" altLang="zh-CN" sz="2800" dirty="0" smtClean="0">
+              <a:rPr lang="zh-CN" altLang="en-US" sz="2800" dirty="0">
+                <a:latin typeface="Times New Roman" panose="02020603050405020304" pitchFamily="18" charset="0"/>
+                <a:cs typeface="Times New Roman" panose="02020603050405020304" pitchFamily="18" charset="0"/>
+              </a:rPr>
+              <a:t> </a:t>
+            </a:r>
+            <a:r>
+              <a:rPr lang="en-US" altLang="zh-CN" sz="2800" dirty="0">
                 <a:latin typeface="Times New Roman" panose="02020603050405020304" pitchFamily="18" charset="0"/>
                 <a:cs typeface="Times New Roman" panose="02020603050405020304" pitchFamily="18" charset="0"/>
               </a:rPr>
               <a:t>predict</a:t>
             </a:r>
             <a:r>
-              <a:rPr lang="zh-CN" altLang="en-US" sz="2800" dirty="0" smtClean="0">
-                <a:latin typeface="Times New Roman" panose="02020603050405020304" pitchFamily="18" charset="0"/>
-                <a:cs typeface="Times New Roman" panose="02020603050405020304" pitchFamily="18" charset="0"/>
-              </a:rPr>
-              <a:t> </a:t>
-            </a:r>
-            <a:r>
-              <a:rPr lang="en-US" altLang="zh-CN" sz="2800" dirty="0" smtClean="0">
+              <a:rPr lang="zh-CN" altLang="en-US" sz="2800" dirty="0">
+                <a:latin typeface="Times New Roman" panose="02020603050405020304" pitchFamily="18" charset="0"/>
+                <a:cs typeface="Times New Roman" panose="02020603050405020304" pitchFamily="18" charset="0"/>
+              </a:rPr>
+              <a:t> </a:t>
+            </a:r>
+            <a:r>
+              <a:rPr lang="en-US" altLang="zh-CN" sz="2800" dirty="0">
                 <a:latin typeface="Times New Roman" panose="02020603050405020304" pitchFamily="18" charset="0"/>
                 <a:cs typeface="Times New Roman" panose="02020603050405020304" pitchFamily="18" charset="0"/>
               </a:rPr>
               <a:t>and</a:t>
             </a:r>
             <a:r>
-              <a:rPr lang="zh-CN" altLang="en-US" sz="2800" dirty="0" smtClean="0">
-                <a:latin typeface="Times New Roman" panose="02020603050405020304" pitchFamily="18" charset="0"/>
-                <a:cs typeface="Times New Roman" panose="02020603050405020304" pitchFamily="18" charset="0"/>
-              </a:rPr>
-              <a:t> </a:t>
-            </a:r>
-            <a:r>
-              <a:rPr lang="en-US" altLang="zh-CN" sz="2800" dirty="0" smtClean="0">
+              <a:rPr lang="zh-CN" altLang="en-US" sz="2800" dirty="0">
+                <a:latin typeface="Times New Roman" panose="02020603050405020304" pitchFamily="18" charset="0"/>
+                <a:cs typeface="Times New Roman" panose="02020603050405020304" pitchFamily="18" charset="0"/>
+              </a:rPr>
+              <a:t> </a:t>
+            </a:r>
+            <a:r>
+              <a:rPr lang="en-US" altLang="zh-CN" sz="2800" dirty="0">
                 <a:latin typeface="Times New Roman" panose="02020603050405020304" pitchFamily="18" charset="0"/>
                 <a:cs typeface="Times New Roman" panose="02020603050405020304" pitchFamily="18" charset="0"/>
               </a:rPr>
               <a:t>evaluate</a:t>
             </a:r>
             <a:r>
-              <a:rPr lang="zh-CN" altLang="en-US" sz="2800" dirty="0" smtClean="0">
-                <a:latin typeface="Times New Roman" panose="02020603050405020304" pitchFamily="18" charset="0"/>
-                <a:cs typeface="Times New Roman" panose="02020603050405020304" pitchFamily="18" charset="0"/>
-              </a:rPr>
-              <a:t> </a:t>
-            </a:r>
-            <a:r>
-              <a:rPr lang="en-US" altLang="zh-CN" sz="2800" dirty="0" smtClean="0">
+              <a:rPr lang="zh-CN" altLang="en-US" sz="2800" dirty="0">
+                <a:latin typeface="Times New Roman" panose="02020603050405020304" pitchFamily="18" charset="0"/>
+                <a:cs typeface="Times New Roman" panose="02020603050405020304" pitchFamily="18" charset="0"/>
+              </a:rPr>
+              <a:t> </a:t>
+            </a:r>
+            <a:r>
+              <a:rPr lang="en-US" altLang="zh-CN" sz="2800" dirty="0">
                 <a:latin typeface="Times New Roman" panose="02020603050405020304" pitchFamily="18" charset="0"/>
                 <a:cs typeface="Times New Roman" panose="02020603050405020304" pitchFamily="18" charset="0"/>
               </a:rPr>
               <a:t>the</a:t>
             </a:r>
             <a:r>
-              <a:rPr lang="zh-CN" altLang="en-US" sz="2800" dirty="0" smtClean="0">
-                <a:latin typeface="Times New Roman" panose="02020603050405020304" pitchFamily="18" charset="0"/>
-                <a:cs typeface="Times New Roman" panose="02020603050405020304" pitchFamily="18" charset="0"/>
-              </a:rPr>
-              <a:t> </a:t>
-            </a:r>
-            <a:r>
-              <a:rPr lang="en-US" altLang="zh-CN" sz="2800" dirty="0" smtClean="0">
+              <a:rPr lang="zh-CN" altLang="en-US" sz="2800" dirty="0">
+                <a:latin typeface="Times New Roman" panose="02020603050405020304" pitchFamily="18" charset="0"/>
+                <a:cs typeface="Times New Roman" panose="02020603050405020304" pitchFamily="18" charset="0"/>
+              </a:rPr>
+              <a:t> </a:t>
+            </a:r>
+            <a:r>
+              <a:rPr lang="en-US" altLang="zh-CN" sz="2800" dirty="0">
                 <a:latin typeface="Times New Roman" panose="02020603050405020304" pitchFamily="18" charset="0"/>
                 <a:cs typeface="Times New Roman" panose="02020603050405020304" pitchFamily="18" charset="0"/>
               </a:rPr>
               <a:t>testing</a:t>
             </a:r>
             <a:r>
-              <a:rPr lang="zh-CN" altLang="en-US" sz="2800" dirty="0" smtClean="0">
-                <a:latin typeface="Times New Roman" panose="02020603050405020304" pitchFamily="18" charset="0"/>
-                <a:cs typeface="Times New Roman" panose="02020603050405020304" pitchFamily="18" charset="0"/>
-              </a:rPr>
-              <a:t> </a:t>
-            </a:r>
-            <a:r>
-              <a:rPr lang="en-US" altLang="zh-CN" sz="2800" dirty="0" smtClean="0">
+              <a:rPr lang="zh-CN" altLang="en-US" sz="2800" dirty="0">
+                <a:latin typeface="Times New Roman" panose="02020603050405020304" pitchFamily="18" charset="0"/>
+                <a:cs typeface="Times New Roman" panose="02020603050405020304" pitchFamily="18" charset="0"/>
+              </a:rPr>
+              <a:t> </a:t>
+            </a:r>
+            <a:r>
+              <a:rPr lang="en-US" altLang="zh-CN" sz="2800" dirty="0">
                 <a:latin typeface="Times New Roman" panose="02020603050405020304" pitchFamily="18" charset="0"/>
                 <a:cs typeface="Times New Roman" panose="02020603050405020304" pitchFamily="18" charset="0"/>
               </a:rPr>
               <a:t>set.</a:t>
             </a:r>
             <a:r>
-              <a:rPr lang="zh-CN" altLang="en-US" sz="2800" dirty="0" smtClean="0">
-                <a:latin typeface="Times New Roman" panose="02020603050405020304" pitchFamily="18" charset="0"/>
-                <a:cs typeface="Times New Roman" panose="02020603050405020304" pitchFamily="18" charset="0"/>
-              </a:rPr>
-              <a:t> </a:t>
-            </a:r>
-            <a:endParaRPr lang="en-US" altLang="zh-CN" sz="2800" dirty="0" smtClean="0">
-              <a:latin typeface="Times New Roman" panose="02020603050405020304" pitchFamily="18" charset="0"/>
-              <a:cs typeface="Times New Roman" panose="02020603050405020304" pitchFamily="18" charset="0"/>
-            </a:endParaRPr>
-          </a:p>
-          <a:p>
-            <a:pPr algn="just"/>
+              <a:rPr lang="zh-CN" altLang="en-US" sz="2800" dirty="0">
+                <a:latin typeface="Times New Roman" panose="02020603050405020304" pitchFamily="18" charset="0"/>
+                <a:cs typeface="Times New Roman" panose="02020603050405020304" pitchFamily="18" charset="0"/>
+              </a:rPr>
+              <a:t> </a:t>
+            </a:r>
             <a:endParaRPr lang="en-US" altLang="zh-CN" sz="2800" dirty="0">
               <a:latin typeface="Times New Roman" panose="02020603050405020304" pitchFamily="18" charset="0"/>
               <a:cs typeface="Times New Roman" panose="02020603050405020304" pitchFamily="18" charset="0"/>
@@ -9884,7 +9451,17 @@
           <a:p>
             <a:pPr algn="just"/>
             <a:r>
-              <a:rPr lang="en-US" altLang="zh-CN" sz="2800" dirty="0" smtClean="0">
+              <a:rPr lang="en-US" altLang="zh-CN" sz="2800" dirty="0">
+                <a:latin typeface="Times New Roman" panose="02020603050405020304" pitchFamily="18" charset="0"/>
+                <a:cs typeface="Times New Roman" panose="02020603050405020304" pitchFamily="18" charset="0"/>
+              </a:rPr>
+              <a:t>It is easy to see that there are more than 99% of data been labelled not lane mark, so accuracy cannot tell us anything about our model. We use</a:t>
+            </a:r>
+          </a:p>
+          <a:p>
+            <a:pPr algn="ctr"/>
+            <a:r>
+              <a:rPr lang="en-US" altLang="zh-CN" sz="2800" dirty="0">
                 <a:latin typeface="Times New Roman" panose="02020603050405020304" pitchFamily="18" charset="0"/>
                 <a:ea typeface="Times New Roman" charset="0"/>
                 <a:cs typeface="Times New Roman" panose="02020603050405020304" pitchFamily="18" charset="0"/>
@@ -9892,15 +9469,15 @@
               <a:t>F1</a:t>
             </a:r>
             <a:r>
-              <a:rPr lang="zh-CN" altLang="en-US" sz="2800" dirty="0" smtClean="0">
-                <a:latin typeface="Times New Roman" panose="02020603050405020304" pitchFamily="18" charset="0"/>
-                <a:ea typeface="Times New Roman" charset="0"/>
-                <a:cs typeface="Times New Roman" panose="02020603050405020304" pitchFamily="18" charset="0"/>
-              </a:rPr>
-              <a:t> </a:t>
-            </a:r>
-            <a:r>
-              <a:rPr lang="en-US" altLang="zh-CN" sz="2800" dirty="0" smtClean="0">
+              <a:rPr lang="zh-CN" altLang="en-US" sz="2800" dirty="0">
+                <a:latin typeface="Times New Roman" panose="02020603050405020304" pitchFamily="18" charset="0"/>
+                <a:ea typeface="Times New Roman" charset="0"/>
+                <a:cs typeface="Times New Roman" panose="02020603050405020304" pitchFamily="18" charset="0"/>
+              </a:rPr>
+              <a:t> </a:t>
+            </a:r>
+            <a:r>
+              <a:rPr lang="en-US" altLang="zh-CN" sz="2800" dirty="0">
                 <a:latin typeface="Times New Roman" panose="02020603050405020304" pitchFamily="18" charset="0"/>
                 <a:ea typeface="Times New Roman" charset="0"/>
                 <a:cs typeface="Times New Roman" panose="02020603050405020304" pitchFamily="18" charset="0"/>
@@ -9908,15 +9485,15 @@
               <a:t>=</a:t>
             </a:r>
             <a:r>
-              <a:rPr lang="zh-CN" altLang="en-US" sz="2800" dirty="0" smtClean="0">
-                <a:latin typeface="Times New Roman" panose="02020603050405020304" pitchFamily="18" charset="0"/>
-                <a:ea typeface="Times New Roman" charset="0"/>
-                <a:cs typeface="Times New Roman" panose="02020603050405020304" pitchFamily="18" charset="0"/>
-              </a:rPr>
-              <a:t> </a:t>
-            </a:r>
-            <a:r>
-              <a:rPr lang="en-US" altLang="zh-CN" sz="2800" dirty="0" smtClean="0">
+              <a:rPr lang="zh-CN" altLang="en-US" sz="2800" dirty="0">
+                <a:latin typeface="Times New Roman" panose="02020603050405020304" pitchFamily="18" charset="0"/>
+                <a:ea typeface="Times New Roman" charset="0"/>
+                <a:cs typeface="Times New Roman" panose="02020603050405020304" pitchFamily="18" charset="0"/>
+              </a:rPr>
+              <a:t> </a:t>
+            </a:r>
+            <a:r>
+              <a:rPr lang="en-US" altLang="zh-CN" sz="2800" dirty="0">
                 <a:latin typeface="Times New Roman" panose="02020603050405020304" pitchFamily="18" charset="0"/>
                 <a:ea typeface="Times New Roman" charset="0"/>
                 <a:cs typeface="Times New Roman" panose="02020603050405020304" pitchFamily="18" charset="0"/>
@@ -9924,7 +9501,7 @@
               <a:t>(2</a:t>
             </a:r>
             <a:r>
-              <a:rPr lang="zh-CN" altLang="en-US" sz="2800" dirty="0" smtClean="0">
+              <a:rPr lang="zh-CN" altLang="en-US" sz="2800" dirty="0">
                 <a:latin typeface="Times New Roman" panose="02020603050405020304" pitchFamily="18" charset="0"/>
                 <a:ea typeface="Times New Roman" charset="0"/>
                 <a:cs typeface="Times New Roman" panose="02020603050405020304" pitchFamily="18" charset="0"/>
@@ -9932,7 +9509,7 @@
               <a:t>* </a:t>
             </a:r>
             <a:r>
-              <a:rPr lang="en-US" altLang="zh-CN" sz="2800" dirty="0" smtClean="0">
+              <a:rPr lang="en-US" altLang="zh-CN" sz="2800" dirty="0">
                 <a:latin typeface="Times New Roman" panose="02020603050405020304" pitchFamily="18" charset="0"/>
                 <a:ea typeface="Times New Roman" charset="0"/>
                 <a:cs typeface="Times New Roman" panose="02020603050405020304" pitchFamily="18" charset="0"/>
@@ -9940,7 +9517,7 @@
               <a:t>precision</a:t>
             </a:r>
             <a:r>
-              <a:rPr lang="zh-CN" altLang="en-US" sz="2800" dirty="0" smtClean="0">
+              <a:rPr lang="zh-CN" altLang="en-US" sz="2800" dirty="0">
                 <a:latin typeface="Times New Roman" panose="02020603050405020304" pitchFamily="18" charset="0"/>
                 <a:ea typeface="Times New Roman" charset="0"/>
                 <a:cs typeface="Times New Roman" panose="02020603050405020304" pitchFamily="18" charset="0"/>
@@ -9948,7 +9525,7 @@
               <a:t> *</a:t>
             </a:r>
             <a:r>
-              <a:rPr lang="en-US" altLang="zh-CN" sz="2800" dirty="0" smtClean="0">
+              <a:rPr lang="en-US" altLang="zh-CN" sz="2800" dirty="0">
                 <a:latin typeface="Times New Roman" panose="02020603050405020304" pitchFamily="18" charset="0"/>
                 <a:ea typeface="Times New Roman" charset="0"/>
                 <a:cs typeface="Times New Roman" panose="02020603050405020304" pitchFamily="18" charset="0"/>
@@ -9956,15 +9533,15 @@
               <a:t>recall)</a:t>
             </a:r>
             <a:r>
-              <a:rPr lang="zh-CN" altLang="en-US" sz="2800" dirty="0" smtClean="0">
-                <a:latin typeface="Times New Roman" panose="02020603050405020304" pitchFamily="18" charset="0"/>
-                <a:ea typeface="Times New Roman" charset="0"/>
-                <a:cs typeface="Times New Roman" panose="02020603050405020304" pitchFamily="18" charset="0"/>
-              </a:rPr>
-              <a:t> </a:t>
-            </a:r>
-            <a:r>
-              <a:rPr lang="en-US" altLang="zh-CN" sz="2800" dirty="0" smtClean="0">
+              <a:rPr lang="zh-CN" altLang="en-US" sz="2800" dirty="0">
+                <a:latin typeface="Times New Roman" panose="02020603050405020304" pitchFamily="18" charset="0"/>
+                <a:ea typeface="Times New Roman" charset="0"/>
+                <a:cs typeface="Times New Roman" panose="02020603050405020304" pitchFamily="18" charset="0"/>
+              </a:rPr>
+              <a:t> </a:t>
+            </a:r>
+            <a:r>
+              <a:rPr lang="en-US" altLang="zh-CN" sz="2800" dirty="0">
                 <a:latin typeface="Times New Roman" panose="02020603050405020304" pitchFamily="18" charset="0"/>
                 <a:ea typeface="Times New Roman" charset="0"/>
                 <a:cs typeface="Times New Roman" panose="02020603050405020304" pitchFamily="18" charset="0"/>
@@ -9972,15 +9549,15 @@
               <a:t>/</a:t>
             </a:r>
             <a:r>
-              <a:rPr lang="zh-CN" altLang="en-US" sz="2800" dirty="0" smtClean="0">
-                <a:latin typeface="Times New Roman" panose="02020603050405020304" pitchFamily="18" charset="0"/>
-                <a:ea typeface="Times New Roman" charset="0"/>
-                <a:cs typeface="Times New Roman" panose="02020603050405020304" pitchFamily="18" charset="0"/>
-              </a:rPr>
-              <a:t> </a:t>
-            </a:r>
-            <a:r>
-              <a:rPr lang="en-US" altLang="zh-CN" sz="2800" dirty="0" smtClean="0">
+              <a:rPr lang="zh-CN" altLang="en-US" sz="2800" dirty="0">
+                <a:latin typeface="Times New Roman" panose="02020603050405020304" pitchFamily="18" charset="0"/>
+                <a:ea typeface="Times New Roman" charset="0"/>
+                <a:cs typeface="Times New Roman" panose="02020603050405020304" pitchFamily="18" charset="0"/>
+              </a:rPr>
+              <a:t> </a:t>
+            </a:r>
+            <a:r>
+              <a:rPr lang="en-US" altLang="zh-CN" sz="2800" dirty="0">
                 <a:latin typeface="Times New Roman" panose="02020603050405020304" pitchFamily="18" charset="0"/>
                 <a:ea typeface="Times New Roman" charset="0"/>
                 <a:cs typeface="Times New Roman" panose="02020603050405020304" pitchFamily="18" charset="0"/>
@@ -9988,15 +9565,15 @@
               <a:t>(precision</a:t>
             </a:r>
             <a:r>
-              <a:rPr lang="zh-CN" altLang="en-US" sz="2800" dirty="0" smtClean="0">
-                <a:latin typeface="Times New Roman" panose="02020603050405020304" pitchFamily="18" charset="0"/>
-                <a:ea typeface="Times New Roman" charset="0"/>
-                <a:cs typeface="Times New Roman" panose="02020603050405020304" pitchFamily="18" charset="0"/>
-              </a:rPr>
-              <a:t> </a:t>
-            </a:r>
-            <a:r>
-              <a:rPr lang="en-US" altLang="zh-CN" sz="2800" dirty="0" smtClean="0">
+              <a:rPr lang="zh-CN" altLang="en-US" sz="2800" dirty="0">
+                <a:latin typeface="Times New Roman" panose="02020603050405020304" pitchFamily="18" charset="0"/>
+                <a:ea typeface="Times New Roman" charset="0"/>
+                <a:cs typeface="Times New Roman" panose="02020603050405020304" pitchFamily="18" charset="0"/>
+              </a:rPr>
+              <a:t> </a:t>
+            </a:r>
+            <a:r>
+              <a:rPr lang="en-US" altLang="zh-CN" sz="2800" dirty="0">
                 <a:latin typeface="Times New Roman" panose="02020603050405020304" pitchFamily="18" charset="0"/>
                 <a:ea typeface="Times New Roman" charset="0"/>
                 <a:cs typeface="Times New Roman" panose="02020603050405020304" pitchFamily="18" charset="0"/>
@@ -10004,42 +9581,194 @@
               <a:t>+</a:t>
             </a:r>
             <a:r>
-              <a:rPr lang="zh-CN" altLang="en-US" sz="2800" dirty="0" smtClean="0">
-                <a:latin typeface="Times New Roman" panose="02020603050405020304" pitchFamily="18" charset="0"/>
-                <a:ea typeface="Times New Roman" charset="0"/>
-                <a:cs typeface="Times New Roman" panose="02020603050405020304" pitchFamily="18" charset="0"/>
-              </a:rPr>
-              <a:t> </a:t>
-            </a:r>
-            <a:r>
-              <a:rPr lang="en-US" altLang="zh-CN" sz="2800" dirty="0" smtClean="0">
-                <a:latin typeface="Times New Roman" panose="02020603050405020304" pitchFamily="18" charset="0"/>
-                <a:ea typeface="Times New Roman" charset="0"/>
-                <a:cs typeface="Times New Roman" panose="02020603050405020304" pitchFamily="18" charset="0"/>
-              </a:rPr>
-              <a:t>recall)</a:t>
+              <a:rPr lang="zh-CN" altLang="en-US" sz="2800" dirty="0">
+                <a:latin typeface="Times New Roman" panose="02020603050405020304" pitchFamily="18" charset="0"/>
+                <a:ea typeface="Times New Roman" charset="0"/>
+                <a:cs typeface="Times New Roman" panose="02020603050405020304" pitchFamily="18" charset="0"/>
+              </a:rPr>
+              <a:t> </a:t>
+            </a:r>
+            <a:r>
+              <a:rPr lang="en-US" altLang="zh-CN" sz="2800" dirty="0">
+                <a:latin typeface="Times New Roman" panose="02020603050405020304" pitchFamily="18" charset="0"/>
+                <a:ea typeface="Times New Roman" charset="0"/>
+                <a:cs typeface="Times New Roman" panose="02020603050405020304" pitchFamily="18" charset="0"/>
+              </a:rPr>
+              <a:t>recall) </a:t>
             </a:r>
           </a:p>
           <a:p>
             <a:pPr algn="just"/>
             <a:r>
-              <a:rPr lang="en-US" altLang="zh-CN" sz="2800" dirty="0" smtClean="0">
-                <a:latin typeface="Times New Roman" panose="02020603050405020304" pitchFamily="18" charset="0"/>
-                <a:ea typeface="Times New Roman" charset="0"/>
-                <a:cs typeface="Times New Roman" panose="02020603050405020304" pitchFamily="18" charset="0"/>
-              </a:rPr>
-              <a:t>Our</a:t>
-            </a:r>
-            <a:r>
-              <a:rPr lang="zh-CN" altLang="en-US" sz="2800" dirty="0" smtClean="0">
-                <a:latin typeface="Times New Roman" panose="02020603050405020304" pitchFamily="18" charset="0"/>
-                <a:ea typeface="Times New Roman" charset="0"/>
-                <a:cs typeface="Times New Roman" panose="02020603050405020304" pitchFamily="18" charset="0"/>
-              </a:rPr>
-              <a:t> </a:t>
-            </a:r>
-            <a:r>
-              <a:rPr lang="en-US" altLang="zh-CN" sz="2800" dirty="0" smtClean="0">
+              <a:rPr lang="en-US" altLang="zh-CN" sz="2800" dirty="0">
+                <a:latin typeface="Times New Roman" panose="02020603050405020304" pitchFamily="18" charset="0"/>
+                <a:ea typeface="Times New Roman" charset="0"/>
+                <a:cs typeface="Times New Roman" panose="02020603050405020304" pitchFamily="18" charset="0"/>
+              </a:rPr>
+              <a:t>as our score function, and our model</a:t>
+            </a:r>
+            <a:r>
+              <a:rPr lang="zh-CN" altLang="en-US" sz="2800" dirty="0">
+                <a:latin typeface="Times New Roman" panose="02020603050405020304" pitchFamily="18" charset="0"/>
+                <a:ea typeface="Times New Roman" charset="0"/>
+                <a:cs typeface="Times New Roman" panose="02020603050405020304" pitchFamily="18" charset="0"/>
+              </a:rPr>
+              <a:t> </a:t>
+            </a:r>
+            <a:r>
+              <a:rPr lang="en-US" altLang="zh-CN" sz="2800" dirty="0">
+                <a:latin typeface="Times New Roman" panose="02020603050405020304" pitchFamily="18" charset="0"/>
+                <a:ea typeface="Times New Roman" charset="0"/>
+                <a:cs typeface="Times New Roman" panose="02020603050405020304" pitchFamily="18" charset="0"/>
+              </a:rPr>
+              <a:t>get the score</a:t>
+            </a:r>
+            <a:r>
+              <a:rPr lang="zh-CN" altLang="en-US" sz="2800" dirty="0">
+                <a:latin typeface="Times New Roman" panose="02020603050405020304" pitchFamily="18" charset="0"/>
+                <a:ea typeface="Times New Roman" charset="0"/>
+                <a:cs typeface="Times New Roman" panose="02020603050405020304" pitchFamily="18" charset="0"/>
+              </a:rPr>
+              <a:t> </a:t>
+            </a:r>
+            <a:r>
+              <a:rPr lang="en-US" altLang="zh-CN" sz="2800" dirty="0">
+                <a:latin typeface="Times New Roman" panose="02020603050405020304" pitchFamily="18" charset="0"/>
+                <a:ea typeface="Times New Roman" charset="0"/>
+                <a:cs typeface="Times New Roman" panose="02020603050405020304" pitchFamily="18" charset="0"/>
+              </a:rPr>
+              <a:t>f1</a:t>
+            </a:r>
+            <a:r>
+              <a:rPr lang="zh-CN" altLang="en-US" sz="2800" dirty="0">
+                <a:latin typeface="Times New Roman" panose="02020603050405020304" pitchFamily="18" charset="0"/>
+                <a:ea typeface="Times New Roman" charset="0"/>
+                <a:cs typeface="Times New Roman" panose="02020603050405020304" pitchFamily="18" charset="0"/>
+              </a:rPr>
+              <a:t> </a:t>
+            </a:r>
+            <a:r>
+              <a:rPr lang="en-US" altLang="zh-CN" sz="2800" dirty="0">
+                <a:latin typeface="Times New Roman" panose="02020603050405020304" pitchFamily="18" charset="0"/>
+                <a:ea typeface="Times New Roman" charset="0"/>
+                <a:cs typeface="Times New Roman" panose="02020603050405020304" pitchFamily="18" charset="0"/>
+              </a:rPr>
+              <a:t>=</a:t>
+            </a:r>
+            <a:r>
+              <a:rPr lang="zh-CN" altLang="en-US" sz="2800" dirty="0">
+                <a:latin typeface="Times New Roman" panose="02020603050405020304" pitchFamily="18" charset="0"/>
+                <a:ea typeface="Times New Roman" charset="0"/>
+                <a:cs typeface="Times New Roman" panose="02020603050405020304" pitchFamily="18" charset="0"/>
+              </a:rPr>
+              <a:t> </a:t>
+            </a:r>
+            <a:r>
+              <a:rPr lang="nb-NO" altLang="zh-CN" sz="2800" dirty="0">
+                <a:latin typeface="Times New Roman" panose="02020603050405020304" pitchFamily="18" charset="0"/>
+                <a:ea typeface="Times New Roman" charset="0"/>
+                <a:cs typeface="Times New Roman" panose="02020603050405020304" pitchFamily="18" charset="0"/>
+              </a:rPr>
+              <a:t>0.988476, which is nearly perfect. </a:t>
+            </a:r>
+            <a:r>
+              <a:rPr lang="en-US" altLang="zh-CN" sz="2800" dirty="0">
+                <a:latin typeface="Times New Roman" panose="02020603050405020304" pitchFamily="18" charset="0"/>
+                <a:ea typeface="Times New Roman" charset="0"/>
+                <a:cs typeface="Times New Roman" panose="02020603050405020304" pitchFamily="18" charset="0"/>
+              </a:rPr>
+              <a:t>It</a:t>
+            </a:r>
+            <a:r>
+              <a:rPr lang="zh-CN" altLang="en-US" sz="2800" dirty="0">
+                <a:latin typeface="Times New Roman" panose="02020603050405020304" pitchFamily="18" charset="0"/>
+                <a:ea typeface="Times New Roman" charset="0"/>
+                <a:cs typeface="Times New Roman" panose="02020603050405020304" pitchFamily="18" charset="0"/>
+              </a:rPr>
+              <a:t> </a:t>
+            </a:r>
+            <a:r>
+              <a:rPr lang="en-US" altLang="zh-CN" sz="2800" dirty="0">
+                <a:latin typeface="Times New Roman" panose="02020603050405020304" pitchFamily="18" charset="0"/>
+                <a:ea typeface="Times New Roman" charset="0"/>
+                <a:cs typeface="Times New Roman" panose="02020603050405020304" pitchFamily="18" charset="0"/>
+              </a:rPr>
+              <a:t>proves</a:t>
+            </a:r>
+            <a:r>
+              <a:rPr lang="zh-CN" altLang="en-US" sz="2800" dirty="0">
+                <a:latin typeface="Times New Roman" panose="02020603050405020304" pitchFamily="18" charset="0"/>
+                <a:ea typeface="Times New Roman" charset="0"/>
+                <a:cs typeface="Times New Roman" panose="02020603050405020304" pitchFamily="18" charset="0"/>
+              </a:rPr>
+              <a:t> </a:t>
+            </a:r>
+            <a:r>
+              <a:rPr lang="en-US" altLang="zh-CN" sz="2800" dirty="0">
+                <a:latin typeface="Times New Roman" panose="02020603050405020304" pitchFamily="18" charset="0"/>
+                <a:ea typeface="Times New Roman" charset="0"/>
+                <a:cs typeface="Times New Roman" panose="02020603050405020304" pitchFamily="18" charset="0"/>
+              </a:rPr>
+              <a:t>that the</a:t>
+            </a:r>
+            <a:r>
+              <a:rPr lang="zh-CN" altLang="en-US" sz="2800" dirty="0">
+                <a:latin typeface="Times New Roman" panose="02020603050405020304" pitchFamily="18" charset="0"/>
+                <a:ea typeface="Times New Roman" charset="0"/>
+                <a:cs typeface="Times New Roman" panose="02020603050405020304" pitchFamily="18" charset="0"/>
+              </a:rPr>
+              <a:t> </a:t>
+            </a:r>
+            <a:r>
+              <a:rPr lang="en-US" altLang="zh-CN" sz="2800" dirty="0">
+                <a:latin typeface="Times New Roman" panose="02020603050405020304" pitchFamily="18" charset="0"/>
+                <a:ea typeface="Times New Roman" charset="0"/>
+                <a:cs typeface="Times New Roman" panose="02020603050405020304" pitchFamily="18" charset="0"/>
+              </a:rPr>
+              <a:t>performance</a:t>
+            </a:r>
+            <a:r>
+              <a:rPr lang="zh-CN" altLang="en-US" sz="2800" dirty="0">
+                <a:latin typeface="Times New Roman" panose="02020603050405020304" pitchFamily="18" charset="0"/>
+                <a:ea typeface="Times New Roman" charset="0"/>
+                <a:cs typeface="Times New Roman" panose="02020603050405020304" pitchFamily="18" charset="0"/>
+              </a:rPr>
+              <a:t> </a:t>
+            </a:r>
+            <a:r>
+              <a:rPr lang="en-US" altLang="zh-CN" sz="2800" dirty="0">
+                <a:latin typeface="Times New Roman" panose="02020603050405020304" pitchFamily="18" charset="0"/>
+                <a:ea typeface="Times New Roman" charset="0"/>
+                <a:cs typeface="Times New Roman" panose="02020603050405020304" pitchFamily="18" charset="0"/>
+              </a:rPr>
+              <a:t>of</a:t>
+            </a:r>
+            <a:r>
+              <a:rPr lang="zh-CN" altLang="en-US" sz="2800" dirty="0">
+                <a:latin typeface="Times New Roman" panose="02020603050405020304" pitchFamily="18" charset="0"/>
+                <a:ea typeface="Times New Roman" charset="0"/>
+                <a:cs typeface="Times New Roman" panose="02020603050405020304" pitchFamily="18" charset="0"/>
+              </a:rPr>
+              <a:t> </a:t>
+            </a:r>
+            <a:r>
+              <a:rPr lang="en-US" altLang="zh-CN" sz="2800" dirty="0">
+                <a:latin typeface="Times New Roman" panose="02020603050405020304" pitchFamily="18" charset="0"/>
+                <a:ea typeface="Times New Roman" charset="0"/>
+                <a:cs typeface="Times New Roman" panose="02020603050405020304" pitchFamily="18" charset="0"/>
+              </a:rPr>
+              <a:t>our</a:t>
+            </a:r>
+            <a:r>
+              <a:rPr lang="zh-CN" altLang="en-US" sz="2800" dirty="0">
+                <a:latin typeface="Times New Roman" panose="02020603050405020304" pitchFamily="18" charset="0"/>
+                <a:ea typeface="Times New Roman" charset="0"/>
+                <a:cs typeface="Times New Roman" panose="02020603050405020304" pitchFamily="18" charset="0"/>
+              </a:rPr>
+              <a:t> </a:t>
+            </a:r>
+            <a:r>
+              <a:rPr lang="en-US" altLang="zh-CN" sz="2800" dirty="0">
                 <a:latin typeface="Times New Roman" panose="02020603050405020304" pitchFamily="18" charset="0"/>
                 <a:ea typeface="Times New Roman" charset="0"/>
                 <a:cs typeface="Times New Roman" panose="02020603050405020304" pitchFamily="18" charset="0"/>
@@ -10047,210 +9776,15 @@
               <a:t>model</a:t>
             </a:r>
             <a:r>
-              <a:rPr lang="zh-CN" altLang="en-US" sz="2800" dirty="0" smtClean="0">
-                <a:latin typeface="Times New Roman" panose="02020603050405020304" pitchFamily="18" charset="0"/>
-                <a:ea typeface="Times New Roman" charset="0"/>
-                <a:cs typeface="Times New Roman" panose="02020603050405020304" pitchFamily="18" charset="0"/>
-              </a:rPr>
-              <a:t> </a:t>
-            </a:r>
-            <a:r>
-              <a:rPr lang="en-US" altLang="zh-CN" sz="2800" dirty="0" smtClean="0">
-                <a:latin typeface="Times New Roman" panose="02020603050405020304" pitchFamily="18" charset="0"/>
-                <a:ea typeface="Times New Roman" charset="0"/>
-                <a:cs typeface="Times New Roman" panose="02020603050405020304" pitchFamily="18" charset="0"/>
-              </a:rPr>
-              <a:t>generate</a:t>
-            </a:r>
-            <a:r>
-              <a:rPr lang="zh-CN" altLang="en-US" sz="2800" dirty="0" smtClean="0">
-                <a:latin typeface="Times New Roman" panose="02020603050405020304" pitchFamily="18" charset="0"/>
-                <a:ea typeface="Times New Roman" charset="0"/>
-                <a:cs typeface="Times New Roman" panose="02020603050405020304" pitchFamily="18" charset="0"/>
-              </a:rPr>
-              <a:t> </a:t>
-            </a:r>
-            <a:r>
-              <a:rPr lang="en-US" altLang="zh-CN" sz="2800" dirty="0" smtClean="0">
-                <a:latin typeface="Times New Roman" panose="02020603050405020304" pitchFamily="18" charset="0"/>
-                <a:ea typeface="Times New Roman" charset="0"/>
-                <a:cs typeface="Times New Roman" panose="02020603050405020304" pitchFamily="18" charset="0"/>
-              </a:rPr>
-              <a:t>the</a:t>
-            </a:r>
-            <a:r>
-              <a:rPr lang="zh-CN" altLang="en-US" sz="2800" dirty="0" smtClean="0">
-                <a:latin typeface="Times New Roman" panose="02020603050405020304" pitchFamily="18" charset="0"/>
-                <a:ea typeface="Times New Roman" charset="0"/>
-                <a:cs typeface="Times New Roman" panose="02020603050405020304" pitchFamily="18" charset="0"/>
-              </a:rPr>
-              <a:t> </a:t>
-            </a:r>
-            <a:r>
-              <a:rPr lang="en-US" altLang="zh-CN" sz="2800" dirty="0" smtClean="0">
-                <a:latin typeface="Times New Roman" panose="02020603050405020304" pitchFamily="18" charset="0"/>
-                <a:ea typeface="Times New Roman" charset="0"/>
-                <a:cs typeface="Times New Roman" panose="02020603050405020304" pitchFamily="18" charset="0"/>
-              </a:rPr>
-              <a:t>f1</a:t>
-            </a:r>
-            <a:r>
-              <a:rPr lang="zh-CN" altLang="en-US" sz="2800" dirty="0" smtClean="0">
-                <a:latin typeface="Times New Roman" panose="02020603050405020304" pitchFamily="18" charset="0"/>
-                <a:ea typeface="Times New Roman" charset="0"/>
-                <a:cs typeface="Times New Roman" panose="02020603050405020304" pitchFamily="18" charset="0"/>
-              </a:rPr>
-              <a:t> </a:t>
-            </a:r>
-            <a:r>
-              <a:rPr lang="en-US" altLang="zh-CN" sz="2800" dirty="0" smtClean="0">
-                <a:latin typeface="Times New Roman" panose="02020603050405020304" pitchFamily="18" charset="0"/>
-                <a:ea typeface="Times New Roman" charset="0"/>
-                <a:cs typeface="Times New Roman" panose="02020603050405020304" pitchFamily="18" charset="0"/>
-              </a:rPr>
-              <a:t>=</a:t>
-            </a:r>
-            <a:r>
-              <a:rPr lang="zh-CN" altLang="en-US" sz="2800" dirty="0" smtClean="0">
-                <a:latin typeface="Times New Roman" panose="02020603050405020304" pitchFamily="18" charset="0"/>
-                <a:ea typeface="Times New Roman" charset="0"/>
-                <a:cs typeface="Times New Roman" panose="02020603050405020304" pitchFamily="18" charset="0"/>
-              </a:rPr>
-              <a:t> </a:t>
-            </a:r>
-            <a:r>
-              <a:rPr lang="nb-NO" altLang="zh-CN" sz="2800" dirty="0" smtClean="0">
-                <a:latin typeface="Times New Roman" panose="02020603050405020304" pitchFamily="18" charset="0"/>
-                <a:ea typeface="Times New Roman" charset="0"/>
-                <a:cs typeface="Times New Roman" panose="02020603050405020304" pitchFamily="18" charset="0"/>
-              </a:rPr>
-              <a:t>0.988476</a:t>
-            </a:r>
-          </a:p>
-          <a:p>
-            <a:pPr algn="just"/>
-            <a:endParaRPr lang="nb-NO" altLang="zh-CN" sz="2800" dirty="0" smtClean="0">
-              <a:latin typeface="Times New Roman" panose="02020603050405020304" pitchFamily="18" charset="0"/>
-              <a:ea typeface="Times New Roman" charset="0"/>
-              <a:cs typeface="Times New Roman" panose="02020603050405020304" pitchFamily="18" charset="0"/>
-            </a:endParaRPr>
-          </a:p>
-          <a:p>
-            <a:pPr algn="just"/>
-            <a:r>
-              <a:rPr lang="en-US" altLang="zh-CN" sz="2800" dirty="0" smtClean="0">
-                <a:latin typeface="Times New Roman" panose="02020603050405020304" pitchFamily="18" charset="0"/>
-                <a:ea typeface="Times New Roman" charset="0"/>
-                <a:cs typeface="Times New Roman" panose="02020603050405020304" pitchFamily="18" charset="0"/>
-              </a:rPr>
-              <a:t>It</a:t>
-            </a:r>
-            <a:r>
-              <a:rPr lang="zh-CN" altLang="en-US" sz="2800" dirty="0" smtClean="0">
-                <a:latin typeface="Times New Roman" panose="02020603050405020304" pitchFamily="18" charset="0"/>
-                <a:ea typeface="Times New Roman" charset="0"/>
-                <a:cs typeface="Times New Roman" panose="02020603050405020304" pitchFamily="18" charset="0"/>
-              </a:rPr>
-              <a:t> </a:t>
-            </a:r>
-            <a:r>
-              <a:rPr lang="en-US" altLang="zh-CN" sz="2800" dirty="0" smtClean="0">
-                <a:latin typeface="Times New Roman" panose="02020603050405020304" pitchFamily="18" charset="0"/>
-                <a:ea typeface="Times New Roman" charset="0"/>
-                <a:cs typeface="Times New Roman" panose="02020603050405020304" pitchFamily="18" charset="0"/>
-              </a:rPr>
-              <a:t>proves</a:t>
-            </a:r>
-            <a:r>
-              <a:rPr lang="zh-CN" altLang="en-US" sz="2800" dirty="0" smtClean="0">
-                <a:latin typeface="Times New Roman" panose="02020603050405020304" pitchFamily="18" charset="0"/>
-                <a:ea typeface="Times New Roman" charset="0"/>
-                <a:cs typeface="Times New Roman" panose="02020603050405020304" pitchFamily="18" charset="0"/>
-              </a:rPr>
-              <a:t> </a:t>
-            </a:r>
-            <a:r>
-              <a:rPr lang="en-US" altLang="zh-CN" sz="2800" dirty="0" smtClean="0">
-                <a:latin typeface="Times New Roman" panose="02020603050405020304" pitchFamily="18" charset="0"/>
-                <a:ea typeface="Times New Roman" charset="0"/>
-                <a:cs typeface="Times New Roman" panose="02020603050405020304" pitchFamily="18" charset="0"/>
-              </a:rPr>
-              <a:t>the</a:t>
-            </a:r>
-            <a:r>
-              <a:rPr lang="zh-CN" altLang="en-US" sz="2800" dirty="0" smtClean="0">
-                <a:latin typeface="Times New Roman" panose="02020603050405020304" pitchFamily="18" charset="0"/>
-                <a:ea typeface="Times New Roman" charset="0"/>
-                <a:cs typeface="Times New Roman" panose="02020603050405020304" pitchFamily="18" charset="0"/>
-              </a:rPr>
-              <a:t> </a:t>
-            </a:r>
-            <a:r>
-              <a:rPr lang="en-US" altLang="zh-CN" sz="2800" dirty="0" smtClean="0">
-                <a:latin typeface="Times New Roman" panose="02020603050405020304" pitchFamily="18" charset="0"/>
-                <a:ea typeface="Times New Roman" charset="0"/>
-                <a:cs typeface="Times New Roman" panose="02020603050405020304" pitchFamily="18" charset="0"/>
-              </a:rPr>
-              <a:t>performance</a:t>
-            </a:r>
-            <a:r>
-              <a:rPr lang="zh-CN" altLang="en-US" sz="2800" dirty="0" smtClean="0">
-                <a:latin typeface="Times New Roman" panose="02020603050405020304" pitchFamily="18" charset="0"/>
-                <a:ea typeface="Times New Roman" charset="0"/>
-                <a:cs typeface="Times New Roman" panose="02020603050405020304" pitchFamily="18" charset="0"/>
-              </a:rPr>
-              <a:t> </a:t>
-            </a:r>
-            <a:r>
-              <a:rPr lang="en-US" altLang="zh-CN" sz="2800" dirty="0" smtClean="0">
-                <a:latin typeface="Times New Roman" panose="02020603050405020304" pitchFamily="18" charset="0"/>
-                <a:ea typeface="Times New Roman" charset="0"/>
-                <a:cs typeface="Times New Roman" panose="02020603050405020304" pitchFamily="18" charset="0"/>
-              </a:rPr>
-              <a:t>of</a:t>
-            </a:r>
-            <a:r>
-              <a:rPr lang="zh-CN" altLang="en-US" sz="2800" dirty="0" smtClean="0">
-                <a:latin typeface="Times New Roman" panose="02020603050405020304" pitchFamily="18" charset="0"/>
-                <a:ea typeface="Times New Roman" charset="0"/>
-                <a:cs typeface="Times New Roman" panose="02020603050405020304" pitchFamily="18" charset="0"/>
-              </a:rPr>
-              <a:t> </a:t>
-            </a:r>
-            <a:r>
-              <a:rPr lang="en-US" altLang="zh-CN" sz="2800" dirty="0" smtClean="0">
-                <a:latin typeface="Times New Roman" panose="02020603050405020304" pitchFamily="18" charset="0"/>
-                <a:ea typeface="Times New Roman" charset="0"/>
-                <a:cs typeface="Times New Roman" panose="02020603050405020304" pitchFamily="18" charset="0"/>
-              </a:rPr>
-              <a:t>our</a:t>
-            </a:r>
-            <a:r>
-              <a:rPr lang="zh-CN" altLang="en-US" sz="2800" dirty="0" smtClean="0">
-                <a:latin typeface="Times New Roman" panose="02020603050405020304" pitchFamily="18" charset="0"/>
-                <a:ea typeface="Times New Roman" charset="0"/>
-                <a:cs typeface="Times New Roman" panose="02020603050405020304" pitchFamily="18" charset="0"/>
-              </a:rPr>
-              <a:t> </a:t>
-            </a:r>
-            <a:r>
-              <a:rPr lang="en-US" altLang="zh-CN" sz="2800" dirty="0" smtClean="0">
-                <a:latin typeface="Times New Roman" panose="02020603050405020304" pitchFamily="18" charset="0"/>
-                <a:ea typeface="Times New Roman" charset="0"/>
-                <a:cs typeface="Times New Roman" panose="02020603050405020304" pitchFamily="18" charset="0"/>
-              </a:rPr>
-              <a:t>model</a:t>
-            </a:r>
-            <a:r>
-              <a:rPr lang="zh-CN" altLang="en-US" sz="2800" dirty="0" smtClean="0">
-                <a:latin typeface="Times New Roman" panose="02020603050405020304" pitchFamily="18" charset="0"/>
-                <a:ea typeface="Times New Roman" charset="0"/>
-                <a:cs typeface="Times New Roman" panose="02020603050405020304" pitchFamily="18" charset="0"/>
-              </a:rPr>
-              <a:t> </a:t>
-            </a:r>
-            <a:r>
-              <a:rPr lang="en-US" altLang="zh-CN" sz="2800" dirty="0" smtClean="0">
+              <a:rPr lang="zh-CN" altLang="en-US" sz="2800" dirty="0">
+                <a:latin typeface="Times New Roman" panose="02020603050405020304" pitchFamily="18" charset="0"/>
+                <a:ea typeface="Times New Roman" charset="0"/>
+                <a:cs typeface="Times New Roman" panose="02020603050405020304" pitchFamily="18" charset="0"/>
+              </a:rPr>
+              <a:t> </a:t>
+            </a:r>
+            <a:r>
+              <a:rPr lang="en-US" altLang="zh-CN" sz="2800" dirty="0">
                 <a:latin typeface="Times New Roman" panose="02020603050405020304" pitchFamily="18" charset="0"/>
                 <a:ea typeface="Times New Roman" charset="0"/>
                 <a:cs typeface="Times New Roman" panose="02020603050405020304" pitchFamily="18" charset="0"/>
@@ -10258,47 +9792,31 @@
               <a:t>is</a:t>
             </a:r>
             <a:r>
-              <a:rPr lang="zh-CN" altLang="en-US" sz="2800" dirty="0" smtClean="0">
-                <a:latin typeface="Times New Roman" panose="02020603050405020304" pitchFamily="18" charset="0"/>
-                <a:ea typeface="Times New Roman" charset="0"/>
-                <a:cs typeface="Times New Roman" panose="02020603050405020304" pitchFamily="18" charset="0"/>
-              </a:rPr>
-              <a:t> </a:t>
-            </a:r>
-            <a:r>
-              <a:rPr lang="en-US" altLang="zh-CN" sz="2800" dirty="0" smtClean="0">
-                <a:latin typeface="Times New Roman" panose="02020603050405020304" pitchFamily="18" charset="0"/>
-                <a:ea typeface="Times New Roman" charset="0"/>
-                <a:cs typeface="Times New Roman" panose="02020603050405020304" pitchFamily="18" charset="0"/>
-              </a:rPr>
-              <a:t>very</a:t>
-            </a:r>
-            <a:r>
-              <a:rPr lang="zh-CN" altLang="en-US" sz="2800" dirty="0" smtClean="0">
-                <a:latin typeface="Times New Roman" panose="02020603050405020304" pitchFamily="18" charset="0"/>
-                <a:ea typeface="Times New Roman" charset="0"/>
-                <a:cs typeface="Times New Roman" panose="02020603050405020304" pitchFamily="18" charset="0"/>
-              </a:rPr>
-              <a:t> </a:t>
-            </a:r>
-            <a:r>
-              <a:rPr lang="en-US" altLang="zh-CN" sz="2800" dirty="0" smtClean="0">
-                <a:latin typeface="Times New Roman" panose="02020603050405020304" pitchFamily="18" charset="0"/>
-                <a:ea typeface="Times New Roman" charset="0"/>
-                <a:cs typeface="Times New Roman" panose="02020603050405020304" pitchFamily="18" charset="0"/>
-              </a:rPr>
-              <a:t>high,</a:t>
-            </a:r>
-            <a:r>
-              <a:rPr lang="zh-CN" altLang="en-US" sz="2800" dirty="0" smtClean="0">
-                <a:latin typeface="Times New Roman" panose="02020603050405020304" pitchFamily="18" charset="0"/>
-                <a:ea typeface="Times New Roman" charset="0"/>
-                <a:cs typeface="Times New Roman" panose="02020603050405020304" pitchFamily="18" charset="0"/>
-              </a:rPr>
-              <a:t> </a:t>
-            </a:r>
-            <a:r>
-              <a:rPr lang="en-US" altLang="zh-CN" sz="2800" dirty="0" smtClean="0">
+              <a:rPr lang="zh-CN" altLang="en-US" sz="2800" dirty="0">
+                <a:latin typeface="Times New Roman" panose="02020603050405020304" pitchFamily="18" charset="0"/>
+                <a:ea typeface="Times New Roman" charset="0"/>
+                <a:cs typeface="Times New Roman" panose="02020603050405020304" pitchFamily="18" charset="0"/>
+              </a:rPr>
+              <a:t> </a:t>
+            </a:r>
+            <a:r>
+              <a:rPr lang="en-US" altLang="zh-CN" sz="2800" dirty="0">
+                <a:latin typeface="Times New Roman" panose="02020603050405020304" pitchFamily="18" charset="0"/>
+                <a:ea typeface="Times New Roman" charset="0"/>
+                <a:cs typeface="Times New Roman" panose="02020603050405020304" pitchFamily="18" charset="0"/>
+              </a:rPr>
+              <a:t>remarkable,</a:t>
+            </a:r>
+            <a:r>
+              <a:rPr lang="zh-CN" altLang="en-US" sz="2800" dirty="0">
+                <a:latin typeface="Times New Roman" panose="02020603050405020304" pitchFamily="18" charset="0"/>
+                <a:ea typeface="Times New Roman" charset="0"/>
+                <a:cs typeface="Times New Roman" panose="02020603050405020304" pitchFamily="18" charset="0"/>
+              </a:rPr>
+              <a:t> </a:t>
+            </a:r>
+            <a:r>
+              <a:rPr lang="en-US" altLang="zh-CN" sz="2800" dirty="0">
                 <a:latin typeface="Times New Roman" panose="02020603050405020304" pitchFamily="18" charset="0"/>
                 <a:ea typeface="Times New Roman" charset="0"/>
                 <a:cs typeface="Times New Roman" panose="02020603050405020304" pitchFamily="18" charset="0"/>
@@ -10306,15 +9824,15 @@
               <a:t>as</a:t>
             </a:r>
             <a:r>
-              <a:rPr lang="zh-CN" altLang="en-US" sz="2800" dirty="0" smtClean="0">
-                <a:latin typeface="Times New Roman" panose="02020603050405020304" pitchFamily="18" charset="0"/>
-                <a:ea typeface="Times New Roman" charset="0"/>
-                <a:cs typeface="Times New Roman" panose="02020603050405020304" pitchFamily="18" charset="0"/>
-              </a:rPr>
-              <a:t> </a:t>
-            </a:r>
-            <a:r>
-              <a:rPr lang="en-US" altLang="zh-CN" sz="2800" dirty="0" smtClean="0">
+              <a:rPr lang="zh-CN" altLang="en-US" sz="2800" dirty="0">
+                <a:latin typeface="Times New Roman" panose="02020603050405020304" pitchFamily="18" charset="0"/>
+                <a:ea typeface="Times New Roman" charset="0"/>
+                <a:cs typeface="Times New Roman" panose="02020603050405020304" pitchFamily="18" charset="0"/>
+              </a:rPr>
+              <a:t> </a:t>
+            </a:r>
+            <a:r>
+              <a:rPr lang="en-US" altLang="zh-CN" sz="2800" dirty="0">
                 <a:latin typeface="Times New Roman" panose="02020603050405020304" pitchFamily="18" charset="0"/>
                 <a:ea typeface="Times New Roman" charset="0"/>
                 <a:cs typeface="Times New Roman" panose="02020603050405020304" pitchFamily="18" charset="0"/>
@@ -10322,15 +9840,15 @@
               <a:t>result</a:t>
             </a:r>
             <a:r>
-              <a:rPr lang="zh-CN" altLang="en-US" sz="2800" dirty="0" smtClean="0">
-                <a:latin typeface="Times New Roman" panose="02020603050405020304" pitchFamily="18" charset="0"/>
-                <a:ea typeface="Times New Roman" charset="0"/>
-                <a:cs typeface="Times New Roman" panose="02020603050405020304" pitchFamily="18" charset="0"/>
-              </a:rPr>
-              <a:t> </a:t>
-            </a:r>
-            <a:r>
-              <a:rPr lang="en-US" altLang="zh-CN" sz="2800" dirty="0" smtClean="0">
+              <a:rPr lang="zh-CN" altLang="en-US" sz="2800" dirty="0">
+                <a:latin typeface="Times New Roman" panose="02020603050405020304" pitchFamily="18" charset="0"/>
+                <a:ea typeface="Times New Roman" charset="0"/>
+                <a:cs typeface="Times New Roman" panose="02020603050405020304" pitchFamily="18" charset="0"/>
+              </a:rPr>
+              <a:t> </a:t>
+            </a:r>
+            <a:r>
+              <a:rPr lang="en-US" altLang="zh-CN" sz="2800" dirty="0">
                 <a:latin typeface="Times New Roman" panose="02020603050405020304" pitchFamily="18" charset="0"/>
                 <a:ea typeface="Times New Roman" charset="0"/>
                 <a:cs typeface="Times New Roman" panose="02020603050405020304" pitchFamily="18" charset="0"/>
@@ -10338,15 +9856,15 @@
               <a:t>it</a:t>
             </a:r>
             <a:r>
-              <a:rPr lang="zh-CN" altLang="en-US" sz="2800" dirty="0" smtClean="0">
-                <a:latin typeface="Times New Roman" panose="02020603050405020304" pitchFamily="18" charset="0"/>
-                <a:ea typeface="Times New Roman" charset="0"/>
-                <a:cs typeface="Times New Roman" panose="02020603050405020304" pitchFamily="18" charset="0"/>
-              </a:rPr>
-              <a:t> </a:t>
-            </a:r>
-            <a:r>
-              <a:rPr lang="en-US" altLang="zh-CN" sz="2800" dirty="0" smtClean="0">
+              <a:rPr lang="zh-CN" altLang="en-US" sz="2800" dirty="0">
+                <a:latin typeface="Times New Roman" panose="02020603050405020304" pitchFamily="18" charset="0"/>
+                <a:ea typeface="Times New Roman" charset="0"/>
+                <a:cs typeface="Times New Roman" panose="02020603050405020304" pitchFamily="18" charset="0"/>
+              </a:rPr>
+              <a:t> </a:t>
+            </a:r>
+            <a:r>
+              <a:rPr lang="en-US" altLang="zh-CN" sz="2800" dirty="0">
                 <a:latin typeface="Times New Roman" panose="02020603050405020304" pitchFamily="18" charset="0"/>
                 <a:ea typeface="Times New Roman" charset="0"/>
                 <a:cs typeface="Times New Roman" panose="02020603050405020304" pitchFamily="18" charset="0"/>
@@ -10354,15 +9872,15 @@
               <a:t>can</a:t>
             </a:r>
             <a:r>
-              <a:rPr lang="zh-CN" altLang="en-US" sz="2800" dirty="0" smtClean="0">
-                <a:latin typeface="Times New Roman" panose="02020603050405020304" pitchFamily="18" charset="0"/>
-                <a:ea typeface="Times New Roman" charset="0"/>
-                <a:cs typeface="Times New Roman" panose="02020603050405020304" pitchFamily="18" charset="0"/>
-              </a:rPr>
-              <a:t> </a:t>
-            </a:r>
-            <a:r>
-              <a:rPr lang="en-US" altLang="zh-CN" sz="2800" dirty="0" smtClean="0">
+              <a:rPr lang="zh-CN" altLang="en-US" sz="2800" dirty="0">
+                <a:latin typeface="Times New Roman" panose="02020603050405020304" pitchFamily="18" charset="0"/>
+                <a:ea typeface="Times New Roman" charset="0"/>
+                <a:cs typeface="Times New Roman" panose="02020603050405020304" pitchFamily="18" charset="0"/>
+              </a:rPr>
+              <a:t> </a:t>
+            </a:r>
+            <a:r>
+              <a:rPr lang="en-US" altLang="zh-CN" sz="2800" dirty="0">
                 <a:latin typeface="Times New Roman" panose="02020603050405020304" pitchFamily="18" charset="0"/>
                 <a:ea typeface="Times New Roman" charset="0"/>
                 <a:cs typeface="Times New Roman" panose="02020603050405020304" pitchFamily="18" charset="0"/>
@@ -10370,15 +9888,15 @@
               <a:t>handle</a:t>
             </a:r>
             <a:r>
-              <a:rPr lang="zh-CN" altLang="en-US" sz="2800" dirty="0" smtClean="0">
-                <a:latin typeface="Times New Roman" panose="02020603050405020304" pitchFamily="18" charset="0"/>
-                <a:ea typeface="Times New Roman" charset="0"/>
-                <a:cs typeface="Times New Roman" panose="02020603050405020304" pitchFamily="18" charset="0"/>
-              </a:rPr>
-              <a:t> </a:t>
-            </a:r>
-            <a:r>
-              <a:rPr lang="en-US" altLang="zh-CN" sz="2800" dirty="0" smtClean="0">
+              <a:rPr lang="zh-CN" altLang="en-US" sz="2800" dirty="0">
+                <a:latin typeface="Times New Roman" panose="02020603050405020304" pitchFamily="18" charset="0"/>
+                <a:ea typeface="Times New Roman" charset="0"/>
+                <a:cs typeface="Times New Roman" panose="02020603050405020304" pitchFamily="18" charset="0"/>
+              </a:rPr>
+              <a:t> </a:t>
+            </a:r>
+            <a:r>
+              <a:rPr lang="en-US" altLang="zh-CN" sz="2800" dirty="0">
                 <a:latin typeface="Times New Roman" panose="02020603050405020304" pitchFamily="18" charset="0"/>
                 <a:ea typeface="Times New Roman" charset="0"/>
                 <a:cs typeface="Times New Roman" panose="02020603050405020304" pitchFamily="18" charset="0"/>
@@ -10386,15 +9904,15 @@
               <a:t>any</a:t>
             </a:r>
             <a:r>
-              <a:rPr lang="zh-CN" altLang="en-US" sz="2800" dirty="0" smtClean="0">
-                <a:latin typeface="Times New Roman" panose="02020603050405020304" pitchFamily="18" charset="0"/>
-                <a:ea typeface="Times New Roman" charset="0"/>
-                <a:cs typeface="Times New Roman" panose="02020603050405020304" pitchFamily="18" charset="0"/>
-              </a:rPr>
-              <a:t> </a:t>
-            </a:r>
-            <a:r>
-              <a:rPr lang="en-US" altLang="zh-CN" sz="2800" dirty="0" smtClean="0">
+              <a:rPr lang="zh-CN" altLang="en-US" sz="2800" dirty="0">
+                <a:latin typeface="Times New Roman" panose="02020603050405020304" pitchFamily="18" charset="0"/>
+                <a:ea typeface="Times New Roman" charset="0"/>
+                <a:cs typeface="Times New Roman" panose="02020603050405020304" pitchFamily="18" charset="0"/>
+              </a:rPr>
+              <a:t> </a:t>
+            </a:r>
+            <a:r>
+              <a:rPr lang="en-US" altLang="zh-CN" sz="2800" dirty="0">
                 <a:latin typeface="Times New Roman" panose="02020603050405020304" pitchFamily="18" charset="0"/>
                 <a:ea typeface="Times New Roman" charset="0"/>
                 <a:cs typeface="Times New Roman" panose="02020603050405020304" pitchFamily="18" charset="0"/>
@@ -10402,15 +9920,15 @@
               <a:t>given</a:t>
             </a:r>
             <a:r>
-              <a:rPr lang="zh-CN" altLang="en-US" sz="2800" dirty="0" smtClean="0">
-                <a:latin typeface="Times New Roman" panose="02020603050405020304" pitchFamily="18" charset="0"/>
-                <a:ea typeface="Times New Roman" charset="0"/>
-                <a:cs typeface="Times New Roman" panose="02020603050405020304" pitchFamily="18" charset="0"/>
-              </a:rPr>
-              <a:t> </a:t>
-            </a:r>
-            <a:r>
-              <a:rPr lang="en-US" altLang="zh-CN" sz="2800" dirty="0" smtClean="0">
+              <a:rPr lang="zh-CN" altLang="en-US" sz="2800" dirty="0">
+                <a:latin typeface="Times New Roman" panose="02020603050405020304" pitchFamily="18" charset="0"/>
+                <a:ea typeface="Times New Roman" charset="0"/>
+                <a:cs typeface="Times New Roman" panose="02020603050405020304" pitchFamily="18" charset="0"/>
+              </a:rPr>
+              <a:t> </a:t>
+            </a:r>
+            <a:r>
+              <a:rPr lang="en-US" altLang="zh-CN" sz="2800" dirty="0">
                 <a:latin typeface="Times New Roman" panose="02020603050405020304" pitchFamily="18" charset="0"/>
                 <a:ea typeface="Times New Roman" charset="0"/>
                 <a:cs typeface="Times New Roman" panose="02020603050405020304" pitchFamily="18" charset="0"/>
@@ -10418,15 +9936,15 @@
               <a:t>input</a:t>
             </a:r>
             <a:r>
-              <a:rPr lang="zh-CN" altLang="en-US" sz="2800" dirty="0" smtClean="0">
-                <a:latin typeface="Times New Roman" panose="02020603050405020304" pitchFamily="18" charset="0"/>
-                <a:ea typeface="Times New Roman" charset="0"/>
-                <a:cs typeface="Times New Roman" panose="02020603050405020304" pitchFamily="18" charset="0"/>
-              </a:rPr>
-              <a:t> </a:t>
-            </a:r>
-            <a:r>
-              <a:rPr lang="en-US" altLang="zh-CN" sz="2800" dirty="0" smtClean="0">
+              <a:rPr lang="zh-CN" altLang="en-US" sz="2800" dirty="0">
+                <a:latin typeface="Times New Roman" panose="02020603050405020304" pitchFamily="18" charset="0"/>
+                <a:ea typeface="Times New Roman" charset="0"/>
+                <a:cs typeface="Times New Roman" panose="02020603050405020304" pitchFamily="18" charset="0"/>
+              </a:rPr>
+              <a:t> </a:t>
+            </a:r>
+            <a:r>
+              <a:rPr lang="en-US" altLang="zh-CN" sz="2800" dirty="0">
                 <a:latin typeface="Times New Roman" panose="02020603050405020304" pitchFamily="18" charset="0"/>
                 <a:ea typeface="Times New Roman" charset="0"/>
                 <a:cs typeface="Times New Roman" panose="02020603050405020304" pitchFamily="18" charset="0"/>
@@ -10434,15 +9952,15 @@
               <a:t>data</a:t>
             </a:r>
             <a:r>
-              <a:rPr lang="zh-CN" altLang="en-US" sz="2800" dirty="0" smtClean="0">
-                <a:latin typeface="Times New Roman" panose="02020603050405020304" pitchFamily="18" charset="0"/>
-                <a:ea typeface="Times New Roman" charset="0"/>
-                <a:cs typeface="Times New Roman" panose="02020603050405020304" pitchFamily="18" charset="0"/>
-              </a:rPr>
-              <a:t> </a:t>
-            </a:r>
-            <a:r>
-              <a:rPr lang="en-US" altLang="zh-CN" sz="2800" dirty="0" smtClean="0">
+              <a:rPr lang="zh-CN" altLang="en-US" sz="2800" dirty="0">
+                <a:latin typeface="Times New Roman" panose="02020603050405020304" pitchFamily="18" charset="0"/>
+                <a:ea typeface="Times New Roman" charset="0"/>
+                <a:cs typeface="Times New Roman" panose="02020603050405020304" pitchFamily="18" charset="0"/>
+              </a:rPr>
+              <a:t> </a:t>
+            </a:r>
+            <a:r>
+              <a:rPr lang="en-US" altLang="zh-CN" sz="2800" dirty="0">
                 <a:latin typeface="Times New Roman" panose="02020603050405020304" pitchFamily="18" charset="0"/>
                 <a:ea typeface="Times New Roman" charset="0"/>
                 <a:cs typeface="Times New Roman" panose="02020603050405020304" pitchFamily="18" charset="0"/>
@@ -10450,15 +9968,15 @@
               <a:t>and</a:t>
             </a:r>
             <a:r>
-              <a:rPr lang="zh-CN" altLang="en-US" sz="2800" dirty="0" smtClean="0">
-                <a:latin typeface="Times New Roman" panose="02020603050405020304" pitchFamily="18" charset="0"/>
-                <a:ea typeface="Times New Roman" charset="0"/>
-                <a:cs typeface="Times New Roman" panose="02020603050405020304" pitchFamily="18" charset="0"/>
-              </a:rPr>
-              <a:t> </a:t>
-            </a:r>
-            <a:r>
-              <a:rPr lang="en-US" altLang="zh-CN" sz="2800" dirty="0" smtClean="0">
+              <a:rPr lang="zh-CN" altLang="en-US" sz="2800" dirty="0">
+                <a:latin typeface="Times New Roman" panose="02020603050405020304" pitchFamily="18" charset="0"/>
+                <a:ea typeface="Times New Roman" charset="0"/>
+                <a:cs typeface="Times New Roman" panose="02020603050405020304" pitchFamily="18" charset="0"/>
+              </a:rPr>
+              <a:t> </a:t>
+            </a:r>
+            <a:r>
+              <a:rPr lang="en-US" altLang="zh-CN" sz="2800" dirty="0">
                 <a:latin typeface="Times New Roman" panose="02020603050405020304" pitchFamily="18" charset="0"/>
                 <a:ea typeface="Times New Roman" charset="0"/>
                 <a:cs typeface="Times New Roman" panose="02020603050405020304" pitchFamily="18" charset="0"/>
@@ -10466,15 +9984,15 @@
               <a:t>successfully</a:t>
             </a:r>
             <a:r>
-              <a:rPr lang="zh-CN" altLang="en-US" sz="2800" dirty="0" smtClean="0">
-                <a:latin typeface="Times New Roman" panose="02020603050405020304" pitchFamily="18" charset="0"/>
-                <a:ea typeface="Times New Roman" charset="0"/>
-                <a:cs typeface="Times New Roman" panose="02020603050405020304" pitchFamily="18" charset="0"/>
-              </a:rPr>
-              <a:t> </a:t>
-            </a:r>
-            <a:r>
-              <a:rPr lang="en-US" altLang="zh-CN" sz="2800" dirty="0" smtClean="0">
+              <a:rPr lang="zh-CN" altLang="en-US" sz="2800" dirty="0">
+                <a:latin typeface="Times New Roman" panose="02020603050405020304" pitchFamily="18" charset="0"/>
+                <a:ea typeface="Times New Roman" charset="0"/>
+                <a:cs typeface="Times New Roman" panose="02020603050405020304" pitchFamily="18" charset="0"/>
+              </a:rPr>
+              <a:t> </a:t>
+            </a:r>
+            <a:r>
+              <a:rPr lang="en-US" altLang="zh-CN" sz="2800" dirty="0">
                 <a:latin typeface="Times New Roman" panose="02020603050405020304" pitchFamily="18" charset="0"/>
                 <a:ea typeface="Times New Roman" charset="0"/>
                 <a:cs typeface="Times New Roman" panose="02020603050405020304" pitchFamily="18" charset="0"/>
@@ -10482,15 +10000,15 @@
               <a:t>mark</a:t>
             </a:r>
             <a:r>
-              <a:rPr lang="zh-CN" altLang="en-US" sz="2800" dirty="0" smtClean="0">
-                <a:latin typeface="Times New Roman" panose="02020603050405020304" pitchFamily="18" charset="0"/>
-                <a:ea typeface="Times New Roman" charset="0"/>
-                <a:cs typeface="Times New Roman" panose="02020603050405020304" pitchFamily="18" charset="0"/>
-              </a:rPr>
-              <a:t> </a:t>
-            </a:r>
-            <a:r>
-              <a:rPr lang="en-US" altLang="zh-CN" sz="2800" dirty="0" smtClean="0">
+              <a:rPr lang="zh-CN" altLang="en-US" sz="2800" dirty="0">
+                <a:latin typeface="Times New Roman" panose="02020603050405020304" pitchFamily="18" charset="0"/>
+                <a:ea typeface="Times New Roman" charset="0"/>
+                <a:cs typeface="Times New Roman" panose="02020603050405020304" pitchFamily="18" charset="0"/>
+              </a:rPr>
+              <a:t> </a:t>
+            </a:r>
+            <a:r>
+              <a:rPr lang="en-US" altLang="zh-CN" sz="2800" dirty="0">
                 <a:latin typeface="Times New Roman" panose="02020603050405020304" pitchFamily="18" charset="0"/>
                 <a:ea typeface="Times New Roman" charset="0"/>
                 <a:cs typeface="Times New Roman" panose="02020603050405020304" pitchFamily="18" charset="0"/>
@@ -10498,15 +10016,15 @@
               <a:t>lane</a:t>
             </a:r>
             <a:r>
-              <a:rPr lang="zh-CN" altLang="en-US" sz="2800" dirty="0" smtClean="0">
-                <a:latin typeface="Times New Roman" panose="02020603050405020304" pitchFamily="18" charset="0"/>
-                <a:ea typeface="Times New Roman" charset="0"/>
-                <a:cs typeface="Times New Roman" panose="02020603050405020304" pitchFamily="18" charset="0"/>
-              </a:rPr>
-              <a:t> </a:t>
-            </a:r>
-            <a:r>
-              <a:rPr lang="en-US" altLang="zh-CN" sz="2800" dirty="0" smtClean="0">
+              <a:rPr lang="zh-CN" altLang="en-US" sz="2800" dirty="0">
+                <a:latin typeface="Times New Roman" panose="02020603050405020304" pitchFamily="18" charset="0"/>
+                <a:ea typeface="Times New Roman" charset="0"/>
+                <a:cs typeface="Times New Roman" panose="02020603050405020304" pitchFamily="18" charset="0"/>
+              </a:rPr>
+              <a:t> </a:t>
+            </a:r>
+            <a:r>
+              <a:rPr lang="en-US" altLang="zh-CN" sz="2800" dirty="0">
                 <a:latin typeface="Times New Roman" panose="02020603050405020304" pitchFamily="18" charset="0"/>
                 <a:ea typeface="Times New Roman" charset="0"/>
                 <a:cs typeface="Times New Roman" panose="02020603050405020304" pitchFamily="18" charset="0"/>
@@ -10514,15 +10032,15 @@
               <a:t>on</a:t>
             </a:r>
             <a:r>
-              <a:rPr lang="zh-CN" altLang="en-US" sz="2800" dirty="0" smtClean="0">
-                <a:latin typeface="Times New Roman" panose="02020603050405020304" pitchFamily="18" charset="0"/>
-                <a:ea typeface="Times New Roman" charset="0"/>
-                <a:cs typeface="Times New Roman" panose="02020603050405020304" pitchFamily="18" charset="0"/>
-              </a:rPr>
-              <a:t> </a:t>
-            </a:r>
-            <a:r>
-              <a:rPr lang="en-US" altLang="zh-CN" sz="2800" dirty="0" smtClean="0">
+              <a:rPr lang="zh-CN" altLang="en-US" sz="2800" dirty="0">
+                <a:latin typeface="Times New Roman" panose="02020603050405020304" pitchFamily="18" charset="0"/>
+                <a:ea typeface="Times New Roman" charset="0"/>
+                <a:cs typeface="Times New Roman" panose="02020603050405020304" pitchFamily="18" charset="0"/>
+              </a:rPr>
+              <a:t> </a:t>
+            </a:r>
+            <a:r>
+              <a:rPr lang="en-US" altLang="zh-CN" sz="2800" dirty="0">
                 <a:latin typeface="Times New Roman" panose="02020603050405020304" pitchFamily="18" charset="0"/>
                 <a:ea typeface="Times New Roman" charset="0"/>
                 <a:cs typeface="Times New Roman" panose="02020603050405020304" pitchFamily="18" charset="0"/>
@@ -10530,53 +10048,20 @@
               <a:t>road</a:t>
             </a:r>
             <a:r>
-              <a:rPr lang="zh-CN" altLang="en-US" sz="2800" dirty="0" smtClean="0">
-                <a:latin typeface="Times New Roman" panose="02020603050405020304" pitchFamily="18" charset="0"/>
-                <a:ea typeface="Times New Roman" charset="0"/>
-                <a:cs typeface="Times New Roman" panose="02020603050405020304" pitchFamily="18" charset="0"/>
-              </a:rPr>
-              <a:t> </a:t>
-            </a:r>
-            <a:r>
-              <a:rPr lang="en-US" altLang="zh-CN" sz="2800" dirty="0" smtClean="0">
+              <a:rPr lang="zh-CN" altLang="en-US" sz="2800" dirty="0">
+                <a:latin typeface="Times New Roman" panose="02020603050405020304" pitchFamily="18" charset="0"/>
+                <a:ea typeface="Times New Roman" charset="0"/>
+                <a:cs typeface="Times New Roman" panose="02020603050405020304" pitchFamily="18" charset="0"/>
+              </a:rPr>
+              <a:t> </a:t>
+            </a:r>
+            <a:r>
+              <a:rPr lang="en-US" altLang="zh-CN" sz="2800" dirty="0">
                 <a:latin typeface="Times New Roman" panose="02020603050405020304" pitchFamily="18" charset="0"/>
                 <a:ea typeface="Times New Roman" charset="0"/>
                 <a:cs typeface="Times New Roman" panose="02020603050405020304" pitchFamily="18" charset="0"/>
               </a:rPr>
               <a:t>surface.</a:t>
-            </a:r>
-            <a:endParaRPr lang="en-US" altLang="zh-CN" sz="2800" dirty="0">
-              <a:latin typeface="Times New Roman" panose="02020603050405020304" pitchFamily="18" charset="0"/>
-              <a:ea typeface="Times New Roman" charset="0"/>
-              <a:cs typeface="Times New Roman" panose="02020603050405020304" pitchFamily="18" charset="0"/>
-            </a:endParaRPr>
-          </a:p>
-        </p:txBody>
-      </p:sp>
-      <p:sp>
-        <p:nvSpPr>
-          <p:cNvPr id="5" name="矩形 4"/>
-          <p:cNvSpPr/>
-          <p:nvPr/>
-        </p:nvSpPr>
-        <p:spPr>
-          <a:xfrm>
-            <a:off x="5551620" y="3244334"/>
-            <a:ext cx="1088760" cy="369332"/>
-          </a:xfrm>
-          <a:prstGeom prst="rect">
-            <a:avLst/>
-          </a:prstGeom>
-        </p:spPr>
-        <p:txBody>
-          <a:bodyPr wrap="none">
-            <a:spAutoFit/>
-          </a:bodyPr>
-          <a:lstStyle/>
-          <a:p>
-            <a:r>
-              <a:rPr lang="zh-CN" altLang="en-US" dirty="0"/>
-              <a:t>0.988476</a:t>
             </a:r>
           </a:p>
         </p:txBody>
@@ -10616,7 +10101,7 @@
           <p:cNvPr id="2" name="文本框 1">
             <a:extLst>
               <a:ext uri="{FF2B5EF4-FFF2-40B4-BE49-F238E27FC236}">
-                <a16:creationId xmlns:a16="http://schemas.microsoft.com/office/drawing/2014/main" xmlns="" id="{2622DBA6-4BF4-4F02-B794-AD3EC034F27C}"/>
+                <a16:creationId xmlns:a16="http://schemas.microsoft.com/office/drawing/2014/main" id="{2622DBA6-4BF4-4F02-B794-AD3EC034F27C}"/>
               </a:ext>
             </a:extLst>
           </p:cNvPr>
@@ -10641,7 +10126,7 @@
           <a:p>
             <a:r>
               <a:rPr lang="en-US" altLang="zh-CN" sz="3600" dirty="0"/>
-              <a:t>3. Results</a:t>
+              <a:t>3. Implement Details</a:t>
             </a:r>
             <a:endParaRPr lang="zh-CN" altLang="en-US" sz="3600" dirty="0"/>
           </a:p>
@@ -10669,7 +10154,7 @@
         </p:blipFill>
         <p:spPr>
           <a:xfrm>
-            <a:off x="913690" y="1649795"/>
+            <a:off x="786913" y="1504606"/>
             <a:ext cx="10914894" cy="6548936"/>
           </a:xfrm>
           <a:prstGeom prst="rect">
@@ -10685,7 +10170,7 @@
         </p:nvSpPr>
         <p:spPr>
           <a:xfrm>
-            <a:off x="490193" y="1494152"/>
+            <a:off x="426804" y="1504606"/>
             <a:ext cx="11338391" cy="584775"/>
           </a:xfrm>
           <a:prstGeom prst="rect">
@@ -10700,7 +10185,7 @@
           <a:lstStyle/>
           <a:p>
             <a:r>
-              <a:rPr kumimoji="1" lang="en-US" altLang="zh-CN" sz="3200" dirty="0" smtClean="0">
+              <a:rPr kumimoji="1" lang="en-US" altLang="zh-CN" sz="3200" dirty="0">
                 <a:latin typeface="Times New Roman" charset="0"/>
                 <a:ea typeface="Times New Roman" charset="0"/>
                 <a:cs typeface="Times New Roman" charset="0"/>
@@ -10708,47 +10193,31 @@
               <a:t>The</a:t>
             </a:r>
             <a:r>
-              <a:rPr kumimoji="1" lang="zh-CN" altLang="en-US" sz="3200" dirty="0" smtClean="0">
-                <a:latin typeface="Times New Roman" charset="0"/>
-                <a:ea typeface="Times New Roman" charset="0"/>
-                <a:cs typeface="Times New Roman" charset="0"/>
-              </a:rPr>
-              <a:t> </a:t>
-            </a:r>
-            <a:r>
-              <a:rPr kumimoji="1" lang="en-US" altLang="zh-CN" sz="3200" dirty="0" smtClean="0">
-                <a:latin typeface="Times New Roman" charset="0"/>
-                <a:ea typeface="Times New Roman" charset="0"/>
-                <a:cs typeface="Times New Roman" charset="0"/>
-              </a:rPr>
-              <a:t>result</a:t>
-            </a:r>
-            <a:r>
-              <a:rPr kumimoji="1" lang="zh-CN" altLang="en-US" sz="3200" dirty="0" smtClean="0">
-                <a:latin typeface="Times New Roman" charset="0"/>
-                <a:ea typeface="Times New Roman" charset="0"/>
-                <a:cs typeface="Times New Roman" charset="0"/>
-              </a:rPr>
-              <a:t> </a:t>
-            </a:r>
-            <a:r>
-              <a:rPr kumimoji="1" lang="en-US" altLang="zh-CN" sz="3200" dirty="0" smtClean="0">
-                <a:latin typeface="Times New Roman" charset="0"/>
-                <a:ea typeface="Times New Roman" charset="0"/>
-                <a:cs typeface="Times New Roman" charset="0"/>
-              </a:rPr>
-              <a:t>shows</a:t>
-            </a:r>
-            <a:r>
-              <a:rPr kumimoji="1" lang="zh-CN" altLang="en-US" sz="3200" dirty="0" smtClean="0">
-                <a:latin typeface="Times New Roman" charset="0"/>
-                <a:ea typeface="Times New Roman" charset="0"/>
-                <a:cs typeface="Times New Roman" charset="0"/>
-              </a:rPr>
-              <a:t> </a:t>
-            </a:r>
-            <a:r>
-              <a:rPr kumimoji="1" lang="en-US" altLang="zh-CN" sz="3200" dirty="0" smtClean="0">
+              <a:rPr kumimoji="1" lang="zh-CN" altLang="en-US" sz="3200" dirty="0">
+                <a:latin typeface="Times New Roman" charset="0"/>
+                <a:ea typeface="Times New Roman" charset="0"/>
+                <a:cs typeface="Times New Roman" charset="0"/>
+              </a:rPr>
+              <a:t> </a:t>
+            </a:r>
+            <a:r>
+              <a:rPr kumimoji="1" lang="en-US" altLang="zh-CN" sz="3200" dirty="0">
+                <a:latin typeface="Times New Roman" charset="0"/>
+                <a:ea typeface="Times New Roman" charset="0"/>
+                <a:cs typeface="Times New Roman" charset="0"/>
+              </a:rPr>
+              <a:t>result shows</a:t>
+            </a:r>
+            <a:r>
+              <a:rPr kumimoji="1" lang="zh-CN" altLang="en-US" sz="3200" dirty="0">
+                <a:latin typeface="Times New Roman" charset="0"/>
+                <a:ea typeface="Times New Roman" charset="0"/>
+                <a:cs typeface="Times New Roman" charset="0"/>
+              </a:rPr>
+              <a:t> </a:t>
+            </a:r>
+            <a:r>
+              <a:rPr kumimoji="1" lang="en-US" altLang="zh-CN" sz="3200" dirty="0">
                 <a:latin typeface="Times New Roman" charset="0"/>
                 <a:ea typeface="Times New Roman" charset="0"/>
                 <a:cs typeface="Times New Roman" charset="0"/>
@@ -10756,15 +10225,15 @@
               <a:t>clear</a:t>
             </a:r>
             <a:r>
-              <a:rPr kumimoji="1" lang="zh-CN" altLang="en-US" sz="3200" dirty="0" smtClean="0">
-                <a:latin typeface="Times New Roman" charset="0"/>
-                <a:ea typeface="Times New Roman" charset="0"/>
-                <a:cs typeface="Times New Roman" charset="0"/>
-              </a:rPr>
-              <a:t> </a:t>
-            </a:r>
-            <a:r>
-              <a:rPr kumimoji="1" lang="en-US" altLang="zh-CN" sz="3200" dirty="0" smtClean="0">
+              <a:rPr kumimoji="1" lang="zh-CN" altLang="en-US" sz="3200" dirty="0">
+                <a:latin typeface="Times New Roman" charset="0"/>
+                <a:ea typeface="Times New Roman" charset="0"/>
+                <a:cs typeface="Times New Roman" charset="0"/>
+              </a:rPr>
+              <a:t> </a:t>
+            </a:r>
+            <a:r>
+              <a:rPr kumimoji="1" lang="en-US" altLang="zh-CN" sz="3200" dirty="0">
                 <a:latin typeface="Times New Roman" charset="0"/>
                 <a:ea typeface="Times New Roman" charset="0"/>
                 <a:cs typeface="Times New Roman" charset="0"/>
@@ -10772,15 +10241,15 @@
               <a:t>and</a:t>
             </a:r>
             <a:r>
-              <a:rPr kumimoji="1" lang="zh-CN" altLang="en-US" sz="3200" dirty="0" smtClean="0">
-                <a:latin typeface="Times New Roman" charset="0"/>
-                <a:ea typeface="Times New Roman" charset="0"/>
-                <a:cs typeface="Times New Roman" charset="0"/>
-              </a:rPr>
-              <a:t> </a:t>
-            </a:r>
-            <a:r>
-              <a:rPr kumimoji="1" lang="en-US" altLang="zh-CN" sz="3200" dirty="0" smtClean="0">
+              <a:rPr kumimoji="1" lang="zh-CN" altLang="en-US" sz="3200" dirty="0">
+                <a:latin typeface="Times New Roman" charset="0"/>
+                <a:ea typeface="Times New Roman" charset="0"/>
+                <a:cs typeface="Times New Roman" charset="0"/>
+              </a:rPr>
+              <a:t> </a:t>
+            </a:r>
+            <a:r>
+              <a:rPr kumimoji="1" lang="en-US" altLang="zh-CN" sz="3200" dirty="0">
                 <a:latin typeface="Times New Roman" charset="0"/>
                 <a:ea typeface="Times New Roman" charset="0"/>
                 <a:cs typeface="Times New Roman" charset="0"/>
@@ -10788,15 +10257,15 @@
               <a:t>sharp</a:t>
             </a:r>
             <a:r>
-              <a:rPr kumimoji="1" lang="zh-CN" altLang="en-US" sz="3200" dirty="0" smtClean="0">
-                <a:latin typeface="Times New Roman" charset="0"/>
-                <a:ea typeface="Times New Roman" charset="0"/>
-                <a:cs typeface="Times New Roman" charset="0"/>
-              </a:rPr>
-              <a:t> </a:t>
-            </a:r>
-            <a:r>
-              <a:rPr kumimoji="1" lang="en-US" altLang="zh-CN" sz="3200" dirty="0" smtClean="0">
+              <a:rPr kumimoji="1" lang="zh-CN" altLang="en-US" sz="3200" dirty="0">
+                <a:latin typeface="Times New Roman" charset="0"/>
+                <a:ea typeface="Times New Roman" charset="0"/>
+                <a:cs typeface="Times New Roman" charset="0"/>
+              </a:rPr>
+              <a:t> </a:t>
+            </a:r>
+            <a:r>
+              <a:rPr kumimoji="1" lang="en-US" altLang="zh-CN" sz="3200" dirty="0">
                 <a:latin typeface="Times New Roman" charset="0"/>
                 <a:ea typeface="Times New Roman" charset="0"/>
                 <a:cs typeface="Times New Roman" charset="0"/>
@@ -10804,15 +10273,15 @@
               <a:t>marked</a:t>
             </a:r>
             <a:r>
-              <a:rPr kumimoji="1" lang="zh-CN" altLang="en-US" sz="3200" dirty="0" smtClean="0">
-                <a:latin typeface="Times New Roman" charset="0"/>
-                <a:ea typeface="Times New Roman" charset="0"/>
-                <a:cs typeface="Times New Roman" charset="0"/>
-              </a:rPr>
-              <a:t> </a:t>
-            </a:r>
-            <a:r>
-              <a:rPr kumimoji="1" lang="en-US" altLang="zh-CN" sz="3200" dirty="0" smtClean="0">
+              <a:rPr kumimoji="1" lang="zh-CN" altLang="en-US" sz="3200" dirty="0">
+                <a:latin typeface="Times New Roman" charset="0"/>
+                <a:ea typeface="Times New Roman" charset="0"/>
+                <a:cs typeface="Times New Roman" charset="0"/>
+              </a:rPr>
+              <a:t> </a:t>
+            </a:r>
+            <a:r>
+              <a:rPr kumimoji="1" lang="en-US" altLang="zh-CN" sz="3200" dirty="0">
                 <a:latin typeface="Times New Roman" charset="0"/>
                 <a:ea typeface="Times New Roman" charset="0"/>
                 <a:cs typeface="Times New Roman" charset="0"/>
@@ -10820,15 +10289,15 @@
               <a:t>lane</a:t>
             </a:r>
             <a:r>
-              <a:rPr kumimoji="1" lang="zh-CN" altLang="en-US" sz="3200" dirty="0" smtClean="0">
-                <a:latin typeface="Times New Roman" charset="0"/>
-                <a:ea typeface="Times New Roman" charset="0"/>
-                <a:cs typeface="Times New Roman" charset="0"/>
-              </a:rPr>
-              <a:t> </a:t>
-            </a:r>
-            <a:r>
-              <a:rPr kumimoji="1" lang="en-US" altLang="zh-CN" sz="3200" dirty="0" smtClean="0">
+              <a:rPr kumimoji="1" lang="zh-CN" altLang="en-US" sz="3200" dirty="0">
+                <a:latin typeface="Times New Roman" charset="0"/>
+                <a:ea typeface="Times New Roman" charset="0"/>
+                <a:cs typeface="Times New Roman" charset="0"/>
+              </a:rPr>
+              <a:t> </a:t>
+            </a:r>
+            <a:r>
+              <a:rPr kumimoji="1" lang="en-US" altLang="zh-CN" sz="3200" dirty="0">
                 <a:latin typeface="Times New Roman" charset="0"/>
                 <a:ea typeface="Times New Roman" charset="0"/>
                 <a:cs typeface="Times New Roman" charset="0"/>
@@ -10836,15 +10305,15 @@
               <a:t>on</a:t>
             </a:r>
             <a:r>
-              <a:rPr kumimoji="1" lang="zh-CN" altLang="en-US" sz="3200" dirty="0" smtClean="0">
-                <a:latin typeface="Times New Roman" charset="0"/>
-                <a:ea typeface="Times New Roman" charset="0"/>
-                <a:cs typeface="Times New Roman" charset="0"/>
-              </a:rPr>
-              <a:t> </a:t>
-            </a:r>
-            <a:r>
-              <a:rPr kumimoji="1" lang="en-US" altLang="zh-CN" sz="3200" dirty="0" smtClean="0">
+              <a:rPr kumimoji="1" lang="zh-CN" altLang="en-US" sz="3200" dirty="0">
+                <a:latin typeface="Times New Roman" charset="0"/>
+                <a:ea typeface="Times New Roman" charset="0"/>
+                <a:cs typeface="Times New Roman" charset="0"/>
+              </a:rPr>
+              <a:t> </a:t>
+            </a:r>
+            <a:r>
+              <a:rPr kumimoji="1" lang="en-US" altLang="zh-CN" sz="3200" dirty="0">
                 <a:latin typeface="Times New Roman" charset="0"/>
                 <a:ea typeface="Times New Roman" charset="0"/>
                 <a:cs typeface="Times New Roman" charset="0"/>
@@ -10852,15 +10321,15 @@
               <a:t>testing</a:t>
             </a:r>
             <a:r>
-              <a:rPr kumimoji="1" lang="zh-CN" altLang="en-US" sz="3200" dirty="0" smtClean="0">
-                <a:latin typeface="Times New Roman" charset="0"/>
-                <a:ea typeface="Times New Roman" charset="0"/>
-                <a:cs typeface="Times New Roman" charset="0"/>
-              </a:rPr>
-              <a:t> </a:t>
-            </a:r>
-            <a:r>
-              <a:rPr kumimoji="1" lang="en-US" altLang="zh-CN" sz="3200" dirty="0" smtClean="0">
+              <a:rPr kumimoji="1" lang="zh-CN" altLang="en-US" sz="3200" dirty="0">
+                <a:latin typeface="Times New Roman" charset="0"/>
+                <a:ea typeface="Times New Roman" charset="0"/>
+                <a:cs typeface="Times New Roman" charset="0"/>
+              </a:rPr>
+              <a:t> </a:t>
+            </a:r>
+            <a:r>
+              <a:rPr kumimoji="1" lang="en-US" altLang="zh-CN" sz="3200" dirty="0">
                 <a:latin typeface="Times New Roman" charset="0"/>
                 <a:ea typeface="Times New Roman" charset="0"/>
                 <a:cs typeface="Times New Roman" charset="0"/>
